--- a/PlatformDeveloperGuide/images/overview-platform-qualification.pptx
+++ b/PlatformDeveloperGuide/images/overview-platform-qualification.pptx
@@ -10762,8 +10762,8 @@
         </p:nvSpPr>
         <p:spPr>
           <a:xfrm>
-            <a:off x="6968148" y="3392123"/>
-            <a:ext cx="907710" cy="400110"/>
+            <a:off x="6971545" y="3575282"/>
+            <a:ext cx="907710" cy="246221"/>
           </a:xfrm>
           <a:prstGeom prst="rect">
             <a:avLst/>
@@ -10778,30 +10778,18 @@
           <a:p>
             <a:pPr algn="r"/>
             <a:r>
-              <a:rPr lang="en-US" sz="1000" dirty="0">
+              <a:rPr lang="en-US" sz="1000">
                 <a:latin typeface="Source Sans Pro" charset="0"/>
                 <a:ea typeface="Source Sans Pro" charset="0"/>
                 <a:cs typeface="Source Sans Pro" charset="0"/>
               </a:rPr>
               <a:t>API provider</a:t>
             </a:r>
-          </a:p>
-          <a:p>
-            <a:pPr algn="r"/>
-            <a:r>
-              <a:rPr lang="en-US" sz="1000" i="1" dirty="0">
-                <a:solidFill>
-                  <a:schemeClr val="tx2">
-                    <a:lumMod val="60000"/>
-                    <a:lumOff val="40000"/>
-                  </a:schemeClr>
-                </a:solidFill>
-                <a:latin typeface="Source Sans Pro" charset="0"/>
-                <a:ea typeface="Source Sans Pro" charset="0"/>
-                <a:cs typeface="Source Sans Pro" charset="0"/>
-              </a:rPr>
-              <a:t>- Atom -</a:t>
-            </a:r>
+            <a:endParaRPr lang="en-US" sz="1000" dirty="0">
+              <a:latin typeface="Source Sans Pro" charset="0"/>
+              <a:ea typeface="Source Sans Pro" charset="0"/>
+              <a:cs typeface="Source Sans Pro" charset="0"/>
+            </a:endParaRPr>
           </a:p>
         </p:txBody>
       </p:sp>
@@ -10820,7 +10808,7 @@
         <p:spPr>
           <a:xfrm>
             <a:off x="7042648" y="2180015"/>
-            <a:ext cx="1052196" cy="400110"/>
+            <a:ext cx="1052196" cy="246221"/>
           </a:xfrm>
           <a:prstGeom prst="rect">
             <a:avLst/>
@@ -10835,30 +10823,18 @@
           <a:p>
             <a:pPr algn="r"/>
             <a:r>
-              <a:rPr lang="en-US" sz="1000" dirty="0">
+              <a:rPr lang="en-US" sz="1000">
                 <a:latin typeface="Source Sans Pro" charset="0"/>
                 <a:ea typeface="Source Sans Pro" charset="0"/>
                 <a:cs typeface="Source Sans Pro" charset="0"/>
               </a:rPr>
               <a:t>Service provider</a:t>
             </a:r>
-          </a:p>
-          <a:p>
-            <a:pPr algn="r"/>
-            <a:r>
-              <a:rPr lang="en-US" sz="1000" i="1" dirty="0">
-                <a:solidFill>
-                  <a:schemeClr val="tx2">
-                    <a:lumMod val="60000"/>
-                    <a:lumOff val="40000"/>
-                  </a:schemeClr>
-                </a:solidFill>
-                <a:latin typeface="Source Sans Pro" charset="0"/>
-                <a:ea typeface="Source Sans Pro" charset="0"/>
-                <a:cs typeface="Source Sans Pro" charset="0"/>
-              </a:rPr>
-              <a:t>- Atom -</a:t>
-            </a:r>
+            <a:endParaRPr lang="en-US" sz="1000" dirty="0">
+              <a:latin typeface="Source Sans Pro" charset="0"/>
+              <a:ea typeface="Source Sans Pro" charset="0"/>
+              <a:cs typeface="Source Sans Pro" charset="0"/>
+            </a:endParaRPr>
           </a:p>
         </p:txBody>
       </p:sp>
@@ -10877,7 +10853,7 @@
         <p:spPr>
           <a:xfrm>
             <a:off x="8081162" y="3883189"/>
-            <a:ext cx="1364776" cy="400110"/>
+            <a:ext cx="1364776" cy="246221"/>
           </a:xfrm>
           <a:prstGeom prst="rect">
             <a:avLst/>
@@ -10903,22 +10879,6 @@
               <a:ea typeface="Source Sans Pro" charset="0"/>
               <a:cs typeface="Source Sans Pro" charset="0"/>
             </a:endParaRPr>
-          </a:p>
-          <a:p>
-            <a:r>
-              <a:rPr lang="en-US" sz="1000" i="1" dirty="0">
-                <a:solidFill>
-                  <a:schemeClr val="tx2">
-                    <a:lumMod val="60000"/>
-                    <a:lumOff val="40000"/>
-                  </a:schemeClr>
-                </a:solidFill>
-                <a:latin typeface="Source Sans Pro" charset="0"/>
-                <a:ea typeface="Source Sans Pro" charset="0"/>
-                <a:cs typeface="Source Sans Pro" charset="0"/>
-              </a:rPr>
-              <a:t>- Atom -</a:t>
-            </a:r>
           </a:p>
         </p:txBody>
       </p:sp>
@@ -10936,8 +10896,8 @@
         </p:nvSpPr>
         <p:spPr>
           <a:xfrm>
-            <a:off x="8317633" y="1729335"/>
-            <a:ext cx="1052196" cy="400110"/>
+            <a:off x="8281657" y="1866381"/>
+            <a:ext cx="1052196" cy="246221"/>
           </a:xfrm>
           <a:prstGeom prst="rect">
             <a:avLst/>
@@ -10951,29 +10911,18 @@
           <a:lstStyle/>
           <a:p>
             <a:r>
-              <a:rPr lang="en-US" sz="1000" dirty="0">
+              <a:rPr lang="en-US" sz="1000">
                 <a:latin typeface="Source Sans Pro" charset="0"/>
                 <a:ea typeface="Source Sans Pro" charset="0"/>
                 <a:cs typeface="Source Sans Pro" charset="0"/>
               </a:rPr>
               <a:t>Service user</a:t>
             </a:r>
-          </a:p>
-          <a:p>
-            <a:r>
-              <a:rPr lang="en-US" sz="1000" i="1" dirty="0">
-                <a:solidFill>
-                  <a:schemeClr val="tx2">
-                    <a:lumMod val="60000"/>
-                    <a:lumOff val="40000"/>
-                  </a:schemeClr>
-                </a:solidFill>
-                <a:latin typeface="Source Sans Pro" charset="0"/>
-                <a:ea typeface="Source Sans Pro" charset="0"/>
-                <a:cs typeface="Source Sans Pro" charset="0"/>
-              </a:rPr>
-              <a:t>- Atom -</a:t>
-            </a:r>
+            <a:endParaRPr lang="en-US" sz="1000" dirty="0">
+              <a:latin typeface="Source Sans Pro" charset="0"/>
+              <a:ea typeface="Source Sans Pro" charset="0"/>
+              <a:cs typeface="Source Sans Pro" charset="0"/>
+            </a:endParaRPr>
           </a:p>
         </p:txBody>
       </p:sp>

--- a/PlatformDeveloperGuide/images/overview-platform-qualification.pptx
+++ b/PlatformDeveloperGuide/images/overview-platform-qualification.pptx
@@ -5,13 +5,14 @@
     <p:sldMasterId id="2147483660" r:id="rId1"/>
   </p:sldMasterIdLst>
   <p:notesMasterIdLst>
-    <p:notesMasterId r:id="rId3"/>
+    <p:notesMasterId r:id="rId4"/>
   </p:notesMasterIdLst>
   <p:handoutMasterIdLst>
-    <p:handoutMasterId r:id="rId4"/>
+    <p:handoutMasterId r:id="rId5"/>
   </p:handoutMasterIdLst>
   <p:sldIdLst>
     <p:sldId id="7665" r:id="rId2"/>
+    <p:sldId id="7666" r:id="rId3"/>
   </p:sldIdLst>
   <p:sldSz cx="12192000" cy="6858000"/>
   <p:notesSz cx="6858000" cy="9144000"/>
@@ -218,7 +219,7 @@
               <a:rPr lang="fr-FR" smtClean="0">
                 <a:latin typeface="Calibri Regular" charset="0"/>
               </a:rPr>
-              <a:t>mercredi 7 avril 2021</a:t>
+              <a:t>mardi 13 avril 2021</a:t>
             </a:fld>
             <a:endParaRPr lang="en-US" dirty="0">
               <a:latin typeface="Calibri Regular" charset="0"/>
@@ -396,7 +397,7 @@
           <a:p>
             <a:fld id="{885721CF-495B-2B41-A23A-4D3221F80235}" type="datetime2">
               <a:rPr lang="fr-FR" smtClean="0"/>
-              <a:t>mercredi 7 avril 2021</a:t>
+              <a:t>mardi 13 avril 2021</a:t>
             </a:fld>
             <a:endParaRPr lang="en-US" dirty="0"/>
           </a:p>
@@ -6114,7 +6115,7 @@
           <a:p>
             <a:fld id="{32496EFB-B9C4-41B8-9BCF-EA8FBF46D043}" type="datetimeFigureOut">
               <a:rPr lang="en-US" smtClean="0"/>
-              <a:t>4/7/2021</a:t>
+              <a:t>4/13/2021</a:t>
             </a:fld>
             <a:endParaRPr lang="en-US"/>
           </a:p>
@@ -10750,6 +10751,359 @@
       </p:sp>
       <p:sp>
         <p:nvSpPr>
+          <p:cNvPr id="74" name="TextBox 73">
+            <a:extLst>
+              <a:ext uri="{FF2B5EF4-FFF2-40B4-BE49-F238E27FC236}">
+                <a16:creationId xmlns:a16="http://schemas.microsoft.com/office/drawing/2014/main" id="{12CCF81A-36E9-4914-872A-CDD8174AA252}"/>
+              </a:ext>
+            </a:extLst>
+          </p:cNvPr>
+          <p:cNvSpPr txBox="1"/>
+          <p:nvPr/>
+        </p:nvSpPr>
+        <p:spPr>
+          <a:xfrm>
+            <a:off x="6888812" y="6408261"/>
+            <a:ext cx="1052196" cy="246221"/>
+          </a:xfrm>
+          <a:prstGeom prst="rect">
+            <a:avLst/>
+          </a:prstGeom>
+          <a:noFill/>
+        </p:spPr>
+        <p:txBody>
+          <a:bodyPr wrap="square" rtlCol="0">
+            <a:spAutoFit/>
+          </a:bodyPr>
+          <a:lstStyle/>
+          <a:p>
+            <a:r>
+              <a:rPr lang="en-US" sz="1000">
+                <a:latin typeface="Source Sans Pro" charset="0"/>
+                <a:ea typeface="Source Sans Pro" charset="0"/>
+                <a:cs typeface="Source Sans Pro" charset="0"/>
+              </a:rPr>
+              <a:t>Service user</a:t>
+            </a:r>
+            <a:endParaRPr lang="en-US" sz="1000" dirty="0">
+              <a:latin typeface="Source Sans Pro" charset="0"/>
+              <a:ea typeface="Source Sans Pro" charset="0"/>
+              <a:cs typeface="Source Sans Pro" charset="0"/>
+            </a:endParaRPr>
+          </a:p>
+        </p:txBody>
+      </p:sp>
+      <p:grpSp>
+        <p:nvGrpSpPr>
+          <p:cNvPr id="9" name="Group 8">
+            <a:extLst>
+              <a:ext uri="{FF2B5EF4-FFF2-40B4-BE49-F238E27FC236}">
+                <a16:creationId xmlns:a16="http://schemas.microsoft.com/office/drawing/2014/main" id="{7FB25D2F-A753-4EFD-96FC-D5EB24FE140C}"/>
+              </a:ext>
+            </a:extLst>
+          </p:cNvPr>
+          <p:cNvGrpSpPr/>
+          <p:nvPr/>
+        </p:nvGrpSpPr>
+        <p:grpSpPr>
+          <a:xfrm>
+            <a:off x="5718271" y="6231991"/>
+            <a:ext cx="1839424" cy="433216"/>
+            <a:chOff x="7106013" y="5464724"/>
+            <a:chExt cx="1839424" cy="433216"/>
+          </a:xfrm>
+        </p:grpSpPr>
+        <p:sp>
+          <p:nvSpPr>
+            <p:cNvPr id="67" name="TextBox 66">
+              <a:extLst>
+                <a:ext uri="{FF2B5EF4-FFF2-40B4-BE49-F238E27FC236}">
+                  <a16:creationId xmlns:a16="http://schemas.microsoft.com/office/drawing/2014/main" id="{8D2600DF-EA8A-42B6-99A2-3293C0A7B7F5}"/>
+                </a:ext>
+              </a:extLst>
+            </p:cNvPr>
+            <p:cNvSpPr txBox="1"/>
+            <p:nvPr/>
+          </p:nvSpPr>
+          <p:spPr>
+            <a:xfrm>
+              <a:off x="7106013" y="5651719"/>
+              <a:ext cx="1052196" cy="246221"/>
+            </a:xfrm>
+            <a:prstGeom prst="rect">
+              <a:avLst/>
+            </a:prstGeom>
+            <a:noFill/>
+          </p:spPr>
+          <p:txBody>
+            <a:bodyPr wrap="square" rtlCol="0">
+              <a:spAutoFit/>
+            </a:bodyPr>
+            <a:lstStyle/>
+            <a:p>
+              <a:pPr algn="r"/>
+              <a:r>
+                <a:rPr lang="en-US" sz="1000">
+                  <a:latin typeface="Source Sans Pro" charset="0"/>
+                  <a:ea typeface="Source Sans Pro" charset="0"/>
+                  <a:cs typeface="Source Sans Pro" charset="0"/>
+                </a:rPr>
+                <a:t>Service provider</a:t>
+              </a:r>
+              <a:endParaRPr lang="en-US" sz="1000" dirty="0">
+                <a:latin typeface="Source Sans Pro" charset="0"/>
+                <a:ea typeface="Source Sans Pro" charset="0"/>
+                <a:cs typeface="Source Sans Pro" charset="0"/>
+              </a:endParaRPr>
+            </a:p>
+          </p:txBody>
+        </p:sp>
+        <p:grpSp>
+          <p:nvGrpSpPr>
+            <p:cNvPr id="75" name="Group 74">
+              <a:extLst>
+                <a:ext uri="{FF2B5EF4-FFF2-40B4-BE49-F238E27FC236}">
+                  <a16:creationId xmlns:a16="http://schemas.microsoft.com/office/drawing/2014/main" id="{1506AAA1-F3C3-41FC-B59D-A7088DD7DA7B}"/>
+                </a:ext>
+              </a:extLst>
+            </p:cNvPr>
+            <p:cNvGrpSpPr/>
+            <p:nvPr/>
+          </p:nvGrpSpPr>
+          <p:grpSpPr>
+            <a:xfrm>
+              <a:off x="7984509" y="5464724"/>
+              <a:ext cx="960928" cy="323422"/>
+              <a:chOff x="7861038" y="4165151"/>
+              <a:chExt cx="960928" cy="323422"/>
+            </a:xfrm>
+          </p:grpSpPr>
+          <p:cxnSp>
+            <p:nvCxnSpPr>
+              <p:cNvPr id="76" name="Straight Connector 75">
+                <a:extLst>
+                  <a:ext uri="{FF2B5EF4-FFF2-40B4-BE49-F238E27FC236}">
+                    <a16:creationId xmlns:a16="http://schemas.microsoft.com/office/drawing/2014/main" id="{26E7A69B-E475-4E1B-B174-7F44442211C3}"/>
+                  </a:ext>
+                </a:extLst>
+              </p:cNvPr>
+              <p:cNvCxnSpPr>
+                <a:cxnSpLocks/>
+              </p:cNvCxnSpPr>
+              <p:nvPr/>
+            </p:nvCxnSpPr>
+            <p:spPr>
+              <a:xfrm flipH="1">
+                <a:off x="8184460" y="4321726"/>
+                <a:ext cx="637506" cy="0"/>
+              </a:xfrm>
+              <a:prstGeom prst="line">
+                <a:avLst/>
+              </a:prstGeom>
+              <a:ln w="28575">
+                <a:solidFill>
+                  <a:srgbClr val="C00000"/>
+                </a:solidFill>
+                <a:headEnd type="none"/>
+              </a:ln>
+            </p:spPr>
+            <p:style>
+              <a:lnRef idx="1">
+                <a:schemeClr val="accent1"/>
+              </a:lnRef>
+              <a:fillRef idx="0">
+                <a:schemeClr val="accent1"/>
+              </a:fillRef>
+              <a:effectRef idx="0">
+                <a:schemeClr val="accent1"/>
+              </a:effectRef>
+              <a:fontRef idx="minor">
+                <a:schemeClr val="tx1"/>
+              </a:fontRef>
+            </p:style>
+          </p:cxnSp>
+          <p:sp>
+            <p:nvSpPr>
+              <p:cNvPr id="77" name="Arc 76">
+                <a:extLst>
+                  <a:ext uri="{FF2B5EF4-FFF2-40B4-BE49-F238E27FC236}">
+                    <a16:creationId xmlns:a16="http://schemas.microsoft.com/office/drawing/2014/main" id="{62E5A504-B4A3-475F-B92E-5F78EEA8D749}"/>
+                  </a:ext>
+                </a:extLst>
+              </p:cNvPr>
+              <p:cNvSpPr/>
+              <p:nvPr/>
+            </p:nvSpPr>
+            <p:spPr>
+              <a:xfrm>
+                <a:off x="7861038" y="4165151"/>
+                <a:ext cx="323422" cy="323422"/>
+              </a:xfrm>
+              <a:prstGeom prst="arc">
+                <a:avLst>
+                  <a:gd name="adj1" fmla="val 16200000"/>
+                  <a:gd name="adj2" fmla="val 5338930"/>
+                </a:avLst>
+              </a:prstGeom>
+              <a:ln w="28575">
+                <a:solidFill>
+                  <a:srgbClr val="C00000"/>
+                </a:solidFill>
+              </a:ln>
+            </p:spPr>
+            <p:style>
+              <a:lnRef idx="1">
+                <a:schemeClr val="accent1"/>
+              </a:lnRef>
+              <a:fillRef idx="0">
+                <a:schemeClr val="accent1"/>
+              </a:fillRef>
+              <a:effectRef idx="0">
+                <a:schemeClr val="accent1"/>
+              </a:effectRef>
+              <a:fontRef idx="minor">
+                <a:schemeClr val="tx1"/>
+              </a:fontRef>
+            </p:style>
+            <p:txBody>
+              <a:bodyPr rtlCol="0" anchor="ctr"/>
+              <a:lstStyle/>
+              <a:p>
+                <a:pPr algn="ctr"/>
+                <a:endParaRPr lang="fr-FR"/>
+              </a:p>
+            </p:txBody>
+          </p:sp>
+        </p:grpSp>
+        <p:grpSp>
+          <p:nvGrpSpPr>
+            <p:cNvPr id="78" name="Group 77">
+              <a:extLst>
+                <a:ext uri="{FF2B5EF4-FFF2-40B4-BE49-F238E27FC236}">
+                  <a16:creationId xmlns:a16="http://schemas.microsoft.com/office/drawing/2014/main" id="{A9D14077-97DB-4F9D-A72E-672884F8381A}"/>
+                </a:ext>
+              </a:extLst>
+            </p:cNvPr>
+            <p:cNvGrpSpPr/>
+            <p:nvPr/>
+          </p:nvGrpSpPr>
+          <p:grpSpPr>
+            <a:xfrm>
+              <a:off x="7500595" y="5554294"/>
+              <a:ext cx="705126" cy="144282"/>
+              <a:chOff x="7377124" y="4249584"/>
+              <a:chExt cx="705126" cy="144282"/>
+            </a:xfrm>
+          </p:grpSpPr>
+          <p:cxnSp>
+            <p:nvCxnSpPr>
+              <p:cNvPr id="79" name="Straight Connector 78">
+                <a:extLst>
+                  <a:ext uri="{FF2B5EF4-FFF2-40B4-BE49-F238E27FC236}">
+                    <a16:creationId xmlns:a16="http://schemas.microsoft.com/office/drawing/2014/main" id="{F0310334-7DD0-4CD9-B246-E6B7DA4DA3AB}"/>
+                  </a:ext>
+                </a:extLst>
+              </p:cNvPr>
+              <p:cNvCxnSpPr>
+                <a:cxnSpLocks/>
+                <a:stCxn id="80" idx="2"/>
+              </p:cNvCxnSpPr>
+              <p:nvPr/>
+            </p:nvCxnSpPr>
+            <p:spPr>
+              <a:xfrm flipH="1" flipV="1">
+                <a:off x="7377124" y="4318421"/>
+                <a:ext cx="560844" cy="3304"/>
+              </a:xfrm>
+              <a:prstGeom prst="line">
+                <a:avLst/>
+              </a:prstGeom>
+              <a:ln w="28575">
+                <a:solidFill>
+                  <a:srgbClr val="C00000"/>
+                </a:solidFill>
+                <a:headEnd type="none"/>
+              </a:ln>
+            </p:spPr>
+            <p:style>
+              <a:lnRef idx="1">
+                <a:schemeClr val="accent1"/>
+              </a:lnRef>
+              <a:fillRef idx="0">
+                <a:schemeClr val="accent1"/>
+              </a:fillRef>
+              <a:effectRef idx="0">
+                <a:schemeClr val="accent1"/>
+              </a:effectRef>
+              <a:fontRef idx="minor">
+                <a:schemeClr val="tx1"/>
+              </a:fontRef>
+            </p:style>
+          </p:cxnSp>
+          <p:sp>
+            <p:nvSpPr>
+              <p:cNvPr id="80" name="Oval 79">
+                <a:extLst>
+                  <a:ext uri="{FF2B5EF4-FFF2-40B4-BE49-F238E27FC236}">
+                    <a16:creationId xmlns:a16="http://schemas.microsoft.com/office/drawing/2014/main" id="{EF7C0498-D8A9-461C-BE6A-9C377854B2AE}"/>
+                  </a:ext>
+                </a:extLst>
+              </p:cNvPr>
+              <p:cNvSpPr/>
+              <p:nvPr/>
+            </p:nvSpPr>
+            <p:spPr>
+              <a:xfrm>
+                <a:off x="7937968" y="4249584"/>
+                <a:ext cx="144282" cy="144282"/>
+              </a:xfrm>
+              <a:prstGeom prst="ellipse">
+                <a:avLst/>
+              </a:prstGeom>
+              <a:solidFill>
+                <a:schemeClr val="bg1"/>
+              </a:solidFill>
+              <a:ln w="28575">
+                <a:solidFill>
+                  <a:srgbClr val="C00000"/>
+                </a:solidFill>
+              </a:ln>
+            </p:spPr>
+            <p:style>
+              <a:lnRef idx="2">
+                <a:schemeClr val="accent1">
+                  <a:shade val="50000"/>
+                </a:schemeClr>
+              </a:lnRef>
+              <a:fillRef idx="1">
+                <a:schemeClr val="accent1"/>
+              </a:fillRef>
+              <a:effectRef idx="0">
+                <a:schemeClr val="accent1"/>
+              </a:effectRef>
+              <a:fontRef idx="minor">
+                <a:schemeClr val="lt1"/>
+              </a:fontRef>
+            </p:style>
+            <p:txBody>
+              <a:bodyPr rtlCol="0" anchor="ctr"/>
+              <a:lstStyle/>
+              <a:p>
+                <a:pPr algn="ctr"/>
+                <a:endParaRPr lang="fr-FR" sz="1400" dirty="0">
+                  <a:solidFill>
+                    <a:schemeClr val="tx2"/>
+                  </a:solidFill>
+                  <a:latin typeface="Source Sans Pro Light" panose="020B0403030403020204" pitchFamily="34" charset="77"/>
+                  <a:ea typeface="Source Sans Pro" panose="020B0503030403020204" pitchFamily="34" charset="0"/>
+                </a:endParaRPr>
+              </a:p>
+            </p:txBody>
+          </p:sp>
+        </p:grpSp>
+      </p:grpSp>
+      <p:sp>
+        <p:nvSpPr>
           <p:cNvPr id="65" name="TextBox 64">
             <a:extLst>
               <a:ext uri="{FF2B5EF4-FFF2-40B4-BE49-F238E27FC236}">
@@ -10762,7 +11116,7 @@
         </p:nvSpPr>
         <p:spPr>
           <a:xfrm>
-            <a:off x="6971545" y="3575282"/>
+            <a:off x="3299689" y="6145829"/>
             <a:ext cx="907710" cy="246221"/>
           </a:xfrm>
           <a:prstGeom prst="rect">
@@ -10784,51 +11138,6 @@
                 <a:cs typeface="Source Sans Pro" charset="0"/>
               </a:rPr>
               <a:t>API provider</a:t>
-            </a:r>
-            <a:endParaRPr lang="en-US" sz="1000" dirty="0">
-              <a:latin typeface="Source Sans Pro" charset="0"/>
-              <a:ea typeface="Source Sans Pro" charset="0"/>
-              <a:cs typeface="Source Sans Pro" charset="0"/>
-            </a:endParaRPr>
-          </a:p>
-        </p:txBody>
-      </p:sp>
-      <p:sp>
-        <p:nvSpPr>
-          <p:cNvPr id="67" name="TextBox 66">
-            <a:extLst>
-              <a:ext uri="{FF2B5EF4-FFF2-40B4-BE49-F238E27FC236}">
-                <a16:creationId xmlns:a16="http://schemas.microsoft.com/office/drawing/2014/main" id="{8D2600DF-EA8A-42B6-99A2-3293C0A7B7F5}"/>
-              </a:ext>
-            </a:extLst>
-          </p:cNvPr>
-          <p:cNvSpPr txBox="1"/>
-          <p:nvPr/>
-        </p:nvSpPr>
-        <p:spPr>
-          <a:xfrm>
-            <a:off x="7042648" y="2180015"/>
-            <a:ext cx="1052196" cy="246221"/>
-          </a:xfrm>
-          <a:prstGeom prst="rect">
-            <a:avLst/>
-          </a:prstGeom>
-          <a:noFill/>
-        </p:spPr>
-        <p:txBody>
-          <a:bodyPr wrap="square" rtlCol="0">
-            <a:spAutoFit/>
-          </a:bodyPr>
-          <a:lstStyle/>
-          <a:p>
-            <a:pPr algn="r"/>
-            <a:r>
-              <a:rPr lang="en-US" sz="1000">
-                <a:latin typeface="Source Sans Pro" charset="0"/>
-                <a:ea typeface="Source Sans Pro" charset="0"/>
-                <a:cs typeface="Source Sans Pro" charset="0"/>
-              </a:rPr>
-              <a:t>Service provider</a:t>
             </a:r>
             <a:endParaRPr lang="en-US" sz="1000" dirty="0">
               <a:latin typeface="Source Sans Pro" charset="0"/>
@@ -10852,7 +11161,7 @@
         </p:nvSpPr>
         <p:spPr>
           <a:xfrm>
-            <a:off x="8081162" y="3883189"/>
+            <a:off x="4411265" y="6166647"/>
             <a:ext cx="1364776" cy="246221"/>
           </a:xfrm>
           <a:prstGeom prst="rect">
@@ -10882,293 +11191,6 @@
           </a:p>
         </p:txBody>
       </p:sp>
-      <p:sp>
-        <p:nvSpPr>
-          <p:cNvPr id="74" name="TextBox 73">
-            <a:extLst>
-              <a:ext uri="{FF2B5EF4-FFF2-40B4-BE49-F238E27FC236}">
-                <a16:creationId xmlns:a16="http://schemas.microsoft.com/office/drawing/2014/main" id="{12CCF81A-36E9-4914-872A-CDD8174AA252}"/>
-              </a:ext>
-            </a:extLst>
-          </p:cNvPr>
-          <p:cNvSpPr txBox="1"/>
-          <p:nvPr/>
-        </p:nvSpPr>
-        <p:spPr>
-          <a:xfrm>
-            <a:off x="8281657" y="1866381"/>
-            <a:ext cx="1052196" cy="246221"/>
-          </a:xfrm>
-          <a:prstGeom prst="rect">
-            <a:avLst/>
-          </a:prstGeom>
-          <a:noFill/>
-        </p:spPr>
-        <p:txBody>
-          <a:bodyPr wrap="square" rtlCol="0">
-            <a:spAutoFit/>
-          </a:bodyPr>
-          <a:lstStyle/>
-          <a:p>
-            <a:r>
-              <a:rPr lang="en-US" sz="1000">
-                <a:latin typeface="Source Sans Pro" charset="0"/>
-                <a:ea typeface="Source Sans Pro" charset="0"/>
-                <a:cs typeface="Source Sans Pro" charset="0"/>
-              </a:rPr>
-              <a:t>Service user</a:t>
-            </a:r>
-            <a:endParaRPr lang="en-US" sz="1000" dirty="0">
-              <a:latin typeface="Source Sans Pro" charset="0"/>
-              <a:ea typeface="Source Sans Pro" charset="0"/>
-              <a:cs typeface="Source Sans Pro" charset="0"/>
-            </a:endParaRPr>
-          </a:p>
-        </p:txBody>
-      </p:sp>
-      <p:grpSp>
-        <p:nvGrpSpPr>
-          <p:cNvPr id="75" name="Group 74">
-            <a:extLst>
-              <a:ext uri="{FF2B5EF4-FFF2-40B4-BE49-F238E27FC236}">
-                <a16:creationId xmlns:a16="http://schemas.microsoft.com/office/drawing/2014/main" id="{1506AAA1-F3C3-41FC-B59D-A7088DD7DA7B}"/>
-              </a:ext>
-            </a:extLst>
-          </p:cNvPr>
-          <p:cNvGrpSpPr/>
-          <p:nvPr/>
-        </p:nvGrpSpPr>
-        <p:grpSpPr>
-          <a:xfrm>
-            <a:off x="7994211" y="1993019"/>
-            <a:ext cx="960928" cy="323422"/>
-            <a:chOff x="7861038" y="4165151"/>
-            <a:chExt cx="960928" cy="323422"/>
-          </a:xfrm>
-        </p:grpSpPr>
-        <p:cxnSp>
-          <p:nvCxnSpPr>
-            <p:cNvPr id="76" name="Straight Connector 75">
-              <a:extLst>
-                <a:ext uri="{FF2B5EF4-FFF2-40B4-BE49-F238E27FC236}">
-                  <a16:creationId xmlns:a16="http://schemas.microsoft.com/office/drawing/2014/main" id="{26E7A69B-E475-4E1B-B174-7F44442211C3}"/>
-                </a:ext>
-              </a:extLst>
-            </p:cNvPr>
-            <p:cNvCxnSpPr>
-              <a:cxnSpLocks/>
-            </p:cNvCxnSpPr>
-            <p:nvPr/>
-          </p:nvCxnSpPr>
-          <p:spPr>
-            <a:xfrm flipH="1">
-              <a:off x="8184460" y="4321726"/>
-              <a:ext cx="637506" cy="0"/>
-            </a:xfrm>
-            <a:prstGeom prst="line">
-              <a:avLst/>
-            </a:prstGeom>
-            <a:ln w="28575">
-              <a:solidFill>
-                <a:srgbClr val="C00000"/>
-              </a:solidFill>
-              <a:headEnd type="none"/>
-            </a:ln>
-          </p:spPr>
-          <p:style>
-            <a:lnRef idx="1">
-              <a:schemeClr val="accent1"/>
-            </a:lnRef>
-            <a:fillRef idx="0">
-              <a:schemeClr val="accent1"/>
-            </a:fillRef>
-            <a:effectRef idx="0">
-              <a:schemeClr val="accent1"/>
-            </a:effectRef>
-            <a:fontRef idx="minor">
-              <a:schemeClr val="tx1"/>
-            </a:fontRef>
-          </p:style>
-        </p:cxnSp>
-        <p:sp>
-          <p:nvSpPr>
-            <p:cNvPr id="77" name="Arc 76">
-              <a:extLst>
-                <a:ext uri="{FF2B5EF4-FFF2-40B4-BE49-F238E27FC236}">
-                  <a16:creationId xmlns:a16="http://schemas.microsoft.com/office/drawing/2014/main" id="{62E5A504-B4A3-475F-B92E-5F78EEA8D749}"/>
-                </a:ext>
-              </a:extLst>
-            </p:cNvPr>
-            <p:cNvSpPr/>
-            <p:nvPr/>
-          </p:nvSpPr>
-          <p:spPr>
-            <a:xfrm>
-              <a:off x="7861038" y="4165151"/>
-              <a:ext cx="323422" cy="323422"/>
-            </a:xfrm>
-            <a:prstGeom prst="arc">
-              <a:avLst>
-                <a:gd name="adj1" fmla="val 16200000"/>
-                <a:gd name="adj2" fmla="val 5338930"/>
-              </a:avLst>
-            </a:prstGeom>
-            <a:ln w="28575">
-              <a:solidFill>
-                <a:srgbClr val="C00000"/>
-              </a:solidFill>
-            </a:ln>
-          </p:spPr>
-          <p:style>
-            <a:lnRef idx="1">
-              <a:schemeClr val="accent1"/>
-            </a:lnRef>
-            <a:fillRef idx="0">
-              <a:schemeClr val="accent1"/>
-            </a:fillRef>
-            <a:effectRef idx="0">
-              <a:schemeClr val="accent1"/>
-            </a:effectRef>
-            <a:fontRef idx="minor">
-              <a:schemeClr val="tx1"/>
-            </a:fontRef>
-          </p:style>
-          <p:txBody>
-            <a:bodyPr rtlCol="0" anchor="ctr"/>
-            <a:lstStyle/>
-            <a:p>
-              <a:pPr algn="ctr"/>
-              <a:endParaRPr lang="fr-FR"/>
-            </a:p>
-          </p:txBody>
-        </p:sp>
-      </p:grpSp>
-      <p:grpSp>
-        <p:nvGrpSpPr>
-          <p:cNvPr id="78" name="Group 77">
-            <a:extLst>
-              <a:ext uri="{FF2B5EF4-FFF2-40B4-BE49-F238E27FC236}">
-                <a16:creationId xmlns:a16="http://schemas.microsoft.com/office/drawing/2014/main" id="{A9D14077-97DB-4F9D-A72E-672884F8381A}"/>
-              </a:ext>
-            </a:extLst>
-          </p:cNvPr>
-          <p:cNvGrpSpPr/>
-          <p:nvPr/>
-        </p:nvGrpSpPr>
-        <p:grpSpPr>
-          <a:xfrm>
-            <a:off x="7510297" y="2082589"/>
-            <a:ext cx="705126" cy="144282"/>
-            <a:chOff x="7377124" y="4249584"/>
-            <a:chExt cx="705126" cy="144282"/>
-          </a:xfrm>
-        </p:grpSpPr>
-        <p:cxnSp>
-          <p:nvCxnSpPr>
-            <p:cNvPr id="79" name="Straight Connector 78">
-              <a:extLst>
-                <a:ext uri="{FF2B5EF4-FFF2-40B4-BE49-F238E27FC236}">
-                  <a16:creationId xmlns:a16="http://schemas.microsoft.com/office/drawing/2014/main" id="{F0310334-7DD0-4CD9-B246-E6B7DA4DA3AB}"/>
-                </a:ext>
-              </a:extLst>
-            </p:cNvPr>
-            <p:cNvCxnSpPr>
-              <a:cxnSpLocks/>
-              <a:stCxn id="80" idx="2"/>
-            </p:cNvCxnSpPr>
-            <p:nvPr/>
-          </p:nvCxnSpPr>
-          <p:spPr>
-            <a:xfrm flipH="1" flipV="1">
-              <a:off x="7377124" y="4318421"/>
-              <a:ext cx="560844" cy="3304"/>
-            </a:xfrm>
-            <a:prstGeom prst="line">
-              <a:avLst/>
-            </a:prstGeom>
-            <a:ln w="28575">
-              <a:solidFill>
-                <a:srgbClr val="C00000"/>
-              </a:solidFill>
-              <a:headEnd type="none"/>
-            </a:ln>
-          </p:spPr>
-          <p:style>
-            <a:lnRef idx="1">
-              <a:schemeClr val="accent1"/>
-            </a:lnRef>
-            <a:fillRef idx="0">
-              <a:schemeClr val="accent1"/>
-            </a:fillRef>
-            <a:effectRef idx="0">
-              <a:schemeClr val="accent1"/>
-            </a:effectRef>
-            <a:fontRef idx="minor">
-              <a:schemeClr val="tx1"/>
-            </a:fontRef>
-          </p:style>
-        </p:cxnSp>
-        <p:sp>
-          <p:nvSpPr>
-            <p:cNvPr id="80" name="Oval 79">
-              <a:extLst>
-                <a:ext uri="{FF2B5EF4-FFF2-40B4-BE49-F238E27FC236}">
-                  <a16:creationId xmlns:a16="http://schemas.microsoft.com/office/drawing/2014/main" id="{EF7C0498-D8A9-461C-BE6A-9C377854B2AE}"/>
-                </a:ext>
-              </a:extLst>
-            </p:cNvPr>
-            <p:cNvSpPr/>
-            <p:nvPr/>
-          </p:nvSpPr>
-          <p:spPr>
-            <a:xfrm>
-              <a:off x="7937968" y="4249584"/>
-              <a:ext cx="144282" cy="144282"/>
-            </a:xfrm>
-            <a:prstGeom prst="ellipse">
-              <a:avLst/>
-            </a:prstGeom>
-            <a:solidFill>
-              <a:schemeClr val="bg1"/>
-            </a:solidFill>
-            <a:ln w="28575">
-              <a:solidFill>
-                <a:srgbClr val="C00000"/>
-              </a:solidFill>
-            </a:ln>
-          </p:spPr>
-          <p:style>
-            <a:lnRef idx="2">
-              <a:schemeClr val="accent1">
-                <a:shade val="50000"/>
-              </a:schemeClr>
-            </a:lnRef>
-            <a:fillRef idx="1">
-              <a:schemeClr val="accent1"/>
-            </a:fillRef>
-            <a:effectRef idx="0">
-              <a:schemeClr val="accent1"/>
-            </a:effectRef>
-            <a:fontRef idx="minor">
-              <a:schemeClr val="lt1"/>
-            </a:fontRef>
-          </p:style>
-          <p:txBody>
-            <a:bodyPr rtlCol="0" anchor="ctr"/>
-            <a:lstStyle/>
-            <a:p>
-              <a:pPr algn="ctr"/>
-              <a:endParaRPr lang="fr-FR" sz="1400" dirty="0">
-                <a:solidFill>
-                  <a:schemeClr val="tx2"/>
-                </a:solidFill>
-                <a:latin typeface="Source Sans Pro Light" panose="020B0403030403020204" pitchFamily="34" charset="77"/>
-                <a:ea typeface="Source Sans Pro" panose="020B0503030403020204" pitchFamily="34" charset="0"/>
-              </a:endParaRPr>
-            </a:p>
-          </p:txBody>
-        </p:sp>
-      </p:grpSp>
       <p:grpSp>
         <p:nvGrpSpPr>
           <p:cNvPr id="81" name="Group 80">
@@ -11183,7 +11205,7 @@
         </p:nvGrpSpPr>
         <p:grpSpPr>
           <a:xfrm>
-            <a:off x="7918241" y="3703462"/>
+            <a:off x="4257861" y="6248052"/>
             <a:ext cx="784221" cy="304800"/>
             <a:chOff x="8104414" y="3712029"/>
             <a:chExt cx="784221" cy="304800"/>
@@ -11359,7 +11381,7 @@
         </p:nvGrpSpPr>
         <p:grpSpPr>
           <a:xfrm>
-            <a:off x="7283106" y="3781879"/>
+            <a:off x="3622726" y="6326469"/>
             <a:ext cx="705128" cy="147966"/>
             <a:chOff x="7402610" y="3792299"/>
             <a:chExt cx="705128" cy="147966"/>
@@ -11994,7 +12016,7 @@
                 <a:ea typeface="Source Sans Pro Semibold" charset="0"/>
                 <a:cs typeface="Source Sans Pro Semibold" charset="0"/>
               </a:rPr>
-              <a:t>ADLA Implementation (.c)</a:t>
+              <a:t>Abstraction Layer (.c)</a:t>
             </a:r>
             <a:endParaRPr lang="en-US" sz="1200" b="1" i="1">
               <a:solidFill>
@@ -13014,6 +13036,4783 @@
     <p:extLst>
       <p:ext uri="{BB962C8B-B14F-4D97-AF65-F5344CB8AC3E}">
         <p14:creationId xmlns:p14="http://schemas.microsoft.com/office/powerpoint/2010/main" val="3152416020"/>
+      </p:ext>
+    </p:extLst>
+  </p:cSld>
+  <p:clrMapOvr>
+    <a:masterClrMapping/>
+  </p:clrMapOvr>
+</p:sld>
+</file>
+
+<file path=ppt/slides/slide2.xml><?xml version="1.0" encoding="utf-8"?>
+<p:sld xmlns:a="http://schemas.openxmlformats.org/drawingml/2006/main" xmlns:r="http://schemas.openxmlformats.org/officeDocument/2006/relationships" xmlns:p="http://schemas.openxmlformats.org/presentationml/2006/main">
+  <p:cSld>
+    <p:spTree>
+      <p:nvGrpSpPr>
+        <p:cNvPr id="1" name=""/>
+        <p:cNvGrpSpPr/>
+        <p:nvPr/>
+      </p:nvGrpSpPr>
+      <p:grpSpPr>
+        <a:xfrm>
+          <a:off x="0" y="0"/>
+          <a:ext cx="0" cy="0"/>
+          <a:chOff x="0" y="0"/>
+          <a:chExt cx="0" cy="0"/>
+        </a:xfrm>
+      </p:grpSpPr>
+      <p:sp>
+        <p:nvSpPr>
+          <p:cNvPr id="2" name="Date Placeholder 1">
+            <a:extLst>
+              <a:ext uri="{FF2B5EF4-FFF2-40B4-BE49-F238E27FC236}">
+                <a16:creationId xmlns:a16="http://schemas.microsoft.com/office/drawing/2014/main" id="{2E6E3EA1-8772-45CF-9308-BB92D0AF4DA6}"/>
+              </a:ext>
+            </a:extLst>
+          </p:cNvPr>
+          <p:cNvSpPr>
+            <a:spLocks noGrp="1"/>
+          </p:cNvSpPr>
+          <p:nvPr>
+            <p:ph type="dt" sz="half" idx="10"/>
+          </p:nvPr>
+        </p:nvSpPr>
+        <p:spPr/>
+        <p:txBody>
+          <a:bodyPr/>
+          <a:lstStyle/>
+          <a:p>
+            <a:r>
+              <a:rPr lang="en-US"/>
+              <a:t>June 2020</a:t>
+            </a:r>
+            <a:endParaRPr lang="en-US" dirty="0"/>
+          </a:p>
+        </p:txBody>
+      </p:sp>
+      <p:sp>
+        <p:nvSpPr>
+          <p:cNvPr id="3" name="Footer Placeholder 2">
+            <a:extLst>
+              <a:ext uri="{FF2B5EF4-FFF2-40B4-BE49-F238E27FC236}">
+                <a16:creationId xmlns:a16="http://schemas.microsoft.com/office/drawing/2014/main" id="{05E85237-E21B-43B6-A702-2DEA77FA73CC}"/>
+              </a:ext>
+            </a:extLst>
+          </p:cNvPr>
+          <p:cNvSpPr>
+            <a:spLocks noGrp="1"/>
+          </p:cNvSpPr>
+          <p:nvPr>
+            <p:ph type="ftr" sz="quarter" idx="11"/>
+          </p:nvPr>
+        </p:nvSpPr>
+        <p:spPr/>
+        <p:txBody>
+          <a:bodyPr/>
+          <a:lstStyle/>
+          <a:p>
+            <a:r>
+              <a:rPr lang="pt-BR"/>
+              <a:t>© MICROEJ 2020 - C O N F I D E N T I A L</a:t>
+            </a:r>
+            <a:endParaRPr lang="en-US" dirty="0"/>
+          </a:p>
+        </p:txBody>
+      </p:sp>
+      <p:sp>
+        <p:nvSpPr>
+          <p:cNvPr id="4" name="Arc 3">
+            <a:extLst>
+              <a:ext uri="{FF2B5EF4-FFF2-40B4-BE49-F238E27FC236}">
+                <a16:creationId xmlns:a16="http://schemas.microsoft.com/office/drawing/2014/main" id="{5DE83339-F75D-4CFF-AEDA-809CC136A275}"/>
+              </a:ext>
+            </a:extLst>
+          </p:cNvPr>
+          <p:cNvSpPr/>
+          <p:nvPr/>
+        </p:nvSpPr>
+        <p:spPr>
+          <a:xfrm rot="16200000">
+            <a:off x="3758412" y="5315485"/>
+            <a:ext cx="229393" cy="209087"/>
+          </a:xfrm>
+          <a:prstGeom prst="arc">
+            <a:avLst>
+              <a:gd name="adj1" fmla="val 16200000"/>
+              <a:gd name="adj2" fmla="val 1286025"/>
+            </a:avLst>
+          </a:prstGeom>
+          <a:ln w="38100">
+            <a:solidFill>
+              <a:schemeClr val="bg2">
+                <a:lumMod val="25000"/>
+              </a:schemeClr>
+            </a:solidFill>
+          </a:ln>
+        </p:spPr>
+        <p:style>
+          <a:lnRef idx="1">
+            <a:schemeClr val="accent1"/>
+          </a:lnRef>
+          <a:fillRef idx="0">
+            <a:schemeClr val="accent1"/>
+          </a:fillRef>
+          <a:effectRef idx="0">
+            <a:schemeClr val="accent1"/>
+          </a:effectRef>
+          <a:fontRef idx="minor">
+            <a:schemeClr val="tx1"/>
+          </a:fontRef>
+        </p:style>
+        <p:txBody>
+          <a:bodyPr rtlCol="0" anchor="ctr"/>
+          <a:lstStyle/>
+          <a:p>
+            <a:pPr algn="ctr"/>
+            <a:endParaRPr lang="en-US" dirty="0"/>
+          </a:p>
+        </p:txBody>
+      </p:sp>
+      <p:sp>
+        <p:nvSpPr>
+          <p:cNvPr id="5" name="Arc 4">
+            <a:extLst>
+              <a:ext uri="{FF2B5EF4-FFF2-40B4-BE49-F238E27FC236}">
+                <a16:creationId xmlns:a16="http://schemas.microsoft.com/office/drawing/2014/main" id="{22CA8C8F-75CC-4959-95F6-D68BF28CBE63}"/>
+              </a:ext>
+            </a:extLst>
+          </p:cNvPr>
+          <p:cNvSpPr/>
+          <p:nvPr/>
+        </p:nvSpPr>
+        <p:spPr>
+          <a:xfrm>
+            <a:off x="8190095" y="5321057"/>
+            <a:ext cx="224156" cy="213972"/>
+          </a:xfrm>
+          <a:prstGeom prst="arc">
+            <a:avLst>
+              <a:gd name="adj1" fmla="val 15188349"/>
+              <a:gd name="adj2" fmla="val 21512081"/>
+            </a:avLst>
+          </a:prstGeom>
+          <a:ln w="38100">
+            <a:solidFill>
+              <a:schemeClr val="bg2">
+                <a:lumMod val="25000"/>
+              </a:schemeClr>
+            </a:solidFill>
+          </a:ln>
+        </p:spPr>
+        <p:style>
+          <a:lnRef idx="1">
+            <a:schemeClr val="accent1"/>
+          </a:lnRef>
+          <a:fillRef idx="0">
+            <a:schemeClr val="accent1"/>
+          </a:fillRef>
+          <a:effectRef idx="0">
+            <a:schemeClr val="accent1"/>
+          </a:effectRef>
+          <a:fontRef idx="minor">
+            <a:schemeClr val="tx1"/>
+          </a:fontRef>
+        </p:style>
+        <p:txBody>
+          <a:bodyPr rtlCol="0" anchor="ctr"/>
+          <a:lstStyle/>
+          <a:p>
+            <a:pPr algn="ctr"/>
+            <a:endParaRPr lang="en-US" dirty="0"/>
+          </a:p>
+        </p:txBody>
+      </p:sp>
+      <p:sp>
+        <p:nvSpPr>
+          <p:cNvPr id="6" name="Snip Same Side Corner Rectangle 6">
+            <a:extLst>
+              <a:ext uri="{FF2B5EF4-FFF2-40B4-BE49-F238E27FC236}">
+                <a16:creationId xmlns:a16="http://schemas.microsoft.com/office/drawing/2014/main" id="{0D8ED2C1-78CD-4990-8B8F-FFA894F5D808}"/>
+              </a:ext>
+            </a:extLst>
+          </p:cNvPr>
+          <p:cNvSpPr/>
+          <p:nvPr/>
+        </p:nvSpPr>
+        <p:spPr>
+          <a:xfrm>
+            <a:off x="3859356" y="4885515"/>
+            <a:ext cx="4445565" cy="535522"/>
+          </a:xfrm>
+          <a:prstGeom prst="snip2SameRect">
+            <a:avLst>
+              <a:gd name="adj1" fmla="val 12416"/>
+              <a:gd name="adj2" fmla="val 0"/>
+            </a:avLst>
+          </a:prstGeom>
+          <a:solidFill>
+            <a:schemeClr val="tx1">
+              <a:lumMod val="50000"/>
+            </a:schemeClr>
+          </a:solidFill>
+          <a:ln>
+            <a:noFill/>
+          </a:ln>
+        </p:spPr>
+        <p:style>
+          <a:lnRef idx="2">
+            <a:schemeClr val="accent1">
+              <a:shade val="50000"/>
+            </a:schemeClr>
+          </a:lnRef>
+          <a:fillRef idx="1">
+            <a:schemeClr val="accent1"/>
+          </a:fillRef>
+          <a:effectRef idx="0">
+            <a:schemeClr val="accent1"/>
+          </a:effectRef>
+          <a:fontRef idx="minor">
+            <a:schemeClr val="lt1"/>
+          </a:fontRef>
+        </p:style>
+        <p:txBody>
+          <a:bodyPr wrap="square" tIns="72000" bIns="36000" rtlCol="0" anchor="t">
+            <a:noAutofit/>
+          </a:bodyPr>
+          <a:lstStyle/>
+          <a:p>
+            <a:pPr algn="ctr">
+              <a:lnSpc>
+                <a:spcPts val="1500"/>
+              </a:lnSpc>
+            </a:pPr>
+            <a:endParaRPr lang="en-US" sz="1400" i="1" dirty="0">
+              <a:solidFill>
+                <a:schemeClr val="bg1"/>
+              </a:solidFill>
+              <a:latin typeface="Source Sans Pro Light" charset="0"/>
+              <a:ea typeface="Source Sans Pro Light" charset="0"/>
+              <a:cs typeface="Source Sans Pro Light" charset="0"/>
+            </a:endParaRPr>
+          </a:p>
+        </p:txBody>
+      </p:sp>
+      <p:grpSp>
+        <p:nvGrpSpPr>
+          <p:cNvPr id="7" name="Group 6">
+            <a:extLst>
+              <a:ext uri="{FF2B5EF4-FFF2-40B4-BE49-F238E27FC236}">
+                <a16:creationId xmlns:a16="http://schemas.microsoft.com/office/drawing/2014/main" id="{47808EF5-EA20-4173-813F-49346B10954A}"/>
+              </a:ext>
+            </a:extLst>
+          </p:cNvPr>
+          <p:cNvGrpSpPr/>
+          <p:nvPr/>
+        </p:nvGrpSpPr>
+        <p:grpSpPr>
+          <a:xfrm>
+            <a:off x="3939229" y="4618535"/>
+            <a:ext cx="1718673" cy="728998"/>
+            <a:chOff x="4203485" y="5520221"/>
+            <a:chExt cx="1718673" cy="728998"/>
+          </a:xfrm>
+        </p:grpSpPr>
+        <p:sp>
+          <p:nvSpPr>
+            <p:cNvPr id="8" name="Rounded Rectangle 370">
+              <a:extLst>
+                <a:ext uri="{FF2B5EF4-FFF2-40B4-BE49-F238E27FC236}">
+                  <a16:creationId xmlns:a16="http://schemas.microsoft.com/office/drawing/2014/main" id="{752933DC-7CAA-4758-B691-2A227FACC94D}"/>
+                </a:ext>
+              </a:extLst>
+            </p:cNvPr>
+            <p:cNvSpPr/>
+            <p:nvPr/>
+          </p:nvSpPr>
+          <p:spPr>
+            <a:xfrm>
+              <a:off x="4203485" y="5520221"/>
+              <a:ext cx="1718673" cy="728998"/>
+            </a:xfrm>
+            <a:custGeom>
+              <a:avLst/>
+              <a:gdLst>
+                <a:gd name="connsiteX0" fmla="*/ 0 w 1377675"/>
+                <a:gd name="connsiteY0" fmla="*/ 66568 h 1084694"/>
+                <a:gd name="connsiteX1" fmla="*/ 66568 w 1377675"/>
+                <a:gd name="connsiteY1" fmla="*/ 0 h 1084694"/>
+                <a:gd name="connsiteX2" fmla="*/ 1311107 w 1377675"/>
+                <a:gd name="connsiteY2" fmla="*/ 0 h 1084694"/>
+                <a:gd name="connsiteX3" fmla="*/ 1377675 w 1377675"/>
+                <a:gd name="connsiteY3" fmla="*/ 66568 h 1084694"/>
+                <a:gd name="connsiteX4" fmla="*/ 1377675 w 1377675"/>
+                <a:gd name="connsiteY4" fmla="*/ 1018126 h 1084694"/>
+                <a:gd name="connsiteX5" fmla="*/ 1311107 w 1377675"/>
+                <a:gd name="connsiteY5" fmla="*/ 1084694 h 1084694"/>
+                <a:gd name="connsiteX6" fmla="*/ 66568 w 1377675"/>
+                <a:gd name="connsiteY6" fmla="*/ 1084694 h 1084694"/>
+                <a:gd name="connsiteX7" fmla="*/ 0 w 1377675"/>
+                <a:gd name="connsiteY7" fmla="*/ 1018126 h 1084694"/>
+                <a:gd name="connsiteX8" fmla="*/ 0 w 1377675"/>
+                <a:gd name="connsiteY8" fmla="*/ 66568 h 1084694"/>
+                <a:gd name="connsiteX0" fmla="*/ 0 w 1377675"/>
+                <a:gd name="connsiteY0" fmla="*/ 66568 h 1084694"/>
+                <a:gd name="connsiteX1" fmla="*/ 66568 w 1377675"/>
+                <a:gd name="connsiteY1" fmla="*/ 0 h 1084694"/>
+                <a:gd name="connsiteX2" fmla="*/ 1311107 w 1377675"/>
+                <a:gd name="connsiteY2" fmla="*/ 0 h 1084694"/>
+                <a:gd name="connsiteX3" fmla="*/ 1377675 w 1377675"/>
+                <a:gd name="connsiteY3" fmla="*/ 409468 h 1084694"/>
+                <a:gd name="connsiteX4" fmla="*/ 1377675 w 1377675"/>
+                <a:gd name="connsiteY4" fmla="*/ 1018126 h 1084694"/>
+                <a:gd name="connsiteX5" fmla="*/ 1311107 w 1377675"/>
+                <a:gd name="connsiteY5" fmla="*/ 1084694 h 1084694"/>
+                <a:gd name="connsiteX6" fmla="*/ 66568 w 1377675"/>
+                <a:gd name="connsiteY6" fmla="*/ 1084694 h 1084694"/>
+                <a:gd name="connsiteX7" fmla="*/ 0 w 1377675"/>
+                <a:gd name="connsiteY7" fmla="*/ 1018126 h 1084694"/>
+                <a:gd name="connsiteX8" fmla="*/ 0 w 1377675"/>
+                <a:gd name="connsiteY8" fmla="*/ 66568 h 1084694"/>
+                <a:gd name="connsiteX0" fmla="*/ 0 w 1381139"/>
+                <a:gd name="connsiteY0" fmla="*/ 388686 h 1084694"/>
+                <a:gd name="connsiteX1" fmla="*/ 70032 w 1381139"/>
+                <a:gd name="connsiteY1" fmla="*/ 0 h 1084694"/>
+                <a:gd name="connsiteX2" fmla="*/ 1314571 w 1381139"/>
+                <a:gd name="connsiteY2" fmla="*/ 0 h 1084694"/>
+                <a:gd name="connsiteX3" fmla="*/ 1381139 w 1381139"/>
+                <a:gd name="connsiteY3" fmla="*/ 409468 h 1084694"/>
+                <a:gd name="connsiteX4" fmla="*/ 1381139 w 1381139"/>
+                <a:gd name="connsiteY4" fmla="*/ 1018126 h 1084694"/>
+                <a:gd name="connsiteX5" fmla="*/ 1314571 w 1381139"/>
+                <a:gd name="connsiteY5" fmla="*/ 1084694 h 1084694"/>
+                <a:gd name="connsiteX6" fmla="*/ 70032 w 1381139"/>
+                <a:gd name="connsiteY6" fmla="*/ 1084694 h 1084694"/>
+                <a:gd name="connsiteX7" fmla="*/ 3464 w 1381139"/>
+                <a:gd name="connsiteY7" fmla="*/ 1018126 h 1084694"/>
+                <a:gd name="connsiteX8" fmla="*/ 0 w 1381139"/>
+                <a:gd name="connsiteY8" fmla="*/ 388686 h 1084694"/>
+                <a:gd name="connsiteX0" fmla="*/ 0 w 3085063"/>
+                <a:gd name="connsiteY0" fmla="*/ 388686 h 1084694"/>
+                <a:gd name="connsiteX1" fmla="*/ 70032 w 3085063"/>
+                <a:gd name="connsiteY1" fmla="*/ 0 h 1084694"/>
+                <a:gd name="connsiteX2" fmla="*/ 3084489 w 3085063"/>
+                <a:gd name="connsiteY2" fmla="*/ 256309 h 1084694"/>
+                <a:gd name="connsiteX3" fmla="*/ 1381139 w 3085063"/>
+                <a:gd name="connsiteY3" fmla="*/ 409468 h 1084694"/>
+                <a:gd name="connsiteX4" fmla="*/ 1381139 w 3085063"/>
+                <a:gd name="connsiteY4" fmla="*/ 1018126 h 1084694"/>
+                <a:gd name="connsiteX5" fmla="*/ 1314571 w 3085063"/>
+                <a:gd name="connsiteY5" fmla="*/ 1084694 h 1084694"/>
+                <a:gd name="connsiteX6" fmla="*/ 70032 w 3085063"/>
+                <a:gd name="connsiteY6" fmla="*/ 1084694 h 1084694"/>
+                <a:gd name="connsiteX7" fmla="*/ 3464 w 3085063"/>
+                <a:gd name="connsiteY7" fmla="*/ 1018126 h 1084694"/>
+                <a:gd name="connsiteX8" fmla="*/ 0 w 3085063"/>
+                <a:gd name="connsiteY8" fmla="*/ 388686 h 1084694"/>
+                <a:gd name="connsiteX0" fmla="*/ 1150005 w 4235068"/>
+                <a:gd name="connsiteY0" fmla="*/ 132377 h 828385"/>
+                <a:gd name="connsiteX1" fmla="*/ 837 w 4235068"/>
+                <a:gd name="connsiteY1" fmla="*/ 3463 h 828385"/>
+                <a:gd name="connsiteX2" fmla="*/ 4234494 w 4235068"/>
+                <a:gd name="connsiteY2" fmla="*/ 0 h 828385"/>
+                <a:gd name="connsiteX3" fmla="*/ 2531144 w 4235068"/>
+                <a:gd name="connsiteY3" fmla="*/ 153159 h 828385"/>
+                <a:gd name="connsiteX4" fmla="*/ 2531144 w 4235068"/>
+                <a:gd name="connsiteY4" fmla="*/ 761817 h 828385"/>
+                <a:gd name="connsiteX5" fmla="*/ 2464576 w 4235068"/>
+                <a:gd name="connsiteY5" fmla="*/ 828385 h 828385"/>
+                <a:gd name="connsiteX6" fmla="*/ 1220037 w 4235068"/>
+                <a:gd name="connsiteY6" fmla="*/ 828385 h 828385"/>
+                <a:gd name="connsiteX7" fmla="*/ 1153469 w 4235068"/>
+                <a:gd name="connsiteY7" fmla="*/ 761817 h 828385"/>
+                <a:gd name="connsiteX8" fmla="*/ 1150005 w 4235068"/>
+                <a:gd name="connsiteY8" fmla="*/ 132377 h 828385"/>
+                <a:gd name="connsiteX0" fmla="*/ 1150005 w 2930911"/>
+                <a:gd name="connsiteY0" fmla="*/ 128914 h 824922"/>
+                <a:gd name="connsiteX1" fmla="*/ 837 w 2930911"/>
+                <a:gd name="connsiteY1" fmla="*/ 0 h 824922"/>
+                <a:gd name="connsiteX2" fmla="*/ 2928703 w 2930911"/>
+                <a:gd name="connsiteY2" fmla="*/ 1 h 824922"/>
+                <a:gd name="connsiteX3" fmla="*/ 2531144 w 2930911"/>
+                <a:gd name="connsiteY3" fmla="*/ 149696 h 824922"/>
+                <a:gd name="connsiteX4" fmla="*/ 2531144 w 2930911"/>
+                <a:gd name="connsiteY4" fmla="*/ 758354 h 824922"/>
+                <a:gd name="connsiteX5" fmla="*/ 2464576 w 2930911"/>
+                <a:gd name="connsiteY5" fmla="*/ 824922 h 824922"/>
+                <a:gd name="connsiteX6" fmla="*/ 1220037 w 2930911"/>
+                <a:gd name="connsiteY6" fmla="*/ 824922 h 824922"/>
+                <a:gd name="connsiteX7" fmla="*/ 1153469 w 2930911"/>
+                <a:gd name="connsiteY7" fmla="*/ 758354 h 824922"/>
+                <a:gd name="connsiteX8" fmla="*/ 1150005 w 2930911"/>
+                <a:gd name="connsiteY8" fmla="*/ 128914 h 824922"/>
+                <a:gd name="connsiteX0" fmla="*/ 1150005 w 2930911"/>
+                <a:gd name="connsiteY0" fmla="*/ 128914 h 824922"/>
+                <a:gd name="connsiteX1" fmla="*/ 837 w 2930911"/>
+                <a:gd name="connsiteY1" fmla="*/ 0 h 824922"/>
+                <a:gd name="connsiteX2" fmla="*/ 2928703 w 2930911"/>
+                <a:gd name="connsiteY2" fmla="*/ 1 h 824922"/>
+                <a:gd name="connsiteX3" fmla="*/ 2531144 w 2930911"/>
+                <a:gd name="connsiteY3" fmla="*/ 149696 h 824922"/>
+                <a:gd name="connsiteX4" fmla="*/ 2531144 w 2930911"/>
+                <a:gd name="connsiteY4" fmla="*/ 758354 h 824922"/>
+                <a:gd name="connsiteX5" fmla="*/ 2464576 w 2930911"/>
+                <a:gd name="connsiteY5" fmla="*/ 824922 h 824922"/>
+                <a:gd name="connsiteX6" fmla="*/ 1220037 w 2930911"/>
+                <a:gd name="connsiteY6" fmla="*/ 824922 h 824922"/>
+                <a:gd name="connsiteX7" fmla="*/ 1153469 w 2930911"/>
+                <a:gd name="connsiteY7" fmla="*/ 758354 h 824922"/>
+                <a:gd name="connsiteX8" fmla="*/ 1150005 w 2930911"/>
+                <a:gd name="connsiteY8" fmla="*/ 128914 h 824922"/>
+                <a:gd name="connsiteX0" fmla="*/ 1150004 w 2930910"/>
+                <a:gd name="connsiteY0" fmla="*/ 128914 h 824922"/>
+                <a:gd name="connsiteX1" fmla="*/ 836 w 2930910"/>
+                <a:gd name="connsiteY1" fmla="*/ 0 h 824922"/>
+                <a:gd name="connsiteX2" fmla="*/ 2928702 w 2930910"/>
+                <a:gd name="connsiteY2" fmla="*/ 1 h 824922"/>
+                <a:gd name="connsiteX3" fmla="*/ 2531143 w 2930910"/>
+                <a:gd name="connsiteY3" fmla="*/ 149696 h 824922"/>
+                <a:gd name="connsiteX4" fmla="*/ 2531143 w 2930910"/>
+                <a:gd name="connsiteY4" fmla="*/ 758354 h 824922"/>
+                <a:gd name="connsiteX5" fmla="*/ 2464575 w 2930910"/>
+                <a:gd name="connsiteY5" fmla="*/ 824922 h 824922"/>
+                <a:gd name="connsiteX6" fmla="*/ 1220036 w 2930910"/>
+                <a:gd name="connsiteY6" fmla="*/ 824922 h 824922"/>
+                <a:gd name="connsiteX7" fmla="*/ 1153468 w 2930910"/>
+                <a:gd name="connsiteY7" fmla="*/ 758354 h 824922"/>
+                <a:gd name="connsiteX8" fmla="*/ 1150004 w 2930910"/>
+                <a:gd name="connsiteY8" fmla="*/ 128914 h 824922"/>
+                <a:gd name="connsiteX0" fmla="*/ 375627 w 2156533"/>
+                <a:gd name="connsiteY0" fmla="*/ 128913 h 824921"/>
+                <a:gd name="connsiteX1" fmla="*/ 2314 w 2156533"/>
+                <a:gd name="connsiteY1" fmla="*/ 6926 h 824921"/>
+                <a:gd name="connsiteX2" fmla="*/ 2154325 w 2156533"/>
+                <a:gd name="connsiteY2" fmla="*/ 0 h 824921"/>
+                <a:gd name="connsiteX3" fmla="*/ 1756766 w 2156533"/>
+                <a:gd name="connsiteY3" fmla="*/ 149695 h 824921"/>
+                <a:gd name="connsiteX4" fmla="*/ 1756766 w 2156533"/>
+                <a:gd name="connsiteY4" fmla="*/ 758353 h 824921"/>
+                <a:gd name="connsiteX5" fmla="*/ 1690198 w 2156533"/>
+                <a:gd name="connsiteY5" fmla="*/ 824921 h 824921"/>
+                <a:gd name="connsiteX6" fmla="*/ 445659 w 2156533"/>
+                <a:gd name="connsiteY6" fmla="*/ 824921 h 824921"/>
+                <a:gd name="connsiteX7" fmla="*/ 379091 w 2156533"/>
+                <a:gd name="connsiteY7" fmla="*/ 758353 h 824921"/>
+                <a:gd name="connsiteX8" fmla="*/ 375627 w 2156533"/>
+                <a:gd name="connsiteY8" fmla="*/ 128913 h 824921"/>
+                <a:gd name="connsiteX0" fmla="*/ 418185 w 2199091"/>
+                <a:gd name="connsiteY0" fmla="*/ 128913 h 824921"/>
+                <a:gd name="connsiteX1" fmla="*/ 44872 w 2199091"/>
+                <a:gd name="connsiteY1" fmla="*/ 6926 h 824921"/>
+                <a:gd name="connsiteX2" fmla="*/ 2196883 w 2199091"/>
+                <a:gd name="connsiteY2" fmla="*/ 0 h 824921"/>
+                <a:gd name="connsiteX3" fmla="*/ 1799324 w 2199091"/>
+                <a:gd name="connsiteY3" fmla="*/ 149695 h 824921"/>
+                <a:gd name="connsiteX4" fmla="*/ 1799324 w 2199091"/>
+                <a:gd name="connsiteY4" fmla="*/ 758353 h 824921"/>
+                <a:gd name="connsiteX5" fmla="*/ 1732756 w 2199091"/>
+                <a:gd name="connsiteY5" fmla="*/ 824921 h 824921"/>
+                <a:gd name="connsiteX6" fmla="*/ 488217 w 2199091"/>
+                <a:gd name="connsiteY6" fmla="*/ 824921 h 824921"/>
+                <a:gd name="connsiteX7" fmla="*/ 421649 w 2199091"/>
+                <a:gd name="connsiteY7" fmla="*/ 758353 h 824921"/>
+                <a:gd name="connsiteX8" fmla="*/ 418185 w 2199091"/>
+                <a:gd name="connsiteY8" fmla="*/ 128913 h 824921"/>
+                <a:gd name="connsiteX0" fmla="*/ 404178 w 2197426"/>
+                <a:gd name="connsiteY0" fmla="*/ 129381 h 825389"/>
+                <a:gd name="connsiteX1" fmla="*/ 30865 w 2197426"/>
+                <a:gd name="connsiteY1" fmla="*/ 7394 h 825389"/>
+                <a:gd name="connsiteX2" fmla="*/ 2182876 w 2197426"/>
+                <a:gd name="connsiteY2" fmla="*/ 468 h 825389"/>
+                <a:gd name="connsiteX3" fmla="*/ 1785317 w 2197426"/>
+                <a:gd name="connsiteY3" fmla="*/ 150163 h 825389"/>
+                <a:gd name="connsiteX4" fmla="*/ 1785317 w 2197426"/>
+                <a:gd name="connsiteY4" fmla="*/ 758821 h 825389"/>
+                <a:gd name="connsiteX5" fmla="*/ 1718749 w 2197426"/>
+                <a:gd name="connsiteY5" fmla="*/ 825389 h 825389"/>
+                <a:gd name="connsiteX6" fmla="*/ 474210 w 2197426"/>
+                <a:gd name="connsiteY6" fmla="*/ 825389 h 825389"/>
+                <a:gd name="connsiteX7" fmla="*/ 407642 w 2197426"/>
+                <a:gd name="connsiteY7" fmla="*/ 758821 h 825389"/>
+                <a:gd name="connsiteX8" fmla="*/ 404178 w 2197426"/>
+                <a:gd name="connsiteY8" fmla="*/ 129381 h 825389"/>
+                <a:gd name="connsiteX0" fmla="*/ 373313 w 2152011"/>
+                <a:gd name="connsiteY0" fmla="*/ 129381 h 825389"/>
+                <a:gd name="connsiteX1" fmla="*/ 0 w 2152011"/>
+                <a:gd name="connsiteY1" fmla="*/ 7394 h 825389"/>
+                <a:gd name="connsiteX2" fmla="*/ 2152011 w 2152011"/>
+                <a:gd name="connsiteY2" fmla="*/ 468 h 825389"/>
+                <a:gd name="connsiteX3" fmla="*/ 1754452 w 2152011"/>
+                <a:gd name="connsiteY3" fmla="*/ 150163 h 825389"/>
+                <a:gd name="connsiteX4" fmla="*/ 1754452 w 2152011"/>
+                <a:gd name="connsiteY4" fmla="*/ 758821 h 825389"/>
+                <a:gd name="connsiteX5" fmla="*/ 1687884 w 2152011"/>
+                <a:gd name="connsiteY5" fmla="*/ 825389 h 825389"/>
+                <a:gd name="connsiteX6" fmla="*/ 443345 w 2152011"/>
+                <a:gd name="connsiteY6" fmla="*/ 825389 h 825389"/>
+                <a:gd name="connsiteX7" fmla="*/ 376777 w 2152011"/>
+                <a:gd name="connsiteY7" fmla="*/ 758821 h 825389"/>
+                <a:gd name="connsiteX8" fmla="*/ 373313 w 2152011"/>
+                <a:gd name="connsiteY8" fmla="*/ 129381 h 825389"/>
+                <a:gd name="connsiteX0" fmla="*/ 436994 w 2018842"/>
+                <a:gd name="connsiteY0" fmla="*/ 132057 h 828065"/>
+                <a:gd name="connsiteX1" fmla="*/ 63681 w 2018842"/>
+                <a:gd name="connsiteY1" fmla="*/ 10070 h 828065"/>
+                <a:gd name="connsiteX2" fmla="*/ 2018842 w 2018842"/>
+                <a:gd name="connsiteY2" fmla="*/ 6319 h 828065"/>
+                <a:gd name="connsiteX3" fmla="*/ 1818133 w 2018842"/>
+                <a:gd name="connsiteY3" fmla="*/ 152839 h 828065"/>
+                <a:gd name="connsiteX4" fmla="*/ 1818133 w 2018842"/>
+                <a:gd name="connsiteY4" fmla="*/ 761497 h 828065"/>
+                <a:gd name="connsiteX5" fmla="*/ 1751565 w 2018842"/>
+                <a:gd name="connsiteY5" fmla="*/ 828065 h 828065"/>
+                <a:gd name="connsiteX6" fmla="*/ 507026 w 2018842"/>
+                <a:gd name="connsiteY6" fmla="*/ 828065 h 828065"/>
+                <a:gd name="connsiteX7" fmla="*/ 440458 w 2018842"/>
+                <a:gd name="connsiteY7" fmla="*/ 761497 h 828065"/>
+                <a:gd name="connsiteX8" fmla="*/ 436994 w 2018842"/>
+                <a:gd name="connsiteY8" fmla="*/ 132057 h 828065"/>
+                <a:gd name="connsiteX0" fmla="*/ 436994 w 2023402"/>
+                <a:gd name="connsiteY0" fmla="*/ 131514 h 827522"/>
+                <a:gd name="connsiteX1" fmla="*/ 63681 w 2023402"/>
+                <a:gd name="connsiteY1" fmla="*/ 9527 h 827522"/>
+                <a:gd name="connsiteX2" fmla="*/ 2018842 w 2023402"/>
+                <a:gd name="connsiteY2" fmla="*/ 5776 h 827522"/>
+                <a:gd name="connsiteX3" fmla="*/ 1818133 w 2023402"/>
+                <a:gd name="connsiteY3" fmla="*/ 152296 h 827522"/>
+                <a:gd name="connsiteX4" fmla="*/ 1818133 w 2023402"/>
+                <a:gd name="connsiteY4" fmla="*/ 760954 h 827522"/>
+                <a:gd name="connsiteX5" fmla="*/ 1751565 w 2023402"/>
+                <a:gd name="connsiteY5" fmla="*/ 827522 h 827522"/>
+                <a:gd name="connsiteX6" fmla="*/ 507026 w 2023402"/>
+                <a:gd name="connsiteY6" fmla="*/ 827522 h 827522"/>
+                <a:gd name="connsiteX7" fmla="*/ 440458 w 2023402"/>
+                <a:gd name="connsiteY7" fmla="*/ 760954 h 827522"/>
+                <a:gd name="connsiteX8" fmla="*/ 436994 w 2023402"/>
+                <a:gd name="connsiteY8" fmla="*/ 131514 h 827522"/>
+                <a:gd name="connsiteX0" fmla="*/ 260186 w 1921406"/>
+                <a:gd name="connsiteY0" fmla="*/ 144219 h 840227"/>
+                <a:gd name="connsiteX1" fmla="*/ 83723 w 1921406"/>
+                <a:gd name="connsiteY1" fmla="*/ 15882 h 840227"/>
+                <a:gd name="connsiteX2" fmla="*/ 1842034 w 1921406"/>
+                <a:gd name="connsiteY2" fmla="*/ 18481 h 840227"/>
+                <a:gd name="connsiteX3" fmla="*/ 1641325 w 1921406"/>
+                <a:gd name="connsiteY3" fmla="*/ 165001 h 840227"/>
+                <a:gd name="connsiteX4" fmla="*/ 1641325 w 1921406"/>
+                <a:gd name="connsiteY4" fmla="*/ 773659 h 840227"/>
+                <a:gd name="connsiteX5" fmla="*/ 1574757 w 1921406"/>
+                <a:gd name="connsiteY5" fmla="*/ 840227 h 840227"/>
+                <a:gd name="connsiteX6" fmla="*/ 330218 w 1921406"/>
+                <a:gd name="connsiteY6" fmla="*/ 840227 h 840227"/>
+                <a:gd name="connsiteX7" fmla="*/ 263650 w 1921406"/>
+                <a:gd name="connsiteY7" fmla="*/ 773659 h 840227"/>
+                <a:gd name="connsiteX8" fmla="*/ 260186 w 1921406"/>
+                <a:gd name="connsiteY8" fmla="*/ 144219 h 840227"/>
+                <a:gd name="connsiteX0" fmla="*/ 184184 w 1845404"/>
+                <a:gd name="connsiteY0" fmla="*/ 137193 h 833201"/>
+                <a:gd name="connsiteX1" fmla="*/ 7721 w 1845404"/>
+                <a:gd name="connsiteY1" fmla="*/ 8856 h 833201"/>
+                <a:gd name="connsiteX2" fmla="*/ 1766032 w 1845404"/>
+                <a:gd name="connsiteY2" fmla="*/ 11455 h 833201"/>
+                <a:gd name="connsiteX3" fmla="*/ 1565323 w 1845404"/>
+                <a:gd name="connsiteY3" fmla="*/ 157975 h 833201"/>
+                <a:gd name="connsiteX4" fmla="*/ 1565323 w 1845404"/>
+                <a:gd name="connsiteY4" fmla="*/ 766633 h 833201"/>
+                <a:gd name="connsiteX5" fmla="*/ 1498755 w 1845404"/>
+                <a:gd name="connsiteY5" fmla="*/ 833201 h 833201"/>
+                <a:gd name="connsiteX6" fmla="*/ 254216 w 1845404"/>
+                <a:gd name="connsiteY6" fmla="*/ 833201 h 833201"/>
+                <a:gd name="connsiteX7" fmla="*/ 187648 w 1845404"/>
+                <a:gd name="connsiteY7" fmla="*/ 766633 h 833201"/>
+                <a:gd name="connsiteX8" fmla="*/ 184184 w 1845404"/>
+                <a:gd name="connsiteY8" fmla="*/ 137193 h 833201"/>
+                <a:gd name="connsiteX0" fmla="*/ 254154 w 1839241"/>
+                <a:gd name="connsiteY0" fmla="*/ 147999 h 844007"/>
+                <a:gd name="connsiteX1" fmla="*/ 77691 w 1839241"/>
+                <a:gd name="connsiteY1" fmla="*/ 19662 h 844007"/>
+                <a:gd name="connsiteX2" fmla="*/ 1747102 w 1839241"/>
+                <a:gd name="connsiteY2" fmla="*/ 15911 h 844007"/>
+                <a:gd name="connsiteX3" fmla="*/ 1635293 w 1839241"/>
+                <a:gd name="connsiteY3" fmla="*/ 168781 h 844007"/>
+                <a:gd name="connsiteX4" fmla="*/ 1635293 w 1839241"/>
+                <a:gd name="connsiteY4" fmla="*/ 777439 h 844007"/>
+                <a:gd name="connsiteX5" fmla="*/ 1568725 w 1839241"/>
+                <a:gd name="connsiteY5" fmla="*/ 844007 h 844007"/>
+                <a:gd name="connsiteX6" fmla="*/ 324186 w 1839241"/>
+                <a:gd name="connsiteY6" fmla="*/ 844007 h 844007"/>
+                <a:gd name="connsiteX7" fmla="*/ 257618 w 1839241"/>
+                <a:gd name="connsiteY7" fmla="*/ 777439 h 844007"/>
+                <a:gd name="connsiteX8" fmla="*/ 254154 w 1839241"/>
+                <a:gd name="connsiteY8" fmla="*/ 147999 h 844007"/>
+                <a:gd name="connsiteX0" fmla="*/ 254154 w 1752323"/>
+                <a:gd name="connsiteY0" fmla="*/ 139925 h 835933"/>
+                <a:gd name="connsiteX1" fmla="*/ 77691 w 1752323"/>
+                <a:gd name="connsiteY1" fmla="*/ 11588 h 835933"/>
+                <a:gd name="connsiteX2" fmla="*/ 1747102 w 1752323"/>
+                <a:gd name="connsiteY2" fmla="*/ 7837 h 835933"/>
+                <a:gd name="connsiteX3" fmla="*/ 1635293 w 1752323"/>
+                <a:gd name="connsiteY3" fmla="*/ 160707 h 835933"/>
+                <a:gd name="connsiteX4" fmla="*/ 1635293 w 1752323"/>
+                <a:gd name="connsiteY4" fmla="*/ 769365 h 835933"/>
+                <a:gd name="connsiteX5" fmla="*/ 1568725 w 1752323"/>
+                <a:gd name="connsiteY5" fmla="*/ 835933 h 835933"/>
+                <a:gd name="connsiteX6" fmla="*/ 324186 w 1752323"/>
+                <a:gd name="connsiteY6" fmla="*/ 835933 h 835933"/>
+                <a:gd name="connsiteX7" fmla="*/ 257618 w 1752323"/>
+                <a:gd name="connsiteY7" fmla="*/ 769365 h 835933"/>
+                <a:gd name="connsiteX8" fmla="*/ 254154 w 1752323"/>
+                <a:gd name="connsiteY8" fmla="*/ 139925 h 835933"/>
+                <a:gd name="connsiteX0" fmla="*/ 256302 w 1786136"/>
+                <a:gd name="connsiteY0" fmla="*/ 138666 h 834674"/>
+                <a:gd name="connsiteX1" fmla="*/ 79839 w 1786136"/>
+                <a:gd name="connsiteY1" fmla="*/ 10329 h 834674"/>
+                <a:gd name="connsiteX2" fmla="*/ 1781000 w 1786136"/>
+                <a:gd name="connsiteY2" fmla="*/ 9753 h 834674"/>
+                <a:gd name="connsiteX3" fmla="*/ 1637441 w 1786136"/>
+                <a:gd name="connsiteY3" fmla="*/ 159448 h 834674"/>
+                <a:gd name="connsiteX4" fmla="*/ 1637441 w 1786136"/>
+                <a:gd name="connsiteY4" fmla="*/ 768106 h 834674"/>
+                <a:gd name="connsiteX5" fmla="*/ 1570873 w 1786136"/>
+                <a:gd name="connsiteY5" fmla="*/ 834674 h 834674"/>
+                <a:gd name="connsiteX6" fmla="*/ 326334 w 1786136"/>
+                <a:gd name="connsiteY6" fmla="*/ 834674 h 834674"/>
+                <a:gd name="connsiteX7" fmla="*/ 259766 w 1786136"/>
+                <a:gd name="connsiteY7" fmla="*/ 768106 h 834674"/>
+                <a:gd name="connsiteX8" fmla="*/ 256302 w 1786136"/>
+                <a:gd name="connsiteY8" fmla="*/ 138666 h 834674"/>
+                <a:gd name="connsiteX0" fmla="*/ 181625 w 1710512"/>
+                <a:gd name="connsiteY0" fmla="*/ 130557 h 826565"/>
+                <a:gd name="connsiteX1" fmla="*/ 5162 w 1710512"/>
+                <a:gd name="connsiteY1" fmla="*/ 2220 h 826565"/>
+                <a:gd name="connsiteX2" fmla="*/ 1706323 w 1710512"/>
+                <a:gd name="connsiteY2" fmla="*/ 1644 h 826565"/>
+                <a:gd name="connsiteX3" fmla="*/ 1562764 w 1710512"/>
+                <a:gd name="connsiteY3" fmla="*/ 151339 h 826565"/>
+                <a:gd name="connsiteX4" fmla="*/ 1562764 w 1710512"/>
+                <a:gd name="connsiteY4" fmla="*/ 759997 h 826565"/>
+                <a:gd name="connsiteX5" fmla="*/ 1496196 w 1710512"/>
+                <a:gd name="connsiteY5" fmla="*/ 826565 h 826565"/>
+                <a:gd name="connsiteX6" fmla="*/ 251657 w 1710512"/>
+                <a:gd name="connsiteY6" fmla="*/ 826565 h 826565"/>
+                <a:gd name="connsiteX7" fmla="*/ 185089 w 1710512"/>
+                <a:gd name="connsiteY7" fmla="*/ 759997 h 826565"/>
+                <a:gd name="connsiteX8" fmla="*/ 181625 w 1710512"/>
+                <a:gd name="connsiteY8" fmla="*/ 130557 h 826565"/>
+                <a:gd name="connsiteX0" fmla="*/ 157442 w 1767509"/>
+                <a:gd name="connsiteY0" fmla="*/ 139313 h 835321"/>
+                <a:gd name="connsiteX1" fmla="*/ 6379 w 1767509"/>
+                <a:gd name="connsiteY1" fmla="*/ 14151 h 835321"/>
+                <a:gd name="connsiteX2" fmla="*/ 1682140 w 1767509"/>
+                <a:gd name="connsiteY2" fmla="*/ 10400 h 835321"/>
+                <a:gd name="connsiteX3" fmla="*/ 1538581 w 1767509"/>
+                <a:gd name="connsiteY3" fmla="*/ 160095 h 835321"/>
+                <a:gd name="connsiteX4" fmla="*/ 1538581 w 1767509"/>
+                <a:gd name="connsiteY4" fmla="*/ 768753 h 835321"/>
+                <a:gd name="connsiteX5" fmla="*/ 1472013 w 1767509"/>
+                <a:gd name="connsiteY5" fmla="*/ 835321 h 835321"/>
+                <a:gd name="connsiteX6" fmla="*/ 227474 w 1767509"/>
+                <a:gd name="connsiteY6" fmla="*/ 835321 h 835321"/>
+                <a:gd name="connsiteX7" fmla="*/ 160906 w 1767509"/>
+                <a:gd name="connsiteY7" fmla="*/ 768753 h 835321"/>
+                <a:gd name="connsiteX8" fmla="*/ 157442 w 1767509"/>
+                <a:gd name="connsiteY8" fmla="*/ 139313 h 835321"/>
+                <a:gd name="connsiteX0" fmla="*/ 155631 w 1765698"/>
+                <a:gd name="connsiteY0" fmla="*/ 139999 h 836007"/>
+                <a:gd name="connsiteX1" fmla="*/ 4568 w 1765698"/>
+                <a:gd name="connsiteY1" fmla="*/ 14837 h 836007"/>
+                <a:gd name="connsiteX2" fmla="*/ 1680329 w 1765698"/>
+                <a:gd name="connsiteY2" fmla="*/ 11086 h 836007"/>
+                <a:gd name="connsiteX3" fmla="*/ 1536770 w 1765698"/>
+                <a:gd name="connsiteY3" fmla="*/ 160781 h 836007"/>
+                <a:gd name="connsiteX4" fmla="*/ 1536770 w 1765698"/>
+                <a:gd name="connsiteY4" fmla="*/ 769439 h 836007"/>
+                <a:gd name="connsiteX5" fmla="*/ 1470202 w 1765698"/>
+                <a:gd name="connsiteY5" fmla="*/ 836007 h 836007"/>
+                <a:gd name="connsiteX6" fmla="*/ 225663 w 1765698"/>
+                <a:gd name="connsiteY6" fmla="*/ 836007 h 836007"/>
+                <a:gd name="connsiteX7" fmla="*/ 159095 w 1765698"/>
+                <a:gd name="connsiteY7" fmla="*/ 769439 h 836007"/>
+                <a:gd name="connsiteX8" fmla="*/ 155631 w 1765698"/>
+                <a:gd name="connsiteY8" fmla="*/ 139999 h 836007"/>
+                <a:gd name="connsiteX0" fmla="*/ 155631 w 1765698"/>
+                <a:gd name="connsiteY0" fmla="*/ 139999 h 836007"/>
+                <a:gd name="connsiteX1" fmla="*/ 4568 w 1765698"/>
+                <a:gd name="connsiteY1" fmla="*/ 14837 h 836007"/>
+                <a:gd name="connsiteX2" fmla="*/ 1680329 w 1765698"/>
+                <a:gd name="connsiteY2" fmla="*/ 11086 h 836007"/>
+                <a:gd name="connsiteX3" fmla="*/ 1536770 w 1765698"/>
+                <a:gd name="connsiteY3" fmla="*/ 160781 h 836007"/>
+                <a:gd name="connsiteX4" fmla="*/ 1536770 w 1765698"/>
+                <a:gd name="connsiteY4" fmla="*/ 769439 h 836007"/>
+                <a:gd name="connsiteX5" fmla="*/ 1470202 w 1765698"/>
+                <a:gd name="connsiteY5" fmla="*/ 836007 h 836007"/>
+                <a:gd name="connsiteX6" fmla="*/ 225663 w 1765698"/>
+                <a:gd name="connsiteY6" fmla="*/ 836007 h 836007"/>
+                <a:gd name="connsiteX7" fmla="*/ 159095 w 1765698"/>
+                <a:gd name="connsiteY7" fmla="*/ 769439 h 836007"/>
+                <a:gd name="connsiteX8" fmla="*/ 155631 w 1765698"/>
+                <a:gd name="connsiteY8" fmla="*/ 139999 h 836007"/>
+                <a:gd name="connsiteX0" fmla="*/ 154777 w 1684351"/>
+                <a:gd name="connsiteY0" fmla="*/ 131536 h 827544"/>
+                <a:gd name="connsiteX1" fmla="*/ 3714 w 1684351"/>
+                <a:gd name="connsiteY1" fmla="*/ 6374 h 827544"/>
+                <a:gd name="connsiteX2" fmla="*/ 1679475 w 1684351"/>
+                <a:gd name="connsiteY2" fmla="*/ 2623 h 827544"/>
+                <a:gd name="connsiteX3" fmla="*/ 1535916 w 1684351"/>
+                <a:gd name="connsiteY3" fmla="*/ 152318 h 827544"/>
+                <a:gd name="connsiteX4" fmla="*/ 1535916 w 1684351"/>
+                <a:gd name="connsiteY4" fmla="*/ 760976 h 827544"/>
+                <a:gd name="connsiteX5" fmla="*/ 1469348 w 1684351"/>
+                <a:gd name="connsiteY5" fmla="*/ 827544 h 827544"/>
+                <a:gd name="connsiteX6" fmla="*/ 224809 w 1684351"/>
+                <a:gd name="connsiteY6" fmla="*/ 827544 h 827544"/>
+                <a:gd name="connsiteX7" fmla="*/ 158241 w 1684351"/>
+                <a:gd name="connsiteY7" fmla="*/ 760976 h 827544"/>
+                <a:gd name="connsiteX8" fmla="*/ 154777 w 1684351"/>
+                <a:gd name="connsiteY8" fmla="*/ 131536 h 827544"/>
+                <a:gd name="connsiteX0" fmla="*/ 236936 w 1786555"/>
+                <a:gd name="connsiteY0" fmla="*/ 135949 h 831957"/>
+                <a:gd name="connsiteX1" fmla="*/ 85873 w 1786555"/>
+                <a:gd name="connsiteY1" fmla="*/ 10787 h 831957"/>
+                <a:gd name="connsiteX2" fmla="*/ 1780684 w 1786555"/>
+                <a:gd name="connsiteY2" fmla="*/ 10211 h 831957"/>
+                <a:gd name="connsiteX3" fmla="*/ 1618075 w 1786555"/>
+                <a:gd name="connsiteY3" fmla="*/ 156731 h 831957"/>
+                <a:gd name="connsiteX4" fmla="*/ 1618075 w 1786555"/>
+                <a:gd name="connsiteY4" fmla="*/ 765389 h 831957"/>
+                <a:gd name="connsiteX5" fmla="*/ 1551507 w 1786555"/>
+                <a:gd name="connsiteY5" fmla="*/ 831957 h 831957"/>
+                <a:gd name="connsiteX6" fmla="*/ 306968 w 1786555"/>
+                <a:gd name="connsiteY6" fmla="*/ 831957 h 831957"/>
+                <a:gd name="connsiteX7" fmla="*/ 240400 w 1786555"/>
+                <a:gd name="connsiteY7" fmla="*/ 765389 h 831957"/>
+                <a:gd name="connsiteX8" fmla="*/ 236936 w 1786555"/>
+                <a:gd name="connsiteY8" fmla="*/ 135949 h 831957"/>
+                <a:gd name="connsiteX0" fmla="*/ 157046 w 1705555"/>
+                <a:gd name="connsiteY0" fmla="*/ 128377 h 824385"/>
+                <a:gd name="connsiteX1" fmla="*/ 5983 w 1705555"/>
+                <a:gd name="connsiteY1" fmla="*/ 3215 h 824385"/>
+                <a:gd name="connsiteX2" fmla="*/ 1700794 w 1705555"/>
+                <a:gd name="connsiteY2" fmla="*/ 2639 h 824385"/>
+                <a:gd name="connsiteX3" fmla="*/ 1538185 w 1705555"/>
+                <a:gd name="connsiteY3" fmla="*/ 149159 h 824385"/>
+                <a:gd name="connsiteX4" fmla="*/ 1538185 w 1705555"/>
+                <a:gd name="connsiteY4" fmla="*/ 757817 h 824385"/>
+                <a:gd name="connsiteX5" fmla="*/ 1471617 w 1705555"/>
+                <a:gd name="connsiteY5" fmla="*/ 824385 h 824385"/>
+                <a:gd name="connsiteX6" fmla="*/ 227078 w 1705555"/>
+                <a:gd name="connsiteY6" fmla="*/ 824385 h 824385"/>
+                <a:gd name="connsiteX7" fmla="*/ 160510 w 1705555"/>
+                <a:gd name="connsiteY7" fmla="*/ 757817 h 824385"/>
+                <a:gd name="connsiteX8" fmla="*/ 157046 w 1705555"/>
+                <a:gd name="connsiteY8" fmla="*/ 128377 h 824385"/>
+                <a:gd name="connsiteX0" fmla="*/ 158360 w 1784749"/>
+                <a:gd name="connsiteY0" fmla="*/ 140824 h 836832"/>
+                <a:gd name="connsiteX1" fmla="*/ 7297 w 1784749"/>
+                <a:gd name="connsiteY1" fmla="*/ 15662 h 836832"/>
+                <a:gd name="connsiteX2" fmla="*/ 1702108 w 1784749"/>
+                <a:gd name="connsiteY2" fmla="*/ 15086 h 836832"/>
+                <a:gd name="connsiteX3" fmla="*/ 1539499 w 1784749"/>
+                <a:gd name="connsiteY3" fmla="*/ 215581 h 836832"/>
+                <a:gd name="connsiteX4" fmla="*/ 1539499 w 1784749"/>
+                <a:gd name="connsiteY4" fmla="*/ 770264 h 836832"/>
+                <a:gd name="connsiteX5" fmla="*/ 1472931 w 1784749"/>
+                <a:gd name="connsiteY5" fmla="*/ 836832 h 836832"/>
+                <a:gd name="connsiteX6" fmla="*/ 228392 w 1784749"/>
+                <a:gd name="connsiteY6" fmla="*/ 836832 h 836832"/>
+                <a:gd name="connsiteX7" fmla="*/ 161824 w 1784749"/>
+                <a:gd name="connsiteY7" fmla="*/ 770264 h 836832"/>
+                <a:gd name="connsiteX8" fmla="*/ 158360 w 1784749"/>
+                <a:gd name="connsiteY8" fmla="*/ 140824 h 836832"/>
+                <a:gd name="connsiteX0" fmla="*/ 239426 w 1862640"/>
+                <a:gd name="connsiteY0" fmla="*/ 233513 h 846971"/>
+                <a:gd name="connsiteX1" fmla="*/ 85188 w 1862640"/>
+                <a:gd name="connsiteY1" fmla="*/ 25801 h 846971"/>
+                <a:gd name="connsiteX2" fmla="*/ 1779999 w 1862640"/>
+                <a:gd name="connsiteY2" fmla="*/ 25225 h 846971"/>
+                <a:gd name="connsiteX3" fmla="*/ 1617390 w 1862640"/>
+                <a:gd name="connsiteY3" fmla="*/ 225720 h 846971"/>
+                <a:gd name="connsiteX4" fmla="*/ 1617390 w 1862640"/>
+                <a:gd name="connsiteY4" fmla="*/ 780403 h 846971"/>
+                <a:gd name="connsiteX5" fmla="*/ 1550822 w 1862640"/>
+                <a:gd name="connsiteY5" fmla="*/ 846971 h 846971"/>
+                <a:gd name="connsiteX6" fmla="*/ 306283 w 1862640"/>
+                <a:gd name="connsiteY6" fmla="*/ 846971 h 846971"/>
+                <a:gd name="connsiteX7" fmla="*/ 239715 w 1862640"/>
+                <a:gd name="connsiteY7" fmla="*/ 780403 h 846971"/>
+                <a:gd name="connsiteX8" fmla="*/ 239426 w 1862640"/>
+                <a:gd name="connsiteY8" fmla="*/ 233513 h 846971"/>
+                <a:gd name="connsiteX0" fmla="*/ 238598 w 1861812"/>
+                <a:gd name="connsiteY0" fmla="*/ 233513 h 846971"/>
+                <a:gd name="connsiteX1" fmla="*/ 84360 w 1861812"/>
+                <a:gd name="connsiteY1" fmla="*/ 25801 h 846971"/>
+                <a:gd name="connsiteX2" fmla="*/ 1779171 w 1861812"/>
+                <a:gd name="connsiteY2" fmla="*/ 25225 h 846971"/>
+                <a:gd name="connsiteX3" fmla="*/ 1616562 w 1861812"/>
+                <a:gd name="connsiteY3" fmla="*/ 225720 h 846971"/>
+                <a:gd name="connsiteX4" fmla="*/ 1616562 w 1861812"/>
+                <a:gd name="connsiteY4" fmla="*/ 780403 h 846971"/>
+                <a:gd name="connsiteX5" fmla="*/ 1549994 w 1861812"/>
+                <a:gd name="connsiteY5" fmla="*/ 846971 h 846971"/>
+                <a:gd name="connsiteX6" fmla="*/ 305455 w 1861812"/>
+                <a:gd name="connsiteY6" fmla="*/ 846971 h 846971"/>
+                <a:gd name="connsiteX7" fmla="*/ 238887 w 1861812"/>
+                <a:gd name="connsiteY7" fmla="*/ 780403 h 846971"/>
+                <a:gd name="connsiteX8" fmla="*/ 238598 w 1861812"/>
+                <a:gd name="connsiteY8" fmla="*/ 233513 h 846971"/>
+                <a:gd name="connsiteX0" fmla="*/ 238598 w 1862214"/>
+                <a:gd name="connsiteY0" fmla="*/ 233513 h 846971"/>
+                <a:gd name="connsiteX1" fmla="*/ 84360 w 1862214"/>
+                <a:gd name="connsiteY1" fmla="*/ 25801 h 846971"/>
+                <a:gd name="connsiteX2" fmla="*/ 1779171 w 1862214"/>
+                <a:gd name="connsiteY2" fmla="*/ 25225 h 846971"/>
+                <a:gd name="connsiteX3" fmla="*/ 1616562 w 1862214"/>
+                <a:gd name="connsiteY3" fmla="*/ 225720 h 846971"/>
+                <a:gd name="connsiteX4" fmla="*/ 1616562 w 1862214"/>
+                <a:gd name="connsiteY4" fmla="*/ 780403 h 846971"/>
+                <a:gd name="connsiteX5" fmla="*/ 1549994 w 1862214"/>
+                <a:gd name="connsiteY5" fmla="*/ 846971 h 846971"/>
+                <a:gd name="connsiteX6" fmla="*/ 305455 w 1862214"/>
+                <a:gd name="connsiteY6" fmla="*/ 846971 h 846971"/>
+                <a:gd name="connsiteX7" fmla="*/ 238887 w 1862214"/>
+                <a:gd name="connsiteY7" fmla="*/ 780403 h 846971"/>
+                <a:gd name="connsiteX8" fmla="*/ 238598 w 1862214"/>
+                <a:gd name="connsiteY8" fmla="*/ 233513 h 846971"/>
+                <a:gd name="connsiteX0" fmla="*/ 238160 w 1856323"/>
+                <a:gd name="connsiteY0" fmla="*/ 248080 h 861538"/>
+                <a:gd name="connsiteX1" fmla="*/ 83922 w 1856323"/>
+                <a:gd name="connsiteY1" fmla="*/ 40368 h 861538"/>
+                <a:gd name="connsiteX2" fmla="*/ 1772383 w 1856323"/>
+                <a:gd name="connsiteY2" fmla="*/ 17567 h 861538"/>
+                <a:gd name="connsiteX3" fmla="*/ 1616124 w 1856323"/>
+                <a:gd name="connsiteY3" fmla="*/ 240287 h 861538"/>
+                <a:gd name="connsiteX4" fmla="*/ 1616124 w 1856323"/>
+                <a:gd name="connsiteY4" fmla="*/ 794970 h 861538"/>
+                <a:gd name="connsiteX5" fmla="*/ 1549556 w 1856323"/>
+                <a:gd name="connsiteY5" fmla="*/ 861538 h 861538"/>
+                <a:gd name="connsiteX6" fmla="*/ 305017 w 1856323"/>
+                <a:gd name="connsiteY6" fmla="*/ 861538 h 861538"/>
+                <a:gd name="connsiteX7" fmla="*/ 238449 w 1856323"/>
+                <a:gd name="connsiteY7" fmla="*/ 794970 h 861538"/>
+                <a:gd name="connsiteX8" fmla="*/ 238160 w 1856323"/>
+                <a:gd name="connsiteY8" fmla="*/ 248080 h 861538"/>
+                <a:gd name="connsiteX0" fmla="*/ 238160 w 1785863"/>
+                <a:gd name="connsiteY0" fmla="*/ 242493 h 855951"/>
+                <a:gd name="connsiteX1" fmla="*/ 83922 w 1785863"/>
+                <a:gd name="connsiteY1" fmla="*/ 34781 h 855951"/>
+                <a:gd name="connsiteX2" fmla="*/ 1772383 w 1785863"/>
+                <a:gd name="connsiteY2" fmla="*/ 11980 h 855951"/>
+                <a:gd name="connsiteX3" fmla="*/ 1616124 w 1785863"/>
+                <a:gd name="connsiteY3" fmla="*/ 234700 h 855951"/>
+                <a:gd name="connsiteX4" fmla="*/ 1616124 w 1785863"/>
+                <a:gd name="connsiteY4" fmla="*/ 789383 h 855951"/>
+                <a:gd name="connsiteX5" fmla="*/ 1549556 w 1785863"/>
+                <a:gd name="connsiteY5" fmla="*/ 855951 h 855951"/>
+                <a:gd name="connsiteX6" fmla="*/ 305017 w 1785863"/>
+                <a:gd name="connsiteY6" fmla="*/ 855951 h 855951"/>
+                <a:gd name="connsiteX7" fmla="*/ 238449 w 1785863"/>
+                <a:gd name="connsiteY7" fmla="*/ 789383 h 855951"/>
+                <a:gd name="connsiteX8" fmla="*/ 238160 w 1785863"/>
+                <a:gd name="connsiteY8" fmla="*/ 242493 h 855951"/>
+                <a:gd name="connsiteX0" fmla="*/ 239914 w 1812854"/>
+                <a:gd name="connsiteY0" fmla="*/ 232326 h 845784"/>
+                <a:gd name="connsiteX1" fmla="*/ 85676 w 1812854"/>
+                <a:gd name="connsiteY1" fmla="*/ 24614 h 845784"/>
+                <a:gd name="connsiteX2" fmla="*/ 1799537 w 1812854"/>
+                <a:gd name="connsiteY2" fmla="*/ 17688 h 845784"/>
+                <a:gd name="connsiteX3" fmla="*/ 1617878 w 1812854"/>
+                <a:gd name="connsiteY3" fmla="*/ 224533 h 845784"/>
+                <a:gd name="connsiteX4" fmla="*/ 1617878 w 1812854"/>
+                <a:gd name="connsiteY4" fmla="*/ 779216 h 845784"/>
+                <a:gd name="connsiteX5" fmla="*/ 1551310 w 1812854"/>
+                <a:gd name="connsiteY5" fmla="*/ 845784 h 845784"/>
+                <a:gd name="connsiteX6" fmla="*/ 306771 w 1812854"/>
+                <a:gd name="connsiteY6" fmla="*/ 845784 h 845784"/>
+                <a:gd name="connsiteX7" fmla="*/ 240203 w 1812854"/>
+                <a:gd name="connsiteY7" fmla="*/ 779216 h 845784"/>
+                <a:gd name="connsiteX8" fmla="*/ 239914 w 1812854"/>
+                <a:gd name="connsiteY8" fmla="*/ 232326 h 845784"/>
+                <a:gd name="connsiteX0" fmla="*/ 241013 w 1829728"/>
+                <a:gd name="connsiteY0" fmla="*/ 230621 h 844079"/>
+                <a:gd name="connsiteX1" fmla="*/ 86775 w 1829728"/>
+                <a:gd name="connsiteY1" fmla="*/ 22909 h 844079"/>
+                <a:gd name="connsiteX2" fmla="*/ 1816511 w 1829728"/>
+                <a:gd name="connsiteY2" fmla="*/ 19158 h 844079"/>
+                <a:gd name="connsiteX3" fmla="*/ 1618977 w 1829728"/>
+                <a:gd name="connsiteY3" fmla="*/ 222828 h 844079"/>
+                <a:gd name="connsiteX4" fmla="*/ 1618977 w 1829728"/>
+                <a:gd name="connsiteY4" fmla="*/ 777511 h 844079"/>
+                <a:gd name="connsiteX5" fmla="*/ 1552409 w 1829728"/>
+                <a:gd name="connsiteY5" fmla="*/ 844079 h 844079"/>
+                <a:gd name="connsiteX6" fmla="*/ 307870 w 1829728"/>
+                <a:gd name="connsiteY6" fmla="*/ 844079 h 844079"/>
+                <a:gd name="connsiteX7" fmla="*/ 241302 w 1829728"/>
+                <a:gd name="connsiteY7" fmla="*/ 777511 h 844079"/>
+                <a:gd name="connsiteX8" fmla="*/ 241013 w 1829728"/>
+                <a:gd name="connsiteY8" fmla="*/ 230621 h 844079"/>
+                <a:gd name="connsiteX0" fmla="*/ 241013 w 1829728"/>
+                <a:gd name="connsiteY0" fmla="*/ 224021 h 837479"/>
+                <a:gd name="connsiteX1" fmla="*/ 86775 w 1829728"/>
+                <a:gd name="connsiteY1" fmla="*/ 16309 h 837479"/>
+                <a:gd name="connsiteX2" fmla="*/ 1816511 w 1829728"/>
+                <a:gd name="connsiteY2" fmla="*/ 12558 h 837479"/>
+                <a:gd name="connsiteX3" fmla="*/ 1618977 w 1829728"/>
+                <a:gd name="connsiteY3" fmla="*/ 216228 h 837479"/>
+                <a:gd name="connsiteX4" fmla="*/ 1618977 w 1829728"/>
+                <a:gd name="connsiteY4" fmla="*/ 770911 h 837479"/>
+                <a:gd name="connsiteX5" fmla="*/ 1552409 w 1829728"/>
+                <a:gd name="connsiteY5" fmla="*/ 837479 h 837479"/>
+                <a:gd name="connsiteX6" fmla="*/ 307870 w 1829728"/>
+                <a:gd name="connsiteY6" fmla="*/ 837479 h 837479"/>
+                <a:gd name="connsiteX7" fmla="*/ 241302 w 1829728"/>
+                <a:gd name="connsiteY7" fmla="*/ 770911 h 837479"/>
+                <a:gd name="connsiteX8" fmla="*/ 241013 w 1829728"/>
+                <a:gd name="connsiteY8" fmla="*/ 224021 h 837479"/>
+                <a:gd name="connsiteX0" fmla="*/ 241013 w 1829728"/>
+                <a:gd name="connsiteY0" fmla="*/ 224021 h 837479"/>
+                <a:gd name="connsiteX1" fmla="*/ 86775 w 1829728"/>
+                <a:gd name="connsiteY1" fmla="*/ 16309 h 837479"/>
+                <a:gd name="connsiteX2" fmla="*/ 1816511 w 1829728"/>
+                <a:gd name="connsiteY2" fmla="*/ 12558 h 837479"/>
+                <a:gd name="connsiteX3" fmla="*/ 1618977 w 1829728"/>
+                <a:gd name="connsiteY3" fmla="*/ 216228 h 837479"/>
+                <a:gd name="connsiteX4" fmla="*/ 1618977 w 1829728"/>
+                <a:gd name="connsiteY4" fmla="*/ 770911 h 837479"/>
+                <a:gd name="connsiteX5" fmla="*/ 1552409 w 1829728"/>
+                <a:gd name="connsiteY5" fmla="*/ 837479 h 837479"/>
+                <a:gd name="connsiteX6" fmla="*/ 307870 w 1829728"/>
+                <a:gd name="connsiteY6" fmla="*/ 837479 h 837479"/>
+                <a:gd name="connsiteX7" fmla="*/ 241302 w 1829728"/>
+                <a:gd name="connsiteY7" fmla="*/ 770911 h 837479"/>
+                <a:gd name="connsiteX8" fmla="*/ 241013 w 1829728"/>
+                <a:gd name="connsiteY8" fmla="*/ 224021 h 837479"/>
+                <a:gd name="connsiteX0" fmla="*/ 216773 w 1868784"/>
+                <a:gd name="connsiteY0" fmla="*/ 251658 h 865116"/>
+                <a:gd name="connsiteX1" fmla="*/ 91110 w 1868784"/>
+                <a:gd name="connsiteY1" fmla="*/ 18546 h 865116"/>
+                <a:gd name="connsiteX2" fmla="*/ 1792271 w 1868784"/>
+                <a:gd name="connsiteY2" fmla="*/ 40195 h 865116"/>
+                <a:gd name="connsiteX3" fmla="*/ 1594737 w 1868784"/>
+                <a:gd name="connsiteY3" fmla="*/ 243865 h 865116"/>
+                <a:gd name="connsiteX4" fmla="*/ 1594737 w 1868784"/>
+                <a:gd name="connsiteY4" fmla="*/ 798548 h 865116"/>
+                <a:gd name="connsiteX5" fmla="*/ 1528169 w 1868784"/>
+                <a:gd name="connsiteY5" fmla="*/ 865116 h 865116"/>
+                <a:gd name="connsiteX6" fmla="*/ 283630 w 1868784"/>
+                <a:gd name="connsiteY6" fmla="*/ 865116 h 865116"/>
+                <a:gd name="connsiteX7" fmla="*/ 217062 w 1868784"/>
+                <a:gd name="connsiteY7" fmla="*/ 798548 h 865116"/>
+                <a:gd name="connsiteX8" fmla="*/ 216773 w 1868784"/>
+                <a:gd name="connsiteY8" fmla="*/ 251658 h 865116"/>
+                <a:gd name="connsiteX0" fmla="*/ 216773 w 1868784"/>
+                <a:gd name="connsiteY0" fmla="*/ 274671 h 888129"/>
+                <a:gd name="connsiteX1" fmla="*/ 91110 w 1868784"/>
+                <a:gd name="connsiteY1" fmla="*/ 12984 h 888129"/>
+                <a:gd name="connsiteX2" fmla="*/ 1792271 w 1868784"/>
+                <a:gd name="connsiteY2" fmla="*/ 63208 h 888129"/>
+                <a:gd name="connsiteX3" fmla="*/ 1594737 w 1868784"/>
+                <a:gd name="connsiteY3" fmla="*/ 266878 h 888129"/>
+                <a:gd name="connsiteX4" fmla="*/ 1594737 w 1868784"/>
+                <a:gd name="connsiteY4" fmla="*/ 821561 h 888129"/>
+                <a:gd name="connsiteX5" fmla="*/ 1528169 w 1868784"/>
+                <a:gd name="connsiteY5" fmla="*/ 888129 h 888129"/>
+                <a:gd name="connsiteX6" fmla="*/ 283630 w 1868784"/>
+                <a:gd name="connsiteY6" fmla="*/ 888129 h 888129"/>
+                <a:gd name="connsiteX7" fmla="*/ 217062 w 1868784"/>
+                <a:gd name="connsiteY7" fmla="*/ 821561 h 888129"/>
+                <a:gd name="connsiteX8" fmla="*/ 216773 w 1868784"/>
+                <a:gd name="connsiteY8" fmla="*/ 274671 h 888129"/>
+                <a:gd name="connsiteX0" fmla="*/ 216325 w 1862778"/>
+                <a:gd name="connsiteY0" fmla="*/ 289222 h 902680"/>
+                <a:gd name="connsiteX1" fmla="*/ 90662 w 1862778"/>
+                <a:gd name="connsiteY1" fmla="*/ 27535 h 902680"/>
+                <a:gd name="connsiteX2" fmla="*/ 1785473 w 1862778"/>
+                <a:gd name="connsiteY2" fmla="*/ 36484 h 902680"/>
+                <a:gd name="connsiteX3" fmla="*/ 1594289 w 1862778"/>
+                <a:gd name="connsiteY3" fmla="*/ 281429 h 902680"/>
+                <a:gd name="connsiteX4" fmla="*/ 1594289 w 1862778"/>
+                <a:gd name="connsiteY4" fmla="*/ 836112 h 902680"/>
+                <a:gd name="connsiteX5" fmla="*/ 1527721 w 1862778"/>
+                <a:gd name="connsiteY5" fmla="*/ 902680 h 902680"/>
+                <a:gd name="connsiteX6" fmla="*/ 283182 w 1862778"/>
+                <a:gd name="connsiteY6" fmla="*/ 902680 h 902680"/>
+                <a:gd name="connsiteX7" fmla="*/ 216614 w 1862778"/>
+                <a:gd name="connsiteY7" fmla="*/ 836112 h 902680"/>
+                <a:gd name="connsiteX8" fmla="*/ 216325 w 1862778"/>
+                <a:gd name="connsiteY8" fmla="*/ 289222 h 902680"/>
+                <a:gd name="connsiteX0" fmla="*/ 216325 w 1862778"/>
+                <a:gd name="connsiteY0" fmla="*/ 289222 h 902680"/>
+                <a:gd name="connsiteX1" fmla="*/ 90662 w 1862778"/>
+                <a:gd name="connsiteY1" fmla="*/ 27535 h 902680"/>
+                <a:gd name="connsiteX2" fmla="*/ 1785473 w 1862778"/>
+                <a:gd name="connsiteY2" fmla="*/ 36484 h 902680"/>
+                <a:gd name="connsiteX3" fmla="*/ 1594289 w 1862778"/>
+                <a:gd name="connsiteY3" fmla="*/ 281429 h 902680"/>
+                <a:gd name="connsiteX4" fmla="*/ 1594289 w 1862778"/>
+                <a:gd name="connsiteY4" fmla="*/ 836112 h 902680"/>
+                <a:gd name="connsiteX5" fmla="*/ 1527721 w 1862778"/>
+                <a:gd name="connsiteY5" fmla="*/ 902680 h 902680"/>
+                <a:gd name="connsiteX6" fmla="*/ 283182 w 1862778"/>
+                <a:gd name="connsiteY6" fmla="*/ 902680 h 902680"/>
+                <a:gd name="connsiteX7" fmla="*/ 216614 w 1862778"/>
+                <a:gd name="connsiteY7" fmla="*/ 836112 h 902680"/>
+                <a:gd name="connsiteX8" fmla="*/ 216325 w 1862778"/>
+                <a:gd name="connsiteY8" fmla="*/ 289222 h 902680"/>
+                <a:gd name="connsiteX0" fmla="*/ 215874 w 1862327"/>
+                <a:gd name="connsiteY0" fmla="*/ 289222 h 902680"/>
+                <a:gd name="connsiteX1" fmla="*/ 90211 w 1862327"/>
+                <a:gd name="connsiteY1" fmla="*/ 27535 h 902680"/>
+                <a:gd name="connsiteX2" fmla="*/ 1785022 w 1862327"/>
+                <a:gd name="connsiteY2" fmla="*/ 36484 h 902680"/>
+                <a:gd name="connsiteX3" fmla="*/ 1593838 w 1862327"/>
+                <a:gd name="connsiteY3" fmla="*/ 281429 h 902680"/>
+                <a:gd name="connsiteX4" fmla="*/ 1593838 w 1862327"/>
+                <a:gd name="connsiteY4" fmla="*/ 836112 h 902680"/>
+                <a:gd name="connsiteX5" fmla="*/ 1527270 w 1862327"/>
+                <a:gd name="connsiteY5" fmla="*/ 902680 h 902680"/>
+                <a:gd name="connsiteX6" fmla="*/ 282731 w 1862327"/>
+                <a:gd name="connsiteY6" fmla="*/ 902680 h 902680"/>
+                <a:gd name="connsiteX7" fmla="*/ 216163 w 1862327"/>
+                <a:gd name="connsiteY7" fmla="*/ 836112 h 902680"/>
+                <a:gd name="connsiteX8" fmla="*/ 215874 w 1862327"/>
+                <a:gd name="connsiteY8" fmla="*/ 289222 h 902680"/>
+                <a:gd name="connsiteX0" fmla="*/ 218551 w 1865217"/>
+                <a:gd name="connsiteY0" fmla="*/ 271689 h 885147"/>
+                <a:gd name="connsiteX1" fmla="*/ 89713 w 1865217"/>
+                <a:gd name="connsiteY1" fmla="*/ 44927 h 885147"/>
+                <a:gd name="connsiteX2" fmla="*/ 1787699 w 1865217"/>
+                <a:gd name="connsiteY2" fmla="*/ 18951 h 885147"/>
+                <a:gd name="connsiteX3" fmla="*/ 1596515 w 1865217"/>
+                <a:gd name="connsiteY3" fmla="*/ 263896 h 885147"/>
+                <a:gd name="connsiteX4" fmla="*/ 1596515 w 1865217"/>
+                <a:gd name="connsiteY4" fmla="*/ 818579 h 885147"/>
+                <a:gd name="connsiteX5" fmla="*/ 1529947 w 1865217"/>
+                <a:gd name="connsiteY5" fmla="*/ 885147 h 885147"/>
+                <a:gd name="connsiteX6" fmla="*/ 285408 w 1865217"/>
+                <a:gd name="connsiteY6" fmla="*/ 885147 h 885147"/>
+                <a:gd name="connsiteX7" fmla="*/ 218840 w 1865217"/>
+                <a:gd name="connsiteY7" fmla="*/ 818579 h 885147"/>
+                <a:gd name="connsiteX8" fmla="*/ 218551 w 1865217"/>
+                <a:gd name="connsiteY8" fmla="*/ 271689 h 885147"/>
+                <a:gd name="connsiteX0" fmla="*/ 217882 w 1856244"/>
+                <a:gd name="connsiteY0" fmla="*/ 253205 h 866663"/>
+                <a:gd name="connsiteX1" fmla="*/ 89044 w 1856244"/>
+                <a:gd name="connsiteY1" fmla="*/ 26443 h 866663"/>
+                <a:gd name="connsiteX2" fmla="*/ 1777505 w 1856244"/>
+                <a:gd name="connsiteY2" fmla="*/ 29042 h 866663"/>
+                <a:gd name="connsiteX3" fmla="*/ 1595846 w 1856244"/>
+                <a:gd name="connsiteY3" fmla="*/ 245412 h 866663"/>
+                <a:gd name="connsiteX4" fmla="*/ 1595846 w 1856244"/>
+                <a:gd name="connsiteY4" fmla="*/ 800095 h 866663"/>
+                <a:gd name="connsiteX5" fmla="*/ 1529278 w 1856244"/>
+                <a:gd name="connsiteY5" fmla="*/ 866663 h 866663"/>
+                <a:gd name="connsiteX6" fmla="*/ 284739 w 1856244"/>
+                <a:gd name="connsiteY6" fmla="*/ 866663 h 866663"/>
+                <a:gd name="connsiteX7" fmla="*/ 218171 w 1856244"/>
+                <a:gd name="connsiteY7" fmla="*/ 800095 h 866663"/>
+                <a:gd name="connsiteX8" fmla="*/ 217882 w 1856244"/>
+                <a:gd name="connsiteY8" fmla="*/ 253205 h 866663"/>
+                <a:gd name="connsiteX0" fmla="*/ 152682 w 1785681"/>
+                <a:gd name="connsiteY0" fmla="*/ 248776 h 862234"/>
+                <a:gd name="connsiteX1" fmla="*/ 103357 w 1785681"/>
+                <a:gd name="connsiteY1" fmla="*/ 29972 h 862234"/>
+                <a:gd name="connsiteX2" fmla="*/ 1712305 w 1785681"/>
+                <a:gd name="connsiteY2" fmla="*/ 24613 h 862234"/>
+                <a:gd name="connsiteX3" fmla="*/ 1530646 w 1785681"/>
+                <a:gd name="connsiteY3" fmla="*/ 240983 h 862234"/>
+                <a:gd name="connsiteX4" fmla="*/ 1530646 w 1785681"/>
+                <a:gd name="connsiteY4" fmla="*/ 795666 h 862234"/>
+                <a:gd name="connsiteX5" fmla="*/ 1464078 w 1785681"/>
+                <a:gd name="connsiteY5" fmla="*/ 862234 h 862234"/>
+                <a:gd name="connsiteX6" fmla="*/ 219539 w 1785681"/>
+                <a:gd name="connsiteY6" fmla="*/ 862234 h 862234"/>
+                <a:gd name="connsiteX7" fmla="*/ 152971 w 1785681"/>
+                <a:gd name="connsiteY7" fmla="*/ 795666 h 862234"/>
+                <a:gd name="connsiteX8" fmla="*/ 152682 w 1785681"/>
+                <a:gd name="connsiteY8" fmla="*/ 248776 h 862234"/>
+                <a:gd name="connsiteX0" fmla="*/ 142268 w 1774377"/>
+                <a:gd name="connsiteY0" fmla="*/ 258162 h 871620"/>
+                <a:gd name="connsiteX1" fmla="*/ 106195 w 1774377"/>
+                <a:gd name="connsiteY1" fmla="*/ 23440 h 871620"/>
+                <a:gd name="connsiteX2" fmla="*/ 1701891 w 1774377"/>
+                <a:gd name="connsiteY2" fmla="*/ 33999 h 871620"/>
+                <a:gd name="connsiteX3" fmla="*/ 1520232 w 1774377"/>
+                <a:gd name="connsiteY3" fmla="*/ 250369 h 871620"/>
+                <a:gd name="connsiteX4" fmla="*/ 1520232 w 1774377"/>
+                <a:gd name="connsiteY4" fmla="*/ 805052 h 871620"/>
+                <a:gd name="connsiteX5" fmla="*/ 1453664 w 1774377"/>
+                <a:gd name="connsiteY5" fmla="*/ 871620 h 871620"/>
+                <a:gd name="connsiteX6" fmla="*/ 209125 w 1774377"/>
+                <a:gd name="connsiteY6" fmla="*/ 871620 h 871620"/>
+                <a:gd name="connsiteX7" fmla="*/ 142557 w 1774377"/>
+                <a:gd name="connsiteY7" fmla="*/ 805052 h 871620"/>
+                <a:gd name="connsiteX8" fmla="*/ 142268 w 1774377"/>
+                <a:gd name="connsiteY8" fmla="*/ 258162 h 871620"/>
+                <a:gd name="connsiteX0" fmla="*/ 137880 w 1718673"/>
+                <a:gd name="connsiteY0" fmla="*/ 262157 h 875615"/>
+                <a:gd name="connsiteX1" fmla="*/ 101807 w 1718673"/>
+                <a:gd name="connsiteY1" fmla="*/ 27435 h 875615"/>
+                <a:gd name="connsiteX2" fmla="*/ 1637868 w 1718673"/>
+                <a:gd name="connsiteY2" fmla="*/ 30034 h 875615"/>
+                <a:gd name="connsiteX3" fmla="*/ 1515844 w 1718673"/>
+                <a:gd name="connsiteY3" fmla="*/ 254364 h 875615"/>
+                <a:gd name="connsiteX4" fmla="*/ 1515844 w 1718673"/>
+                <a:gd name="connsiteY4" fmla="*/ 809047 h 875615"/>
+                <a:gd name="connsiteX5" fmla="*/ 1449276 w 1718673"/>
+                <a:gd name="connsiteY5" fmla="*/ 875615 h 875615"/>
+                <a:gd name="connsiteX6" fmla="*/ 204737 w 1718673"/>
+                <a:gd name="connsiteY6" fmla="*/ 875615 h 875615"/>
+                <a:gd name="connsiteX7" fmla="*/ 138169 w 1718673"/>
+                <a:gd name="connsiteY7" fmla="*/ 809047 h 875615"/>
+                <a:gd name="connsiteX8" fmla="*/ 137880 w 1718673"/>
+                <a:gd name="connsiteY8" fmla="*/ 262157 h 875615"/>
+              </a:gdLst>
+              <a:ahLst/>
+              <a:cxnLst>
+                <a:cxn ang="0">
+                  <a:pos x="connsiteX0" y="connsiteY0"/>
+                </a:cxn>
+                <a:cxn ang="0">
+                  <a:pos x="connsiteX1" y="connsiteY1"/>
+                </a:cxn>
+                <a:cxn ang="0">
+                  <a:pos x="connsiteX2" y="connsiteY2"/>
+                </a:cxn>
+                <a:cxn ang="0">
+                  <a:pos x="connsiteX3" y="connsiteY3"/>
+                </a:cxn>
+                <a:cxn ang="0">
+                  <a:pos x="connsiteX4" y="connsiteY4"/>
+                </a:cxn>
+                <a:cxn ang="0">
+                  <a:pos x="connsiteX5" y="connsiteY5"/>
+                </a:cxn>
+                <a:cxn ang="0">
+                  <a:pos x="connsiteX6" y="connsiteY6"/>
+                </a:cxn>
+                <a:cxn ang="0">
+                  <a:pos x="connsiteX7" y="connsiteY7"/>
+                </a:cxn>
+                <a:cxn ang="0">
+                  <a:pos x="connsiteX8" y="connsiteY8"/>
+                </a:cxn>
+              </a:cxnLst>
+              <a:rect l="l" t="t" r="r" b="b"/>
+              <a:pathLst>
+                <a:path w="1718673" h="875615">
+                  <a:moveTo>
+                    <a:pt x="137880" y="262157"/>
+                  </a:moveTo>
+                  <a:cubicBezTo>
+                    <a:pt x="141343" y="-22834"/>
+                    <a:pt x="-148191" y="66122"/>
+                    <a:pt x="101807" y="27435"/>
+                  </a:cubicBezTo>
+                  <a:cubicBezTo>
+                    <a:pt x="351805" y="-11252"/>
+                    <a:pt x="1402195" y="-7787"/>
+                    <a:pt x="1637868" y="30034"/>
+                  </a:cubicBezTo>
+                  <a:cubicBezTo>
+                    <a:pt x="1873541" y="67855"/>
+                    <a:pt x="1519019" y="-26009"/>
+                    <a:pt x="1515844" y="254364"/>
+                  </a:cubicBezTo>
+                  <a:lnTo>
+                    <a:pt x="1515844" y="809047"/>
+                  </a:lnTo>
+                  <a:cubicBezTo>
+                    <a:pt x="1515844" y="845811"/>
+                    <a:pt x="1486040" y="875615"/>
+                    <a:pt x="1449276" y="875615"/>
+                  </a:cubicBezTo>
+                  <a:lnTo>
+                    <a:pt x="204737" y="875615"/>
+                  </a:lnTo>
+                  <a:cubicBezTo>
+                    <a:pt x="167973" y="875615"/>
+                    <a:pt x="138169" y="845811"/>
+                    <a:pt x="138169" y="809047"/>
+                  </a:cubicBezTo>
+                  <a:cubicBezTo>
+                    <a:pt x="137014" y="599234"/>
+                    <a:pt x="139035" y="471970"/>
+                    <a:pt x="137880" y="262157"/>
+                  </a:cubicBezTo>
+                  <a:close/>
+                </a:path>
+              </a:pathLst>
+            </a:custGeom>
+            <a:gradFill>
+              <a:gsLst>
+                <a:gs pos="8000">
+                  <a:schemeClr val="bg2"/>
+                </a:gs>
+                <a:gs pos="31000">
+                  <a:schemeClr val="tx2"/>
+                </a:gs>
+              </a:gsLst>
+              <a:lin ang="5400000" scaled="0"/>
+            </a:gradFill>
+            <a:ln w="12700">
+              <a:noFill/>
+            </a:ln>
+            <a:effectLst/>
+          </p:spPr>
+          <p:style>
+            <a:lnRef idx="2">
+              <a:schemeClr val="dk1"/>
+            </a:lnRef>
+            <a:fillRef idx="1">
+              <a:schemeClr val="lt1"/>
+            </a:fillRef>
+            <a:effectRef idx="0">
+              <a:schemeClr val="dk1"/>
+            </a:effectRef>
+            <a:fontRef idx="minor">
+              <a:schemeClr val="dk1"/>
+            </a:fontRef>
+          </p:style>
+          <p:txBody>
+            <a:bodyPr rtlCol="0" anchor="ctr"/>
+            <a:lstStyle/>
+            <a:p>
+              <a:pPr algn="ctr"/>
+              <a:endParaRPr lang="en-US" sz="1600" dirty="0">
+                <a:ln w="0">
+                  <a:solidFill>
+                    <a:sysClr val="windowText" lastClr="000000"/>
+                  </a:solidFill>
+                </a:ln>
+                <a:solidFill>
+                  <a:schemeClr val="tx1"/>
+                </a:solidFill>
+              </a:endParaRPr>
+            </a:p>
+          </p:txBody>
+        </p:sp>
+        <p:grpSp>
+          <p:nvGrpSpPr>
+            <p:cNvPr id="9" name="Group 8">
+              <a:extLst>
+                <a:ext uri="{FF2B5EF4-FFF2-40B4-BE49-F238E27FC236}">
+                  <a16:creationId xmlns:a16="http://schemas.microsoft.com/office/drawing/2014/main" id="{6B47D852-FE54-49FE-99D1-C794F77A101F}"/>
+                </a:ext>
+              </a:extLst>
+            </p:cNvPr>
+            <p:cNvGrpSpPr/>
+            <p:nvPr/>
+          </p:nvGrpSpPr>
+          <p:grpSpPr>
+            <a:xfrm>
+              <a:off x="4407250" y="5787721"/>
+              <a:ext cx="1283487" cy="383162"/>
+              <a:chOff x="6421785" y="5373193"/>
+              <a:chExt cx="1283487" cy="383162"/>
+            </a:xfrm>
+          </p:grpSpPr>
+          <p:sp>
+            <p:nvSpPr>
+              <p:cNvPr id="10" name="Rounded Rectangle 10">
+                <a:extLst>
+                  <a:ext uri="{FF2B5EF4-FFF2-40B4-BE49-F238E27FC236}">
+                    <a16:creationId xmlns:a16="http://schemas.microsoft.com/office/drawing/2014/main" id="{AFA4FA6A-DB44-483E-9F5B-850A4DC1AB3C}"/>
+                  </a:ext>
+                </a:extLst>
+              </p:cNvPr>
+              <p:cNvSpPr/>
+              <p:nvPr/>
+            </p:nvSpPr>
+            <p:spPr>
+              <a:xfrm>
+                <a:off x="6421785" y="5373193"/>
+                <a:ext cx="1240161" cy="383162"/>
+              </a:xfrm>
+              <a:prstGeom prst="roundRect">
+                <a:avLst>
+                  <a:gd name="adj" fmla="val 12736"/>
+                </a:avLst>
+              </a:prstGeom>
+              <a:solidFill>
+                <a:schemeClr val="tx1">
+                  <a:lumMod val="50000"/>
+                </a:schemeClr>
+              </a:solidFill>
+              <a:ln w="12700">
+                <a:noFill/>
+              </a:ln>
+              <a:effectLst/>
+            </p:spPr>
+            <p:style>
+              <a:lnRef idx="2">
+                <a:schemeClr val="dk1"/>
+              </a:lnRef>
+              <a:fillRef idx="1">
+                <a:schemeClr val="lt1"/>
+              </a:fillRef>
+              <a:effectRef idx="0">
+                <a:schemeClr val="dk1"/>
+              </a:effectRef>
+              <a:fontRef idx="minor">
+                <a:schemeClr val="dk1"/>
+              </a:fontRef>
+            </p:style>
+            <p:txBody>
+              <a:bodyPr wrap="square" tIns="36000" bIns="36000" rtlCol="0" anchor="ctr">
+                <a:noAutofit/>
+              </a:bodyPr>
+              <a:lstStyle/>
+              <a:p>
+                <a:endParaRPr lang="en-US" sz="1200" dirty="0">
+                  <a:solidFill>
+                    <a:schemeClr val="bg1"/>
+                  </a:solidFill>
+                  <a:latin typeface="Source Sans Pro Light" charset="0"/>
+                  <a:ea typeface="Source Sans Pro Light" charset="0"/>
+                  <a:cs typeface="Source Sans Pro Light" charset="0"/>
+                </a:endParaRPr>
+              </a:p>
+            </p:txBody>
+          </p:sp>
+          <p:sp>
+            <p:nvSpPr>
+              <p:cNvPr id="11" name="Rectangle 10">
+                <a:extLst>
+                  <a:ext uri="{FF2B5EF4-FFF2-40B4-BE49-F238E27FC236}">
+                    <a16:creationId xmlns:a16="http://schemas.microsoft.com/office/drawing/2014/main" id="{05C99AEB-4F10-4A1A-9494-CAC25BBC208E}"/>
+                  </a:ext>
+                </a:extLst>
+              </p:cNvPr>
+              <p:cNvSpPr/>
+              <p:nvPr/>
+            </p:nvSpPr>
+            <p:spPr>
+              <a:xfrm>
+                <a:off x="6756463" y="5425211"/>
+                <a:ext cx="948809" cy="301407"/>
+              </a:xfrm>
+              <a:prstGeom prst="rect">
+                <a:avLst/>
+              </a:prstGeom>
+              <a:effectLst/>
+            </p:spPr>
+            <p:txBody>
+              <a:bodyPr wrap="square" lIns="0" rIns="0">
+                <a:noAutofit/>
+              </a:bodyPr>
+              <a:lstStyle/>
+              <a:p>
+                <a:pPr algn="ctr" defTabSz="914400">
+                  <a:lnSpc>
+                    <a:spcPts val="1000"/>
+                  </a:lnSpc>
+                  <a:defRPr/>
+                </a:pPr>
+                <a:r>
+                  <a:rPr lang="fr-FR" sz="1200" kern="0" dirty="0">
+                    <a:solidFill>
+                      <a:schemeClr val="bg1"/>
+                    </a:solidFill>
+                    <a:latin typeface="Source Sans Pro Light" charset="0"/>
+                  </a:rPr>
+                  <a:t>PROCESSOR </a:t>
+                </a:r>
+                <a:br>
+                  <a:rPr lang="fr-FR" sz="1200" kern="0" dirty="0">
+                    <a:solidFill>
+                      <a:schemeClr val="bg1"/>
+                    </a:solidFill>
+                    <a:latin typeface="Source Sans Pro Light" charset="0"/>
+                  </a:rPr>
+                </a:br>
+                <a:r>
+                  <a:rPr lang="fr-FR" sz="1200" kern="0" dirty="0">
+                    <a:solidFill>
+                      <a:schemeClr val="bg1"/>
+                    </a:solidFill>
+                    <a:latin typeface="Source Sans Pro Light" charset="0"/>
+                  </a:rPr>
+                  <a:t>CORE</a:t>
+                </a:r>
+                <a:endParaRPr lang="en-US" sz="1200" kern="0" dirty="0">
+                  <a:solidFill>
+                    <a:schemeClr val="bg1"/>
+                  </a:solidFill>
+                  <a:latin typeface="Source Sans Pro Light" charset="0"/>
+                </a:endParaRPr>
+              </a:p>
+            </p:txBody>
+          </p:sp>
+          <p:pic>
+            <p:nvPicPr>
+              <p:cNvPr id="12" name="Picture 11">
+                <a:extLst>
+                  <a:ext uri="{FF2B5EF4-FFF2-40B4-BE49-F238E27FC236}">
+                    <a16:creationId xmlns:a16="http://schemas.microsoft.com/office/drawing/2014/main" id="{840D5FF5-A79C-4BC1-9C91-63CFC4A9EE7D}"/>
+                  </a:ext>
+                </a:extLst>
+              </p:cNvPr>
+              <p:cNvPicPr>
+                <a:picLocks noChangeAspect="1"/>
+              </p:cNvPicPr>
+              <p:nvPr/>
+            </p:nvPicPr>
+            <p:blipFill>
+              <a:blip r:embed="rId2" cstate="print">
+                <a:lum bright="10000"/>
+                <a:extLst>
+                  <a:ext uri="{28A0092B-C50C-407E-A947-70E740481C1C}">
+                    <a14:useLocalDpi xmlns:a14="http://schemas.microsoft.com/office/drawing/2010/main" val="0"/>
+                  </a:ext>
+                </a:extLst>
+              </a:blip>
+              <a:stretch>
+                <a:fillRect/>
+              </a:stretch>
+            </p:blipFill>
+            <p:spPr>
+              <a:xfrm>
+                <a:off x="6482924" y="5411413"/>
+                <a:ext cx="307244" cy="309712"/>
+              </a:xfrm>
+              <a:prstGeom prst="rect">
+                <a:avLst/>
+              </a:prstGeom>
+            </p:spPr>
+          </p:pic>
+        </p:grpSp>
+      </p:grpSp>
+      <p:sp>
+        <p:nvSpPr>
+          <p:cNvPr id="13" name="Rounded Rectangle 13">
+            <a:extLst>
+              <a:ext uri="{FF2B5EF4-FFF2-40B4-BE49-F238E27FC236}">
+                <a16:creationId xmlns:a16="http://schemas.microsoft.com/office/drawing/2014/main" id="{51B0D8F8-DDCA-46C6-BC75-BF50B134B4BF}"/>
+              </a:ext>
+            </a:extLst>
+          </p:cNvPr>
+          <p:cNvSpPr/>
+          <p:nvPr/>
+        </p:nvSpPr>
+        <p:spPr>
+          <a:xfrm>
+            <a:off x="3859356" y="2455305"/>
+            <a:ext cx="4445565" cy="2201991"/>
+          </a:xfrm>
+          <a:prstGeom prst="roundRect">
+            <a:avLst>
+              <a:gd name="adj" fmla="val 3675"/>
+            </a:avLst>
+          </a:prstGeom>
+          <a:solidFill>
+            <a:schemeClr val="bg2"/>
+          </a:solidFill>
+          <a:ln w="12700">
+            <a:noFill/>
+          </a:ln>
+          <a:effectLst/>
+        </p:spPr>
+        <p:style>
+          <a:lnRef idx="2">
+            <a:schemeClr val="dk1"/>
+          </a:lnRef>
+          <a:fillRef idx="1">
+            <a:schemeClr val="lt1"/>
+          </a:fillRef>
+          <a:effectRef idx="0">
+            <a:schemeClr val="dk1"/>
+          </a:effectRef>
+          <a:fontRef idx="minor">
+            <a:schemeClr val="dk1"/>
+          </a:fontRef>
+        </p:style>
+        <p:txBody>
+          <a:bodyPr rtlCol="0" anchor="ctr"/>
+          <a:lstStyle/>
+          <a:p>
+            <a:pPr algn="ctr"/>
+            <a:endParaRPr lang="en-US" sz="1600" dirty="0">
+              <a:ln w="0">
+                <a:solidFill>
+                  <a:sysClr val="windowText" lastClr="000000"/>
+                </a:solidFill>
+              </a:ln>
+              <a:solidFill>
+                <a:schemeClr val="tx1"/>
+              </a:solidFill>
+            </a:endParaRPr>
+          </a:p>
+        </p:txBody>
+      </p:sp>
+      <p:sp>
+        <p:nvSpPr>
+          <p:cNvPr id="14" name="Rounded Rectangle 14">
+            <a:extLst>
+              <a:ext uri="{FF2B5EF4-FFF2-40B4-BE49-F238E27FC236}">
+                <a16:creationId xmlns:a16="http://schemas.microsoft.com/office/drawing/2014/main" id="{308EA3FC-C6B1-4464-B546-2FA60CF91B0C}"/>
+              </a:ext>
+            </a:extLst>
+          </p:cNvPr>
+          <p:cNvSpPr/>
+          <p:nvPr/>
+        </p:nvSpPr>
+        <p:spPr>
+          <a:xfrm>
+            <a:off x="3977649" y="3871733"/>
+            <a:ext cx="4236479" cy="306000"/>
+          </a:xfrm>
+          <a:prstGeom prst="roundRect">
+            <a:avLst>
+              <a:gd name="adj" fmla="val 19644"/>
+            </a:avLst>
+          </a:prstGeom>
+          <a:solidFill>
+            <a:schemeClr val="tx2"/>
+          </a:solidFill>
+          <a:ln w="12700">
+            <a:noFill/>
+          </a:ln>
+          <a:effectLst/>
+        </p:spPr>
+        <p:style>
+          <a:lnRef idx="2">
+            <a:schemeClr val="dk1"/>
+          </a:lnRef>
+          <a:fillRef idx="1">
+            <a:schemeClr val="lt1"/>
+          </a:fillRef>
+          <a:effectRef idx="0">
+            <a:schemeClr val="dk1"/>
+          </a:effectRef>
+          <a:fontRef idx="minor">
+            <a:schemeClr val="dk1"/>
+          </a:fontRef>
+        </p:style>
+        <p:txBody>
+          <a:bodyPr wrap="square" lIns="90000" tIns="36000" bIns="36000" rtlCol="0" anchor="ctr">
+            <a:noAutofit/>
+          </a:bodyPr>
+          <a:lstStyle/>
+          <a:p>
+            <a:pPr algn="ctr"/>
+            <a:r>
+              <a:rPr lang="en-US" sz="1600" b="1" dirty="0">
+                <a:solidFill>
+                  <a:schemeClr val="bg1"/>
+                </a:solidFill>
+                <a:effectLst>
+                  <a:outerShdw blurRad="76200" dist="38100" dir="5400000" algn="t" rotWithShape="0">
+                    <a:prstClr val="black">
+                      <a:alpha val="70000"/>
+                    </a:prstClr>
+                  </a:outerShdw>
+                </a:effectLst>
+                <a:latin typeface="Source Sans Pro" charset="0"/>
+                <a:ea typeface="Source Sans Pro" charset="0"/>
+                <a:cs typeface="Source Sans Pro" charset="0"/>
+              </a:rPr>
+              <a:t>RTOS/OS</a:t>
+            </a:r>
+          </a:p>
+        </p:txBody>
+      </p:sp>
+      <p:sp>
+        <p:nvSpPr>
+          <p:cNvPr id="15" name="Rounded Rectangle 15">
+            <a:extLst>
+              <a:ext uri="{FF2B5EF4-FFF2-40B4-BE49-F238E27FC236}">
+                <a16:creationId xmlns:a16="http://schemas.microsoft.com/office/drawing/2014/main" id="{226B5CBF-6915-4FC6-A3FB-19C4E5C6E9B5}"/>
+              </a:ext>
+            </a:extLst>
+          </p:cNvPr>
+          <p:cNvSpPr/>
+          <p:nvPr/>
+        </p:nvSpPr>
+        <p:spPr>
+          <a:xfrm>
+            <a:off x="3977651" y="3496712"/>
+            <a:ext cx="4236477" cy="306000"/>
+          </a:xfrm>
+          <a:prstGeom prst="roundRect">
+            <a:avLst>
+              <a:gd name="adj" fmla="val 18223"/>
+            </a:avLst>
+          </a:prstGeom>
+          <a:solidFill>
+            <a:schemeClr val="tx2"/>
+          </a:solidFill>
+          <a:ln w="12700">
+            <a:noFill/>
+          </a:ln>
+          <a:effectLst/>
+        </p:spPr>
+        <p:style>
+          <a:lnRef idx="2">
+            <a:schemeClr val="dk1"/>
+          </a:lnRef>
+          <a:fillRef idx="1">
+            <a:schemeClr val="lt1"/>
+          </a:fillRef>
+          <a:effectRef idx="0">
+            <a:schemeClr val="dk1"/>
+          </a:effectRef>
+          <a:fontRef idx="minor">
+            <a:schemeClr val="dk1"/>
+          </a:fontRef>
+        </p:style>
+        <p:txBody>
+          <a:bodyPr wrap="square" tIns="36000" bIns="36000" rtlCol="0" anchor="ctr">
+            <a:noAutofit/>
+          </a:bodyPr>
+          <a:lstStyle/>
+          <a:p>
+            <a:pPr algn="ctr"/>
+            <a:r>
+              <a:rPr lang="en-US" sz="1600" b="1" dirty="0">
+                <a:solidFill>
+                  <a:schemeClr val="bg1"/>
+                </a:solidFill>
+                <a:effectLst>
+                  <a:outerShdw blurRad="76200" dist="38100" dir="5400000" algn="t" rotWithShape="0">
+                    <a:prstClr val="black">
+                      <a:alpha val="70000"/>
+                    </a:prstClr>
+                  </a:outerShdw>
+                </a:effectLst>
+                <a:latin typeface="Source Sans Pro" charset="0"/>
+                <a:ea typeface="Source Sans Pro" charset="0"/>
+              </a:rPr>
+              <a:t>BSP</a:t>
+            </a:r>
+          </a:p>
+        </p:txBody>
+      </p:sp>
+      <p:sp>
+        <p:nvSpPr>
+          <p:cNvPr id="16" name="Rounded Rectangle 27">
+            <a:extLst>
+              <a:ext uri="{FF2B5EF4-FFF2-40B4-BE49-F238E27FC236}">
+                <a16:creationId xmlns:a16="http://schemas.microsoft.com/office/drawing/2014/main" id="{FB2D2FDB-1130-4471-A4CA-253134086998}"/>
+              </a:ext>
+            </a:extLst>
+          </p:cNvPr>
+          <p:cNvSpPr/>
+          <p:nvPr/>
+        </p:nvSpPr>
+        <p:spPr>
+          <a:xfrm>
+            <a:off x="7426660" y="2569651"/>
+            <a:ext cx="761996" cy="288974"/>
+          </a:xfrm>
+          <a:prstGeom prst="roundRect">
+            <a:avLst>
+              <a:gd name="adj" fmla="val 13128"/>
+            </a:avLst>
+          </a:prstGeom>
+          <a:solidFill>
+            <a:schemeClr val="accent1"/>
+          </a:solidFill>
+          <a:ln w="12700">
+            <a:noFill/>
+          </a:ln>
+          <a:effectLst/>
+        </p:spPr>
+        <p:style>
+          <a:lnRef idx="2">
+            <a:schemeClr val="dk1"/>
+          </a:lnRef>
+          <a:fillRef idx="1">
+            <a:schemeClr val="lt1"/>
+          </a:fillRef>
+          <a:effectRef idx="0">
+            <a:schemeClr val="dk1"/>
+          </a:effectRef>
+          <a:fontRef idx="minor">
+            <a:schemeClr val="dk1"/>
+          </a:fontRef>
+        </p:style>
+        <p:txBody>
+          <a:bodyPr wrap="square" lIns="0" tIns="72000" rIns="0" bIns="36000" rtlCol="0" anchor="ctr">
+            <a:noAutofit/>
+          </a:bodyPr>
+          <a:lstStyle/>
+          <a:p>
+            <a:pPr algn="ctr">
+              <a:lnSpc>
+                <a:spcPts val="1000"/>
+              </a:lnSpc>
+            </a:pPr>
+            <a:r>
+              <a:rPr lang="en-US" sz="1000" dirty="0">
+                <a:solidFill>
+                  <a:schemeClr val="bg1"/>
+                </a:solidFill>
+                <a:latin typeface="Source Sans Pro Light" charset="0"/>
+                <a:ea typeface="Source Sans Pro Light" charset="0"/>
+                <a:cs typeface="Source Sans Pro Light" charset="0"/>
+              </a:rPr>
+              <a:t>Scheduler</a:t>
+            </a:r>
+          </a:p>
+        </p:txBody>
+      </p:sp>
+      <p:cxnSp>
+        <p:nvCxnSpPr>
+          <p:cNvPr id="17" name="Straight Connector 16">
+            <a:extLst>
+              <a:ext uri="{FF2B5EF4-FFF2-40B4-BE49-F238E27FC236}">
+                <a16:creationId xmlns:a16="http://schemas.microsoft.com/office/drawing/2014/main" id="{A99BD250-0876-4D3F-9767-F3176CB57185}"/>
+              </a:ext>
+            </a:extLst>
+          </p:cNvPr>
+          <p:cNvCxnSpPr>
+            <a:cxnSpLocks/>
+          </p:cNvCxnSpPr>
+          <p:nvPr/>
+        </p:nvCxnSpPr>
+        <p:spPr>
+          <a:xfrm>
+            <a:off x="4018961" y="3391127"/>
+            <a:ext cx="1771705" cy="14307"/>
+          </a:xfrm>
+          <a:prstGeom prst="line">
+            <a:avLst/>
+          </a:prstGeom>
+          <a:ln w="38100" cap="rnd">
+            <a:solidFill>
+              <a:schemeClr val="accent5"/>
+            </a:solidFill>
+            <a:miter lim="800000"/>
+          </a:ln>
+        </p:spPr>
+        <p:style>
+          <a:lnRef idx="1">
+            <a:schemeClr val="accent1"/>
+          </a:lnRef>
+          <a:fillRef idx="0">
+            <a:schemeClr val="accent1"/>
+          </a:fillRef>
+          <a:effectRef idx="0">
+            <a:schemeClr val="accent1"/>
+          </a:effectRef>
+          <a:fontRef idx="minor">
+            <a:schemeClr val="tx1"/>
+          </a:fontRef>
+        </p:style>
+      </p:cxnSp>
+      <p:sp>
+        <p:nvSpPr>
+          <p:cNvPr id="18" name="Rectangle 17">
+            <a:extLst>
+              <a:ext uri="{FF2B5EF4-FFF2-40B4-BE49-F238E27FC236}">
+                <a16:creationId xmlns:a16="http://schemas.microsoft.com/office/drawing/2014/main" id="{E9B41740-D60B-42CA-BD37-BF7CBF25DDE2}"/>
+              </a:ext>
+            </a:extLst>
+          </p:cNvPr>
+          <p:cNvSpPr/>
+          <p:nvPr/>
+        </p:nvSpPr>
+        <p:spPr>
+          <a:xfrm>
+            <a:off x="6940474" y="5373239"/>
+            <a:ext cx="1263935" cy="213954"/>
+          </a:xfrm>
+          <a:prstGeom prst="rect">
+            <a:avLst/>
+          </a:prstGeom>
+          <a:noFill/>
+          <a:effectLst/>
+        </p:spPr>
+        <p:txBody>
+          <a:bodyPr wrap="square" lIns="0" rIns="0">
+            <a:noAutofit/>
+          </a:bodyPr>
+          <a:lstStyle/>
+          <a:p>
+            <a:pPr algn="r">
+              <a:lnSpc>
+                <a:spcPts val="1300"/>
+              </a:lnSpc>
+            </a:pPr>
+            <a:r>
+              <a:rPr lang="en-US" sz="1100" b="1" dirty="0">
+                <a:ln w="0"/>
+                <a:solidFill>
+                  <a:schemeClr val="tx1">
+                    <a:lumMod val="75000"/>
+                  </a:schemeClr>
+                </a:solidFill>
+                <a:latin typeface="Source Sans Pro" charset="0"/>
+                <a:ea typeface="Source Sans Pro" charset="0"/>
+                <a:cs typeface="Source Sans Pro" charset="0"/>
+              </a:rPr>
+              <a:t>HARDWARE </a:t>
+            </a:r>
+          </a:p>
+        </p:txBody>
+      </p:sp>
+      <p:sp>
+        <p:nvSpPr>
+          <p:cNvPr id="19" name="Rectangle 18">
+            <a:extLst>
+              <a:ext uri="{FF2B5EF4-FFF2-40B4-BE49-F238E27FC236}">
+                <a16:creationId xmlns:a16="http://schemas.microsoft.com/office/drawing/2014/main" id="{658A9153-19B3-49D9-9A8B-70005ECD09C2}"/>
+              </a:ext>
+            </a:extLst>
+          </p:cNvPr>
+          <p:cNvSpPr/>
+          <p:nvPr/>
+        </p:nvSpPr>
+        <p:spPr>
+          <a:xfrm>
+            <a:off x="7260499" y="4618307"/>
+            <a:ext cx="943910" cy="213954"/>
+          </a:xfrm>
+          <a:prstGeom prst="rect">
+            <a:avLst/>
+          </a:prstGeom>
+          <a:noFill/>
+          <a:effectLst/>
+        </p:spPr>
+        <p:txBody>
+          <a:bodyPr wrap="square" lIns="0" rIns="0">
+            <a:noAutofit/>
+          </a:bodyPr>
+          <a:lstStyle/>
+          <a:p>
+            <a:pPr algn="r">
+              <a:lnSpc>
+                <a:spcPts val="1300"/>
+              </a:lnSpc>
+            </a:pPr>
+            <a:r>
+              <a:rPr lang="en-US" sz="1100" b="1" dirty="0">
+                <a:ln w="0"/>
+                <a:solidFill>
+                  <a:schemeClr val="tx1">
+                    <a:lumMod val="60000"/>
+                    <a:lumOff val="40000"/>
+                  </a:schemeClr>
+                </a:solidFill>
+                <a:latin typeface="Source Sans Pro" charset="0"/>
+                <a:ea typeface="Source Sans Pro" charset="0"/>
+                <a:cs typeface="Source Sans Pro" charset="0"/>
+              </a:rPr>
+              <a:t>PLATFORM</a:t>
+            </a:r>
+          </a:p>
+        </p:txBody>
+      </p:sp>
+      <p:sp>
+        <p:nvSpPr>
+          <p:cNvPr id="20" name="Rounded Rectangle 37">
+            <a:extLst>
+              <a:ext uri="{FF2B5EF4-FFF2-40B4-BE49-F238E27FC236}">
+                <a16:creationId xmlns:a16="http://schemas.microsoft.com/office/drawing/2014/main" id="{4C3C5FAE-707A-4F6D-80EE-51B5A43B317C}"/>
+              </a:ext>
+            </a:extLst>
+          </p:cNvPr>
+          <p:cNvSpPr/>
+          <p:nvPr/>
+        </p:nvSpPr>
+        <p:spPr>
+          <a:xfrm>
+            <a:off x="5563448" y="4998723"/>
+            <a:ext cx="795600" cy="309106"/>
+          </a:xfrm>
+          <a:prstGeom prst="roundRect">
+            <a:avLst>
+              <a:gd name="adj" fmla="val 20457"/>
+            </a:avLst>
+          </a:prstGeom>
+          <a:solidFill>
+            <a:schemeClr val="tx2"/>
+          </a:solidFill>
+          <a:ln w="12700">
+            <a:noFill/>
+          </a:ln>
+          <a:effectLst/>
+        </p:spPr>
+        <p:style>
+          <a:lnRef idx="2">
+            <a:schemeClr val="dk1"/>
+          </a:lnRef>
+          <a:fillRef idx="1">
+            <a:schemeClr val="lt1"/>
+          </a:fillRef>
+          <a:effectRef idx="0">
+            <a:schemeClr val="dk1"/>
+          </a:effectRef>
+          <a:fontRef idx="minor">
+            <a:schemeClr val="dk1"/>
+          </a:fontRef>
+        </p:style>
+        <p:txBody>
+          <a:bodyPr wrap="square" lIns="0" tIns="72000" rIns="0" bIns="46800" rtlCol="0" anchor="ctr">
+            <a:noAutofit/>
+          </a:bodyPr>
+          <a:lstStyle/>
+          <a:p>
+            <a:pPr lvl="0" algn="ctr" defTabSz="914400">
+              <a:lnSpc>
+                <a:spcPts val="1180"/>
+              </a:lnSpc>
+              <a:defRPr/>
+            </a:pPr>
+            <a:r>
+              <a:rPr lang="en-US" sz="1200" kern="0" dirty="0">
+                <a:solidFill>
+                  <a:srgbClr val="FFFFFF"/>
+                </a:solidFill>
+                <a:latin typeface="Source Sans Pro Light" charset="0"/>
+                <a:ea typeface="Source Sans Pro Light" charset="0"/>
+                <a:cs typeface="Source Sans Pro Light" charset="0"/>
+              </a:rPr>
+              <a:t>CPU FPU</a:t>
+            </a:r>
+          </a:p>
+        </p:txBody>
+      </p:sp>
+      <p:sp>
+        <p:nvSpPr>
+          <p:cNvPr id="21" name="Rounded Rectangle 38">
+            <a:extLst>
+              <a:ext uri="{FF2B5EF4-FFF2-40B4-BE49-F238E27FC236}">
+                <a16:creationId xmlns:a16="http://schemas.microsoft.com/office/drawing/2014/main" id="{B8C83289-18BD-40F8-B920-E314FEA4E5A7}"/>
+              </a:ext>
+            </a:extLst>
+          </p:cNvPr>
+          <p:cNvSpPr/>
+          <p:nvPr/>
+        </p:nvSpPr>
+        <p:spPr>
+          <a:xfrm>
+            <a:off x="6437792" y="4998723"/>
+            <a:ext cx="795600" cy="309106"/>
+          </a:xfrm>
+          <a:prstGeom prst="roundRect">
+            <a:avLst>
+              <a:gd name="adj" fmla="val 20457"/>
+            </a:avLst>
+          </a:prstGeom>
+          <a:solidFill>
+            <a:schemeClr val="tx2"/>
+          </a:solidFill>
+          <a:ln w="12700">
+            <a:noFill/>
+          </a:ln>
+          <a:effectLst/>
+        </p:spPr>
+        <p:style>
+          <a:lnRef idx="2">
+            <a:schemeClr val="dk1"/>
+          </a:lnRef>
+          <a:fillRef idx="1">
+            <a:schemeClr val="lt1"/>
+          </a:fillRef>
+          <a:effectRef idx="0">
+            <a:schemeClr val="dk1"/>
+          </a:effectRef>
+          <a:fontRef idx="minor">
+            <a:schemeClr val="dk1"/>
+          </a:fontRef>
+        </p:style>
+        <p:txBody>
+          <a:bodyPr wrap="square" lIns="0" tIns="72000" rIns="0" bIns="46800" rtlCol="0" anchor="ctr">
+            <a:noAutofit/>
+          </a:bodyPr>
+          <a:lstStyle/>
+          <a:p>
+            <a:pPr lvl="0" algn="ctr" defTabSz="914400">
+              <a:lnSpc>
+                <a:spcPts val="1180"/>
+              </a:lnSpc>
+              <a:defRPr/>
+            </a:pPr>
+            <a:r>
+              <a:rPr lang="en-US" sz="1200" kern="0" dirty="0">
+                <a:solidFill>
+                  <a:srgbClr val="FFFFFF"/>
+                </a:solidFill>
+                <a:latin typeface="Source Sans Pro Light" charset="0"/>
+                <a:ea typeface="Source Sans Pro Light" charset="0"/>
+                <a:cs typeface="Source Sans Pro Light" charset="0"/>
+              </a:rPr>
+              <a:t>Memory</a:t>
+            </a:r>
+          </a:p>
+        </p:txBody>
+      </p:sp>
+      <p:sp>
+        <p:nvSpPr>
+          <p:cNvPr id="22" name="Rounded Rectangle 39">
+            <a:extLst>
+              <a:ext uri="{FF2B5EF4-FFF2-40B4-BE49-F238E27FC236}">
+                <a16:creationId xmlns:a16="http://schemas.microsoft.com/office/drawing/2014/main" id="{D67BC221-8363-4C11-B54C-C65BA52A2EC6}"/>
+              </a:ext>
+            </a:extLst>
+          </p:cNvPr>
+          <p:cNvSpPr/>
+          <p:nvPr/>
+        </p:nvSpPr>
+        <p:spPr>
+          <a:xfrm>
+            <a:off x="7312136" y="4998723"/>
+            <a:ext cx="795600" cy="309106"/>
+          </a:xfrm>
+          <a:prstGeom prst="roundRect">
+            <a:avLst>
+              <a:gd name="adj" fmla="val 20457"/>
+            </a:avLst>
+          </a:prstGeom>
+          <a:solidFill>
+            <a:schemeClr val="tx2"/>
+          </a:solidFill>
+          <a:ln w="12700">
+            <a:noFill/>
+          </a:ln>
+          <a:effectLst/>
+        </p:spPr>
+        <p:style>
+          <a:lnRef idx="2">
+            <a:schemeClr val="dk1"/>
+          </a:lnRef>
+          <a:fillRef idx="1">
+            <a:schemeClr val="lt1"/>
+          </a:fillRef>
+          <a:effectRef idx="0">
+            <a:schemeClr val="dk1"/>
+          </a:effectRef>
+          <a:fontRef idx="minor">
+            <a:schemeClr val="dk1"/>
+          </a:fontRef>
+        </p:style>
+        <p:txBody>
+          <a:bodyPr wrap="square" lIns="0" tIns="72000" rIns="0" bIns="46800" rtlCol="0" anchor="ctr">
+            <a:noAutofit/>
+          </a:bodyPr>
+          <a:lstStyle/>
+          <a:p>
+            <a:pPr lvl="0" algn="ctr" defTabSz="914400">
+              <a:lnSpc>
+                <a:spcPts val="1180"/>
+              </a:lnSpc>
+              <a:defRPr/>
+            </a:pPr>
+            <a:r>
+              <a:rPr lang="en-US" sz="1200" kern="0" dirty="0">
+                <a:solidFill>
+                  <a:srgbClr val="FFFFFF"/>
+                </a:solidFill>
+                <a:latin typeface="Source Sans Pro Light" charset="0"/>
+                <a:ea typeface="Source Sans Pro Light" charset="0"/>
+                <a:cs typeface="Source Sans Pro Light" charset="0"/>
+              </a:rPr>
+              <a:t>Peripherals</a:t>
+            </a:r>
+            <a:endParaRPr lang="en-US" sz="1200" i="1" kern="0" dirty="0">
+              <a:solidFill>
+                <a:srgbClr val="FFFFFF"/>
+              </a:solidFill>
+              <a:latin typeface="Source Sans Pro Light" charset="0"/>
+              <a:ea typeface="Source Sans Pro Light" charset="0"/>
+              <a:cs typeface="Source Sans Pro Light" charset="0"/>
+            </a:endParaRPr>
+          </a:p>
+        </p:txBody>
+      </p:sp>
+      <p:sp>
+        <p:nvSpPr>
+          <p:cNvPr id="23" name="Rectangle 22">
+            <a:extLst>
+              <a:ext uri="{FF2B5EF4-FFF2-40B4-BE49-F238E27FC236}">
+                <a16:creationId xmlns:a16="http://schemas.microsoft.com/office/drawing/2014/main" id="{FA1724FF-C758-4D53-87CC-5B6B48EF4954}"/>
+              </a:ext>
+            </a:extLst>
+          </p:cNvPr>
+          <p:cNvSpPr/>
+          <p:nvPr/>
+        </p:nvSpPr>
+        <p:spPr>
+          <a:xfrm>
+            <a:off x="4121172" y="3331713"/>
+            <a:ext cx="1661808" cy="136256"/>
+          </a:xfrm>
+          <a:prstGeom prst="rect">
+            <a:avLst/>
+          </a:prstGeom>
+          <a:gradFill flip="none" rotWithShape="1">
+            <a:gsLst>
+              <a:gs pos="100000">
+                <a:srgbClr val="CBD3D7">
+                  <a:alpha val="0"/>
+                </a:srgbClr>
+              </a:gs>
+              <a:gs pos="0">
+                <a:schemeClr val="bg2">
+                  <a:alpha val="0"/>
+                </a:schemeClr>
+              </a:gs>
+              <a:gs pos="80000">
+                <a:srgbClr val="CBD3D7">
+                  <a:alpha val="90000"/>
+                </a:srgbClr>
+              </a:gs>
+              <a:gs pos="20000">
+                <a:schemeClr val="bg2">
+                  <a:alpha val="90000"/>
+                </a:schemeClr>
+              </a:gs>
+            </a:gsLst>
+            <a:lin ang="0" scaled="1"/>
+            <a:tileRect/>
+          </a:gradFill>
+          <a:ln w="31750">
+            <a:noFill/>
+          </a:ln>
+          <a:effectLst/>
+        </p:spPr>
+        <p:txBody>
+          <a:bodyPr wrap="square" lIns="0" tIns="0" rIns="0" bIns="0">
+            <a:spAutoFit/>
+          </a:bodyPr>
+          <a:lstStyle/>
+          <a:p>
+            <a:pPr algn="ctr">
+              <a:lnSpc>
+                <a:spcPts val="1000"/>
+              </a:lnSpc>
+            </a:pPr>
+            <a:r>
+              <a:rPr lang="en-US" sz="1200" b="1" dirty="0">
+                <a:ln w="0"/>
+                <a:solidFill>
+                  <a:srgbClr val="00B050"/>
+                </a:solidFill>
+                <a:latin typeface="Source Sans Pro" panose="020B0503030403020204" pitchFamily="34" charset="0"/>
+                <a:ea typeface="Source Sans Pro" panose="020B0503030403020204" pitchFamily="34" charset="0"/>
+              </a:rPr>
+              <a:t>ABSTRACTION LAYERS</a:t>
+            </a:r>
+          </a:p>
+        </p:txBody>
+      </p:sp>
+      <p:sp>
+        <p:nvSpPr>
+          <p:cNvPr id="25" name="Rounded Rectangle 88">
+            <a:extLst>
+              <a:ext uri="{FF2B5EF4-FFF2-40B4-BE49-F238E27FC236}">
+                <a16:creationId xmlns:a16="http://schemas.microsoft.com/office/drawing/2014/main" id="{5DAB12C6-3539-4306-95B6-318E56D43107}"/>
+              </a:ext>
+            </a:extLst>
+          </p:cNvPr>
+          <p:cNvSpPr/>
+          <p:nvPr/>
+        </p:nvSpPr>
+        <p:spPr>
+          <a:xfrm>
+            <a:off x="3977649" y="4242282"/>
+            <a:ext cx="4236479" cy="306000"/>
+          </a:xfrm>
+          <a:prstGeom prst="roundRect">
+            <a:avLst>
+              <a:gd name="adj" fmla="val 19644"/>
+            </a:avLst>
+          </a:prstGeom>
+          <a:solidFill>
+            <a:schemeClr val="tx2"/>
+          </a:solidFill>
+          <a:ln w="12700">
+            <a:noFill/>
+          </a:ln>
+          <a:effectLst/>
+        </p:spPr>
+        <p:style>
+          <a:lnRef idx="2">
+            <a:schemeClr val="dk1"/>
+          </a:lnRef>
+          <a:fillRef idx="1">
+            <a:schemeClr val="lt1"/>
+          </a:fillRef>
+          <a:effectRef idx="0">
+            <a:schemeClr val="dk1"/>
+          </a:effectRef>
+          <a:fontRef idx="minor">
+            <a:schemeClr val="dk1"/>
+          </a:fontRef>
+        </p:style>
+        <p:txBody>
+          <a:bodyPr wrap="square" lIns="90000" tIns="36000" bIns="36000" rtlCol="0" anchor="ctr">
+            <a:noAutofit/>
+          </a:bodyPr>
+          <a:lstStyle/>
+          <a:p>
+            <a:pPr lvl="0" algn="ctr">
+              <a:defRPr/>
+            </a:pPr>
+            <a:r>
+              <a:rPr lang="en-US" sz="1600" b="1" kern="0" dirty="0">
+                <a:solidFill>
+                  <a:srgbClr val="FFFFFF"/>
+                </a:solidFill>
+                <a:effectLst>
+                  <a:outerShdw blurRad="76200" dist="38100" dir="5400000" algn="t" rotWithShape="0">
+                    <a:prstClr val="black">
+                      <a:alpha val="70000"/>
+                    </a:prstClr>
+                  </a:outerShdw>
+                </a:effectLst>
+                <a:latin typeface="Source Sans Pro" charset="0"/>
+                <a:ea typeface="Source Sans Pro" charset="0"/>
+                <a:cs typeface="Source Sans Pro" charset="0"/>
+              </a:rPr>
+              <a:t>C Runtime</a:t>
+            </a:r>
+          </a:p>
+        </p:txBody>
+      </p:sp>
+      <p:grpSp>
+        <p:nvGrpSpPr>
+          <p:cNvPr id="26" name="Group 25">
+            <a:extLst>
+              <a:ext uri="{FF2B5EF4-FFF2-40B4-BE49-F238E27FC236}">
+                <a16:creationId xmlns:a16="http://schemas.microsoft.com/office/drawing/2014/main" id="{B854D58B-77E5-4726-BD78-C16BB7C962FF}"/>
+              </a:ext>
+            </a:extLst>
+          </p:cNvPr>
+          <p:cNvGrpSpPr/>
+          <p:nvPr/>
+        </p:nvGrpSpPr>
+        <p:grpSpPr>
+          <a:xfrm>
+            <a:off x="3963087" y="2241352"/>
+            <a:ext cx="1684403" cy="725924"/>
+            <a:chOff x="3235766" y="3459308"/>
+            <a:chExt cx="1684403" cy="725924"/>
+          </a:xfrm>
+        </p:grpSpPr>
+        <p:sp>
+          <p:nvSpPr>
+            <p:cNvPr id="27" name="Rounded Rectangle 370">
+              <a:extLst>
+                <a:ext uri="{FF2B5EF4-FFF2-40B4-BE49-F238E27FC236}">
+                  <a16:creationId xmlns:a16="http://schemas.microsoft.com/office/drawing/2014/main" id="{C179FB8F-C175-4783-90D6-7A8EC1D45A9A}"/>
+                </a:ext>
+              </a:extLst>
+            </p:cNvPr>
+            <p:cNvSpPr/>
+            <p:nvPr/>
+          </p:nvSpPr>
+          <p:spPr>
+            <a:xfrm>
+              <a:off x="3235766" y="3459308"/>
+              <a:ext cx="1684403" cy="725924"/>
+            </a:xfrm>
+            <a:custGeom>
+              <a:avLst/>
+              <a:gdLst>
+                <a:gd name="connsiteX0" fmla="*/ 0 w 1377675"/>
+                <a:gd name="connsiteY0" fmla="*/ 66568 h 1084694"/>
+                <a:gd name="connsiteX1" fmla="*/ 66568 w 1377675"/>
+                <a:gd name="connsiteY1" fmla="*/ 0 h 1084694"/>
+                <a:gd name="connsiteX2" fmla="*/ 1311107 w 1377675"/>
+                <a:gd name="connsiteY2" fmla="*/ 0 h 1084694"/>
+                <a:gd name="connsiteX3" fmla="*/ 1377675 w 1377675"/>
+                <a:gd name="connsiteY3" fmla="*/ 66568 h 1084694"/>
+                <a:gd name="connsiteX4" fmla="*/ 1377675 w 1377675"/>
+                <a:gd name="connsiteY4" fmla="*/ 1018126 h 1084694"/>
+                <a:gd name="connsiteX5" fmla="*/ 1311107 w 1377675"/>
+                <a:gd name="connsiteY5" fmla="*/ 1084694 h 1084694"/>
+                <a:gd name="connsiteX6" fmla="*/ 66568 w 1377675"/>
+                <a:gd name="connsiteY6" fmla="*/ 1084694 h 1084694"/>
+                <a:gd name="connsiteX7" fmla="*/ 0 w 1377675"/>
+                <a:gd name="connsiteY7" fmla="*/ 1018126 h 1084694"/>
+                <a:gd name="connsiteX8" fmla="*/ 0 w 1377675"/>
+                <a:gd name="connsiteY8" fmla="*/ 66568 h 1084694"/>
+                <a:gd name="connsiteX0" fmla="*/ 0 w 1377675"/>
+                <a:gd name="connsiteY0" fmla="*/ 66568 h 1084694"/>
+                <a:gd name="connsiteX1" fmla="*/ 66568 w 1377675"/>
+                <a:gd name="connsiteY1" fmla="*/ 0 h 1084694"/>
+                <a:gd name="connsiteX2" fmla="*/ 1311107 w 1377675"/>
+                <a:gd name="connsiteY2" fmla="*/ 0 h 1084694"/>
+                <a:gd name="connsiteX3" fmla="*/ 1377675 w 1377675"/>
+                <a:gd name="connsiteY3" fmla="*/ 409468 h 1084694"/>
+                <a:gd name="connsiteX4" fmla="*/ 1377675 w 1377675"/>
+                <a:gd name="connsiteY4" fmla="*/ 1018126 h 1084694"/>
+                <a:gd name="connsiteX5" fmla="*/ 1311107 w 1377675"/>
+                <a:gd name="connsiteY5" fmla="*/ 1084694 h 1084694"/>
+                <a:gd name="connsiteX6" fmla="*/ 66568 w 1377675"/>
+                <a:gd name="connsiteY6" fmla="*/ 1084694 h 1084694"/>
+                <a:gd name="connsiteX7" fmla="*/ 0 w 1377675"/>
+                <a:gd name="connsiteY7" fmla="*/ 1018126 h 1084694"/>
+                <a:gd name="connsiteX8" fmla="*/ 0 w 1377675"/>
+                <a:gd name="connsiteY8" fmla="*/ 66568 h 1084694"/>
+                <a:gd name="connsiteX0" fmla="*/ 0 w 1381139"/>
+                <a:gd name="connsiteY0" fmla="*/ 388686 h 1084694"/>
+                <a:gd name="connsiteX1" fmla="*/ 70032 w 1381139"/>
+                <a:gd name="connsiteY1" fmla="*/ 0 h 1084694"/>
+                <a:gd name="connsiteX2" fmla="*/ 1314571 w 1381139"/>
+                <a:gd name="connsiteY2" fmla="*/ 0 h 1084694"/>
+                <a:gd name="connsiteX3" fmla="*/ 1381139 w 1381139"/>
+                <a:gd name="connsiteY3" fmla="*/ 409468 h 1084694"/>
+                <a:gd name="connsiteX4" fmla="*/ 1381139 w 1381139"/>
+                <a:gd name="connsiteY4" fmla="*/ 1018126 h 1084694"/>
+                <a:gd name="connsiteX5" fmla="*/ 1314571 w 1381139"/>
+                <a:gd name="connsiteY5" fmla="*/ 1084694 h 1084694"/>
+                <a:gd name="connsiteX6" fmla="*/ 70032 w 1381139"/>
+                <a:gd name="connsiteY6" fmla="*/ 1084694 h 1084694"/>
+                <a:gd name="connsiteX7" fmla="*/ 3464 w 1381139"/>
+                <a:gd name="connsiteY7" fmla="*/ 1018126 h 1084694"/>
+                <a:gd name="connsiteX8" fmla="*/ 0 w 1381139"/>
+                <a:gd name="connsiteY8" fmla="*/ 388686 h 1084694"/>
+                <a:gd name="connsiteX0" fmla="*/ 0 w 3085063"/>
+                <a:gd name="connsiteY0" fmla="*/ 388686 h 1084694"/>
+                <a:gd name="connsiteX1" fmla="*/ 70032 w 3085063"/>
+                <a:gd name="connsiteY1" fmla="*/ 0 h 1084694"/>
+                <a:gd name="connsiteX2" fmla="*/ 3084489 w 3085063"/>
+                <a:gd name="connsiteY2" fmla="*/ 256309 h 1084694"/>
+                <a:gd name="connsiteX3" fmla="*/ 1381139 w 3085063"/>
+                <a:gd name="connsiteY3" fmla="*/ 409468 h 1084694"/>
+                <a:gd name="connsiteX4" fmla="*/ 1381139 w 3085063"/>
+                <a:gd name="connsiteY4" fmla="*/ 1018126 h 1084694"/>
+                <a:gd name="connsiteX5" fmla="*/ 1314571 w 3085063"/>
+                <a:gd name="connsiteY5" fmla="*/ 1084694 h 1084694"/>
+                <a:gd name="connsiteX6" fmla="*/ 70032 w 3085063"/>
+                <a:gd name="connsiteY6" fmla="*/ 1084694 h 1084694"/>
+                <a:gd name="connsiteX7" fmla="*/ 3464 w 3085063"/>
+                <a:gd name="connsiteY7" fmla="*/ 1018126 h 1084694"/>
+                <a:gd name="connsiteX8" fmla="*/ 0 w 3085063"/>
+                <a:gd name="connsiteY8" fmla="*/ 388686 h 1084694"/>
+                <a:gd name="connsiteX0" fmla="*/ 1150005 w 4235068"/>
+                <a:gd name="connsiteY0" fmla="*/ 132377 h 828385"/>
+                <a:gd name="connsiteX1" fmla="*/ 837 w 4235068"/>
+                <a:gd name="connsiteY1" fmla="*/ 3463 h 828385"/>
+                <a:gd name="connsiteX2" fmla="*/ 4234494 w 4235068"/>
+                <a:gd name="connsiteY2" fmla="*/ 0 h 828385"/>
+                <a:gd name="connsiteX3" fmla="*/ 2531144 w 4235068"/>
+                <a:gd name="connsiteY3" fmla="*/ 153159 h 828385"/>
+                <a:gd name="connsiteX4" fmla="*/ 2531144 w 4235068"/>
+                <a:gd name="connsiteY4" fmla="*/ 761817 h 828385"/>
+                <a:gd name="connsiteX5" fmla="*/ 2464576 w 4235068"/>
+                <a:gd name="connsiteY5" fmla="*/ 828385 h 828385"/>
+                <a:gd name="connsiteX6" fmla="*/ 1220037 w 4235068"/>
+                <a:gd name="connsiteY6" fmla="*/ 828385 h 828385"/>
+                <a:gd name="connsiteX7" fmla="*/ 1153469 w 4235068"/>
+                <a:gd name="connsiteY7" fmla="*/ 761817 h 828385"/>
+                <a:gd name="connsiteX8" fmla="*/ 1150005 w 4235068"/>
+                <a:gd name="connsiteY8" fmla="*/ 132377 h 828385"/>
+                <a:gd name="connsiteX0" fmla="*/ 1150005 w 2930911"/>
+                <a:gd name="connsiteY0" fmla="*/ 128914 h 824922"/>
+                <a:gd name="connsiteX1" fmla="*/ 837 w 2930911"/>
+                <a:gd name="connsiteY1" fmla="*/ 0 h 824922"/>
+                <a:gd name="connsiteX2" fmla="*/ 2928703 w 2930911"/>
+                <a:gd name="connsiteY2" fmla="*/ 1 h 824922"/>
+                <a:gd name="connsiteX3" fmla="*/ 2531144 w 2930911"/>
+                <a:gd name="connsiteY3" fmla="*/ 149696 h 824922"/>
+                <a:gd name="connsiteX4" fmla="*/ 2531144 w 2930911"/>
+                <a:gd name="connsiteY4" fmla="*/ 758354 h 824922"/>
+                <a:gd name="connsiteX5" fmla="*/ 2464576 w 2930911"/>
+                <a:gd name="connsiteY5" fmla="*/ 824922 h 824922"/>
+                <a:gd name="connsiteX6" fmla="*/ 1220037 w 2930911"/>
+                <a:gd name="connsiteY6" fmla="*/ 824922 h 824922"/>
+                <a:gd name="connsiteX7" fmla="*/ 1153469 w 2930911"/>
+                <a:gd name="connsiteY7" fmla="*/ 758354 h 824922"/>
+                <a:gd name="connsiteX8" fmla="*/ 1150005 w 2930911"/>
+                <a:gd name="connsiteY8" fmla="*/ 128914 h 824922"/>
+                <a:gd name="connsiteX0" fmla="*/ 1150005 w 2930911"/>
+                <a:gd name="connsiteY0" fmla="*/ 128914 h 824922"/>
+                <a:gd name="connsiteX1" fmla="*/ 837 w 2930911"/>
+                <a:gd name="connsiteY1" fmla="*/ 0 h 824922"/>
+                <a:gd name="connsiteX2" fmla="*/ 2928703 w 2930911"/>
+                <a:gd name="connsiteY2" fmla="*/ 1 h 824922"/>
+                <a:gd name="connsiteX3" fmla="*/ 2531144 w 2930911"/>
+                <a:gd name="connsiteY3" fmla="*/ 149696 h 824922"/>
+                <a:gd name="connsiteX4" fmla="*/ 2531144 w 2930911"/>
+                <a:gd name="connsiteY4" fmla="*/ 758354 h 824922"/>
+                <a:gd name="connsiteX5" fmla="*/ 2464576 w 2930911"/>
+                <a:gd name="connsiteY5" fmla="*/ 824922 h 824922"/>
+                <a:gd name="connsiteX6" fmla="*/ 1220037 w 2930911"/>
+                <a:gd name="connsiteY6" fmla="*/ 824922 h 824922"/>
+                <a:gd name="connsiteX7" fmla="*/ 1153469 w 2930911"/>
+                <a:gd name="connsiteY7" fmla="*/ 758354 h 824922"/>
+                <a:gd name="connsiteX8" fmla="*/ 1150005 w 2930911"/>
+                <a:gd name="connsiteY8" fmla="*/ 128914 h 824922"/>
+                <a:gd name="connsiteX0" fmla="*/ 1150004 w 2930910"/>
+                <a:gd name="connsiteY0" fmla="*/ 128914 h 824922"/>
+                <a:gd name="connsiteX1" fmla="*/ 836 w 2930910"/>
+                <a:gd name="connsiteY1" fmla="*/ 0 h 824922"/>
+                <a:gd name="connsiteX2" fmla="*/ 2928702 w 2930910"/>
+                <a:gd name="connsiteY2" fmla="*/ 1 h 824922"/>
+                <a:gd name="connsiteX3" fmla="*/ 2531143 w 2930910"/>
+                <a:gd name="connsiteY3" fmla="*/ 149696 h 824922"/>
+                <a:gd name="connsiteX4" fmla="*/ 2531143 w 2930910"/>
+                <a:gd name="connsiteY4" fmla="*/ 758354 h 824922"/>
+                <a:gd name="connsiteX5" fmla="*/ 2464575 w 2930910"/>
+                <a:gd name="connsiteY5" fmla="*/ 824922 h 824922"/>
+                <a:gd name="connsiteX6" fmla="*/ 1220036 w 2930910"/>
+                <a:gd name="connsiteY6" fmla="*/ 824922 h 824922"/>
+                <a:gd name="connsiteX7" fmla="*/ 1153468 w 2930910"/>
+                <a:gd name="connsiteY7" fmla="*/ 758354 h 824922"/>
+                <a:gd name="connsiteX8" fmla="*/ 1150004 w 2930910"/>
+                <a:gd name="connsiteY8" fmla="*/ 128914 h 824922"/>
+                <a:gd name="connsiteX0" fmla="*/ 375627 w 2156533"/>
+                <a:gd name="connsiteY0" fmla="*/ 128913 h 824921"/>
+                <a:gd name="connsiteX1" fmla="*/ 2314 w 2156533"/>
+                <a:gd name="connsiteY1" fmla="*/ 6926 h 824921"/>
+                <a:gd name="connsiteX2" fmla="*/ 2154325 w 2156533"/>
+                <a:gd name="connsiteY2" fmla="*/ 0 h 824921"/>
+                <a:gd name="connsiteX3" fmla="*/ 1756766 w 2156533"/>
+                <a:gd name="connsiteY3" fmla="*/ 149695 h 824921"/>
+                <a:gd name="connsiteX4" fmla="*/ 1756766 w 2156533"/>
+                <a:gd name="connsiteY4" fmla="*/ 758353 h 824921"/>
+                <a:gd name="connsiteX5" fmla="*/ 1690198 w 2156533"/>
+                <a:gd name="connsiteY5" fmla="*/ 824921 h 824921"/>
+                <a:gd name="connsiteX6" fmla="*/ 445659 w 2156533"/>
+                <a:gd name="connsiteY6" fmla="*/ 824921 h 824921"/>
+                <a:gd name="connsiteX7" fmla="*/ 379091 w 2156533"/>
+                <a:gd name="connsiteY7" fmla="*/ 758353 h 824921"/>
+                <a:gd name="connsiteX8" fmla="*/ 375627 w 2156533"/>
+                <a:gd name="connsiteY8" fmla="*/ 128913 h 824921"/>
+                <a:gd name="connsiteX0" fmla="*/ 418185 w 2199091"/>
+                <a:gd name="connsiteY0" fmla="*/ 128913 h 824921"/>
+                <a:gd name="connsiteX1" fmla="*/ 44872 w 2199091"/>
+                <a:gd name="connsiteY1" fmla="*/ 6926 h 824921"/>
+                <a:gd name="connsiteX2" fmla="*/ 2196883 w 2199091"/>
+                <a:gd name="connsiteY2" fmla="*/ 0 h 824921"/>
+                <a:gd name="connsiteX3" fmla="*/ 1799324 w 2199091"/>
+                <a:gd name="connsiteY3" fmla="*/ 149695 h 824921"/>
+                <a:gd name="connsiteX4" fmla="*/ 1799324 w 2199091"/>
+                <a:gd name="connsiteY4" fmla="*/ 758353 h 824921"/>
+                <a:gd name="connsiteX5" fmla="*/ 1732756 w 2199091"/>
+                <a:gd name="connsiteY5" fmla="*/ 824921 h 824921"/>
+                <a:gd name="connsiteX6" fmla="*/ 488217 w 2199091"/>
+                <a:gd name="connsiteY6" fmla="*/ 824921 h 824921"/>
+                <a:gd name="connsiteX7" fmla="*/ 421649 w 2199091"/>
+                <a:gd name="connsiteY7" fmla="*/ 758353 h 824921"/>
+                <a:gd name="connsiteX8" fmla="*/ 418185 w 2199091"/>
+                <a:gd name="connsiteY8" fmla="*/ 128913 h 824921"/>
+                <a:gd name="connsiteX0" fmla="*/ 404178 w 2197426"/>
+                <a:gd name="connsiteY0" fmla="*/ 129381 h 825389"/>
+                <a:gd name="connsiteX1" fmla="*/ 30865 w 2197426"/>
+                <a:gd name="connsiteY1" fmla="*/ 7394 h 825389"/>
+                <a:gd name="connsiteX2" fmla="*/ 2182876 w 2197426"/>
+                <a:gd name="connsiteY2" fmla="*/ 468 h 825389"/>
+                <a:gd name="connsiteX3" fmla="*/ 1785317 w 2197426"/>
+                <a:gd name="connsiteY3" fmla="*/ 150163 h 825389"/>
+                <a:gd name="connsiteX4" fmla="*/ 1785317 w 2197426"/>
+                <a:gd name="connsiteY4" fmla="*/ 758821 h 825389"/>
+                <a:gd name="connsiteX5" fmla="*/ 1718749 w 2197426"/>
+                <a:gd name="connsiteY5" fmla="*/ 825389 h 825389"/>
+                <a:gd name="connsiteX6" fmla="*/ 474210 w 2197426"/>
+                <a:gd name="connsiteY6" fmla="*/ 825389 h 825389"/>
+                <a:gd name="connsiteX7" fmla="*/ 407642 w 2197426"/>
+                <a:gd name="connsiteY7" fmla="*/ 758821 h 825389"/>
+                <a:gd name="connsiteX8" fmla="*/ 404178 w 2197426"/>
+                <a:gd name="connsiteY8" fmla="*/ 129381 h 825389"/>
+                <a:gd name="connsiteX0" fmla="*/ 373313 w 2152011"/>
+                <a:gd name="connsiteY0" fmla="*/ 129381 h 825389"/>
+                <a:gd name="connsiteX1" fmla="*/ 0 w 2152011"/>
+                <a:gd name="connsiteY1" fmla="*/ 7394 h 825389"/>
+                <a:gd name="connsiteX2" fmla="*/ 2152011 w 2152011"/>
+                <a:gd name="connsiteY2" fmla="*/ 468 h 825389"/>
+                <a:gd name="connsiteX3" fmla="*/ 1754452 w 2152011"/>
+                <a:gd name="connsiteY3" fmla="*/ 150163 h 825389"/>
+                <a:gd name="connsiteX4" fmla="*/ 1754452 w 2152011"/>
+                <a:gd name="connsiteY4" fmla="*/ 758821 h 825389"/>
+                <a:gd name="connsiteX5" fmla="*/ 1687884 w 2152011"/>
+                <a:gd name="connsiteY5" fmla="*/ 825389 h 825389"/>
+                <a:gd name="connsiteX6" fmla="*/ 443345 w 2152011"/>
+                <a:gd name="connsiteY6" fmla="*/ 825389 h 825389"/>
+                <a:gd name="connsiteX7" fmla="*/ 376777 w 2152011"/>
+                <a:gd name="connsiteY7" fmla="*/ 758821 h 825389"/>
+                <a:gd name="connsiteX8" fmla="*/ 373313 w 2152011"/>
+                <a:gd name="connsiteY8" fmla="*/ 129381 h 825389"/>
+                <a:gd name="connsiteX0" fmla="*/ 436994 w 2018842"/>
+                <a:gd name="connsiteY0" fmla="*/ 132057 h 828065"/>
+                <a:gd name="connsiteX1" fmla="*/ 63681 w 2018842"/>
+                <a:gd name="connsiteY1" fmla="*/ 10070 h 828065"/>
+                <a:gd name="connsiteX2" fmla="*/ 2018842 w 2018842"/>
+                <a:gd name="connsiteY2" fmla="*/ 6319 h 828065"/>
+                <a:gd name="connsiteX3" fmla="*/ 1818133 w 2018842"/>
+                <a:gd name="connsiteY3" fmla="*/ 152839 h 828065"/>
+                <a:gd name="connsiteX4" fmla="*/ 1818133 w 2018842"/>
+                <a:gd name="connsiteY4" fmla="*/ 761497 h 828065"/>
+                <a:gd name="connsiteX5" fmla="*/ 1751565 w 2018842"/>
+                <a:gd name="connsiteY5" fmla="*/ 828065 h 828065"/>
+                <a:gd name="connsiteX6" fmla="*/ 507026 w 2018842"/>
+                <a:gd name="connsiteY6" fmla="*/ 828065 h 828065"/>
+                <a:gd name="connsiteX7" fmla="*/ 440458 w 2018842"/>
+                <a:gd name="connsiteY7" fmla="*/ 761497 h 828065"/>
+                <a:gd name="connsiteX8" fmla="*/ 436994 w 2018842"/>
+                <a:gd name="connsiteY8" fmla="*/ 132057 h 828065"/>
+                <a:gd name="connsiteX0" fmla="*/ 436994 w 2023402"/>
+                <a:gd name="connsiteY0" fmla="*/ 131514 h 827522"/>
+                <a:gd name="connsiteX1" fmla="*/ 63681 w 2023402"/>
+                <a:gd name="connsiteY1" fmla="*/ 9527 h 827522"/>
+                <a:gd name="connsiteX2" fmla="*/ 2018842 w 2023402"/>
+                <a:gd name="connsiteY2" fmla="*/ 5776 h 827522"/>
+                <a:gd name="connsiteX3" fmla="*/ 1818133 w 2023402"/>
+                <a:gd name="connsiteY3" fmla="*/ 152296 h 827522"/>
+                <a:gd name="connsiteX4" fmla="*/ 1818133 w 2023402"/>
+                <a:gd name="connsiteY4" fmla="*/ 760954 h 827522"/>
+                <a:gd name="connsiteX5" fmla="*/ 1751565 w 2023402"/>
+                <a:gd name="connsiteY5" fmla="*/ 827522 h 827522"/>
+                <a:gd name="connsiteX6" fmla="*/ 507026 w 2023402"/>
+                <a:gd name="connsiteY6" fmla="*/ 827522 h 827522"/>
+                <a:gd name="connsiteX7" fmla="*/ 440458 w 2023402"/>
+                <a:gd name="connsiteY7" fmla="*/ 760954 h 827522"/>
+                <a:gd name="connsiteX8" fmla="*/ 436994 w 2023402"/>
+                <a:gd name="connsiteY8" fmla="*/ 131514 h 827522"/>
+                <a:gd name="connsiteX0" fmla="*/ 260186 w 1921406"/>
+                <a:gd name="connsiteY0" fmla="*/ 144219 h 840227"/>
+                <a:gd name="connsiteX1" fmla="*/ 83723 w 1921406"/>
+                <a:gd name="connsiteY1" fmla="*/ 15882 h 840227"/>
+                <a:gd name="connsiteX2" fmla="*/ 1842034 w 1921406"/>
+                <a:gd name="connsiteY2" fmla="*/ 18481 h 840227"/>
+                <a:gd name="connsiteX3" fmla="*/ 1641325 w 1921406"/>
+                <a:gd name="connsiteY3" fmla="*/ 165001 h 840227"/>
+                <a:gd name="connsiteX4" fmla="*/ 1641325 w 1921406"/>
+                <a:gd name="connsiteY4" fmla="*/ 773659 h 840227"/>
+                <a:gd name="connsiteX5" fmla="*/ 1574757 w 1921406"/>
+                <a:gd name="connsiteY5" fmla="*/ 840227 h 840227"/>
+                <a:gd name="connsiteX6" fmla="*/ 330218 w 1921406"/>
+                <a:gd name="connsiteY6" fmla="*/ 840227 h 840227"/>
+                <a:gd name="connsiteX7" fmla="*/ 263650 w 1921406"/>
+                <a:gd name="connsiteY7" fmla="*/ 773659 h 840227"/>
+                <a:gd name="connsiteX8" fmla="*/ 260186 w 1921406"/>
+                <a:gd name="connsiteY8" fmla="*/ 144219 h 840227"/>
+                <a:gd name="connsiteX0" fmla="*/ 184184 w 1845404"/>
+                <a:gd name="connsiteY0" fmla="*/ 137193 h 833201"/>
+                <a:gd name="connsiteX1" fmla="*/ 7721 w 1845404"/>
+                <a:gd name="connsiteY1" fmla="*/ 8856 h 833201"/>
+                <a:gd name="connsiteX2" fmla="*/ 1766032 w 1845404"/>
+                <a:gd name="connsiteY2" fmla="*/ 11455 h 833201"/>
+                <a:gd name="connsiteX3" fmla="*/ 1565323 w 1845404"/>
+                <a:gd name="connsiteY3" fmla="*/ 157975 h 833201"/>
+                <a:gd name="connsiteX4" fmla="*/ 1565323 w 1845404"/>
+                <a:gd name="connsiteY4" fmla="*/ 766633 h 833201"/>
+                <a:gd name="connsiteX5" fmla="*/ 1498755 w 1845404"/>
+                <a:gd name="connsiteY5" fmla="*/ 833201 h 833201"/>
+                <a:gd name="connsiteX6" fmla="*/ 254216 w 1845404"/>
+                <a:gd name="connsiteY6" fmla="*/ 833201 h 833201"/>
+                <a:gd name="connsiteX7" fmla="*/ 187648 w 1845404"/>
+                <a:gd name="connsiteY7" fmla="*/ 766633 h 833201"/>
+                <a:gd name="connsiteX8" fmla="*/ 184184 w 1845404"/>
+                <a:gd name="connsiteY8" fmla="*/ 137193 h 833201"/>
+                <a:gd name="connsiteX0" fmla="*/ 254154 w 1839241"/>
+                <a:gd name="connsiteY0" fmla="*/ 147999 h 844007"/>
+                <a:gd name="connsiteX1" fmla="*/ 77691 w 1839241"/>
+                <a:gd name="connsiteY1" fmla="*/ 19662 h 844007"/>
+                <a:gd name="connsiteX2" fmla="*/ 1747102 w 1839241"/>
+                <a:gd name="connsiteY2" fmla="*/ 15911 h 844007"/>
+                <a:gd name="connsiteX3" fmla="*/ 1635293 w 1839241"/>
+                <a:gd name="connsiteY3" fmla="*/ 168781 h 844007"/>
+                <a:gd name="connsiteX4" fmla="*/ 1635293 w 1839241"/>
+                <a:gd name="connsiteY4" fmla="*/ 777439 h 844007"/>
+                <a:gd name="connsiteX5" fmla="*/ 1568725 w 1839241"/>
+                <a:gd name="connsiteY5" fmla="*/ 844007 h 844007"/>
+                <a:gd name="connsiteX6" fmla="*/ 324186 w 1839241"/>
+                <a:gd name="connsiteY6" fmla="*/ 844007 h 844007"/>
+                <a:gd name="connsiteX7" fmla="*/ 257618 w 1839241"/>
+                <a:gd name="connsiteY7" fmla="*/ 777439 h 844007"/>
+                <a:gd name="connsiteX8" fmla="*/ 254154 w 1839241"/>
+                <a:gd name="connsiteY8" fmla="*/ 147999 h 844007"/>
+                <a:gd name="connsiteX0" fmla="*/ 254154 w 1752323"/>
+                <a:gd name="connsiteY0" fmla="*/ 139925 h 835933"/>
+                <a:gd name="connsiteX1" fmla="*/ 77691 w 1752323"/>
+                <a:gd name="connsiteY1" fmla="*/ 11588 h 835933"/>
+                <a:gd name="connsiteX2" fmla="*/ 1747102 w 1752323"/>
+                <a:gd name="connsiteY2" fmla="*/ 7837 h 835933"/>
+                <a:gd name="connsiteX3" fmla="*/ 1635293 w 1752323"/>
+                <a:gd name="connsiteY3" fmla="*/ 160707 h 835933"/>
+                <a:gd name="connsiteX4" fmla="*/ 1635293 w 1752323"/>
+                <a:gd name="connsiteY4" fmla="*/ 769365 h 835933"/>
+                <a:gd name="connsiteX5" fmla="*/ 1568725 w 1752323"/>
+                <a:gd name="connsiteY5" fmla="*/ 835933 h 835933"/>
+                <a:gd name="connsiteX6" fmla="*/ 324186 w 1752323"/>
+                <a:gd name="connsiteY6" fmla="*/ 835933 h 835933"/>
+                <a:gd name="connsiteX7" fmla="*/ 257618 w 1752323"/>
+                <a:gd name="connsiteY7" fmla="*/ 769365 h 835933"/>
+                <a:gd name="connsiteX8" fmla="*/ 254154 w 1752323"/>
+                <a:gd name="connsiteY8" fmla="*/ 139925 h 835933"/>
+                <a:gd name="connsiteX0" fmla="*/ 256302 w 1786136"/>
+                <a:gd name="connsiteY0" fmla="*/ 138666 h 834674"/>
+                <a:gd name="connsiteX1" fmla="*/ 79839 w 1786136"/>
+                <a:gd name="connsiteY1" fmla="*/ 10329 h 834674"/>
+                <a:gd name="connsiteX2" fmla="*/ 1781000 w 1786136"/>
+                <a:gd name="connsiteY2" fmla="*/ 9753 h 834674"/>
+                <a:gd name="connsiteX3" fmla="*/ 1637441 w 1786136"/>
+                <a:gd name="connsiteY3" fmla="*/ 159448 h 834674"/>
+                <a:gd name="connsiteX4" fmla="*/ 1637441 w 1786136"/>
+                <a:gd name="connsiteY4" fmla="*/ 768106 h 834674"/>
+                <a:gd name="connsiteX5" fmla="*/ 1570873 w 1786136"/>
+                <a:gd name="connsiteY5" fmla="*/ 834674 h 834674"/>
+                <a:gd name="connsiteX6" fmla="*/ 326334 w 1786136"/>
+                <a:gd name="connsiteY6" fmla="*/ 834674 h 834674"/>
+                <a:gd name="connsiteX7" fmla="*/ 259766 w 1786136"/>
+                <a:gd name="connsiteY7" fmla="*/ 768106 h 834674"/>
+                <a:gd name="connsiteX8" fmla="*/ 256302 w 1786136"/>
+                <a:gd name="connsiteY8" fmla="*/ 138666 h 834674"/>
+                <a:gd name="connsiteX0" fmla="*/ 181625 w 1710512"/>
+                <a:gd name="connsiteY0" fmla="*/ 130557 h 826565"/>
+                <a:gd name="connsiteX1" fmla="*/ 5162 w 1710512"/>
+                <a:gd name="connsiteY1" fmla="*/ 2220 h 826565"/>
+                <a:gd name="connsiteX2" fmla="*/ 1706323 w 1710512"/>
+                <a:gd name="connsiteY2" fmla="*/ 1644 h 826565"/>
+                <a:gd name="connsiteX3" fmla="*/ 1562764 w 1710512"/>
+                <a:gd name="connsiteY3" fmla="*/ 151339 h 826565"/>
+                <a:gd name="connsiteX4" fmla="*/ 1562764 w 1710512"/>
+                <a:gd name="connsiteY4" fmla="*/ 759997 h 826565"/>
+                <a:gd name="connsiteX5" fmla="*/ 1496196 w 1710512"/>
+                <a:gd name="connsiteY5" fmla="*/ 826565 h 826565"/>
+                <a:gd name="connsiteX6" fmla="*/ 251657 w 1710512"/>
+                <a:gd name="connsiteY6" fmla="*/ 826565 h 826565"/>
+                <a:gd name="connsiteX7" fmla="*/ 185089 w 1710512"/>
+                <a:gd name="connsiteY7" fmla="*/ 759997 h 826565"/>
+                <a:gd name="connsiteX8" fmla="*/ 181625 w 1710512"/>
+                <a:gd name="connsiteY8" fmla="*/ 130557 h 826565"/>
+                <a:gd name="connsiteX0" fmla="*/ 157442 w 1767509"/>
+                <a:gd name="connsiteY0" fmla="*/ 139313 h 835321"/>
+                <a:gd name="connsiteX1" fmla="*/ 6379 w 1767509"/>
+                <a:gd name="connsiteY1" fmla="*/ 14151 h 835321"/>
+                <a:gd name="connsiteX2" fmla="*/ 1682140 w 1767509"/>
+                <a:gd name="connsiteY2" fmla="*/ 10400 h 835321"/>
+                <a:gd name="connsiteX3" fmla="*/ 1538581 w 1767509"/>
+                <a:gd name="connsiteY3" fmla="*/ 160095 h 835321"/>
+                <a:gd name="connsiteX4" fmla="*/ 1538581 w 1767509"/>
+                <a:gd name="connsiteY4" fmla="*/ 768753 h 835321"/>
+                <a:gd name="connsiteX5" fmla="*/ 1472013 w 1767509"/>
+                <a:gd name="connsiteY5" fmla="*/ 835321 h 835321"/>
+                <a:gd name="connsiteX6" fmla="*/ 227474 w 1767509"/>
+                <a:gd name="connsiteY6" fmla="*/ 835321 h 835321"/>
+                <a:gd name="connsiteX7" fmla="*/ 160906 w 1767509"/>
+                <a:gd name="connsiteY7" fmla="*/ 768753 h 835321"/>
+                <a:gd name="connsiteX8" fmla="*/ 157442 w 1767509"/>
+                <a:gd name="connsiteY8" fmla="*/ 139313 h 835321"/>
+                <a:gd name="connsiteX0" fmla="*/ 155631 w 1765698"/>
+                <a:gd name="connsiteY0" fmla="*/ 139999 h 836007"/>
+                <a:gd name="connsiteX1" fmla="*/ 4568 w 1765698"/>
+                <a:gd name="connsiteY1" fmla="*/ 14837 h 836007"/>
+                <a:gd name="connsiteX2" fmla="*/ 1680329 w 1765698"/>
+                <a:gd name="connsiteY2" fmla="*/ 11086 h 836007"/>
+                <a:gd name="connsiteX3" fmla="*/ 1536770 w 1765698"/>
+                <a:gd name="connsiteY3" fmla="*/ 160781 h 836007"/>
+                <a:gd name="connsiteX4" fmla="*/ 1536770 w 1765698"/>
+                <a:gd name="connsiteY4" fmla="*/ 769439 h 836007"/>
+                <a:gd name="connsiteX5" fmla="*/ 1470202 w 1765698"/>
+                <a:gd name="connsiteY5" fmla="*/ 836007 h 836007"/>
+                <a:gd name="connsiteX6" fmla="*/ 225663 w 1765698"/>
+                <a:gd name="connsiteY6" fmla="*/ 836007 h 836007"/>
+                <a:gd name="connsiteX7" fmla="*/ 159095 w 1765698"/>
+                <a:gd name="connsiteY7" fmla="*/ 769439 h 836007"/>
+                <a:gd name="connsiteX8" fmla="*/ 155631 w 1765698"/>
+                <a:gd name="connsiteY8" fmla="*/ 139999 h 836007"/>
+                <a:gd name="connsiteX0" fmla="*/ 155631 w 1765698"/>
+                <a:gd name="connsiteY0" fmla="*/ 139999 h 836007"/>
+                <a:gd name="connsiteX1" fmla="*/ 4568 w 1765698"/>
+                <a:gd name="connsiteY1" fmla="*/ 14837 h 836007"/>
+                <a:gd name="connsiteX2" fmla="*/ 1680329 w 1765698"/>
+                <a:gd name="connsiteY2" fmla="*/ 11086 h 836007"/>
+                <a:gd name="connsiteX3" fmla="*/ 1536770 w 1765698"/>
+                <a:gd name="connsiteY3" fmla="*/ 160781 h 836007"/>
+                <a:gd name="connsiteX4" fmla="*/ 1536770 w 1765698"/>
+                <a:gd name="connsiteY4" fmla="*/ 769439 h 836007"/>
+                <a:gd name="connsiteX5" fmla="*/ 1470202 w 1765698"/>
+                <a:gd name="connsiteY5" fmla="*/ 836007 h 836007"/>
+                <a:gd name="connsiteX6" fmla="*/ 225663 w 1765698"/>
+                <a:gd name="connsiteY6" fmla="*/ 836007 h 836007"/>
+                <a:gd name="connsiteX7" fmla="*/ 159095 w 1765698"/>
+                <a:gd name="connsiteY7" fmla="*/ 769439 h 836007"/>
+                <a:gd name="connsiteX8" fmla="*/ 155631 w 1765698"/>
+                <a:gd name="connsiteY8" fmla="*/ 139999 h 836007"/>
+                <a:gd name="connsiteX0" fmla="*/ 154777 w 1684351"/>
+                <a:gd name="connsiteY0" fmla="*/ 131536 h 827544"/>
+                <a:gd name="connsiteX1" fmla="*/ 3714 w 1684351"/>
+                <a:gd name="connsiteY1" fmla="*/ 6374 h 827544"/>
+                <a:gd name="connsiteX2" fmla="*/ 1679475 w 1684351"/>
+                <a:gd name="connsiteY2" fmla="*/ 2623 h 827544"/>
+                <a:gd name="connsiteX3" fmla="*/ 1535916 w 1684351"/>
+                <a:gd name="connsiteY3" fmla="*/ 152318 h 827544"/>
+                <a:gd name="connsiteX4" fmla="*/ 1535916 w 1684351"/>
+                <a:gd name="connsiteY4" fmla="*/ 760976 h 827544"/>
+                <a:gd name="connsiteX5" fmla="*/ 1469348 w 1684351"/>
+                <a:gd name="connsiteY5" fmla="*/ 827544 h 827544"/>
+                <a:gd name="connsiteX6" fmla="*/ 224809 w 1684351"/>
+                <a:gd name="connsiteY6" fmla="*/ 827544 h 827544"/>
+                <a:gd name="connsiteX7" fmla="*/ 158241 w 1684351"/>
+                <a:gd name="connsiteY7" fmla="*/ 760976 h 827544"/>
+                <a:gd name="connsiteX8" fmla="*/ 154777 w 1684351"/>
+                <a:gd name="connsiteY8" fmla="*/ 131536 h 827544"/>
+                <a:gd name="connsiteX0" fmla="*/ 236936 w 1786555"/>
+                <a:gd name="connsiteY0" fmla="*/ 135949 h 831957"/>
+                <a:gd name="connsiteX1" fmla="*/ 85873 w 1786555"/>
+                <a:gd name="connsiteY1" fmla="*/ 10787 h 831957"/>
+                <a:gd name="connsiteX2" fmla="*/ 1780684 w 1786555"/>
+                <a:gd name="connsiteY2" fmla="*/ 10211 h 831957"/>
+                <a:gd name="connsiteX3" fmla="*/ 1618075 w 1786555"/>
+                <a:gd name="connsiteY3" fmla="*/ 156731 h 831957"/>
+                <a:gd name="connsiteX4" fmla="*/ 1618075 w 1786555"/>
+                <a:gd name="connsiteY4" fmla="*/ 765389 h 831957"/>
+                <a:gd name="connsiteX5" fmla="*/ 1551507 w 1786555"/>
+                <a:gd name="connsiteY5" fmla="*/ 831957 h 831957"/>
+                <a:gd name="connsiteX6" fmla="*/ 306968 w 1786555"/>
+                <a:gd name="connsiteY6" fmla="*/ 831957 h 831957"/>
+                <a:gd name="connsiteX7" fmla="*/ 240400 w 1786555"/>
+                <a:gd name="connsiteY7" fmla="*/ 765389 h 831957"/>
+                <a:gd name="connsiteX8" fmla="*/ 236936 w 1786555"/>
+                <a:gd name="connsiteY8" fmla="*/ 135949 h 831957"/>
+                <a:gd name="connsiteX0" fmla="*/ 157046 w 1705555"/>
+                <a:gd name="connsiteY0" fmla="*/ 128377 h 824385"/>
+                <a:gd name="connsiteX1" fmla="*/ 5983 w 1705555"/>
+                <a:gd name="connsiteY1" fmla="*/ 3215 h 824385"/>
+                <a:gd name="connsiteX2" fmla="*/ 1700794 w 1705555"/>
+                <a:gd name="connsiteY2" fmla="*/ 2639 h 824385"/>
+                <a:gd name="connsiteX3" fmla="*/ 1538185 w 1705555"/>
+                <a:gd name="connsiteY3" fmla="*/ 149159 h 824385"/>
+                <a:gd name="connsiteX4" fmla="*/ 1538185 w 1705555"/>
+                <a:gd name="connsiteY4" fmla="*/ 757817 h 824385"/>
+                <a:gd name="connsiteX5" fmla="*/ 1471617 w 1705555"/>
+                <a:gd name="connsiteY5" fmla="*/ 824385 h 824385"/>
+                <a:gd name="connsiteX6" fmla="*/ 227078 w 1705555"/>
+                <a:gd name="connsiteY6" fmla="*/ 824385 h 824385"/>
+                <a:gd name="connsiteX7" fmla="*/ 160510 w 1705555"/>
+                <a:gd name="connsiteY7" fmla="*/ 757817 h 824385"/>
+                <a:gd name="connsiteX8" fmla="*/ 157046 w 1705555"/>
+                <a:gd name="connsiteY8" fmla="*/ 128377 h 824385"/>
+                <a:gd name="connsiteX0" fmla="*/ 158360 w 1784749"/>
+                <a:gd name="connsiteY0" fmla="*/ 140824 h 836832"/>
+                <a:gd name="connsiteX1" fmla="*/ 7297 w 1784749"/>
+                <a:gd name="connsiteY1" fmla="*/ 15662 h 836832"/>
+                <a:gd name="connsiteX2" fmla="*/ 1702108 w 1784749"/>
+                <a:gd name="connsiteY2" fmla="*/ 15086 h 836832"/>
+                <a:gd name="connsiteX3" fmla="*/ 1539499 w 1784749"/>
+                <a:gd name="connsiteY3" fmla="*/ 215581 h 836832"/>
+                <a:gd name="connsiteX4" fmla="*/ 1539499 w 1784749"/>
+                <a:gd name="connsiteY4" fmla="*/ 770264 h 836832"/>
+                <a:gd name="connsiteX5" fmla="*/ 1472931 w 1784749"/>
+                <a:gd name="connsiteY5" fmla="*/ 836832 h 836832"/>
+                <a:gd name="connsiteX6" fmla="*/ 228392 w 1784749"/>
+                <a:gd name="connsiteY6" fmla="*/ 836832 h 836832"/>
+                <a:gd name="connsiteX7" fmla="*/ 161824 w 1784749"/>
+                <a:gd name="connsiteY7" fmla="*/ 770264 h 836832"/>
+                <a:gd name="connsiteX8" fmla="*/ 158360 w 1784749"/>
+                <a:gd name="connsiteY8" fmla="*/ 140824 h 836832"/>
+                <a:gd name="connsiteX0" fmla="*/ 239426 w 1862640"/>
+                <a:gd name="connsiteY0" fmla="*/ 233513 h 846971"/>
+                <a:gd name="connsiteX1" fmla="*/ 85188 w 1862640"/>
+                <a:gd name="connsiteY1" fmla="*/ 25801 h 846971"/>
+                <a:gd name="connsiteX2" fmla="*/ 1779999 w 1862640"/>
+                <a:gd name="connsiteY2" fmla="*/ 25225 h 846971"/>
+                <a:gd name="connsiteX3" fmla="*/ 1617390 w 1862640"/>
+                <a:gd name="connsiteY3" fmla="*/ 225720 h 846971"/>
+                <a:gd name="connsiteX4" fmla="*/ 1617390 w 1862640"/>
+                <a:gd name="connsiteY4" fmla="*/ 780403 h 846971"/>
+                <a:gd name="connsiteX5" fmla="*/ 1550822 w 1862640"/>
+                <a:gd name="connsiteY5" fmla="*/ 846971 h 846971"/>
+                <a:gd name="connsiteX6" fmla="*/ 306283 w 1862640"/>
+                <a:gd name="connsiteY6" fmla="*/ 846971 h 846971"/>
+                <a:gd name="connsiteX7" fmla="*/ 239715 w 1862640"/>
+                <a:gd name="connsiteY7" fmla="*/ 780403 h 846971"/>
+                <a:gd name="connsiteX8" fmla="*/ 239426 w 1862640"/>
+                <a:gd name="connsiteY8" fmla="*/ 233513 h 846971"/>
+                <a:gd name="connsiteX0" fmla="*/ 238598 w 1861812"/>
+                <a:gd name="connsiteY0" fmla="*/ 233513 h 846971"/>
+                <a:gd name="connsiteX1" fmla="*/ 84360 w 1861812"/>
+                <a:gd name="connsiteY1" fmla="*/ 25801 h 846971"/>
+                <a:gd name="connsiteX2" fmla="*/ 1779171 w 1861812"/>
+                <a:gd name="connsiteY2" fmla="*/ 25225 h 846971"/>
+                <a:gd name="connsiteX3" fmla="*/ 1616562 w 1861812"/>
+                <a:gd name="connsiteY3" fmla="*/ 225720 h 846971"/>
+                <a:gd name="connsiteX4" fmla="*/ 1616562 w 1861812"/>
+                <a:gd name="connsiteY4" fmla="*/ 780403 h 846971"/>
+                <a:gd name="connsiteX5" fmla="*/ 1549994 w 1861812"/>
+                <a:gd name="connsiteY5" fmla="*/ 846971 h 846971"/>
+                <a:gd name="connsiteX6" fmla="*/ 305455 w 1861812"/>
+                <a:gd name="connsiteY6" fmla="*/ 846971 h 846971"/>
+                <a:gd name="connsiteX7" fmla="*/ 238887 w 1861812"/>
+                <a:gd name="connsiteY7" fmla="*/ 780403 h 846971"/>
+                <a:gd name="connsiteX8" fmla="*/ 238598 w 1861812"/>
+                <a:gd name="connsiteY8" fmla="*/ 233513 h 846971"/>
+                <a:gd name="connsiteX0" fmla="*/ 238598 w 1862214"/>
+                <a:gd name="connsiteY0" fmla="*/ 233513 h 846971"/>
+                <a:gd name="connsiteX1" fmla="*/ 84360 w 1862214"/>
+                <a:gd name="connsiteY1" fmla="*/ 25801 h 846971"/>
+                <a:gd name="connsiteX2" fmla="*/ 1779171 w 1862214"/>
+                <a:gd name="connsiteY2" fmla="*/ 25225 h 846971"/>
+                <a:gd name="connsiteX3" fmla="*/ 1616562 w 1862214"/>
+                <a:gd name="connsiteY3" fmla="*/ 225720 h 846971"/>
+                <a:gd name="connsiteX4" fmla="*/ 1616562 w 1862214"/>
+                <a:gd name="connsiteY4" fmla="*/ 780403 h 846971"/>
+                <a:gd name="connsiteX5" fmla="*/ 1549994 w 1862214"/>
+                <a:gd name="connsiteY5" fmla="*/ 846971 h 846971"/>
+                <a:gd name="connsiteX6" fmla="*/ 305455 w 1862214"/>
+                <a:gd name="connsiteY6" fmla="*/ 846971 h 846971"/>
+                <a:gd name="connsiteX7" fmla="*/ 238887 w 1862214"/>
+                <a:gd name="connsiteY7" fmla="*/ 780403 h 846971"/>
+                <a:gd name="connsiteX8" fmla="*/ 238598 w 1862214"/>
+                <a:gd name="connsiteY8" fmla="*/ 233513 h 846971"/>
+                <a:gd name="connsiteX0" fmla="*/ 238160 w 1856323"/>
+                <a:gd name="connsiteY0" fmla="*/ 248080 h 861538"/>
+                <a:gd name="connsiteX1" fmla="*/ 83922 w 1856323"/>
+                <a:gd name="connsiteY1" fmla="*/ 40368 h 861538"/>
+                <a:gd name="connsiteX2" fmla="*/ 1772383 w 1856323"/>
+                <a:gd name="connsiteY2" fmla="*/ 17567 h 861538"/>
+                <a:gd name="connsiteX3" fmla="*/ 1616124 w 1856323"/>
+                <a:gd name="connsiteY3" fmla="*/ 240287 h 861538"/>
+                <a:gd name="connsiteX4" fmla="*/ 1616124 w 1856323"/>
+                <a:gd name="connsiteY4" fmla="*/ 794970 h 861538"/>
+                <a:gd name="connsiteX5" fmla="*/ 1549556 w 1856323"/>
+                <a:gd name="connsiteY5" fmla="*/ 861538 h 861538"/>
+                <a:gd name="connsiteX6" fmla="*/ 305017 w 1856323"/>
+                <a:gd name="connsiteY6" fmla="*/ 861538 h 861538"/>
+                <a:gd name="connsiteX7" fmla="*/ 238449 w 1856323"/>
+                <a:gd name="connsiteY7" fmla="*/ 794970 h 861538"/>
+                <a:gd name="connsiteX8" fmla="*/ 238160 w 1856323"/>
+                <a:gd name="connsiteY8" fmla="*/ 248080 h 861538"/>
+                <a:gd name="connsiteX0" fmla="*/ 238160 w 1785863"/>
+                <a:gd name="connsiteY0" fmla="*/ 242493 h 855951"/>
+                <a:gd name="connsiteX1" fmla="*/ 83922 w 1785863"/>
+                <a:gd name="connsiteY1" fmla="*/ 34781 h 855951"/>
+                <a:gd name="connsiteX2" fmla="*/ 1772383 w 1785863"/>
+                <a:gd name="connsiteY2" fmla="*/ 11980 h 855951"/>
+                <a:gd name="connsiteX3" fmla="*/ 1616124 w 1785863"/>
+                <a:gd name="connsiteY3" fmla="*/ 234700 h 855951"/>
+                <a:gd name="connsiteX4" fmla="*/ 1616124 w 1785863"/>
+                <a:gd name="connsiteY4" fmla="*/ 789383 h 855951"/>
+                <a:gd name="connsiteX5" fmla="*/ 1549556 w 1785863"/>
+                <a:gd name="connsiteY5" fmla="*/ 855951 h 855951"/>
+                <a:gd name="connsiteX6" fmla="*/ 305017 w 1785863"/>
+                <a:gd name="connsiteY6" fmla="*/ 855951 h 855951"/>
+                <a:gd name="connsiteX7" fmla="*/ 238449 w 1785863"/>
+                <a:gd name="connsiteY7" fmla="*/ 789383 h 855951"/>
+                <a:gd name="connsiteX8" fmla="*/ 238160 w 1785863"/>
+                <a:gd name="connsiteY8" fmla="*/ 242493 h 855951"/>
+                <a:gd name="connsiteX0" fmla="*/ 239914 w 1812854"/>
+                <a:gd name="connsiteY0" fmla="*/ 232326 h 845784"/>
+                <a:gd name="connsiteX1" fmla="*/ 85676 w 1812854"/>
+                <a:gd name="connsiteY1" fmla="*/ 24614 h 845784"/>
+                <a:gd name="connsiteX2" fmla="*/ 1799537 w 1812854"/>
+                <a:gd name="connsiteY2" fmla="*/ 17688 h 845784"/>
+                <a:gd name="connsiteX3" fmla="*/ 1617878 w 1812854"/>
+                <a:gd name="connsiteY3" fmla="*/ 224533 h 845784"/>
+                <a:gd name="connsiteX4" fmla="*/ 1617878 w 1812854"/>
+                <a:gd name="connsiteY4" fmla="*/ 779216 h 845784"/>
+                <a:gd name="connsiteX5" fmla="*/ 1551310 w 1812854"/>
+                <a:gd name="connsiteY5" fmla="*/ 845784 h 845784"/>
+                <a:gd name="connsiteX6" fmla="*/ 306771 w 1812854"/>
+                <a:gd name="connsiteY6" fmla="*/ 845784 h 845784"/>
+                <a:gd name="connsiteX7" fmla="*/ 240203 w 1812854"/>
+                <a:gd name="connsiteY7" fmla="*/ 779216 h 845784"/>
+                <a:gd name="connsiteX8" fmla="*/ 239914 w 1812854"/>
+                <a:gd name="connsiteY8" fmla="*/ 232326 h 845784"/>
+                <a:gd name="connsiteX0" fmla="*/ 241013 w 1829728"/>
+                <a:gd name="connsiteY0" fmla="*/ 230621 h 844079"/>
+                <a:gd name="connsiteX1" fmla="*/ 86775 w 1829728"/>
+                <a:gd name="connsiteY1" fmla="*/ 22909 h 844079"/>
+                <a:gd name="connsiteX2" fmla="*/ 1816511 w 1829728"/>
+                <a:gd name="connsiteY2" fmla="*/ 19158 h 844079"/>
+                <a:gd name="connsiteX3" fmla="*/ 1618977 w 1829728"/>
+                <a:gd name="connsiteY3" fmla="*/ 222828 h 844079"/>
+                <a:gd name="connsiteX4" fmla="*/ 1618977 w 1829728"/>
+                <a:gd name="connsiteY4" fmla="*/ 777511 h 844079"/>
+                <a:gd name="connsiteX5" fmla="*/ 1552409 w 1829728"/>
+                <a:gd name="connsiteY5" fmla="*/ 844079 h 844079"/>
+                <a:gd name="connsiteX6" fmla="*/ 307870 w 1829728"/>
+                <a:gd name="connsiteY6" fmla="*/ 844079 h 844079"/>
+                <a:gd name="connsiteX7" fmla="*/ 241302 w 1829728"/>
+                <a:gd name="connsiteY7" fmla="*/ 777511 h 844079"/>
+                <a:gd name="connsiteX8" fmla="*/ 241013 w 1829728"/>
+                <a:gd name="connsiteY8" fmla="*/ 230621 h 844079"/>
+                <a:gd name="connsiteX0" fmla="*/ 241013 w 1829728"/>
+                <a:gd name="connsiteY0" fmla="*/ 224021 h 837479"/>
+                <a:gd name="connsiteX1" fmla="*/ 86775 w 1829728"/>
+                <a:gd name="connsiteY1" fmla="*/ 16309 h 837479"/>
+                <a:gd name="connsiteX2" fmla="*/ 1816511 w 1829728"/>
+                <a:gd name="connsiteY2" fmla="*/ 12558 h 837479"/>
+                <a:gd name="connsiteX3" fmla="*/ 1618977 w 1829728"/>
+                <a:gd name="connsiteY3" fmla="*/ 216228 h 837479"/>
+                <a:gd name="connsiteX4" fmla="*/ 1618977 w 1829728"/>
+                <a:gd name="connsiteY4" fmla="*/ 770911 h 837479"/>
+                <a:gd name="connsiteX5" fmla="*/ 1552409 w 1829728"/>
+                <a:gd name="connsiteY5" fmla="*/ 837479 h 837479"/>
+                <a:gd name="connsiteX6" fmla="*/ 307870 w 1829728"/>
+                <a:gd name="connsiteY6" fmla="*/ 837479 h 837479"/>
+                <a:gd name="connsiteX7" fmla="*/ 241302 w 1829728"/>
+                <a:gd name="connsiteY7" fmla="*/ 770911 h 837479"/>
+                <a:gd name="connsiteX8" fmla="*/ 241013 w 1829728"/>
+                <a:gd name="connsiteY8" fmla="*/ 224021 h 837479"/>
+                <a:gd name="connsiteX0" fmla="*/ 241013 w 1829728"/>
+                <a:gd name="connsiteY0" fmla="*/ 224021 h 837479"/>
+                <a:gd name="connsiteX1" fmla="*/ 86775 w 1829728"/>
+                <a:gd name="connsiteY1" fmla="*/ 16309 h 837479"/>
+                <a:gd name="connsiteX2" fmla="*/ 1816511 w 1829728"/>
+                <a:gd name="connsiteY2" fmla="*/ 12558 h 837479"/>
+                <a:gd name="connsiteX3" fmla="*/ 1618977 w 1829728"/>
+                <a:gd name="connsiteY3" fmla="*/ 216228 h 837479"/>
+                <a:gd name="connsiteX4" fmla="*/ 1618977 w 1829728"/>
+                <a:gd name="connsiteY4" fmla="*/ 770911 h 837479"/>
+                <a:gd name="connsiteX5" fmla="*/ 1552409 w 1829728"/>
+                <a:gd name="connsiteY5" fmla="*/ 837479 h 837479"/>
+                <a:gd name="connsiteX6" fmla="*/ 307870 w 1829728"/>
+                <a:gd name="connsiteY6" fmla="*/ 837479 h 837479"/>
+                <a:gd name="connsiteX7" fmla="*/ 241302 w 1829728"/>
+                <a:gd name="connsiteY7" fmla="*/ 770911 h 837479"/>
+                <a:gd name="connsiteX8" fmla="*/ 241013 w 1829728"/>
+                <a:gd name="connsiteY8" fmla="*/ 224021 h 837479"/>
+                <a:gd name="connsiteX0" fmla="*/ 216773 w 1868784"/>
+                <a:gd name="connsiteY0" fmla="*/ 251658 h 865116"/>
+                <a:gd name="connsiteX1" fmla="*/ 91110 w 1868784"/>
+                <a:gd name="connsiteY1" fmla="*/ 18546 h 865116"/>
+                <a:gd name="connsiteX2" fmla="*/ 1792271 w 1868784"/>
+                <a:gd name="connsiteY2" fmla="*/ 40195 h 865116"/>
+                <a:gd name="connsiteX3" fmla="*/ 1594737 w 1868784"/>
+                <a:gd name="connsiteY3" fmla="*/ 243865 h 865116"/>
+                <a:gd name="connsiteX4" fmla="*/ 1594737 w 1868784"/>
+                <a:gd name="connsiteY4" fmla="*/ 798548 h 865116"/>
+                <a:gd name="connsiteX5" fmla="*/ 1528169 w 1868784"/>
+                <a:gd name="connsiteY5" fmla="*/ 865116 h 865116"/>
+                <a:gd name="connsiteX6" fmla="*/ 283630 w 1868784"/>
+                <a:gd name="connsiteY6" fmla="*/ 865116 h 865116"/>
+                <a:gd name="connsiteX7" fmla="*/ 217062 w 1868784"/>
+                <a:gd name="connsiteY7" fmla="*/ 798548 h 865116"/>
+                <a:gd name="connsiteX8" fmla="*/ 216773 w 1868784"/>
+                <a:gd name="connsiteY8" fmla="*/ 251658 h 865116"/>
+                <a:gd name="connsiteX0" fmla="*/ 216773 w 1868784"/>
+                <a:gd name="connsiteY0" fmla="*/ 274671 h 888129"/>
+                <a:gd name="connsiteX1" fmla="*/ 91110 w 1868784"/>
+                <a:gd name="connsiteY1" fmla="*/ 12984 h 888129"/>
+                <a:gd name="connsiteX2" fmla="*/ 1792271 w 1868784"/>
+                <a:gd name="connsiteY2" fmla="*/ 63208 h 888129"/>
+                <a:gd name="connsiteX3" fmla="*/ 1594737 w 1868784"/>
+                <a:gd name="connsiteY3" fmla="*/ 266878 h 888129"/>
+                <a:gd name="connsiteX4" fmla="*/ 1594737 w 1868784"/>
+                <a:gd name="connsiteY4" fmla="*/ 821561 h 888129"/>
+                <a:gd name="connsiteX5" fmla="*/ 1528169 w 1868784"/>
+                <a:gd name="connsiteY5" fmla="*/ 888129 h 888129"/>
+                <a:gd name="connsiteX6" fmla="*/ 283630 w 1868784"/>
+                <a:gd name="connsiteY6" fmla="*/ 888129 h 888129"/>
+                <a:gd name="connsiteX7" fmla="*/ 217062 w 1868784"/>
+                <a:gd name="connsiteY7" fmla="*/ 821561 h 888129"/>
+                <a:gd name="connsiteX8" fmla="*/ 216773 w 1868784"/>
+                <a:gd name="connsiteY8" fmla="*/ 274671 h 888129"/>
+                <a:gd name="connsiteX0" fmla="*/ 216325 w 1862778"/>
+                <a:gd name="connsiteY0" fmla="*/ 289222 h 902680"/>
+                <a:gd name="connsiteX1" fmla="*/ 90662 w 1862778"/>
+                <a:gd name="connsiteY1" fmla="*/ 27535 h 902680"/>
+                <a:gd name="connsiteX2" fmla="*/ 1785473 w 1862778"/>
+                <a:gd name="connsiteY2" fmla="*/ 36484 h 902680"/>
+                <a:gd name="connsiteX3" fmla="*/ 1594289 w 1862778"/>
+                <a:gd name="connsiteY3" fmla="*/ 281429 h 902680"/>
+                <a:gd name="connsiteX4" fmla="*/ 1594289 w 1862778"/>
+                <a:gd name="connsiteY4" fmla="*/ 836112 h 902680"/>
+                <a:gd name="connsiteX5" fmla="*/ 1527721 w 1862778"/>
+                <a:gd name="connsiteY5" fmla="*/ 902680 h 902680"/>
+                <a:gd name="connsiteX6" fmla="*/ 283182 w 1862778"/>
+                <a:gd name="connsiteY6" fmla="*/ 902680 h 902680"/>
+                <a:gd name="connsiteX7" fmla="*/ 216614 w 1862778"/>
+                <a:gd name="connsiteY7" fmla="*/ 836112 h 902680"/>
+                <a:gd name="connsiteX8" fmla="*/ 216325 w 1862778"/>
+                <a:gd name="connsiteY8" fmla="*/ 289222 h 902680"/>
+                <a:gd name="connsiteX0" fmla="*/ 216325 w 1862778"/>
+                <a:gd name="connsiteY0" fmla="*/ 289222 h 902680"/>
+                <a:gd name="connsiteX1" fmla="*/ 90662 w 1862778"/>
+                <a:gd name="connsiteY1" fmla="*/ 27535 h 902680"/>
+                <a:gd name="connsiteX2" fmla="*/ 1785473 w 1862778"/>
+                <a:gd name="connsiteY2" fmla="*/ 36484 h 902680"/>
+                <a:gd name="connsiteX3" fmla="*/ 1594289 w 1862778"/>
+                <a:gd name="connsiteY3" fmla="*/ 281429 h 902680"/>
+                <a:gd name="connsiteX4" fmla="*/ 1594289 w 1862778"/>
+                <a:gd name="connsiteY4" fmla="*/ 836112 h 902680"/>
+                <a:gd name="connsiteX5" fmla="*/ 1527721 w 1862778"/>
+                <a:gd name="connsiteY5" fmla="*/ 902680 h 902680"/>
+                <a:gd name="connsiteX6" fmla="*/ 283182 w 1862778"/>
+                <a:gd name="connsiteY6" fmla="*/ 902680 h 902680"/>
+                <a:gd name="connsiteX7" fmla="*/ 216614 w 1862778"/>
+                <a:gd name="connsiteY7" fmla="*/ 836112 h 902680"/>
+                <a:gd name="connsiteX8" fmla="*/ 216325 w 1862778"/>
+                <a:gd name="connsiteY8" fmla="*/ 289222 h 902680"/>
+                <a:gd name="connsiteX0" fmla="*/ 215874 w 1862327"/>
+                <a:gd name="connsiteY0" fmla="*/ 289222 h 902680"/>
+                <a:gd name="connsiteX1" fmla="*/ 90211 w 1862327"/>
+                <a:gd name="connsiteY1" fmla="*/ 27535 h 902680"/>
+                <a:gd name="connsiteX2" fmla="*/ 1785022 w 1862327"/>
+                <a:gd name="connsiteY2" fmla="*/ 36484 h 902680"/>
+                <a:gd name="connsiteX3" fmla="*/ 1593838 w 1862327"/>
+                <a:gd name="connsiteY3" fmla="*/ 281429 h 902680"/>
+                <a:gd name="connsiteX4" fmla="*/ 1593838 w 1862327"/>
+                <a:gd name="connsiteY4" fmla="*/ 836112 h 902680"/>
+                <a:gd name="connsiteX5" fmla="*/ 1527270 w 1862327"/>
+                <a:gd name="connsiteY5" fmla="*/ 902680 h 902680"/>
+                <a:gd name="connsiteX6" fmla="*/ 282731 w 1862327"/>
+                <a:gd name="connsiteY6" fmla="*/ 902680 h 902680"/>
+                <a:gd name="connsiteX7" fmla="*/ 216163 w 1862327"/>
+                <a:gd name="connsiteY7" fmla="*/ 836112 h 902680"/>
+                <a:gd name="connsiteX8" fmla="*/ 215874 w 1862327"/>
+                <a:gd name="connsiteY8" fmla="*/ 289222 h 902680"/>
+                <a:gd name="connsiteX0" fmla="*/ 218551 w 1865217"/>
+                <a:gd name="connsiteY0" fmla="*/ 271689 h 885147"/>
+                <a:gd name="connsiteX1" fmla="*/ 89713 w 1865217"/>
+                <a:gd name="connsiteY1" fmla="*/ 44927 h 885147"/>
+                <a:gd name="connsiteX2" fmla="*/ 1787699 w 1865217"/>
+                <a:gd name="connsiteY2" fmla="*/ 18951 h 885147"/>
+                <a:gd name="connsiteX3" fmla="*/ 1596515 w 1865217"/>
+                <a:gd name="connsiteY3" fmla="*/ 263896 h 885147"/>
+                <a:gd name="connsiteX4" fmla="*/ 1596515 w 1865217"/>
+                <a:gd name="connsiteY4" fmla="*/ 818579 h 885147"/>
+                <a:gd name="connsiteX5" fmla="*/ 1529947 w 1865217"/>
+                <a:gd name="connsiteY5" fmla="*/ 885147 h 885147"/>
+                <a:gd name="connsiteX6" fmla="*/ 285408 w 1865217"/>
+                <a:gd name="connsiteY6" fmla="*/ 885147 h 885147"/>
+                <a:gd name="connsiteX7" fmla="*/ 218840 w 1865217"/>
+                <a:gd name="connsiteY7" fmla="*/ 818579 h 885147"/>
+                <a:gd name="connsiteX8" fmla="*/ 218551 w 1865217"/>
+                <a:gd name="connsiteY8" fmla="*/ 271689 h 885147"/>
+                <a:gd name="connsiteX0" fmla="*/ 217882 w 1856244"/>
+                <a:gd name="connsiteY0" fmla="*/ 253205 h 866663"/>
+                <a:gd name="connsiteX1" fmla="*/ 89044 w 1856244"/>
+                <a:gd name="connsiteY1" fmla="*/ 26443 h 866663"/>
+                <a:gd name="connsiteX2" fmla="*/ 1777505 w 1856244"/>
+                <a:gd name="connsiteY2" fmla="*/ 29042 h 866663"/>
+                <a:gd name="connsiteX3" fmla="*/ 1595846 w 1856244"/>
+                <a:gd name="connsiteY3" fmla="*/ 245412 h 866663"/>
+                <a:gd name="connsiteX4" fmla="*/ 1595846 w 1856244"/>
+                <a:gd name="connsiteY4" fmla="*/ 800095 h 866663"/>
+                <a:gd name="connsiteX5" fmla="*/ 1529278 w 1856244"/>
+                <a:gd name="connsiteY5" fmla="*/ 866663 h 866663"/>
+                <a:gd name="connsiteX6" fmla="*/ 284739 w 1856244"/>
+                <a:gd name="connsiteY6" fmla="*/ 866663 h 866663"/>
+                <a:gd name="connsiteX7" fmla="*/ 218171 w 1856244"/>
+                <a:gd name="connsiteY7" fmla="*/ 800095 h 866663"/>
+                <a:gd name="connsiteX8" fmla="*/ 217882 w 1856244"/>
+                <a:gd name="connsiteY8" fmla="*/ 253205 h 866663"/>
+                <a:gd name="connsiteX0" fmla="*/ 147782 w 1780363"/>
+                <a:gd name="connsiteY0" fmla="*/ 253205 h 866663"/>
+                <a:gd name="connsiteX1" fmla="*/ 104669 w 1780363"/>
+                <a:gd name="connsiteY1" fmla="*/ 26443 h 866663"/>
+                <a:gd name="connsiteX2" fmla="*/ 1707405 w 1780363"/>
+                <a:gd name="connsiteY2" fmla="*/ 29042 h 866663"/>
+                <a:gd name="connsiteX3" fmla="*/ 1525746 w 1780363"/>
+                <a:gd name="connsiteY3" fmla="*/ 245412 h 866663"/>
+                <a:gd name="connsiteX4" fmla="*/ 1525746 w 1780363"/>
+                <a:gd name="connsiteY4" fmla="*/ 800095 h 866663"/>
+                <a:gd name="connsiteX5" fmla="*/ 1459178 w 1780363"/>
+                <a:gd name="connsiteY5" fmla="*/ 866663 h 866663"/>
+                <a:gd name="connsiteX6" fmla="*/ 214639 w 1780363"/>
+                <a:gd name="connsiteY6" fmla="*/ 866663 h 866663"/>
+                <a:gd name="connsiteX7" fmla="*/ 148071 w 1780363"/>
+                <a:gd name="connsiteY7" fmla="*/ 800095 h 866663"/>
+                <a:gd name="connsiteX8" fmla="*/ 147782 w 1780363"/>
+                <a:gd name="connsiteY8" fmla="*/ 253205 h 866663"/>
+                <a:gd name="connsiteX0" fmla="*/ 142912 w 1718560"/>
+                <a:gd name="connsiteY0" fmla="*/ 250562 h 864020"/>
+                <a:gd name="connsiteX1" fmla="*/ 99799 w 1718560"/>
+                <a:gd name="connsiteY1" fmla="*/ 23800 h 864020"/>
+                <a:gd name="connsiteX2" fmla="*/ 1636205 w 1718560"/>
+                <a:gd name="connsiteY2" fmla="*/ 31562 h 864020"/>
+                <a:gd name="connsiteX3" fmla="*/ 1520876 w 1718560"/>
+                <a:gd name="connsiteY3" fmla="*/ 242769 h 864020"/>
+                <a:gd name="connsiteX4" fmla="*/ 1520876 w 1718560"/>
+                <a:gd name="connsiteY4" fmla="*/ 797452 h 864020"/>
+                <a:gd name="connsiteX5" fmla="*/ 1454308 w 1718560"/>
+                <a:gd name="connsiteY5" fmla="*/ 864020 h 864020"/>
+                <a:gd name="connsiteX6" fmla="*/ 209769 w 1718560"/>
+                <a:gd name="connsiteY6" fmla="*/ 864020 h 864020"/>
+                <a:gd name="connsiteX7" fmla="*/ 143201 w 1718560"/>
+                <a:gd name="connsiteY7" fmla="*/ 797452 h 864020"/>
+                <a:gd name="connsiteX8" fmla="*/ 142912 w 1718560"/>
+                <a:gd name="connsiteY8" fmla="*/ 250562 h 864020"/>
+                <a:gd name="connsiteX0" fmla="*/ 140131 w 1684403"/>
+                <a:gd name="connsiteY0" fmla="*/ 248148 h 861606"/>
+                <a:gd name="connsiteX1" fmla="*/ 97018 w 1684403"/>
+                <a:gd name="connsiteY1" fmla="*/ 21386 h 861606"/>
+                <a:gd name="connsiteX2" fmla="*/ 1595521 w 1684403"/>
+                <a:gd name="connsiteY2" fmla="*/ 34311 h 861606"/>
+                <a:gd name="connsiteX3" fmla="*/ 1518095 w 1684403"/>
+                <a:gd name="connsiteY3" fmla="*/ 240355 h 861606"/>
+                <a:gd name="connsiteX4" fmla="*/ 1518095 w 1684403"/>
+                <a:gd name="connsiteY4" fmla="*/ 795038 h 861606"/>
+                <a:gd name="connsiteX5" fmla="*/ 1451527 w 1684403"/>
+                <a:gd name="connsiteY5" fmla="*/ 861606 h 861606"/>
+                <a:gd name="connsiteX6" fmla="*/ 206988 w 1684403"/>
+                <a:gd name="connsiteY6" fmla="*/ 861606 h 861606"/>
+                <a:gd name="connsiteX7" fmla="*/ 140420 w 1684403"/>
+                <a:gd name="connsiteY7" fmla="*/ 795038 h 861606"/>
+                <a:gd name="connsiteX8" fmla="*/ 140131 w 1684403"/>
+                <a:gd name="connsiteY8" fmla="*/ 248148 h 861606"/>
+                <a:gd name="connsiteX0" fmla="*/ 140131 w 1684403"/>
+                <a:gd name="connsiteY0" fmla="*/ 262476 h 875934"/>
+                <a:gd name="connsiteX1" fmla="*/ 97018 w 1684403"/>
+                <a:gd name="connsiteY1" fmla="*/ 35714 h 875934"/>
+                <a:gd name="connsiteX2" fmla="*/ 1595521 w 1684403"/>
+                <a:gd name="connsiteY2" fmla="*/ 22825 h 875934"/>
+                <a:gd name="connsiteX3" fmla="*/ 1518095 w 1684403"/>
+                <a:gd name="connsiteY3" fmla="*/ 254683 h 875934"/>
+                <a:gd name="connsiteX4" fmla="*/ 1518095 w 1684403"/>
+                <a:gd name="connsiteY4" fmla="*/ 809366 h 875934"/>
+                <a:gd name="connsiteX5" fmla="*/ 1451527 w 1684403"/>
+                <a:gd name="connsiteY5" fmla="*/ 875934 h 875934"/>
+                <a:gd name="connsiteX6" fmla="*/ 206988 w 1684403"/>
+                <a:gd name="connsiteY6" fmla="*/ 875934 h 875934"/>
+                <a:gd name="connsiteX7" fmla="*/ 140420 w 1684403"/>
+                <a:gd name="connsiteY7" fmla="*/ 809366 h 875934"/>
+                <a:gd name="connsiteX8" fmla="*/ 140131 w 1684403"/>
+                <a:gd name="connsiteY8" fmla="*/ 262476 h 875934"/>
+              </a:gdLst>
+              <a:ahLst/>
+              <a:cxnLst>
+                <a:cxn ang="0">
+                  <a:pos x="connsiteX0" y="connsiteY0"/>
+                </a:cxn>
+                <a:cxn ang="0">
+                  <a:pos x="connsiteX1" y="connsiteY1"/>
+                </a:cxn>
+                <a:cxn ang="0">
+                  <a:pos x="connsiteX2" y="connsiteY2"/>
+                </a:cxn>
+                <a:cxn ang="0">
+                  <a:pos x="connsiteX3" y="connsiteY3"/>
+                </a:cxn>
+                <a:cxn ang="0">
+                  <a:pos x="connsiteX4" y="connsiteY4"/>
+                </a:cxn>
+                <a:cxn ang="0">
+                  <a:pos x="connsiteX5" y="connsiteY5"/>
+                </a:cxn>
+                <a:cxn ang="0">
+                  <a:pos x="connsiteX6" y="connsiteY6"/>
+                </a:cxn>
+                <a:cxn ang="0">
+                  <a:pos x="connsiteX7" y="connsiteY7"/>
+                </a:cxn>
+                <a:cxn ang="0">
+                  <a:pos x="connsiteX8" y="connsiteY8"/>
+                </a:cxn>
+              </a:cxnLst>
+              <a:rect l="l" t="t" r="r" b="b"/>
+              <a:pathLst>
+                <a:path w="1684403" h="875934">
+                  <a:moveTo>
+                    <a:pt x="140131" y="262476"/>
+                  </a:moveTo>
+                  <a:cubicBezTo>
+                    <a:pt x="143594" y="-22515"/>
+                    <a:pt x="-145547" y="75656"/>
+                    <a:pt x="97018" y="35714"/>
+                  </a:cubicBezTo>
+                  <a:cubicBezTo>
+                    <a:pt x="339583" y="-4228"/>
+                    <a:pt x="1358675" y="-13670"/>
+                    <a:pt x="1595521" y="22825"/>
+                  </a:cubicBezTo>
+                  <a:cubicBezTo>
+                    <a:pt x="1832367" y="59320"/>
+                    <a:pt x="1521270" y="-25690"/>
+                    <a:pt x="1518095" y="254683"/>
+                  </a:cubicBezTo>
+                  <a:lnTo>
+                    <a:pt x="1518095" y="809366"/>
+                  </a:lnTo>
+                  <a:cubicBezTo>
+                    <a:pt x="1518095" y="846130"/>
+                    <a:pt x="1488291" y="875934"/>
+                    <a:pt x="1451527" y="875934"/>
+                  </a:cubicBezTo>
+                  <a:lnTo>
+                    <a:pt x="206988" y="875934"/>
+                  </a:lnTo>
+                  <a:cubicBezTo>
+                    <a:pt x="170224" y="875934"/>
+                    <a:pt x="140420" y="846130"/>
+                    <a:pt x="140420" y="809366"/>
+                  </a:cubicBezTo>
+                  <a:cubicBezTo>
+                    <a:pt x="139265" y="599553"/>
+                    <a:pt x="141286" y="472289"/>
+                    <a:pt x="140131" y="262476"/>
+                  </a:cubicBezTo>
+                  <a:close/>
+                </a:path>
+              </a:pathLst>
+            </a:custGeom>
+            <a:gradFill>
+              <a:gsLst>
+                <a:gs pos="0">
+                  <a:schemeClr val="accent1"/>
+                </a:gs>
+                <a:gs pos="96000">
+                  <a:schemeClr val="tx2"/>
+                </a:gs>
+              </a:gsLst>
+              <a:lin ang="5400000" scaled="0"/>
+            </a:gradFill>
+            <a:ln w="12700">
+              <a:noFill/>
+            </a:ln>
+            <a:effectLst/>
+          </p:spPr>
+          <p:style>
+            <a:lnRef idx="2">
+              <a:schemeClr val="dk1"/>
+            </a:lnRef>
+            <a:fillRef idx="1">
+              <a:schemeClr val="lt1"/>
+            </a:fillRef>
+            <a:effectRef idx="0">
+              <a:schemeClr val="dk1"/>
+            </a:effectRef>
+            <a:fontRef idx="minor">
+              <a:schemeClr val="dk1"/>
+            </a:fontRef>
+          </p:style>
+          <p:txBody>
+            <a:bodyPr rtlCol="0" anchor="ctr"/>
+            <a:lstStyle/>
+            <a:p>
+              <a:pPr algn="ctr"/>
+              <a:endParaRPr lang="en-US" sz="1600" dirty="0">
+                <a:ln w="0">
+                  <a:solidFill>
+                    <a:sysClr val="windowText" lastClr="000000"/>
+                  </a:solidFill>
+                </a:ln>
+                <a:solidFill>
+                  <a:schemeClr val="tx1"/>
+                </a:solidFill>
+              </a:endParaRPr>
+            </a:p>
+          </p:txBody>
+        </p:sp>
+        <p:grpSp>
+          <p:nvGrpSpPr>
+            <p:cNvPr id="28" name="Group 27">
+              <a:extLst>
+                <a:ext uri="{FF2B5EF4-FFF2-40B4-BE49-F238E27FC236}">
+                  <a16:creationId xmlns:a16="http://schemas.microsoft.com/office/drawing/2014/main" id="{5EB1A0F8-371A-46EE-86EA-944C20844499}"/>
+                </a:ext>
+              </a:extLst>
+            </p:cNvPr>
+            <p:cNvGrpSpPr/>
+            <p:nvPr/>
+          </p:nvGrpSpPr>
+          <p:grpSpPr>
+            <a:xfrm>
+              <a:off x="3457782" y="3761592"/>
+              <a:ext cx="1222852" cy="359571"/>
+              <a:chOff x="3671478" y="3950247"/>
+              <a:chExt cx="1376425" cy="404729"/>
+            </a:xfrm>
+          </p:grpSpPr>
+          <p:sp>
+            <p:nvSpPr>
+              <p:cNvPr id="29" name="Rounded Rectangle 19">
+                <a:extLst>
+                  <a:ext uri="{FF2B5EF4-FFF2-40B4-BE49-F238E27FC236}">
+                    <a16:creationId xmlns:a16="http://schemas.microsoft.com/office/drawing/2014/main" id="{7933DB65-5706-47B5-928F-803B422F2634}"/>
+                  </a:ext>
+                </a:extLst>
+              </p:cNvPr>
+              <p:cNvSpPr/>
+              <p:nvPr/>
+            </p:nvSpPr>
+            <p:spPr>
+              <a:xfrm>
+                <a:off x="3671478" y="3950247"/>
+                <a:ext cx="1376425" cy="404729"/>
+              </a:xfrm>
+              <a:prstGeom prst="roundRect">
+                <a:avLst>
+                  <a:gd name="adj" fmla="val 12736"/>
+                </a:avLst>
+              </a:prstGeom>
+              <a:solidFill>
+                <a:schemeClr val="bg1"/>
+              </a:solidFill>
+              <a:ln w="12700">
+                <a:noFill/>
+              </a:ln>
+              <a:effectLst/>
+            </p:spPr>
+            <p:style>
+              <a:lnRef idx="2">
+                <a:schemeClr val="dk1"/>
+              </a:lnRef>
+              <a:fillRef idx="1">
+                <a:schemeClr val="lt1"/>
+              </a:fillRef>
+              <a:effectRef idx="0">
+                <a:schemeClr val="dk1"/>
+              </a:effectRef>
+              <a:fontRef idx="minor">
+                <a:schemeClr val="dk1"/>
+              </a:fontRef>
+            </p:style>
+            <p:txBody>
+              <a:bodyPr wrap="square" tIns="36000" bIns="36000" rtlCol="0" anchor="ctr">
+                <a:noAutofit/>
+              </a:bodyPr>
+              <a:lstStyle/>
+              <a:p>
+                <a:pPr algn="ctr"/>
+                <a:endParaRPr lang="en-US" sz="1200" dirty="0">
+                  <a:solidFill>
+                    <a:schemeClr val="bg1"/>
+                  </a:solidFill>
+                  <a:latin typeface="Source Sans Pro Light" charset="0"/>
+                  <a:ea typeface="Source Sans Pro Light" charset="0"/>
+                  <a:cs typeface="Source Sans Pro Light" charset="0"/>
+                </a:endParaRPr>
+              </a:p>
+            </p:txBody>
+          </p:sp>
+          <p:grpSp>
+            <p:nvGrpSpPr>
+              <p:cNvPr id="30" name="Group 29">
+                <a:extLst>
+                  <a:ext uri="{FF2B5EF4-FFF2-40B4-BE49-F238E27FC236}">
+                    <a16:creationId xmlns:a16="http://schemas.microsoft.com/office/drawing/2014/main" id="{66C07B9B-DB47-456B-AC7D-FDFAD9CDB5DC}"/>
+                  </a:ext>
+                </a:extLst>
+              </p:cNvPr>
+              <p:cNvGrpSpPr/>
+              <p:nvPr/>
+            </p:nvGrpSpPr>
+            <p:grpSpPr>
+              <a:xfrm>
+                <a:off x="3783349" y="3990167"/>
+                <a:ext cx="1230087" cy="352081"/>
+                <a:chOff x="3783349" y="3990167"/>
+                <a:chExt cx="1230087" cy="352081"/>
+              </a:xfrm>
+            </p:grpSpPr>
+            <p:pic>
+              <p:nvPicPr>
+                <p:cNvPr id="31" name="Picture 30">
+                  <a:extLst>
+                    <a:ext uri="{FF2B5EF4-FFF2-40B4-BE49-F238E27FC236}">
+                      <a16:creationId xmlns:a16="http://schemas.microsoft.com/office/drawing/2014/main" id="{35E7ECEC-E17D-46F4-9206-EB6F5B36FEB8}"/>
+                    </a:ext>
+                  </a:extLst>
+                </p:cNvPr>
+                <p:cNvPicPr>
+                  <a:picLocks noChangeAspect="1"/>
+                </p:cNvPicPr>
+                <p:nvPr/>
+              </p:nvPicPr>
+              <p:blipFill>
+                <a:blip r:embed="rId3" cstate="print">
+                  <a:extLst>
+                    <a:ext uri="{28A0092B-C50C-407E-A947-70E740481C1C}">
+                      <a14:useLocalDpi xmlns:a14="http://schemas.microsoft.com/office/drawing/2010/main" val="0"/>
+                    </a:ext>
+                  </a:extLst>
+                </a:blip>
+                <a:stretch>
+                  <a:fillRect/>
+                </a:stretch>
+              </p:blipFill>
+              <p:spPr>
+                <a:xfrm>
+                  <a:off x="4112963" y="3992064"/>
+                  <a:ext cx="900473" cy="350184"/>
+                </a:xfrm>
+                <a:prstGeom prst="rect">
+                  <a:avLst/>
+                </a:prstGeom>
+              </p:spPr>
+            </p:pic>
+            <p:pic>
+              <p:nvPicPr>
+                <p:cNvPr id="32" name="Picture 31">
+                  <a:extLst>
+                    <a:ext uri="{FF2B5EF4-FFF2-40B4-BE49-F238E27FC236}">
+                      <a16:creationId xmlns:a16="http://schemas.microsoft.com/office/drawing/2014/main" id="{74774654-DC0F-49E1-9109-5E9D3E62BB0F}"/>
+                    </a:ext>
+                  </a:extLst>
+                </p:cNvPr>
+                <p:cNvPicPr>
+                  <a:picLocks noChangeAspect="1"/>
+                </p:cNvPicPr>
+                <p:nvPr/>
+              </p:nvPicPr>
+              <p:blipFill>
+                <a:blip r:embed="rId4" cstate="print">
+                  <a:extLst>
+                    <a:ext uri="{28A0092B-C50C-407E-A947-70E740481C1C}">
+                      <a14:useLocalDpi xmlns:a14="http://schemas.microsoft.com/office/drawing/2010/main" val="0"/>
+                    </a:ext>
+                  </a:extLst>
+                </a:blip>
+                <a:stretch>
+                  <a:fillRect/>
+                </a:stretch>
+              </p:blipFill>
+              <p:spPr>
+                <a:xfrm>
+                  <a:off x="3783349" y="3990167"/>
+                  <a:ext cx="322073" cy="324658"/>
+                </a:xfrm>
+                <a:prstGeom prst="rect">
+                  <a:avLst/>
+                </a:prstGeom>
+              </p:spPr>
+            </p:pic>
+          </p:grpSp>
+        </p:grpSp>
+      </p:grpSp>
+      <p:sp>
+        <p:nvSpPr>
+          <p:cNvPr id="33" name="Rounded Rectangle 23">
+            <a:extLst>
+              <a:ext uri="{FF2B5EF4-FFF2-40B4-BE49-F238E27FC236}">
+                <a16:creationId xmlns:a16="http://schemas.microsoft.com/office/drawing/2014/main" id="{777B3D97-13BA-4C73-92A6-676FED56CE49}"/>
+              </a:ext>
+            </a:extLst>
+          </p:cNvPr>
+          <p:cNvSpPr/>
+          <p:nvPr/>
+        </p:nvSpPr>
+        <p:spPr>
+          <a:xfrm>
+            <a:off x="3888630" y="890315"/>
+            <a:ext cx="4434230" cy="1381880"/>
+          </a:xfrm>
+          <a:prstGeom prst="roundRect">
+            <a:avLst>
+              <a:gd name="adj" fmla="val 5238"/>
+            </a:avLst>
+          </a:prstGeom>
+          <a:solidFill>
+            <a:schemeClr val="accent1"/>
+          </a:solidFill>
+          <a:ln w="12700">
+            <a:solidFill>
+              <a:schemeClr val="accent1"/>
+            </a:solidFill>
+          </a:ln>
+          <a:effectLst/>
+        </p:spPr>
+        <p:style>
+          <a:lnRef idx="2">
+            <a:schemeClr val="dk1"/>
+          </a:lnRef>
+          <a:fillRef idx="1">
+            <a:schemeClr val="lt1"/>
+          </a:fillRef>
+          <a:effectRef idx="0">
+            <a:schemeClr val="dk1"/>
+          </a:effectRef>
+          <a:fontRef idx="minor">
+            <a:schemeClr val="dk1"/>
+          </a:fontRef>
+        </p:style>
+        <p:txBody>
+          <a:bodyPr rtlCol="0" anchor="ctr"/>
+          <a:lstStyle/>
+          <a:p>
+            <a:pPr algn="ctr">
+              <a:lnSpc>
+                <a:spcPts val="1600"/>
+              </a:lnSpc>
+              <a:spcBef>
+                <a:spcPts val="100"/>
+              </a:spcBef>
+              <a:spcAft>
+                <a:spcPts val="100"/>
+              </a:spcAft>
+            </a:pPr>
+            <a:endParaRPr lang="en-US" sz="1600" dirty="0">
+              <a:solidFill>
+                <a:schemeClr val="bg1"/>
+              </a:solidFill>
+              <a:effectLst>
+                <a:outerShdw blurRad="50800" dist="38100" dir="5400000" algn="t" rotWithShape="0">
+                  <a:prstClr val="black">
+                    <a:alpha val="40000"/>
+                  </a:prstClr>
+                </a:outerShdw>
+              </a:effectLst>
+              <a:latin typeface="Source Sans Pro" charset="0"/>
+              <a:ea typeface="Source Sans Pro" charset="0"/>
+            </a:endParaRPr>
+          </a:p>
+        </p:txBody>
+      </p:sp>
+      <p:sp>
+        <p:nvSpPr>
+          <p:cNvPr id="34" name="Rounded Rectangle 24">
+            <a:extLst>
+              <a:ext uri="{FF2B5EF4-FFF2-40B4-BE49-F238E27FC236}">
+                <a16:creationId xmlns:a16="http://schemas.microsoft.com/office/drawing/2014/main" id="{EF1FFEF2-8208-4589-BE63-CA947E0F7205}"/>
+              </a:ext>
+            </a:extLst>
+          </p:cNvPr>
+          <p:cNvSpPr/>
+          <p:nvPr/>
+        </p:nvSpPr>
+        <p:spPr>
+          <a:xfrm>
+            <a:off x="3995807" y="1723611"/>
+            <a:ext cx="4236261" cy="445873"/>
+          </a:xfrm>
+          <a:prstGeom prst="roundRect">
+            <a:avLst>
+              <a:gd name="adj" fmla="val 10443"/>
+            </a:avLst>
+          </a:prstGeom>
+          <a:solidFill>
+            <a:schemeClr val="accent1">
+              <a:lumMod val="75000"/>
+            </a:schemeClr>
+          </a:solidFill>
+          <a:ln w="12700">
+            <a:noFill/>
+          </a:ln>
+          <a:effectLst>
+            <a:innerShdw blurRad="114300">
+              <a:prstClr val="black">
+                <a:alpha val="49000"/>
+              </a:prstClr>
+            </a:innerShdw>
+          </a:effectLst>
+        </p:spPr>
+        <p:style>
+          <a:lnRef idx="2">
+            <a:schemeClr val="dk1"/>
+          </a:lnRef>
+          <a:fillRef idx="1">
+            <a:schemeClr val="lt1"/>
+          </a:fillRef>
+          <a:effectRef idx="0">
+            <a:schemeClr val="dk1"/>
+          </a:effectRef>
+          <a:fontRef idx="minor">
+            <a:schemeClr val="dk1"/>
+          </a:fontRef>
+        </p:style>
+        <p:txBody>
+          <a:bodyPr wrap="square" lIns="108000" tIns="36000" bIns="0" rtlCol="0" anchor="ctr">
+            <a:noAutofit/>
+          </a:bodyPr>
+          <a:lstStyle/>
+          <a:p>
+            <a:pPr lvl="0">
+              <a:lnSpc>
+                <a:spcPts val="1400"/>
+              </a:lnSpc>
+            </a:pPr>
+            <a:r>
+              <a:rPr lang="en-US" sz="1600" b="1" dirty="0">
+                <a:solidFill>
+                  <a:schemeClr val="bg1"/>
+                </a:solidFill>
+                <a:latin typeface="Source Sans Pro" charset="0"/>
+                <a:ea typeface="Source Sans Pro" charset="0"/>
+                <a:cs typeface="Source Sans Pro" charset="0"/>
+              </a:rPr>
+              <a:t>FOUNDATION </a:t>
+            </a:r>
+            <a:br>
+              <a:rPr lang="en-US" sz="1600" b="1" dirty="0">
+                <a:solidFill>
+                  <a:schemeClr val="bg1"/>
+                </a:solidFill>
+                <a:latin typeface="Source Sans Pro" charset="0"/>
+                <a:ea typeface="Source Sans Pro" charset="0"/>
+                <a:cs typeface="Source Sans Pro" charset="0"/>
+              </a:rPr>
+            </a:br>
+            <a:r>
+              <a:rPr lang="en-US" sz="1600" b="1" dirty="0">
+                <a:solidFill>
+                  <a:schemeClr val="bg1"/>
+                </a:solidFill>
+                <a:latin typeface="Source Sans Pro" charset="0"/>
+                <a:ea typeface="Source Sans Pro" charset="0"/>
+                <a:cs typeface="Source Sans Pro" charset="0"/>
+              </a:rPr>
+              <a:t>LIBRARIES </a:t>
+            </a:r>
+          </a:p>
+        </p:txBody>
+      </p:sp>
+      <p:sp>
+        <p:nvSpPr>
+          <p:cNvPr id="35" name="Rounded Rectangle 25">
+            <a:extLst>
+              <a:ext uri="{FF2B5EF4-FFF2-40B4-BE49-F238E27FC236}">
+                <a16:creationId xmlns:a16="http://schemas.microsoft.com/office/drawing/2014/main" id="{5AFA9529-4A4D-4A47-877E-977E31DE840A}"/>
+              </a:ext>
+            </a:extLst>
+          </p:cNvPr>
+          <p:cNvSpPr/>
+          <p:nvPr/>
+        </p:nvSpPr>
+        <p:spPr>
+          <a:xfrm>
+            <a:off x="3995808" y="1282534"/>
+            <a:ext cx="4236259" cy="387367"/>
+          </a:xfrm>
+          <a:prstGeom prst="roundRect">
+            <a:avLst>
+              <a:gd name="adj" fmla="val 10601"/>
+            </a:avLst>
+          </a:prstGeom>
+          <a:solidFill>
+            <a:schemeClr val="accent1">
+              <a:lumMod val="75000"/>
+            </a:schemeClr>
+          </a:solidFill>
+          <a:ln w="12700">
+            <a:noFill/>
+          </a:ln>
+          <a:effectLst>
+            <a:innerShdw blurRad="114300">
+              <a:prstClr val="black">
+                <a:alpha val="49000"/>
+              </a:prstClr>
+            </a:innerShdw>
+          </a:effectLst>
+        </p:spPr>
+        <p:style>
+          <a:lnRef idx="2">
+            <a:schemeClr val="dk1"/>
+          </a:lnRef>
+          <a:fillRef idx="1">
+            <a:schemeClr val="lt1"/>
+          </a:fillRef>
+          <a:effectRef idx="0">
+            <a:schemeClr val="dk1"/>
+          </a:effectRef>
+          <a:fontRef idx="minor">
+            <a:schemeClr val="dk1"/>
+          </a:fontRef>
+        </p:style>
+        <p:txBody>
+          <a:bodyPr wrap="square" lIns="108000" tIns="0" bIns="0" rtlCol="0" anchor="ctr">
+            <a:noAutofit/>
+          </a:bodyPr>
+          <a:lstStyle/>
+          <a:p>
+            <a:pPr lvl="0" algn="ctr"/>
+            <a:r>
+              <a:rPr lang="en-US" sz="1600" b="1" dirty="0">
+                <a:solidFill>
+                  <a:schemeClr val="bg1"/>
+                </a:solidFill>
+                <a:latin typeface="Source Sans Pro" charset="0"/>
+                <a:ea typeface="Source Sans Pro" charset="0"/>
+                <a:cs typeface="Source Sans Pro" charset="0"/>
+              </a:rPr>
+              <a:t>ADD-ON LIBRARIES</a:t>
+            </a:r>
+          </a:p>
+        </p:txBody>
+      </p:sp>
+      <p:sp>
+        <p:nvSpPr>
+          <p:cNvPr id="36" name="Rectangle 35">
+            <a:extLst>
+              <a:ext uri="{FF2B5EF4-FFF2-40B4-BE49-F238E27FC236}">
+                <a16:creationId xmlns:a16="http://schemas.microsoft.com/office/drawing/2014/main" id="{8D604CD3-9B5B-4F00-901B-4F1046723D74}"/>
+              </a:ext>
+            </a:extLst>
+          </p:cNvPr>
+          <p:cNvSpPr/>
+          <p:nvPr/>
+        </p:nvSpPr>
+        <p:spPr>
+          <a:xfrm>
+            <a:off x="6804920" y="2241352"/>
+            <a:ext cx="1424261" cy="213954"/>
+          </a:xfrm>
+          <a:prstGeom prst="rect">
+            <a:avLst/>
+          </a:prstGeom>
+          <a:noFill/>
+          <a:effectLst/>
+        </p:spPr>
+        <p:txBody>
+          <a:bodyPr wrap="square" lIns="0" rIns="0">
+            <a:noAutofit/>
+          </a:bodyPr>
+          <a:lstStyle/>
+          <a:p>
+            <a:pPr algn="r">
+              <a:lnSpc>
+                <a:spcPts val="1300"/>
+              </a:lnSpc>
+            </a:pPr>
+            <a:r>
+              <a:rPr lang="en-US" sz="1100" b="1" dirty="0">
+                <a:ln w="0"/>
+                <a:solidFill>
+                  <a:schemeClr val="accent1"/>
+                </a:solidFill>
+                <a:latin typeface="Source Sans Pro" charset="0"/>
+                <a:ea typeface="Source Sans Pro" charset="0"/>
+                <a:cs typeface="Source Sans Pro" charset="0"/>
+              </a:rPr>
+              <a:t>VIRTUALIZATION</a:t>
+            </a:r>
+          </a:p>
+        </p:txBody>
+      </p:sp>
+      <p:sp>
+        <p:nvSpPr>
+          <p:cNvPr id="37" name="Rounded Rectangle 34">
+            <a:extLst>
+              <a:ext uri="{FF2B5EF4-FFF2-40B4-BE49-F238E27FC236}">
+                <a16:creationId xmlns:a16="http://schemas.microsoft.com/office/drawing/2014/main" id="{01A1E906-09A5-453B-BC2B-F78BE44C6099}"/>
+              </a:ext>
+            </a:extLst>
+          </p:cNvPr>
+          <p:cNvSpPr/>
+          <p:nvPr/>
+        </p:nvSpPr>
+        <p:spPr>
+          <a:xfrm>
+            <a:off x="5592604" y="1801684"/>
+            <a:ext cx="432000" cy="289727"/>
+          </a:xfrm>
+          <a:prstGeom prst="roundRect">
+            <a:avLst>
+              <a:gd name="adj" fmla="val 19644"/>
+            </a:avLst>
+          </a:prstGeom>
+          <a:solidFill>
+            <a:schemeClr val="bg1"/>
+          </a:solidFill>
+          <a:ln w="12700">
+            <a:noFill/>
+          </a:ln>
+          <a:effectLst/>
+        </p:spPr>
+        <p:style>
+          <a:lnRef idx="2">
+            <a:schemeClr val="dk1"/>
+          </a:lnRef>
+          <a:fillRef idx="1">
+            <a:schemeClr val="lt1"/>
+          </a:fillRef>
+          <a:effectRef idx="0">
+            <a:schemeClr val="dk1"/>
+          </a:effectRef>
+          <a:fontRef idx="minor">
+            <a:schemeClr val="dk1"/>
+          </a:fontRef>
+        </p:style>
+        <p:txBody>
+          <a:bodyPr wrap="square" lIns="36000" tIns="36000" rIns="36000" bIns="36000" rtlCol="0" anchor="ctr">
+            <a:noAutofit/>
+          </a:bodyPr>
+          <a:lstStyle/>
+          <a:p>
+            <a:pPr algn="ctr"/>
+            <a:r>
+              <a:rPr lang="en-US" sz="1200" dirty="0">
+                <a:solidFill>
+                  <a:schemeClr val="accent1"/>
+                </a:solidFill>
+                <a:latin typeface="Source Sans Pro Light" charset="0"/>
+                <a:ea typeface="Source Sans Pro Light" charset="0"/>
+                <a:cs typeface="Source Sans Pro Light" charset="0"/>
+              </a:rPr>
+              <a:t>EDC</a:t>
+            </a:r>
+          </a:p>
+        </p:txBody>
+      </p:sp>
+      <p:sp>
+        <p:nvSpPr>
+          <p:cNvPr id="38" name="Rounded Rectangle 35">
+            <a:extLst>
+              <a:ext uri="{FF2B5EF4-FFF2-40B4-BE49-F238E27FC236}">
+                <a16:creationId xmlns:a16="http://schemas.microsoft.com/office/drawing/2014/main" id="{0DBCC4EF-B46E-4377-B058-1A8265209501}"/>
+              </a:ext>
+            </a:extLst>
+          </p:cNvPr>
+          <p:cNvSpPr/>
+          <p:nvPr/>
+        </p:nvSpPr>
+        <p:spPr>
+          <a:xfrm>
+            <a:off x="7190311" y="1801684"/>
+            <a:ext cx="432000" cy="289727"/>
+          </a:xfrm>
+          <a:prstGeom prst="roundRect">
+            <a:avLst>
+              <a:gd name="adj" fmla="val 19644"/>
+            </a:avLst>
+          </a:prstGeom>
+          <a:solidFill>
+            <a:schemeClr val="bg1"/>
+          </a:solidFill>
+          <a:ln w="12700">
+            <a:noFill/>
+          </a:ln>
+          <a:effectLst/>
+        </p:spPr>
+        <p:style>
+          <a:lnRef idx="2">
+            <a:schemeClr val="dk1"/>
+          </a:lnRef>
+          <a:fillRef idx="1">
+            <a:schemeClr val="lt1"/>
+          </a:fillRef>
+          <a:effectRef idx="0">
+            <a:schemeClr val="dk1"/>
+          </a:effectRef>
+          <a:fontRef idx="minor">
+            <a:schemeClr val="dk1"/>
+          </a:fontRef>
+        </p:style>
+        <p:txBody>
+          <a:bodyPr wrap="square" lIns="36000" tIns="36000" rIns="36000" bIns="36000" rtlCol="0" anchor="ctr">
+            <a:noAutofit/>
+          </a:bodyPr>
+          <a:lstStyle/>
+          <a:p>
+            <a:pPr algn="ctr"/>
+            <a:r>
+              <a:rPr lang="en-US" sz="1200" dirty="0">
+                <a:solidFill>
+                  <a:schemeClr val="accent1"/>
+                </a:solidFill>
+                <a:latin typeface="Source Sans Pro Light" charset="0"/>
+                <a:ea typeface="Source Sans Pro Light" charset="0"/>
+                <a:cs typeface="Source Sans Pro Light" charset="0"/>
+              </a:rPr>
+              <a:t>KF</a:t>
+            </a:r>
+          </a:p>
+        </p:txBody>
+      </p:sp>
+      <p:sp>
+        <p:nvSpPr>
+          <p:cNvPr id="39" name="Rounded Rectangle 36">
+            <a:extLst>
+              <a:ext uri="{FF2B5EF4-FFF2-40B4-BE49-F238E27FC236}">
+                <a16:creationId xmlns:a16="http://schemas.microsoft.com/office/drawing/2014/main" id="{752A5F1E-E188-41A1-9B50-B7C4DB4DF54D}"/>
+              </a:ext>
+            </a:extLst>
+          </p:cNvPr>
+          <p:cNvSpPr/>
+          <p:nvPr/>
+        </p:nvSpPr>
+        <p:spPr>
+          <a:xfrm>
+            <a:off x="7722878" y="1801684"/>
+            <a:ext cx="432000" cy="289727"/>
+          </a:xfrm>
+          <a:prstGeom prst="roundRect">
+            <a:avLst>
+              <a:gd name="adj" fmla="val 19644"/>
+            </a:avLst>
+          </a:prstGeom>
+          <a:solidFill>
+            <a:schemeClr val="bg1"/>
+          </a:solidFill>
+          <a:ln w="12700">
+            <a:noFill/>
+          </a:ln>
+          <a:effectLst/>
+        </p:spPr>
+        <p:style>
+          <a:lnRef idx="2">
+            <a:schemeClr val="dk1"/>
+          </a:lnRef>
+          <a:fillRef idx="1">
+            <a:schemeClr val="lt1"/>
+          </a:fillRef>
+          <a:effectRef idx="0">
+            <a:schemeClr val="dk1"/>
+          </a:effectRef>
+          <a:fontRef idx="minor">
+            <a:schemeClr val="dk1"/>
+          </a:fontRef>
+        </p:style>
+        <p:txBody>
+          <a:bodyPr wrap="square" lIns="36000" tIns="36000" rIns="36000" bIns="36000" rtlCol="0" anchor="ctr">
+            <a:noAutofit/>
+          </a:bodyPr>
+          <a:lstStyle/>
+          <a:p>
+            <a:pPr algn="ctr"/>
+            <a:r>
+              <a:rPr lang="en-US" sz="1200">
+                <a:solidFill>
+                  <a:schemeClr val="accent1"/>
+                </a:solidFill>
+                <a:latin typeface="Source Sans Pro Light" charset="0"/>
+                <a:ea typeface="Source Sans Pro Light" charset="0"/>
+                <a:cs typeface="Source Sans Pro Light" charset="0"/>
+              </a:rPr>
+              <a:t>FS</a:t>
+            </a:r>
+            <a:endParaRPr lang="en-US" sz="1200" dirty="0">
+              <a:solidFill>
+                <a:schemeClr val="accent1"/>
+              </a:solidFill>
+              <a:latin typeface="Source Sans Pro Light" charset="0"/>
+              <a:ea typeface="Source Sans Pro Light" charset="0"/>
+              <a:cs typeface="Source Sans Pro Light" charset="0"/>
+            </a:endParaRPr>
+          </a:p>
+        </p:txBody>
+      </p:sp>
+      <p:sp>
+        <p:nvSpPr>
+          <p:cNvPr id="40" name="Round Same Side Corner Rectangle 44">
+            <a:extLst>
+              <a:ext uri="{FF2B5EF4-FFF2-40B4-BE49-F238E27FC236}">
+                <a16:creationId xmlns:a16="http://schemas.microsoft.com/office/drawing/2014/main" id="{B7889216-5E49-4C9D-9B47-DB50612CE947}"/>
+              </a:ext>
+            </a:extLst>
+          </p:cNvPr>
+          <p:cNvSpPr/>
+          <p:nvPr/>
+        </p:nvSpPr>
+        <p:spPr>
+          <a:xfrm rot="10800000">
+            <a:off x="4036898" y="882576"/>
+            <a:ext cx="4117979" cy="333565"/>
+          </a:xfrm>
+          <a:prstGeom prst="round2SameRect">
+            <a:avLst>
+              <a:gd name="adj1" fmla="val 24382"/>
+              <a:gd name="adj2" fmla="val 0"/>
+            </a:avLst>
+          </a:prstGeom>
+          <a:solidFill>
+            <a:schemeClr val="tx2">
+              <a:lumMod val="20000"/>
+              <a:lumOff val="80000"/>
+            </a:schemeClr>
+          </a:solidFill>
+          <a:ln w="12700">
+            <a:noFill/>
+            <a:round/>
+          </a:ln>
+        </p:spPr>
+        <p:style>
+          <a:lnRef idx="2">
+            <a:schemeClr val="accent1">
+              <a:shade val="50000"/>
+            </a:schemeClr>
+          </a:lnRef>
+          <a:fillRef idx="1">
+            <a:schemeClr val="accent1"/>
+          </a:fillRef>
+          <a:effectRef idx="0">
+            <a:schemeClr val="accent1"/>
+          </a:effectRef>
+          <a:fontRef idx="minor">
+            <a:schemeClr val="lt1"/>
+          </a:fontRef>
+        </p:style>
+        <p:txBody>
+          <a:bodyPr rtlCol="0" anchor="ctr"/>
+          <a:lstStyle/>
+          <a:p>
+            <a:pPr algn="ctr"/>
+            <a:endParaRPr lang="en-US" dirty="0"/>
+          </a:p>
+        </p:txBody>
+      </p:sp>
+      <p:sp>
+        <p:nvSpPr>
+          <p:cNvPr id="41" name="Rounded Rectangle 89">
+            <a:extLst>
+              <a:ext uri="{FF2B5EF4-FFF2-40B4-BE49-F238E27FC236}">
+                <a16:creationId xmlns:a16="http://schemas.microsoft.com/office/drawing/2014/main" id="{475D2FC1-61CB-4EF2-AFDC-7597566326CD}"/>
+              </a:ext>
+            </a:extLst>
+          </p:cNvPr>
+          <p:cNvSpPr/>
+          <p:nvPr/>
+        </p:nvSpPr>
+        <p:spPr>
+          <a:xfrm>
+            <a:off x="6125173" y="1801684"/>
+            <a:ext cx="432000" cy="289727"/>
+          </a:xfrm>
+          <a:prstGeom prst="roundRect">
+            <a:avLst>
+              <a:gd name="adj" fmla="val 19644"/>
+            </a:avLst>
+          </a:prstGeom>
+          <a:solidFill>
+            <a:schemeClr val="bg1"/>
+          </a:solidFill>
+          <a:ln w="12700">
+            <a:noFill/>
+          </a:ln>
+          <a:effectLst/>
+        </p:spPr>
+        <p:style>
+          <a:lnRef idx="2">
+            <a:schemeClr val="dk1"/>
+          </a:lnRef>
+          <a:fillRef idx="1">
+            <a:schemeClr val="lt1"/>
+          </a:fillRef>
+          <a:effectRef idx="0">
+            <a:schemeClr val="dk1"/>
+          </a:effectRef>
+          <a:fontRef idx="minor">
+            <a:schemeClr val="dk1"/>
+          </a:fontRef>
+        </p:style>
+        <p:txBody>
+          <a:bodyPr wrap="square" lIns="36000" tIns="36000" rIns="36000" bIns="36000" rtlCol="0" anchor="ctr">
+            <a:noAutofit/>
+          </a:bodyPr>
+          <a:lstStyle/>
+          <a:p>
+            <a:pPr algn="ctr"/>
+            <a:r>
+              <a:rPr lang="en-US" sz="1200" dirty="0">
+                <a:solidFill>
+                  <a:schemeClr val="accent1"/>
+                </a:solidFill>
+                <a:latin typeface="Source Sans Pro Light" charset="0"/>
+                <a:ea typeface="Source Sans Pro Light" charset="0"/>
+                <a:cs typeface="Source Sans Pro Light" charset="0"/>
+              </a:rPr>
+              <a:t>BON</a:t>
+            </a:r>
+          </a:p>
+        </p:txBody>
+      </p:sp>
+      <p:sp>
+        <p:nvSpPr>
+          <p:cNvPr id="42" name="Rounded Rectangle 90">
+            <a:extLst>
+              <a:ext uri="{FF2B5EF4-FFF2-40B4-BE49-F238E27FC236}">
+                <a16:creationId xmlns:a16="http://schemas.microsoft.com/office/drawing/2014/main" id="{56EE1FCE-39FD-4692-A452-8C7DE1DF4BB9}"/>
+              </a:ext>
+            </a:extLst>
+          </p:cNvPr>
+          <p:cNvSpPr/>
+          <p:nvPr/>
+        </p:nvSpPr>
+        <p:spPr>
+          <a:xfrm>
+            <a:off x="6657742" y="1801684"/>
+            <a:ext cx="432000" cy="289727"/>
+          </a:xfrm>
+          <a:prstGeom prst="roundRect">
+            <a:avLst>
+              <a:gd name="adj" fmla="val 19644"/>
+            </a:avLst>
+          </a:prstGeom>
+          <a:solidFill>
+            <a:schemeClr val="bg1"/>
+          </a:solidFill>
+          <a:ln w="12700">
+            <a:noFill/>
+          </a:ln>
+          <a:effectLst/>
+        </p:spPr>
+        <p:style>
+          <a:lnRef idx="2">
+            <a:schemeClr val="dk1"/>
+          </a:lnRef>
+          <a:fillRef idx="1">
+            <a:schemeClr val="lt1"/>
+          </a:fillRef>
+          <a:effectRef idx="0">
+            <a:schemeClr val="dk1"/>
+          </a:effectRef>
+          <a:fontRef idx="minor">
+            <a:schemeClr val="dk1"/>
+          </a:fontRef>
+        </p:style>
+        <p:txBody>
+          <a:bodyPr wrap="square" lIns="36000" tIns="36000" rIns="36000" bIns="36000" rtlCol="0" anchor="ctr">
+            <a:noAutofit/>
+          </a:bodyPr>
+          <a:lstStyle/>
+          <a:p>
+            <a:pPr algn="ctr"/>
+            <a:r>
+              <a:rPr lang="en-US" sz="1200" dirty="0">
+                <a:solidFill>
+                  <a:schemeClr val="accent1"/>
+                </a:solidFill>
+                <a:latin typeface="Source Sans Pro Light" charset="0"/>
+                <a:ea typeface="Source Sans Pro Light" charset="0"/>
+                <a:cs typeface="Source Sans Pro Light" charset="0"/>
+              </a:rPr>
+              <a:t>SNI</a:t>
+            </a:r>
+          </a:p>
+        </p:txBody>
+      </p:sp>
+      <p:sp>
+        <p:nvSpPr>
+          <p:cNvPr id="43" name="Rounded Rectangle 93">
+            <a:extLst>
+              <a:ext uri="{FF2B5EF4-FFF2-40B4-BE49-F238E27FC236}">
+                <a16:creationId xmlns:a16="http://schemas.microsoft.com/office/drawing/2014/main" id="{FFE9E1E3-8810-4463-82D9-6D369ECBFF46}"/>
+              </a:ext>
+            </a:extLst>
+          </p:cNvPr>
+          <p:cNvSpPr/>
+          <p:nvPr/>
+        </p:nvSpPr>
+        <p:spPr>
+          <a:xfrm>
+            <a:off x="6256451" y="2574666"/>
+            <a:ext cx="1055685" cy="288974"/>
+          </a:xfrm>
+          <a:prstGeom prst="roundRect">
+            <a:avLst>
+              <a:gd name="adj" fmla="val 13128"/>
+            </a:avLst>
+          </a:prstGeom>
+          <a:solidFill>
+            <a:schemeClr val="accent1"/>
+          </a:solidFill>
+          <a:ln w="12700">
+            <a:noFill/>
+          </a:ln>
+          <a:effectLst/>
+        </p:spPr>
+        <p:style>
+          <a:lnRef idx="2">
+            <a:schemeClr val="dk1"/>
+          </a:lnRef>
+          <a:fillRef idx="1">
+            <a:schemeClr val="lt1"/>
+          </a:fillRef>
+          <a:effectRef idx="0">
+            <a:schemeClr val="dk1"/>
+          </a:effectRef>
+          <a:fontRef idx="minor">
+            <a:schemeClr val="dk1"/>
+          </a:fontRef>
+        </p:style>
+        <p:txBody>
+          <a:bodyPr wrap="square" lIns="0" tIns="72000" rIns="0" bIns="36000" rtlCol="0" anchor="ctr">
+            <a:noAutofit/>
+          </a:bodyPr>
+          <a:lstStyle/>
+          <a:p>
+            <a:pPr algn="ctr">
+              <a:lnSpc>
+                <a:spcPts val="1000"/>
+              </a:lnSpc>
+            </a:pPr>
+            <a:r>
+              <a:rPr lang="en-US" sz="1000" dirty="0">
+                <a:solidFill>
+                  <a:schemeClr val="bg1"/>
+                </a:solidFill>
+                <a:latin typeface="Source Sans Pro Light" charset="0"/>
+                <a:ea typeface="Source Sans Pro Light" charset="0"/>
+                <a:cs typeface="Source Sans Pro Light" charset="0"/>
+              </a:rPr>
+              <a:t>Garbage Collector</a:t>
+            </a:r>
+          </a:p>
+        </p:txBody>
+      </p:sp>
+      <p:sp>
+        <p:nvSpPr>
+          <p:cNvPr id="44" name="Rounded Rectangle 72">
+            <a:extLst>
+              <a:ext uri="{FF2B5EF4-FFF2-40B4-BE49-F238E27FC236}">
+                <a16:creationId xmlns:a16="http://schemas.microsoft.com/office/drawing/2014/main" id="{26838D83-73D9-4EE8-B028-07A26CF06DA8}"/>
+              </a:ext>
+            </a:extLst>
+          </p:cNvPr>
+          <p:cNvSpPr/>
+          <p:nvPr/>
+        </p:nvSpPr>
+        <p:spPr>
+          <a:xfrm>
+            <a:off x="5920573" y="3072238"/>
+            <a:ext cx="654874" cy="152839"/>
+          </a:xfrm>
+          <a:prstGeom prst="roundRect">
+            <a:avLst>
+              <a:gd name="adj" fmla="val 50000"/>
+            </a:avLst>
+          </a:prstGeom>
+          <a:solidFill>
+            <a:schemeClr val="bg1"/>
+          </a:solidFill>
+          <a:ln w="28575" cap="flat" cmpd="sng" algn="ctr">
+            <a:noFill/>
+            <a:prstDash val="solid"/>
+          </a:ln>
+          <a:effectLst/>
+        </p:spPr>
+        <p:txBody>
+          <a:bodyPr lIns="36000" rIns="36000" rtlCol="0" anchor="ctr"/>
+          <a:lstStyle/>
+          <a:p>
+            <a:pPr algn="ctr">
+              <a:defRPr/>
+            </a:pPr>
+            <a:r>
+              <a:rPr lang="en-US" sz="1200">
+                <a:solidFill>
+                  <a:schemeClr val="accent1"/>
+                </a:solidFill>
+                <a:latin typeface="Source Sans Pro Light" charset="0"/>
+                <a:ea typeface="Source Sans Pro Light" charset="0"/>
+                <a:cs typeface="Source Sans Pro Light" charset="0"/>
+              </a:rPr>
+              <a:t>LLMJVM</a:t>
+            </a:r>
+            <a:endParaRPr lang="en-US" sz="1200" dirty="0">
+              <a:solidFill>
+                <a:srgbClr val="4B5357">
+                  <a:lumMod val="75000"/>
+                </a:srgbClr>
+              </a:solidFill>
+              <a:latin typeface="Source Sans Pro Light" charset="0"/>
+              <a:ea typeface="Source Sans Pro Light" charset="0"/>
+              <a:cs typeface="Source Sans Pro Light" charset="0"/>
+            </a:endParaRPr>
+          </a:p>
+        </p:txBody>
+      </p:sp>
+      <p:cxnSp>
+        <p:nvCxnSpPr>
+          <p:cNvPr id="47" name="Straight Connector 46">
+            <a:extLst>
+              <a:ext uri="{FF2B5EF4-FFF2-40B4-BE49-F238E27FC236}">
+                <a16:creationId xmlns:a16="http://schemas.microsoft.com/office/drawing/2014/main" id="{21DD825A-1FDB-44BA-A7FC-3BF764EE5015}"/>
+              </a:ext>
+            </a:extLst>
+          </p:cNvPr>
+          <p:cNvCxnSpPr>
+            <a:cxnSpLocks/>
+          </p:cNvCxnSpPr>
+          <p:nvPr/>
+        </p:nvCxnSpPr>
+        <p:spPr>
+          <a:xfrm>
+            <a:off x="5937469" y="3405434"/>
+            <a:ext cx="637268" cy="0"/>
+          </a:xfrm>
+          <a:prstGeom prst="line">
+            <a:avLst/>
+          </a:prstGeom>
+          <a:ln w="38100" cap="rnd">
+            <a:solidFill>
+              <a:schemeClr val="accent5"/>
+            </a:solidFill>
+            <a:miter lim="800000"/>
+          </a:ln>
+        </p:spPr>
+        <p:style>
+          <a:lnRef idx="1">
+            <a:schemeClr val="accent1"/>
+          </a:lnRef>
+          <a:fillRef idx="0">
+            <a:schemeClr val="accent1"/>
+          </a:fillRef>
+          <a:effectRef idx="0">
+            <a:schemeClr val="accent1"/>
+          </a:effectRef>
+          <a:fontRef idx="minor">
+            <a:schemeClr val="tx1"/>
+          </a:fontRef>
+        </p:style>
+      </p:cxnSp>
+      <p:sp>
+        <p:nvSpPr>
+          <p:cNvPr id="49" name="Rounded Rectangle 106">
+            <a:extLst>
+              <a:ext uri="{FF2B5EF4-FFF2-40B4-BE49-F238E27FC236}">
+                <a16:creationId xmlns:a16="http://schemas.microsoft.com/office/drawing/2014/main" id="{956B3E53-9FF5-4CC2-90EB-5E4E16D589EC}"/>
+              </a:ext>
+            </a:extLst>
+          </p:cNvPr>
+          <p:cNvSpPr/>
+          <p:nvPr/>
+        </p:nvSpPr>
+        <p:spPr>
+          <a:xfrm>
+            <a:off x="4512120" y="829724"/>
+            <a:ext cx="3080118" cy="306000"/>
+          </a:xfrm>
+          <a:prstGeom prst="roundRect">
+            <a:avLst>
+              <a:gd name="adj" fmla="val 12311"/>
+            </a:avLst>
+          </a:prstGeom>
+          <a:solidFill>
+            <a:schemeClr val="bg1"/>
+          </a:solidFill>
+          <a:ln w="12700">
+            <a:solidFill>
+              <a:schemeClr val="bg2"/>
+            </a:solidFill>
+          </a:ln>
+        </p:spPr>
+        <p:style>
+          <a:lnRef idx="2">
+            <a:schemeClr val="dk1"/>
+          </a:lnRef>
+          <a:fillRef idx="1">
+            <a:schemeClr val="lt1"/>
+          </a:fillRef>
+          <a:effectRef idx="0">
+            <a:schemeClr val="dk1"/>
+          </a:effectRef>
+          <a:fontRef idx="minor">
+            <a:schemeClr val="dk1"/>
+          </a:fontRef>
+        </p:style>
+        <p:txBody>
+          <a:bodyPr tIns="36000" bIns="0" rtlCol="0" anchor="ctr"/>
+          <a:lstStyle/>
+          <a:p>
+            <a:pPr algn="ctr">
+              <a:lnSpc>
+                <a:spcPts val="1600"/>
+              </a:lnSpc>
+              <a:spcBef>
+                <a:spcPts val="100"/>
+              </a:spcBef>
+              <a:spcAft>
+                <a:spcPts val="100"/>
+              </a:spcAft>
+            </a:pPr>
+            <a:r>
+              <a:rPr lang="en-US" sz="1600" b="1" dirty="0">
+                <a:solidFill>
+                  <a:schemeClr val="tx1"/>
+                </a:solidFill>
+                <a:latin typeface="Source Sans Pro" charset="0"/>
+                <a:ea typeface="Source Sans Pro" charset="0"/>
+                <a:cs typeface="Source Sans Pro" charset="0"/>
+              </a:rPr>
+              <a:t>YOUR APPLICATIONS</a:t>
+            </a:r>
+            <a:endParaRPr lang="en-US" sz="1200" dirty="0">
+              <a:solidFill>
+                <a:schemeClr val="tx1"/>
+              </a:solidFill>
+              <a:latin typeface="Source Sans Pro" charset="0"/>
+              <a:ea typeface="Source Sans Pro" charset="0"/>
+              <a:cs typeface="Source Sans Pro" charset="0"/>
+            </a:endParaRPr>
+          </a:p>
+        </p:txBody>
+      </p:sp>
+      <p:grpSp>
+        <p:nvGrpSpPr>
+          <p:cNvPr id="56" name="Group 55">
+            <a:extLst>
+              <a:ext uri="{FF2B5EF4-FFF2-40B4-BE49-F238E27FC236}">
+                <a16:creationId xmlns:a16="http://schemas.microsoft.com/office/drawing/2014/main" id="{F7E66A6F-5BE5-4342-9B4F-DF3E22F31533}"/>
+              </a:ext>
+            </a:extLst>
+          </p:cNvPr>
+          <p:cNvGrpSpPr/>
+          <p:nvPr/>
+        </p:nvGrpSpPr>
+        <p:grpSpPr>
+          <a:xfrm>
+            <a:off x="3995887" y="3072196"/>
+            <a:ext cx="1771705" cy="142924"/>
+            <a:chOff x="1100700" y="2549855"/>
+            <a:chExt cx="1859628" cy="142924"/>
+          </a:xfrm>
+        </p:grpSpPr>
+        <p:cxnSp>
+          <p:nvCxnSpPr>
+            <p:cNvPr id="53" name="Straight Connector 52">
+              <a:extLst>
+                <a:ext uri="{FF2B5EF4-FFF2-40B4-BE49-F238E27FC236}">
+                  <a16:creationId xmlns:a16="http://schemas.microsoft.com/office/drawing/2014/main" id="{D76A9ABD-8369-4A38-A967-D460F3FC7ABA}"/>
+                </a:ext>
+              </a:extLst>
+            </p:cNvPr>
+            <p:cNvCxnSpPr>
+              <a:cxnSpLocks/>
+            </p:cNvCxnSpPr>
+            <p:nvPr/>
+          </p:nvCxnSpPr>
+          <p:spPr>
+            <a:xfrm>
+              <a:off x="2096328" y="2632790"/>
+              <a:ext cx="864000" cy="0"/>
+            </a:xfrm>
+            <a:prstGeom prst="line">
+              <a:avLst/>
+            </a:prstGeom>
+            <a:ln w="38100" cap="rnd">
+              <a:solidFill>
+                <a:schemeClr val="accent1">
+                  <a:lumMod val="60000"/>
+                  <a:lumOff val="40000"/>
+                </a:schemeClr>
+              </a:solidFill>
+              <a:miter lim="800000"/>
+            </a:ln>
+          </p:spPr>
+          <p:style>
+            <a:lnRef idx="1">
+              <a:schemeClr val="accent1"/>
+            </a:lnRef>
+            <a:fillRef idx="0">
+              <a:schemeClr val="accent1"/>
+            </a:fillRef>
+            <a:effectRef idx="0">
+              <a:schemeClr val="accent1"/>
+            </a:effectRef>
+            <a:fontRef idx="minor">
+              <a:schemeClr val="tx1"/>
+            </a:fontRef>
+          </p:style>
+        </p:cxnSp>
+        <p:cxnSp>
+          <p:nvCxnSpPr>
+            <p:cNvPr id="54" name="Straight Connector 53">
+              <a:extLst>
+                <a:ext uri="{FF2B5EF4-FFF2-40B4-BE49-F238E27FC236}">
+                  <a16:creationId xmlns:a16="http://schemas.microsoft.com/office/drawing/2014/main" id="{0E06F514-496B-4C2C-8776-A1BC8561A000}"/>
+                </a:ext>
+              </a:extLst>
+            </p:cNvPr>
+            <p:cNvCxnSpPr>
+              <a:cxnSpLocks/>
+            </p:cNvCxnSpPr>
+            <p:nvPr/>
+          </p:nvCxnSpPr>
+          <p:spPr>
+            <a:xfrm>
+              <a:off x="1100700" y="2632790"/>
+              <a:ext cx="864000" cy="0"/>
+            </a:xfrm>
+            <a:prstGeom prst="line">
+              <a:avLst/>
+            </a:prstGeom>
+            <a:ln w="38100" cap="rnd">
+              <a:solidFill>
+                <a:schemeClr val="accent1">
+                  <a:lumMod val="60000"/>
+                  <a:lumOff val="40000"/>
+                </a:schemeClr>
+              </a:solidFill>
+              <a:miter lim="800000"/>
+            </a:ln>
+          </p:spPr>
+          <p:style>
+            <a:lnRef idx="1">
+              <a:schemeClr val="accent1"/>
+            </a:lnRef>
+            <a:fillRef idx="0">
+              <a:schemeClr val="accent1"/>
+            </a:fillRef>
+            <a:effectRef idx="0">
+              <a:schemeClr val="accent1"/>
+            </a:effectRef>
+            <a:fontRef idx="minor">
+              <a:schemeClr val="tx1"/>
+            </a:fontRef>
+          </p:style>
+        </p:cxnSp>
+        <p:sp>
+          <p:nvSpPr>
+            <p:cNvPr id="55" name="Rectangle 54">
+              <a:extLst>
+                <a:ext uri="{FF2B5EF4-FFF2-40B4-BE49-F238E27FC236}">
+                  <a16:creationId xmlns:a16="http://schemas.microsoft.com/office/drawing/2014/main" id="{4E728D8B-2D11-4CCA-8431-3EC2C2E9192B}"/>
+                </a:ext>
+              </a:extLst>
+            </p:cNvPr>
+            <p:cNvSpPr/>
+            <p:nvPr/>
+          </p:nvSpPr>
+          <p:spPr>
+            <a:xfrm>
+              <a:off x="1439444" y="2549855"/>
+              <a:ext cx="1198662" cy="142924"/>
+            </a:xfrm>
+            <a:prstGeom prst="rect">
+              <a:avLst/>
+            </a:prstGeom>
+            <a:gradFill flip="none" rotWithShape="1">
+              <a:gsLst>
+                <a:gs pos="100000">
+                  <a:srgbClr val="CBD3D7">
+                    <a:alpha val="0"/>
+                  </a:srgbClr>
+                </a:gs>
+                <a:gs pos="0">
+                  <a:schemeClr val="bg2">
+                    <a:alpha val="0"/>
+                  </a:schemeClr>
+                </a:gs>
+                <a:gs pos="89000">
+                  <a:srgbClr val="CBD3D7">
+                    <a:alpha val="30000"/>
+                  </a:srgbClr>
+                </a:gs>
+                <a:gs pos="11000">
+                  <a:schemeClr val="bg2">
+                    <a:alpha val="30000"/>
+                  </a:schemeClr>
+                </a:gs>
+              </a:gsLst>
+              <a:lin ang="0" scaled="1"/>
+              <a:tileRect/>
+            </a:gradFill>
+            <a:ln w="31750">
+              <a:noFill/>
+            </a:ln>
+            <a:effectLst/>
+          </p:spPr>
+          <p:txBody>
+            <a:bodyPr wrap="square" lIns="0" tIns="0" rIns="0" bIns="0">
+              <a:spAutoFit/>
+            </a:bodyPr>
+            <a:lstStyle/>
+            <a:p>
+              <a:pPr algn="ctr">
+                <a:lnSpc>
+                  <a:spcPts val="1000"/>
+                </a:lnSpc>
+              </a:pPr>
+              <a:r>
+                <a:rPr lang="en-US" sz="1400" dirty="0">
+                  <a:ln w="0"/>
+                  <a:solidFill>
+                    <a:schemeClr val="accent1"/>
+                  </a:solidFill>
+                  <a:latin typeface="Source Sans Pro" panose="020B0503030403020204" pitchFamily="34" charset="0"/>
+                  <a:ea typeface="Source Sans Pro" panose="020B0503030403020204" pitchFamily="34" charset="0"/>
+                </a:rPr>
+                <a:t>LOW LEVEL API</a:t>
+              </a:r>
+            </a:p>
+          </p:txBody>
+        </p:sp>
+      </p:grpSp>
+      <p:sp>
+        <p:nvSpPr>
+          <p:cNvPr id="60" name="Rounded Rectangle 72">
+            <a:extLst>
+              <a:ext uri="{FF2B5EF4-FFF2-40B4-BE49-F238E27FC236}">
+                <a16:creationId xmlns:a16="http://schemas.microsoft.com/office/drawing/2014/main" id="{862E39EC-050A-400F-8B72-95874D4E684C}"/>
+              </a:ext>
+            </a:extLst>
+          </p:cNvPr>
+          <p:cNvSpPr/>
+          <p:nvPr/>
+        </p:nvSpPr>
+        <p:spPr>
+          <a:xfrm>
+            <a:off x="6661532" y="3067238"/>
+            <a:ext cx="761996" cy="152839"/>
+          </a:xfrm>
+          <a:prstGeom prst="roundRect">
+            <a:avLst>
+              <a:gd name="adj" fmla="val 50000"/>
+            </a:avLst>
+          </a:prstGeom>
+          <a:solidFill>
+            <a:schemeClr val="bg1"/>
+          </a:solidFill>
+          <a:ln w="28575" cap="flat" cmpd="sng" algn="ctr">
+            <a:noFill/>
+            <a:prstDash val="solid"/>
+          </a:ln>
+          <a:effectLst/>
+        </p:spPr>
+        <p:txBody>
+          <a:bodyPr lIns="36000" rIns="36000" rtlCol="0" anchor="ctr"/>
+          <a:lstStyle/>
+          <a:p>
+            <a:pPr algn="ctr">
+              <a:defRPr/>
+            </a:pPr>
+            <a:r>
+              <a:rPr lang="en-US" sz="1200">
+                <a:solidFill>
+                  <a:schemeClr val="accent1"/>
+                </a:solidFill>
+                <a:latin typeface="Source Sans Pro Light" charset="0"/>
+                <a:ea typeface="Source Sans Pro Light" charset="0"/>
+                <a:cs typeface="Source Sans Pro Light" charset="0"/>
+              </a:rPr>
+              <a:t>LLKERNEL</a:t>
+            </a:r>
+            <a:endParaRPr lang="en-US" sz="1200" dirty="0">
+              <a:solidFill>
+                <a:srgbClr val="4B5357">
+                  <a:lumMod val="75000"/>
+                </a:srgbClr>
+              </a:solidFill>
+              <a:latin typeface="Source Sans Pro Light" charset="0"/>
+              <a:ea typeface="Source Sans Pro Light" charset="0"/>
+              <a:cs typeface="Source Sans Pro Light" charset="0"/>
+            </a:endParaRPr>
+          </a:p>
+        </p:txBody>
+      </p:sp>
+      <p:cxnSp>
+        <p:nvCxnSpPr>
+          <p:cNvPr id="61" name="Straight Connector 60">
+            <a:extLst>
+              <a:ext uri="{FF2B5EF4-FFF2-40B4-BE49-F238E27FC236}">
+                <a16:creationId xmlns:a16="http://schemas.microsoft.com/office/drawing/2014/main" id="{CB1636E4-F313-4366-9B7E-E9EFB292B7F9}"/>
+              </a:ext>
+            </a:extLst>
+          </p:cNvPr>
+          <p:cNvCxnSpPr>
+            <a:cxnSpLocks/>
+          </p:cNvCxnSpPr>
+          <p:nvPr/>
+        </p:nvCxnSpPr>
+        <p:spPr>
+          <a:xfrm>
+            <a:off x="6721541" y="3402961"/>
+            <a:ext cx="670603" cy="0"/>
+          </a:xfrm>
+          <a:prstGeom prst="line">
+            <a:avLst/>
+          </a:prstGeom>
+          <a:ln w="38100" cap="rnd">
+            <a:solidFill>
+              <a:schemeClr val="accent5"/>
+            </a:solidFill>
+            <a:miter lim="800000"/>
+          </a:ln>
+        </p:spPr>
+        <p:style>
+          <a:lnRef idx="1">
+            <a:schemeClr val="accent1"/>
+          </a:lnRef>
+          <a:fillRef idx="0">
+            <a:schemeClr val="accent1"/>
+          </a:fillRef>
+          <a:effectRef idx="0">
+            <a:schemeClr val="accent1"/>
+          </a:effectRef>
+          <a:fontRef idx="minor">
+            <a:schemeClr val="tx1"/>
+          </a:fontRef>
+        </p:style>
+      </p:cxnSp>
+      <p:sp>
+        <p:nvSpPr>
+          <p:cNvPr id="62" name="Rounded Rectangle 72">
+            <a:extLst>
+              <a:ext uri="{FF2B5EF4-FFF2-40B4-BE49-F238E27FC236}">
+                <a16:creationId xmlns:a16="http://schemas.microsoft.com/office/drawing/2014/main" id="{0612A886-A63A-4035-ABDB-D7F9C1C6013C}"/>
+              </a:ext>
+            </a:extLst>
+          </p:cNvPr>
+          <p:cNvSpPr/>
+          <p:nvPr/>
+        </p:nvSpPr>
+        <p:spPr>
+          <a:xfrm>
+            <a:off x="7509613" y="3072238"/>
+            <a:ext cx="654874" cy="152839"/>
+          </a:xfrm>
+          <a:prstGeom prst="roundRect">
+            <a:avLst>
+              <a:gd name="adj" fmla="val 50000"/>
+            </a:avLst>
+          </a:prstGeom>
+          <a:solidFill>
+            <a:schemeClr val="bg1"/>
+          </a:solidFill>
+          <a:ln w="28575" cap="flat" cmpd="sng" algn="ctr">
+            <a:noFill/>
+            <a:prstDash val="solid"/>
+          </a:ln>
+          <a:effectLst/>
+        </p:spPr>
+        <p:txBody>
+          <a:bodyPr lIns="36000" rIns="36000" rtlCol="0" anchor="ctr"/>
+          <a:lstStyle/>
+          <a:p>
+            <a:pPr algn="ctr">
+              <a:defRPr/>
+            </a:pPr>
+            <a:r>
+              <a:rPr lang="en-US" sz="1200">
+                <a:solidFill>
+                  <a:schemeClr val="accent1"/>
+                </a:solidFill>
+                <a:latin typeface="Source Sans Pro Light" charset="0"/>
+                <a:ea typeface="Source Sans Pro Light" charset="0"/>
+                <a:cs typeface="Source Sans Pro Light" charset="0"/>
+              </a:rPr>
+              <a:t>LLFS</a:t>
+            </a:r>
+            <a:endParaRPr lang="en-US" sz="1200" dirty="0">
+              <a:solidFill>
+                <a:srgbClr val="4B5357">
+                  <a:lumMod val="75000"/>
+                </a:srgbClr>
+              </a:solidFill>
+              <a:latin typeface="Source Sans Pro Light" charset="0"/>
+              <a:ea typeface="Source Sans Pro Light" charset="0"/>
+              <a:cs typeface="Source Sans Pro Light" charset="0"/>
+            </a:endParaRPr>
+          </a:p>
+        </p:txBody>
+      </p:sp>
+      <p:cxnSp>
+        <p:nvCxnSpPr>
+          <p:cNvPr id="63" name="Straight Connector 62">
+            <a:extLst>
+              <a:ext uri="{FF2B5EF4-FFF2-40B4-BE49-F238E27FC236}">
+                <a16:creationId xmlns:a16="http://schemas.microsoft.com/office/drawing/2014/main" id="{EA5E9159-DB2A-46B1-BA81-4A7F1BCFE58D}"/>
+              </a:ext>
+            </a:extLst>
+          </p:cNvPr>
+          <p:cNvCxnSpPr>
+            <a:cxnSpLocks/>
+          </p:cNvCxnSpPr>
+          <p:nvPr/>
+        </p:nvCxnSpPr>
+        <p:spPr>
+          <a:xfrm>
+            <a:off x="7526509" y="3402961"/>
+            <a:ext cx="637268" cy="0"/>
+          </a:xfrm>
+          <a:prstGeom prst="line">
+            <a:avLst/>
+          </a:prstGeom>
+          <a:ln w="38100" cap="rnd">
+            <a:solidFill>
+              <a:schemeClr val="accent5"/>
+            </a:solidFill>
+            <a:miter lim="800000"/>
+          </a:ln>
+        </p:spPr>
+        <p:style>
+          <a:lnRef idx="1">
+            <a:schemeClr val="accent1"/>
+          </a:lnRef>
+          <a:fillRef idx="0">
+            <a:schemeClr val="accent1"/>
+          </a:fillRef>
+          <a:effectRef idx="0">
+            <a:schemeClr val="accent1"/>
+          </a:effectRef>
+          <a:fontRef idx="minor">
+            <a:schemeClr val="tx1"/>
+          </a:fontRef>
+        </p:style>
+      </p:cxnSp>
+    </p:spTree>
+    <p:extLst>
+      <p:ext uri="{BB962C8B-B14F-4D97-AF65-F5344CB8AC3E}">
+        <p14:creationId xmlns:p14="http://schemas.microsoft.com/office/powerpoint/2010/main" val="74784356"/>
       </p:ext>
     </p:extLst>
   </p:cSld>

--- a/PlatformDeveloperGuide/images/overview-platform-qualification.pptx
+++ b/PlatformDeveloperGuide/images/overview-platform-qualification.pptx
@@ -15135,7 +15135,7 @@
         </p:nvSpPr>
         <p:spPr>
           <a:xfrm>
-            <a:off x="4121172" y="3331713"/>
+            <a:off x="4128857" y="3299006"/>
             <a:ext cx="1661808" cy="136256"/>
           </a:xfrm>
           <a:prstGeom prst="rect">

--- a/PlatformDeveloperGuide/images/overview-platform-qualification.pptx
+++ b/PlatformDeveloperGuide/images/overview-platform-qualification.pptx
@@ -11,8 +11,8 @@
     <p:handoutMasterId r:id="rId5"/>
   </p:handoutMasterIdLst>
   <p:sldIdLst>
-    <p:sldId id="7665" r:id="rId2"/>
-    <p:sldId id="7666" r:id="rId3"/>
+    <p:sldId id="7667" r:id="rId2"/>
+    <p:sldId id="7668" r:id="rId3"/>
   </p:sldIdLst>
   <p:sldSz cx="12192000" cy="6858000"/>
   <p:notesSz cx="6858000" cy="9144000"/>
@@ -219,7 +219,7 @@
               <a:rPr lang="fr-FR" smtClean="0">
                 <a:latin typeface="Calibri Regular" charset="0"/>
               </a:rPr>
-              <a:t>mardi 13 avril 2021</a:t>
+              <a:t>jeudi 15 avril 2021</a:t>
             </a:fld>
             <a:endParaRPr lang="en-US" dirty="0">
               <a:latin typeface="Calibri Regular" charset="0"/>
@@ -397,7 +397,7 @@
           <a:p>
             <a:fld id="{885721CF-495B-2B41-A23A-4D3221F80235}" type="datetime2">
               <a:rPr lang="fr-FR" smtClean="0"/>
-              <a:t>mardi 13 avril 2021</a:t>
+              <a:t>jeudi 15 avril 2021</a:t>
             </a:fld>
             <a:endParaRPr lang="en-US" dirty="0"/>
           </a:p>
@@ -6115,7 +6115,7 @@
           <a:p>
             <a:fld id="{32496EFB-B9C4-41B8-9BCF-EA8FBF46D043}" type="datetimeFigureOut">
               <a:rPr lang="en-US" smtClean="0"/>
-              <a:t>4/13/2021</a:t>
+              <a:t>4/15/2021</a:t>
             </a:fld>
             <a:endParaRPr lang="en-US"/>
           </a:p>
@@ -9121,3931 +9121,6 @@
 </file>
 
 <file path=ppt/slides/slide1.xml><?xml version="1.0" encoding="utf-8"?>
-<p:sld xmlns:a="http://schemas.openxmlformats.org/drawingml/2006/main" xmlns:r="http://schemas.openxmlformats.org/officeDocument/2006/relationships" xmlns:p="http://schemas.openxmlformats.org/presentationml/2006/main">
-  <p:cSld>
-    <p:spTree>
-      <p:nvGrpSpPr>
-        <p:cNvPr id="1" name=""/>
-        <p:cNvGrpSpPr/>
-        <p:nvPr/>
-      </p:nvGrpSpPr>
-      <p:grpSpPr>
-        <a:xfrm>
-          <a:off x="0" y="0"/>
-          <a:ext cx="0" cy="0"/>
-          <a:chOff x="0" y="0"/>
-          <a:chExt cx="0" cy="0"/>
-        </a:xfrm>
-      </p:grpSpPr>
-      <p:sp>
-        <p:nvSpPr>
-          <p:cNvPr id="108" name="Rounded Rectangle 7">
-            <a:extLst>
-              <a:ext uri="{FF2B5EF4-FFF2-40B4-BE49-F238E27FC236}">
-                <a16:creationId xmlns:a16="http://schemas.microsoft.com/office/drawing/2014/main" id="{16C6D9F7-178C-4C75-806D-ECF7E20AA9A1}"/>
-              </a:ext>
-            </a:extLst>
-          </p:cNvPr>
-          <p:cNvSpPr/>
-          <p:nvPr/>
-        </p:nvSpPr>
-        <p:spPr>
-          <a:xfrm>
-            <a:off x="4178995" y="1779603"/>
-            <a:ext cx="2847642" cy="4307809"/>
-          </a:xfrm>
-          <a:prstGeom prst="roundRect">
-            <a:avLst>
-              <a:gd name="adj" fmla="val 3195"/>
-            </a:avLst>
-          </a:prstGeom>
-          <a:solidFill>
-            <a:schemeClr val="accent1"/>
-          </a:solidFill>
-          <a:ln w="12700">
-            <a:noFill/>
-          </a:ln>
-        </p:spPr>
-        <p:style>
-          <a:lnRef idx="2">
-            <a:schemeClr val="dk1"/>
-          </a:lnRef>
-          <a:fillRef idx="1">
-            <a:schemeClr val="lt1"/>
-          </a:fillRef>
-          <a:effectRef idx="0">
-            <a:schemeClr val="dk1"/>
-          </a:effectRef>
-          <a:fontRef idx="minor">
-            <a:schemeClr val="dk1"/>
-          </a:fontRef>
-        </p:style>
-        <p:txBody>
-          <a:bodyPr rtlCol="0" anchor="ctr"/>
-          <a:lstStyle/>
-          <a:p>
-            <a:pPr algn="ctr"/>
-            <a:endParaRPr lang="en-US" sz="1600" dirty="0">
-              <a:ln w="0"/>
-              <a:solidFill>
-                <a:schemeClr val="tx1"/>
-              </a:solidFill>
-              <a:effectLst>
-                <a:outerShdw blurRad="38100" dist="19050" dir="2700000" algn="tl" rotWithShape="0">
-                  <a:schemeClr val="dk1">
-                    <a:alpha val="40000"/>
-                  </a:schemeClr>
-                </a:outerShdw>
-              </a:effectLst>
-            </a:endParaRPr>
-          </a:p>
-        </p:txBody>
-      </p:sp>
-      <p:sp>
-        <p:nvSpPr>
-          <p:cNvPr id="109" name="Rectangle 108">
-            <a:extLst>
-              <a:ext uri="{FF2B5EF4-FFF2-40B4-BE49-F238E27FC236}">
-                <a16:creationId xmlns:a16="http://schemas.microsoft.com/office/drawing/2014/main" id="{2EA8763E-993B-4B77-A12E-AD111EE0252D}"/>
-              </a:ext>
-            </a:extLst>
-          </p:cNvPr>
-          <p:cNvSpPr/>
-          <p:nvPr/>
-        </p:nvSpPr>
-        <p:spPr>
-          <a:xfrm>
-            <a:off x="4178994" y="1884763"/>
-            <a:ext cx="2847642" cy="330860"/>
-          </a:xfrm>
-          <a:prstGeom prst="rect">
-            <a:avLst/>
-          </a:prstGeom>
-        </p:spPr>
-        <p:txBody>
-          <a:bodyPr wrap="square">
-            <a:spAutoFit/>
-          </a:bodyPr>
-          <a:lstStyle/>
-          <a:p>
-            <a:pPr algn="ctr">
-              <a:lnSpc>
-                <a:spcPts val="1600"/>
-              </a:lnSpc>
-              <a:spcBef>
-                <a:spcPts val="100"/>
-              </a:spcBef>
-              <a:spcAft>
-                <a:spcPts val="100"/>
-              </a:spcAft>
-            </a:pPr>
-            <a:r>
-              <a:rPr lang="en-US" sz="2200" dirty="0">
-                <a:solidFill>
-                  <a:schemeClr val="bg1"/>
-                </a:solidFill>
-                <a:latin typeface="Brandon Grotesque Black" charset="0"/>
-                <a:ea typeface="Brandon Grotesque Black" charset="0"/>
-                <a:cs typeface="Brandon Grotesque Black" charset="0"/>
-              </a:rPr>
-              <a:t>MICROEJ</a:t>
-            </a:r>
-            <a:r>
-              <a:rPr lang="en-US" sz="2200" dirty="0">
-                <a:solidFill>
-                  <a:schemeClr val="bg1"/>
-                </a:solidFill>
-                <a:latin typeface="Source Sans Pro" charset="0"/>
-                <a:ea typeface="Source Sans Pro" charset="0"/>
-                <a:cs typeface="Source Sans Pro" charset="0"/>
-              </a:rPr>
-              <a:t> VEE</a:t>
-            </a:r>
-          </a:p>
-        </p:txBody>
-      </p:sp>
-      <p:pic>
-        <p:nvPicPr>
-          <p:cNvPr id="110" name="Picture 109">
-            <a:extLst>
-              <a:ext uri="{FF2B5EF4-FFF2-40B4-BE49-F238E27FC236}">
-                <a16:creationId xmlns:a16="http://schemas.microsoft.com/office/drawing/2014/main" id="{77A6C4E6-420C-48C4-BE45-9544A50A852E}"/>
-              </a:ext>
-            </a:extLst>
-          </p:cNvPr>
-          <p:cNvPicPr>
-            <a:picLocks noChangeAspect="1"/>
-          </p:cNvPicPr>
-          <p:nvPr/>
-        </p:nvPicPr>
-        <p:blipFill rotWithShape="1">
-          <a:blip r:embed="rId2" cstate="print">
-            <a:alphaModFix/>
-            <a:extLst>
-              <a:ext uri="{28A0092B-C50C-407E-A947-70E740481C1C}">
-                <a14:useLocalDpi xmlns:a14="http://schemas.microsoft.com/office/drawing/2010/main" val="0"/>
-              </a:ext>
-            </a:extLst>
-          </a:blip>
-          <a:srcRect l="-2728" t="-1523" b="-1365"/>
-          <a:stretch/>
-        </p:blipFill>
-        <p:spPr>
-          <a:xfrm>
-            <a:off x="4265497" y="1836389"/>
-            <a:ext cx="291536" cy="329279"/>
-          </a:xfrm>
-          <a:prstGeom prst="rect">
-            <a:avLst/>
-          </a:prstGeom>
-        </p:spPr>
-      </p:pic>
-      <p:sp>
-        <p:nvSpPr>
-          <p:cNvPr id="111" name="Rounded Rectangle 8">
-            <a:extLst>
-              <a:ext uri="{FF2B5EF4-FFF2-40B4-BE49-F238E27FC236}">
-                <a16:creationId xmlns:a16="http://schemas.microsoft.com/office/drawing/2014/main" id="{CAEDAD01-F3AF-4AC4-B3E9-0870478B5E37}"/>
-              </a:ext>
-            </a:extLst>
-          </p:cNvPr>
-          <p:cNvSpPr/>
-          <p:nvPr/>
-        </p:nvSpPr>
-        <p:spPr>
-          <a:xfrm>
-            <a:off x="4178995" y="2210184"/>
-            <a:ext cx="2847642" cy="3880532"/>
-          </a:xfrm>
-          <a:prstGeom prst="roundRect">
-            <a:avLst>
-              <a:gd name="adj" fmla="val 4940"/>
-            </a:avLst>
-          </a:prstGeom>
-          <a:solidFill>
-            <a:schemeClr val="bg1"/>
-          </a:solidFill>
-          <a:ln w="12700">
-            <a:solidFill>
-              <a:schemeClr val="accent1"/>
-            </a:solidFill>
-          </a:ln>
-          <a:effectLst>
-            <a:outerShdw blurRad="38100" dist="38100" dir="5400000" algn="t" rotWithShape="0">
-              <a:prstClr val="black">
-                <a:alpha val="30000"/>
-              </a:prstClr>
-            </a:outerShdw>
-          </a:effectLst>
-        </p:spPr>
-        <p:style>
-          <a:lnRef idx="2">
-            <a:schemeClr val="dk1"/>
-          </a:lnRef>
-          <a:fillRef idx="1">
-            <a:schemeClr val="lt1"/>
-          </a:fillRef>
-          <a:effectRef idx="0">
-            <a:schemeClr val="dk1"/>
-          </a:effectRef>
-          <a:fontRef idx="minor">
-            <a:schemeClr val="dk1"/>
-          </a:fontRef>
-        </p:style>
-        <p:txBody>
-          <a:bodyPr rtlCol="0" anchor="ctr"/>
-          <a:lstStyle/>
-          <a:p>
-            <a:pPr algn="ctr"/>
-            <a:endParaRPr lang="en-US" sz="1600" dirty="0">
-              <a:ln w="0"/>
-              <a:solidFill>
-                <a:schemeClr val="tx1"/>
-              </a:solidFill>
-              <a:effectLst>
-                <a:outerShdw blurRad="38100" dist="19050" dir="2700000" algn="tl" rotWithShape="0">
-                  <a:schemeClr val="dk1">
-                    <a:alpha val="40000"/>
-                  </a:schemeClr>
-                </a:outerShdw>
-              </a:effectLst>
-            </a:endParaRPr>
-          </a:p>
-        </p:txBody>
-      </p:sp>
-      <p:sp>
-        <p:nvSpPr>
-          <p:cNvPr id="112" name="Rounded Rectangle 9">
-            <a:extLst>
-              <a:ext uri="{FF2B5EF4-FFF2-40B4-BE49-F238E27FC236}">
-                <a16:creationId xmlns:a16="http://schemas.microsoft.com/office/drawing/2014/main" id="{71265533-5869-4543-B868-1BE0D973A643}"/>
-              </a:ext>
-            </a:extLst>
-          </p:cNvPr>
-          <p:cNvSpPr/>
-          <p:nvPr/>
-        </p:nvSpPr>
-        <p:spPr>
-          <a:xfrm>
-            <a:off x="4376391" y="2430912"/>
-            <a:ext cx="2420602" cy="1480009"/>
-          </a:xfrm>
-          <a:prstGeom prst="roundRect">
-            <a:avLst>
-              <a:gd name="adj" fmla="val 3234"/>
-            </a:avLst>
-          </a:prstGeom>
-          <a:noFill/>
-          <a:ln w="12700">
-            <a:solidFill>
-              <a:schemeClr val="tx2"/>
-            </a:solidFill>
-          </a:ln>
-        </p:spPr>
-        <p:style>
-          <a:lnRef idx="2">
-            <a:schemeClr val="dk1"/>
-          </a:lnRef>
-          <a:fillRef idx="1">
-            <a:schemeClr val="lt1"/>
-          </a:fillRef>
-          <a:effectRef idx="0">
-            <a:schemeClr val="dk1"/>
-          </a:effectRef>
-          <a:fontRef idx="minor">
-            <a:schemeClr val="dk1"/>
-          </a:fontRef>
-        </p:style>
-        <p:txBody>
-          <a:bodyPr rtlCol="0" anchor="ctr"/>
-          <a:lstStyle/>
-          <a:p>
-            <a:pPr algn="ctr"/>
-            <a:endParaRPr lang="en-US" sz="1600">
-              <a:ln w="0"/>
-              <a:solidFill>
-                <a:schemeClr val="tx1"/>
-              </a:solidFill>
-              <a:effectLst>
-                <a:outerShdw blurRad="38100" dist="19050" dir="2700000" algn="tl" rotWithShape="0">
-                  <a:schemeClr val="dk1">
-                    <a:alpha val="40000"/>
-                  </a:schemeClr>
-                </a:outerShdw>
-              </a:effectLst>
-            </a:endParaRPr>
-          </a:p>
-        </p:txBody>
-      </p:sp>
-      <p:sp>
-        <p:nvSpPr>
-          <p:cNvPr id="113" name="TextBox 112">
-            <a:extLst>
-              <a:ext uri="{FF2B5EF4-FFF2-40B4-BE49-F238E27FC236}">
-                <a16:creationId xmlns:a16="http://schemas.microsoft.com/office/drawing/2014/main" id="{F837DF31-A2E8-4E10-A7F0-5189A159EA17}"/>
-              </a:ext>
-            </a:extLst>
-          </p:cNvPr>
-          <p:cNvSpPr txBox="1"/>
-          <p:nvPr/>
-        </p:nvSpPr>
-        <p:spPr>
-          <a:xfrm>
-            <a:off x="5170768" y="2257816"/>
-            <a:ext cx="864096" cy="330859"/>
-          </a:xfrm>
-          <a:prstGeom prst="rect">
-            <a:avLst/>
-          </a:prstGeom>
-          <a:solidFill>
-            <a:schemeClr val="bg1"/>
-          </a:solidFill>
-          <a:ln>
-            <a:noFill/>
-          </a:ln>
-        </p:spPr>
-        <p:txBody>
-          <a:bodyPr wrap="none" tIns="36000" bIns="36000" rtlCol="0">
-            <a:noAutofit/>
-          </a:bodyPr>
-          <a:lstStyle/>
-          <a:p>
-            <a:pPr algn="ctr"/>
-            <a:r>
-              <a:rPr lang="en-US" sz="1600" dirty="0">
-                <a:solidFill>
-                  <a:schemeClr val="tx2"/>
-                </a:solidFill>
-                <a:latin typeface="Source Sans Pro Light" charset="0"/>
-                <a:ea typeface="Source Sans Pro Light" charset="0"/>
-                <a:cs typeface="Source Sans Pro Light" charset="0"/>
-              </a:rPr>
-              <a:t>Platform</a:t>
-            </a:r>
-          </a:p>
-        </p:txBody>
-      </p:sp>
-      <p:sp>
-        <p:nvSpPr>
-          <p:cNvPr id="13" name="Rounded Rectangle 174">
-            <a:extLst>
-              <a:ext uri="{FF2B5EF4-FFF2-40B4-BE49-F238E27FC236}">
-                <a16:creationId xmlns:a16="http://schemas.microsoft.com/office/drawing/2014/main" id="{5C4D6E41-45AC-450E-880D-9DDFCED08785}"/>
-              </a:ext>
-            </a:extLst>
-          </p:cNvPr>
-          <p:cNvSpPr/>
-          <p:nvPr/>
-        </p:nvSpPr>
-        <p:spPr>
-          <a:xfrm>
-            <a:off x="4197968" y="860693"/>
-            <a:ext cx="2828455" cy="819814"/>
-          </a:xfrm>
-          <a:prstGeom prst="roundRect">
-            <a:avLst>
-              <a:gd name="adj" fmla="val 10813"/>
-            </a:avLst>
-          </a:prstGeom>
-          <a:noFill/>
-          <a:ln w="12700">
-            <a:solidFill>
-              <a:schemeClr val="bg2"/>
-            </a:solidFill>
-          </a:ln>
-        </p:spPr>
-        <p:style>
-          <a:lnRef idx="2">
-            <a:schemeClr val="dk1"/>
-          </a:lnRef>
-          <a:fillRef idx="1">
-            <a:schemeClr val="lt1"/>
-          </a:fillRef>
-          <a:effectRef idx="0">
-            <a:schemeClr val="dk1"/>
-          </a:effectRef>
-          <a:fontRef idx="minor">
-            <a:schemeClr val="dk1"/>
-          </a:fontRef>
-        </p:style>
-        <p:txBody>
-          <a:bodyPr rtlCol="0" anchor="ctr"/>
-          <a:lstStyle/>
-          <a:p>
-            <a:pPr algn="ctr"/>
-            <a:endParaRPr lang="en-US" sz="1600" dirty="0">
-              <a:ln w="0">
-                <a:solidFill>
-                  <a:sysClr val="windowText" lastClr="000000"/>
-                </a:solidFill>
-              </a:ln>
-              <a:solidFill>
-                <a:schemeClr val="tx1"/>
-              </a:solidFill>
-              <a:effectLst>
-                <a:outerShdw blurRad="38100" dist="19050" dir="2700000" algn="tl" rotWithShape="0">
-                  <a:schemeClr val="dk1">
-                    <a:alpha val="40000"/>
-                  </a:schemeClr>
-                </a:outerShdw>
-              </a:effectLst>
-            </a:endParaRPr>
-          </a:p>
-        </p:txBody>
-      </p:sp>
-      <p:sp>
-        <p:nvSpPr>
-          <p:cNvPr id="41" name="Rounded Rectangle 23">
-            <a:extLst>
-              <a:ext uri="{FF2B5EF4-FFF2-40B4-BE49-F238E27FC236}">
-                <a16:creationId xmlns:a16="http://schemas.microsoft.com/office/drawing/2014/main" id="{F9AF048B-9743-4707-A444-124D7CBF1525}"/>
-              </a:ext>
-            </a:extLst>
-          </p:cNvPr>
-          <p:cNvSpPr/>
-          <p:nvPr/>
-        </p:nvSpPr>
-        <p:spPr>
-          <a:xfrm>
-            <a:off x="4444799" y="2682603"/>
-            <a:ext cx="2257545" cy="1197173"/>
-          </a:xfrm>
-          <a:prstGeom prst="roundRect">
-            <a:avLst>
-              <a:gd name="adj" fmla="val 6248"/>
-            </a:avLst>
-          </a:prstGeom>
-          <a:solidFill>
-            <a:srgbClr val="EE502E"/>
-          </a:solidFill>
-          <a:ln w="12700">
-            <a:noFill/>
-          </a:ln>
-          <a:effectLst>
-            <a:innerShdw blurRad="114300">
-              <a:prstClr val="black">
-                <a:alpha val="49000"/>
-              </a:prstClr>
-            </a:innerShdw>
-          </a:effectLst>
-        </p:spPr>
-        <p:style>
-          <a:lnRef idx="2">
-            <a:schemeClr val="dk1"/>
-          </a:lnRef>
-          <a:fillRef idx="1">
-            <a:schemeClr val="lt1"/>
-          </a:fillRef>
-          <a:effectRef idx="0">
-            <a:schemeClr val="dk1"/>
-          </a:effectRef>
-          <a:fontRef idx="minor">
-            <a:schemeClr val="dk1"/>
-          </a:fontRef>
-        </p:style>
-        <p:txBody>
-          <a:bodyPr wrap="square" lIns="108000" tIns="36000" bIns="0" rtlCol="0" anchor="ctr">
-            <a:noAutofit/>
-          </a:bodyPr>
-          <a:lstStyle>
-            <a:defPPr>
-              <a:defRPr lang="en-US"/>
-            </a:defPPr>
-            <a:lvl1pPr marL="0" algn="l" defTabSz="914377" rtl="0" eaLnBrk="1" latinLnBrk="0" hangingPunct="1">
-              <a:defRPr sz="1800" kern="1200">
-                <a:solidFill>
-                  <a:schemeClr val="dk1"/>
-                </a:solidFill>
-                <a:latin typeface="+mn-lt"/>
-                <a:ea typeface="+mn-ea"/>
-                <a:cs typeface="+mn-cs"/>
-              </a:defRPr>
-            </a:lvl1pPr>
-            <a:lvl2pPr marL="457189" algn="l" defTabSz="914377" rtl="0" eaLnBrk="1" latinLnBrk="0" hangingPunct="1">
-              <a:defRPr sz="1800" kern="1200">
-                <a:solidFill>
-                  <a:schemeClr val="dk1"/>
-                </a:solidFill>
-                <a:latin typeface="+mn-lt"/>
-                <a:ea typeface="+mn-ea"/>
-                <a:cs typeface="+mn-cs"/>
-              </a:defRPr>
-            </a:lvl2pPr>
-            <a:lvl3pPr marL="914377" algn="l" defTabSz="914377" rtl="0" eaLnBrk="1" latinLnBrk="0" hangingPunct="1">
-              <a:defRPr sz="1800" kern="1200">
-                <a:solidFill>
-                  <a:schemeClr val="dk1"/>
-                </a:solidFill>
-                <a:latin typeface="+mn-lt"/>
-                <a:ea typeface="+mn-ea"/>
-                <a:cs typeface="+mn-cs"/>
-              </a:defRPr>
-            </a:lvl3pPr>
-            <a:lvl4pPr marL="1371566" algn="l" defTabSz="914377" rtl="0" eaLnBrk="1" latinLnBrk="0" hangingPunct="1">
-              <a:defRPr sz="1800" kern="1200">
-                <a:solidFill>
-                  <a:schemeClr val="dk1"/>
-                </a:solidFill>
-                <a:latin typeface="+mn-lt"/>
-                <a:ea typeface="+mn-ea"/>
-                <a:cs typeface="+mn-cs"/>
-              </a:defRPr>
-            </a:lvl4pPr>
-            <a:lvl5pPr marL="1828754" algn="l" defTabSz="914377" rtl="0" eaLnBrk="1" latinLnBrk="0" hangingPunct="1">
-              <a:defRPr sz="1800" kern="1200">
-                <a:solidFill>
-                  <a:schemeClr val="dk1"/>
-                </a:solidFill>
-                <a:latin typeface="+mn-lt"/>
-                <a:ea typeface="+mn-ea"/>
-                <a:cs typeface="+mn-cs"/>
-              </a:defRPr>
-            </a:lvl5pPr>
-            <a:lvl6pPr marL="2285943" algn="l" defTabSz="914377" rtl="0" eaLnBrk="1" latinLnBrk="0" hangingPunct="1">
-              <a:defRPr sz="1800" kern="1200">
-                <a:solidFill>
-                  <a:schemeClr val="dk1"/>
-                </a:solidFill>
-                <a:latin typeface="+mn-lt"/>
-                <a:ea typeface="+mn-ea"/>
-                <a:cs typeface="+mn-cs"/>
-              </a:defRPr>
-            </a:lvl6pPr>
-            <a:lvl7pPr marL="2743131" algn="l" defTabSz="914377" rtl="0" eaLnBrk="1" latinLnBrk="0" hangingPunct="1">
-              <a:defRPr sz="1800" kern="1200">
-                <a:solidFill>
-                  <a:schemeClr val="dk1"/>
-                </a:solidFill>
-                <a:latin typeface="+mn-lt"/>
-                <a:ea typeface="+mn-ea"/>
-                <a:cs typeface="+mn-cs"/>
-              </a:defRPr>
-            </a:lvl7pPr>
-            <a:lvl8pPr marL="3200320" algn="l" defTabSz="914377" rtl="0" eaLnBrk="1" latinLnBrk="0" hangingPunct="1">
-              <a:defRPr sz="1800" kern="1200">
-                <a:solidFill>
-                  <a:schemeClr val="dk1"/>
-                </a:solidFill>
-                <a:latin typeface="+mn-lt"/>
-                <a:ea typeface="+mn-ea"/>
-                <a:cs typeface="+mn-cs"/>
-              </a:defRPr>
-            </a:lvl8pPr>
-            <a:lvl9pPr marL="3657509" algn="l" defTabSz="914377" rtl="0" eaLnBrk="1" latinLnBrk="0" hangingPunct="1">
-              <a:defRPr sz="1800" kern="1200">
-                <a:solidFill>
-                  <a:schemeClr val="dk1"/>
-                </a:solidFill>
-                <a:latin typeface="+mn-lt"/>
-                <a:ea typeface="+mn-ea"/>
-                <a:cs typeface="+mn-cs"/>
-              </a:defRPr>
-            </a:lvl9pPr>
-          </a:lstStyle>
-          <a:p>
-            <a:pPr lvl="0" algn="ctr">
-              <a:lnSpc>
-                <a:spcPts val="1400"/>
-              </a:lnSpc>
-            </a:pPr>
-            <a:endParaRPr lang="en-US" sz="1600" b="1" dirty="0">
-              <a:solidFill>
-                <a:schemeClr val="bg1"/>
-              </a:solidFill>
-              <a:latin typeface="Source Sans Pro" charset="0"/>
-              <a:ea typeface="Source Sans Pro" charset="0"/>
-              <a:cs typeface="Source Sans Pro" charset="0"/>
-            </a:endParaRPr>
-          </a:p>
-          <a:p>
-            <a:pPr lvl="0" algn="ctr">
-              <a:lnSpc>
-                <a:spcPts val="1400"/>
-              </a:lnSpc>
-            </a:pPr>
-            <a:endParaRPr lang="en-US" sz="1600" b="1" dirty="0">
-              <a:solidFill>
-                <a:schemeClr val="bg1"/>
-              </a:solidFill>
-              <a:latin typeface="Source Sans Pro" charset="0"/>
-              <a:ea typeface="Source Sans Pro" charset="0"/>
-              <a:cs typeface="Source Sans Pro" charset="0"/>
-            </a:endParaRPr>
-          </a:p>
-        </p:txBody>
-      </p:sp>
-      <p:sp>
-        <p:nvSpPr>
-          <p:cNvPr id="59" name="Rounded Rectangle 14">
-            <a:extLst>
-              <a:ext uri="{FF2B5EF4-FFF2-40B4-BE49-F238E27FC236}">
-                <a16:creationId xmlns:a16="http://schemas.microsoft.com/office/drawing/2014/main" id="{98249C2F-CE73-44C1-A97D-307D84244C7E}"/>
-              </a:ext>
-            </a:extLst>
-          </p:cNvPr>
-          <p:cNvSpPr/>
-          <p:nvPr/>
-        </p:nvSpPr>
-        <p:spPr>
-          <a:xfrm>
-            <a:off x="4444799" y="4200040"/>
-            <a:ext cx="2264228" cy="1723115"/>
-          </a:xfrm>
-          <a:prstGeom prst="roundRect">
-            <a:avLst>
-              <a:gd name="adj" fmla="val 18223"/>
-            </a:avLst>
-          </a:prstGeom>
-          <a:solidFill>
-            <a:schemeClr val="tx2"/>
-          </a:solidFill>
-          <a:ln w="12700">
-            <a:noFill/>
-          </a:ln>
-          <a:effectLst/>
-        </p:spPr>
-        <p:style>
-          <a:lnRef idx="2">
-            <a:schemeClr val="dk1"/>
-          </a:lnRef>
-          <a:fillRef idx="1">
-            <a:schemeClr val="lt1"/>
-          </a:fillRef>
-          <a:effectRef idx="0">
-            <a:schemeClr val="dk1"/>
-          </a:effectRef>
-          <a:fontRef idx="minor">
-            <a:schemeClr val="dk1"/>
-          </a:fontRef>
-        </p:style>
-        <p:txBody>
-          <a:bodyPr wrap="square" tIns="36000" bIns="36000" rtlCol="0" anchor="ctr">
-            <a:noAutofit/>
-          </a:bodyPr>
-          <a:lstStyle>
-            <a:defPPr>
-              <a:defRPr lang="en-US"/>
-            </a:defPPr>
-            <a:lvl1pPr marL="0" algn="l" defTabSz="914377" rtl="0" eaLnBrk="1" latinLnBrk="0" hangingPunct="1">
-              <a:defRPr sz="1800" kern="1200">
-                <a:solidFill>
-                  <a:schemeClr val="dk1"/>
-                </a:solidFill>
-                <a:latin typeface="+mn-lt"/>
-                <a:ea typeface="+mn-ea"/>
-                <a:cs typeface="+mn-cs"/>
-              </a:defRPr>
-            </a:lvl1pPr>
-            <a:lvl2pPr marL="457189" algn="l" defTabSz="914377" rtl="0" eaLnBrk="1" latinLnBrk="0" hangingPunct="1">
-              <a:defRPr sz="1800" kern="1200">
-                <a:solidFill>
-                  <a:schemeClr val="dk1"/>
-                </a:solidFill>
-                <a:latin typeface="+mn-lt"/>
-                <a:ea typeface="+mn-ea"/>
-                <a:cs typeface="+mn-cs"/>
-              </a:defRPr>
-            </a:lvl2pPr>
-            <a:lvl3pPr marL="914377" algn="l" defTabSz="914377" rtl="0" eaLnBrk="1" latinLnBrk="0" hangingPunct="1">
-              <a:defRPr sz="1800" kern="1200">
-                <a:solidFill>
-                  <a:schemeClr val="dk1"/>
-                </a:solidFill>
-                <a:latin typeface="+mn-lt"/>
-                <a:ea typeface="+mn-ea"/>
-                <a:cs typeface="+mn-cs"/>
-              </a:defRPr>
-            </a:lvl3pPr>
-            <a:lvl4pPr marL="1371566" algn="l" defTabSz="914377" rtl="0" eaLnBrk="1" latinLnBrk="0" hangingPunct="1">
-              <a:defRPr sz="1800" kern="1200">
-                <a:solidFill>
-                  <a:schemeClr val="dk1"/>
-                </a:solidFill>
-                <a:latin typeface="+mn-lt"/>
-                <a:ea typeface="+mn-ea"/>
-                <a:cs typeface="+mn-cs"/>
-              </a:defRPr>
-            </a:lvl4pPr>
-            <a:lvl5pPr marL="1828754" algn="l" defTabSz="914377" rtl="0" eaLnBrk="1" latinLnBrk="0" hangingPunct="1">
-              <a:defRPr sz="1800" kern="1200">
-                <a:solidFill>
-                  <a:schemeClr val="dk1"/>
-                </a:solidFill>
-                <a:latin typeface="+mn-lt"/>
-                <a:ea typeface="+mn-ea"/>
-                <a:cs typeface="+mn-cs"/>
-              </a:defRPr>
-            </a:lvl5pPr>
-            <a:lvl6pPr marL="2285943" algn="l" defTabSz="914377" rtl="0" eaLnBrk="1" latinLnBrk="0" hangingPunct="1">
-              <a:defRPr sz="1800" kern="1200">
-                <a:solidFill>
-                  <a:schemeClr val="dk1"/>
-                </a:solidFill>
-                <a:latin typeface="+mn-lt"/>
-                <a:ea typeface="+mn-ea"/>
-                <a:cs typeface="+mn-cs"/>
-              </a:defRPr>
-            </a:lvl6pPr>
-            <a:lvl7pPr marL="2743131" algn="l" defTabSz="914377" rtl="0" eaLnBrk="1" latinLnBrk="0" hangingPunct="1">
-              <a:defRPr sz="1800" kern="1200">
-                <a:solidFill>
-                  <a:schemeClr val="dk1"/>
-                </a:solidFill>
-                <a:latin typeface="+mn-lt"/>
-                <a:ea typeface="+mn-ea"/>
-                <a:cs typeface="+mn-cs"/>
-              </a:defRPr>
-            </a:lvl7pPr>
-            <a:lvl8pPr marL="3200320" algn="l" defTabSz="914377" rtl="0" eaLnBrk="1" latinLnBrk="0" hangingPunct="1">
-              <a:defRPr sz="1800" kern="1200">
-                <a:solidFill>
-                  <a:schemeClr val="dk1"/>
-                </a:solidFill>
-                <a:latin typeface="+mn-lt"/>
-                <a:ea typeface="+mn-ea"/>
-                <a:cs typeface="+mn-cs"/>
-              </a:defRPr>
-            </a:lvl8pPr>
-            <a:lvl9pPr marL="3657509" algn="l" defTabSz="914377" rtl="0" eaLnBrk="1" latinLnBrk="0" hangingPunct="1">
-              <a:defRPr sz="1800" kern="1200">
-                <a:solidFill>
-                  <a:schemeClr val="dk1"/>
-                </a:solidFill>
-                <a:latin typeface="+mn-lt"/>
-                <a:ea typeface="+mn-ea"/>
-                <a:cs typeface="+mn-cs"/>
-              </a:defRPr>
-            </a:lvl9pPr>
-          </a:lstStyle>
-          <a:p>
-            <a:pPr algn="ctr"/>
-            <a:endParaRPr lang="en-US" sz="1600" b="1">
-              <a:solidFill>
-                <a:schemeClr val="bg1"/>
-              </a:solidFill>
-              <a:effectLst>
-                <a:outerShdw blurRad="76200" dist="38100" dir="5400000" algn="t" rotWithShape="0">
-                  <a:prstClr val="black">
-                    <a:alpha val="70000"/>
-                  </a:prstClr>
-                </a:outerShdw>
-              </a:effectLst>
-              <a:latin typeface="Source Sans Pro" charset="0"/>
-              <a:ea typeface="Source Sans Pro" charset="0"/>
-              <a:cs typeface="Source Sans Pro" charset="0"/>
-            </a:endParaRPr>
-          </a:p>
-          <a:p>
-            <a:endParaRPr lang="en-US" sz="1600" b="1" dirty="0">
-              <a:solidFill>
-                <a:schemeClr val="bg1"/>
-              </a:solidFill>
-              <a:effectLst>
-                <a:outerShdw blurRad="76200" dist="38100" dir="5400000" algn="t" rotWithShape="0">
-                  <a:prstClr val="black">
-                    <a:alpha val="70000"/>
-                  </a:prstClr>
-                </a:outerShdw>
-              </a:effectLst>
-              <a:latin typeface="Source Sans Pro" charset="0"/>
-              <a:ea typeface="Source Sans Pro" charset="0"/>
-            </a:endParaRPr>
-          </a:p>
-        </p:txBody>
-      </p:sp>
-      <p:sp>
-        <p:nvSpPr>
-          <p:cNvPr id="2" name="Date Placeholder 1">
-            <a:extLst>
-              <a:ext uri="{FF2B5EF4-FFF2-40B4-BE49-F238E27FC236}">
-                <a16:creationId xmlns:a16="http://schemas.microsoft.com/office/drawing/2014/main" id="{F3A27E6D-D760-4134-B32B-8E653BFC29E6}"/>
-              </a:ext>
-            </a:extLst>
-          </p:cNvPr>
-          <p:cNvSpPr>
-            <a:spLocks noGrp="1"/>
-          </p:cNvSpPr>
-          <p:nvPr>
-            <p:ph type="dt" sz="half" idx="10"/>
-          </p:nvPr>
-        </p:nvSpPr>
-        <p:spPr/>
-        <p:txBody>
-          <a:bodyPr/>
-          <a:lstStyle/>
-          <a:p>
-            <a:r>
-              <a:rPr lang="en-US"/>
-              <a:t>June 2020</a:t>
-            </a:r>
-            <a:endParaRPr lang="en-US" dirty="0"/>
-          </a:p>
-        </p:txBody>
-      </p:sp>
-      <p:sp>
-        <p:nvSpPr>
-          <p:cNvPr id="3" name="Footer Placeholder 2">
-            <a:extLst>
-              <a:ext uri="{FF2B5EF4-FFF2-40B4-BE49-F238E27FC236}">
-                <a16:creationId xmlns:a16="http://schemas.microsoft.com/office/drawing/2014/main" id="{9B0B3731-BF93-4B00-BFB0-3FB43988474E}"/>
-              </a:ext>
-            </a:extLst>
-          </p:cNvPr>
-          <p:cNvSpPr>
-            <a:spLocks noGrp="1"/>
-          </p:cNvSpPr>
-          <p:nvPr>
-            <p:ph type="ftr" sz="quarter" idx="11"/>
-          </p:nvPr>
-        </p:nvSpPr>
-        <p:spPr/>
-        <p:txBody>
-          <a:bodyPr/>
-          <a:lstStyle/>
-          <a:p>
-            <a:r>
-              <a:rPr lang="pt-BR"/>
-              <a:t>© MICROEJ 2020 - C O N F I D E N T I A L</a:t>
-            </a:r>
-            <a:endParaRPr lang="en-US" dirty="0"/>
-          </a:p>
-        </p:txBody>
-      </p:sp>
-      <p:sp>
-        <p:nvSpPr>
-          <p:cNvPr id="63" name="TextBox 62">
-            <a:extLst>
-              <a:ext uri="{FF2B5EF4-FFF2-40B4-BE49-F238E27FC236}">
-                <a16:creationId xmlns:a16="http://schemas.microsoft.com/office/drawing/2014/main" id="{C49DAAA5-9994-423F-9FEF-040703B6CE00}"/>
-              </a:ext>
-            </a:extLst>
-          </p:cNvPr>
-          <p:cNvSpPr txBox="1"/>
-          <p:nvPr/>
-        </p:nvSpPr>
-        <p:spPr>
-          <a:xfrm>
-            <a:off x="4328330" y="4327349"/>
-            <a:ext cx="2927315" cy="215444"/>
-          </a:xfrm>
-          <a:prstGeom prst="rect">
-            <a:avLst/>
-          </a:prstGeom>
-          <a:noFill/>
-        </p:spPr>
-        <p:txBody>
-          <a:bodyPr vert="horz" wrap="square" lIns="0" tIns="0" rIns="0" bIns="0" numCol="1" spcCol="288000" rtlCol="0" anchor="t" anchorCtr="0">
-            <a:spAutoFit/>
-          </a:bodyPr>
-          <a:lstStyle/>
-          <a:p>
-            <a:pPr algn="ctr">
-              <a:spcBef>
-                <a:spcPts val="0"/>
-              </a:spcBef>
-              <a:spcAft>
-                <a:spcPts val="600"/>
-              </a:spcAft>
-            </a:pPr>
-            <a:r>
-              <a:rPr lang="en-US" sz="1400" b="1">
-                <a:solidFill>
-                  <a:schemeClr val="bg1"/>
-                </a:solidFill>
-                <a:effectLst>
-                  <a:outerShdw blurRad="76200" dist="38100" dir="5400000" algn="t" rotWithShape="0">
-                    <a:prstClr val="black">
-                      <a:alpha val="70000"/>
-                    </a:prstClr>
-                  </a:outerShdw>
-                </a:effectLst>
-                <a:latin typeface="Source Sans Pro" charset="0"/>
-                <a:ea typeface="Source Sans Pro" charset="0"/>
-                <a:cs typeface="Source Sans Pro" charset="0"/>
-              </a:rPr>
-              <a:t>BSP</a:t>
-            </a:r>
-            <a:endParaRPr lang="en-US" sz="1400" b="0" i="0" spc="0" dirty="0">
-              <a:ln>
-                <a:noFill/>
-              </a:ln>
-              <a:solidFill>
-                <a:schemeClr val="tx2"/>
-              </a:solidFill>
-              <a:latin typeface="Source Sans Pro Light" charset="0"/>
-              <a:ea typeface="Source Sans Pro Light" charset="0"/>
-              <a:cs typeface="Source Sans Pro Light" charset="0"/>
-            </a:endParaRPr>
-          </a:p>
-        </p:txBody>
-      </p:sp>
-      <p:sp>
-        <p:nvSpPr>
-          <p:cNvPr id="64" name="Rounded Rectangle 40">
-            <a:extLst>
-              <a:ext uri="{FF2B5EF4-FFF2-40B4-BE49-F238E27FC236}">
-                <a16:creationId xmlns:a16="http://schemas.microsoft.com/office/drawing/2014/main" id="{EC7AF710-11F4-496B-BB66-B01A6DDDEE7C}"/>
-              </a:ext>
-            </a:extLst>
-          </p:cNvPr>
-          <p:cNvSpPr/>
-          <p:nvPr/>
-        </p:nvSpPr>
-        <p:spPr>
-          <a:xfrm>
-            <a:off x="4579008" y="5491405"/>
-            <a:ext cx="795600" cy="190126"/>
-          </a:xfrm>
-          <a:prstGeom prst="roundRect">
-            <a:avLst>
-              <a:gd name="adj" fmla="val 22586"/>
-            </a:avLst>
-          </a:prstGeom>
-          <a:solidFill>
-            <a:schemeClr val="bg2">
-              <a:lumMod val="75000"/>
-            </a:schemeClr>
-          </a:solidFill>
-          <a:ln w="12700">
-            <a:noFill/>
-          </a:ln>
-          <a:effectLst/>
-        </p:spPr>
-        <p:style>
-          <a:lnRef idx="2">
-            <a:schemeClr val="dk1"/>
-          </a:lnRef>
-          <a:fillRef idx="1">
-            <a:schemeClr val="lt1"/>
-          </a:fillRef>
-          <a:effectRef idx="0">
-            <a:schemeClr val="dk1"/>
-          </a:effectRef>
-          <a:fontRef idx="minor">
-            <a:schemeClr val="dk1"/>
-          </a:fontRef>
-        </p:style>
-        <p:txBody>
-          <a:bodyPr wrap="square" tIns="36000" bIns="36000" rtlCol="0" anchor="ctr">
-            <a:noAutofit/>
-          </a:bodyPr>
-          <a:lstStyle>
-            <a:defPPr>
-              <a:defRPr lang="en-US"/>
-            </a:defPPr>
-            <a:lvl1pPr marL="0" algn="l" defTabSz="914377" rtl="0" eaLnBrk="1" latinLnBrk="0" hangingPunct="1">
-              <a:defRPr sz="1800" kern="1200">
-                <a:solidFill>
-                  <a:schemeClr val="dk1"/>
-                </a:solidFill>
-                <a:latin typeface="+mn-lt"/>
-                <a:ea typeface="+mn-ea"/>
-                <a:cs typeface="+mn-cs"/>
-              </a:defRPr>
-            </a:lvl1pPr>
-            <a:lvl2pPr marL="457189" algn="l" defTabSz="914377" rtl="0" eaLnBrk="1" latinLnBrk="0" hangingPunct="1">
-              <a:defRPr sz="1800" kern="1200">
-                <a:solidFill>
-                  <a:schemeClr val="dk1"/>
-                </a:solidFill>
-                <a:latin typeface="+mn-lt"/>
-                <a:ea typeface="+mn-ea"/>
-                <a:cs typeface="+mn-cs"/>
-              </a:defRPr>
-            </a:lvl2pPr>
-            <a:lvl3pPr marL="914377" algn="l" defTabSz="914377" rtl="0" eaLnBrk="1" latinLnBrk="0" hangingPunct="1">
-              <a:defRPr sz="1800" kern="1200">
-                <a:solidFill>
-                  <a:schemeClr val="dk1"/>
-                </a:solidFill>
-                <a:latin typeface="+mn-lt"/>
-                <a:ea typeface="+mn-ea"/>
-                <a:cs typeface="+mn-cs"/>
-              </a:defRPr>
-            </a:lvl3pPr>
-            <a:lvl4pPr marL="1371566" algn="l" defTabSz="914377" rtl="0" eaLnBrk="1" latinLnBrk="0" hangingPunct="1">
-              <a:defRPr sz="1800" kern="1200">
-                <a:solidFill>
-                  <a:schemeClr val="dk1"/>
-                </a:solidFill>
-                <a:latin typeface="+mn-lt"/>
-                <a:ea typeface="+mn-ea"/>
-                <a:cs typeface="+mn-cs"/>
-              </a:defRPr>
-            </a:lvl4pPr>
-            <a:lvl5pPr marL="1828754" algn="l" defTabSz="914377" rtl="0" eaLnBrk="1" latinLnBrk="0" hangingPunct="1">
-              <a:defRPr sz="1800" kern="1200">
-                <a:solidFill>
-                  <a:schemeClr val="dk1"/>
-                </a:solidFill>
-                <a:latin typeface="+mn-lt"/>
-                <a:ea typeface="+mn-ea"/>
-                <a:cs typeface="+mn-cs"/>
-              </a:defRPr>
-            </a:lvl5pPr>
-            <a:lvl6pPr marL="2285943" algn="l" defTabSz="914377" rtl="0" eaLnBrk="1" latinLnBrk="0" hangingPunct="1">
-              <a:defRPr sz="1800" kern="1200">
-                <a:solidFill>
-                  <a:schemeClr val="dk1"/>
-                </a:solidFill>
-                <a:latin typeface="+mn-lt"/>
-                <a:ea typeface="+mn-ea"/>
-                <a:cs typeface="+mn-cs"/>
-              </a:defRPr>
-            </a:lvl6pPr>
-            <a:lvl7pPr marL="2743131" algn="l" defTabSz="914377" rtl="0" eaLnBrk="1" latinLnBrk="0" hangingPunct="1">
-              <a:defRPr sz="1800" kern="1200">
-                <a:solidFill>
-                  <a:schemeClr val="dk1"/>
-                </a:solidFill>
-                <a:latin typeface="+mn-lt"/>
-                <a:ea typeface="+mn-ea"/>
-                <a:cs typeface="+mn-cs"/>
-              </a:defRPr>
-            </a:lvl7pPr>
-            <a:lvl8pPr marL="3200320" algn="l" defTabSz="914377" rtl="0" eaLnBrk="1" latinLnBrk="0" hangingPunct="1">
-              <a:defRPr sz="1800" kern="1200">
-                <a:solidFill>
-                  <a:schemeClr val="dk1"/>
-                </a:solidFill>
-                <a:latin typeface="+mn-lt"/>
-                <a:ea typeface="+mn-ea"/>
-                <a:cs typeface="+mn-cs"/>
-              </a:defRPr>
-            </a:lvl8pPr>
-            <a:lvl9pPr marL="3657509" algn="l" defTabSz="914377" rtl="0" eaLnBrk="1" latinLnBrk="0" hangingPunct="1">
-              <a:defRPr sz="1800" kern="1200">
-                <a:solidFill>
-                  <a:schemeClr val="dk1"/>
-                </a:solidFill>
-                <a:latin typeface="+mn-lt"/>
-                <a:ea typeface="+mn-ea"/>
-                <a:cs typeface="+mn-cs"/>
-              </a:defRPr>
-            </a:lvl9pPr>
-          </a:lstStyle>
-          <a:p>
-            <a:pPr algn="ctr"/>
-            <a:r>
-              <a:rPr lang="en-US" sz="1200" dirty="0">
-                <a:solidFill>
-                  <a:schemeClr val="bg1"/>
-                </a:solidFill>
-                <a:latin typeface="Source Sans Pro Light" charset="0"/>
-                <a:ea typeface="Source Sans Pro Light" charset="0"/>
-                <a:cs typeface="Source Sans Pro Light" charset="0"/>
-              </a:rPr>
-              <a:t>Drivers</a:t>
-            </a:r>
-          </a:p>
-        </p:txBody>
-      </p:sp>
-      <p:sp>
-        <p:nvSpPr>
-          <p:cNvPr id="66" name="Rounded Rectangle 40">
-            <a:extLst>
-              <a:ext uri="{FF2B5EF4-FFF2-40B4-BE49-F238E27FC236}">
-                <a16:creationId xmlns:a16="http://schemas.microsoft.com/office/drawing/2014/main" id="{43D4E528-D6C1-4C99-849E-DE6F11DB810B}"/>
-              </a:ext>
-            </a:extLst>
-          </p:cNvPr>
-          <p:cNvSpPr/>
-          <p:nvPr/>
-        </p:nvSpPr>
-        <p:spPr>
-          <a:xfrm>
-            <a:off x="5455263" y="5475192"/>
-            <a:ext cx="812195" cy="236881"/>
-          </a:xfrm>
-          <a:prstGeom prst="roundRect">
-            <a:avLst>
-              <a:gd name="adj" fmla="val 22586"/>
-            </a:avLst>
-          </a:prstGeom>
-          <a:solidFill>
-            <a:schemeClr val="bg2">
-              <a:lumMod val="75000"/>
-            </a:schemeClr>
-          </a:solidFill>
-          <a:ln w="12700">
-            <a:noFill/>
-          </a:ln>
-          <a:effectLst/>
-        </p:spPr>
-        <p:style>
-          <a:lnRef idx="2">
-            <a:schemeClr val="dk1"/>
-          </a:lnRef>
-          <a:fillRef idx="1">
-            <a:schemeClr val="lt1"/>
-          </a:fillRef>
-          <a:effectRef idx="0">
-            <a:schemeClr val="dk1"/>
-          </a:effectRef>
-          <a:fontRef idx="minor">
-            <a:schemeClr val="dk1"/>
-          </a:fontRef>
-        </p:style>
-        <p:txBody>
-          <a:bodyPr wrap="square" tIns="36000" bIns="36000" rtlCol="0" anchor="ctr">
-            <a:noAutofit/>
-          </a:bodyPr>
-          <a:lstStyle>
-            <a:defPPr>
-              <a:defRPr lang="en-US"/>
-            </a:defPPr>
-            <a:lvl1pPr marL="0" algn="l" defTabSz="914377" rtl="0" eaLnBrk="1" latinLnBrk="0" hangingPunct="1">
-              <a:defRPr sz="1800" kern="1200">
-                <a:solidFill>
-                  <a:schemeClr val="dk1"/>
-                </a:solidFill>
-                <a:latin typeface="+mn-lt"/>
-                <a:ea typeface="+mn-ea"/>
-                <a:cs typeface="+mn-cs"/>
-              </a:defRPr>
-            </a:lvl1pPr>
-            <a:lvl2pPr marL="457189" algn="l" defTabSz="914377" rtl="0" eaLnBrk="1" latinLnBrk="0" hangingPunct="1">
-              <a:defRPr sz="1800" kern="1200">
-                <a:solidFill>
-                  <a:schemeClr val="dk1"/>
-                </a:solidFill>
-                <a:latin typeface="+mn-lt"/>
-                <a:ea typeface="+mn-ea"/>
-                <a:cs typeface="+mn-cs"/>
-              </a:defRPr>
-            </a:lvl2pPr>
-            <a:lvl3pPr marL="914377" algn="l" defTabSz="914377" rtl="0" eaLnBrk="1" latinLnBrk="0" hangingPunct="1">
-              <a:defRPr sz="1800" kern="1200">
-                <a:solidFill>
-                  <a:schemeClr val="dk1"/>
-                </a:solidFill>
-                <a:latin typeface="+mn-lt"/>
-                <a:ea typeface="+mn-ea"/>
-                <a:cs typeface="+mn-cs"/>
-              </a:defRPr>
-            </a:lvl3pPr>
-            <a:lvl4pPr marL="1371566" algn="l" defTabSz="914377" rtl="0" eaLnBrk="1" latinLnBrk="0" hangingPunct="1">
-              <a:defRPr sz="1800" kern="1200">
-                <a:solidFill>
-                  <a:schemeClr val="dk1"/>
-                </a:solidFill>
-                <a:latin typeface="+mn-lt"/>
-                <a:ea typeface="+mn-ea"/>
-                <a:cs typeface="+mn-cs"/>
-              </a:defRPr>
-            </a:lvl4pPr>
-            <a:lvl5pPr marL="1828754" algn="l" defTabSz="914377" rtl="0" eaLnBrk="1" latinLnBrk="0" hangingPunct="1">
-              <a:defRPr sz="1800" kern="1200">
-                <a:solidFill>
-                  <a:schemeClr val="dk1"/>
-                </a:solidFill>
-                <a:latin typeface="+mn-lt"/>
-                <a:ea typeface="+mn-ea"/>
-                <a:cs typeface="+mn-cs"/>
-              </a:defRPr>
-            </a:lvl5pPr>
-            <a:lvl6pPr marL="2285943" algn="l" defTabSz="914377" rtl="0" eaLnBrk="1" latinLnBrk="0" hangingPunct="1">
-              <a:defRPr sz="1800" kern="1200">
-                <a:solidFill>
-                  <a:schemeClr val="dk1"/>
-                </a:solidFill>
-                <a:latin typeface="+mn-lt"/>
-                <a:ea typeface="+mn-ea"/>
-                <a:cs typeface="+mn-cs"/>
-              </a:defRPr>
-            </a:lvl6pPr>
-            <a:lvl7pPr marL="2743131" algn="l" defTabSz="914377" rtl="0" eaLnBrk="1" latinLnBrk="0" hangingPunct="1">
-              <a:defRPr sz="1800" kern="1200">
-                <a:solidFill>
-                  <a:schemeClr val="dk1"/>
-                </a:solidFill>
-                <a:latin typeface="+mn-lt"/>
-                <a:ea typeface="+mn-ea"/>
-                <a:cs typeface="+mn-cs"/>
-              </a:defRPr>
-            </a:lvl7pPr>
-            <a:lvl8pPr marL="3200320" algn="l" defTabSz="914377" rtl="0" eaLnBrk="1" latinLnBrk="0" hangingPunct="1">
-              <a:defRPr sz="1800" kern="1200">
-                <a:solidFill>
-                  <a:schemeClr val="dk1"/>
-                </a:solidFill>
-                <a:latin typeface="+mn-lt"/>
-                <a:ea typeface="+mn-ea"/>
-                <a:cs typeface="+mn-cs"/>
-              </a:defRPr>
-            </a:lvl8pPr>
-            <a:lvl9pPr marL="3657509" algn="l" defTabSz="914377" rtl="0" eaLnBrk="1" latinLnBrk="0" hangingPunct="1">
-              <a:defRPr sz="1800" kern="1200">
-                <a:solidFill>
-                  <a:schemeClr val="dk1"/>
-                </a:solidFill>
-                <a:latin typeface="+mn-lt"/>
-                <a:ea typeface="+mn-ea"/>
-                <a:cs typeface="+mn-cs"/>
-              </a:defRPr>
-            </a:lvl9pPr>
-          </a:lstStyle>
-          <a:p>
-            <a:pPr algn="ctr"/>
-            <a:r>
-              <a:rPr lang="en-US" sz="1200">
-                <a:solidFill>
-                  <a:schemeClr val="bg1"/>
-                </a:solidFill>
-                <a:latin typeface="Source Sans Pro Light" charset="0"/>
-                <a:ea typeface="Source Sans Pro Light" charset="0"/>
-                <a:cs typeface="Source Sans Pro Light" charset="0"/>
-              </a:rPr>
-              <a:t>RTOS/OS</a:t>
-            </a:r>
-            <a:endParaRPr lang="en-US" sz="1200" dirty="0">
-              <a:solidFill>
-                <a:schemeClr val="bg1"/>
-              </a:solidFill>
-              <a:latin typeface="Source Sans Pro Light" charset="0"/>
-              <a:ea typeface="Source Sans Pro Light" charset="0"/>
-              <a:cs typeface="Source Sans Pro Light" charset="0"/>
-            </a:endParaRPr>
-          </a:p>
-        </p:txBody>
-      </p:sp>
-      <p:grpSp>
-        <p:nvGrpSpPr>
-          <p:cNvPr id="7" name="Group 6">
-            <a:extLst>
-              <a:ext uri="{FF2B5EF4-FFF2-40B4-BE49-F238E27FC236}">
-                <a16:creationId xmlns:a16="http://schemas.microsoft.com/office/drawing/2014/main" id="{08C7790F-B01C-4016-9877-54F15B6EE0A3}"/>
-              </a:ext>
-            </a:extLst>
-          </p:cNvPr>
-          <p:cNvGrpSpPr/>
-          <p:nvPr/>
-        </p:nvGrpSpPr>
-        <p:grpSpPr>
-          <a:xfrm>
-            <a:off x="4354318" y="1072997"/>
-            <a:ext cx="2534494" cy="627371"/>
-            <a:chOff x="1385106" y="2665744"/>
-            <a:chExt cx="1793859" cy="627371"/>
-          </a:xfrm>
-        </p:grpSpPr>
-        <p:sp>
-          <p:nvSpPr>
-            <p:cNvPr id="72" name="Rounded Rectangle 34">
-              <a:extLst>
-                <a:ext uri="{FF2B5EF4-FFF2-40B4-BE49-F238E27FC236}">
-                  <a16:creationId xmlns:a16="http://schemas.microsoft.com/office/drawing/2014/main" id="{A65B4A04-265C-485F-9079-0EAC9EE2061E}"/>
-                </a:ext>
-              </a:extLst>
-            </p:cNvPr>
-            <p:cNvSpPr/>
-            <p:nvPr/>
-          </p:nvSpPr>
-          <p:spPr>
-            <a:xfrm>
-              <a:off x="1385106" y="2665744"/>
-              <a:ext cx="1793859" cy="462271"/>
-            </a:xfrm>
-            <a:prstGeom prst="roundRect">
-              <a:avLst>
-                <a:gd name="adj" fmla="val 19644"/>
-              </a:avLst>
-            </a:prstGeom>
-            <a:solidFill>
-              <a:srgbClr val="F0B602"/>
-            </a:solidFill>
-            <a:ln w="12700">
-              <a:noFill/>
-            </a:ln>
-            <a:effectLst/>
-          </p:spPr>
-          <p:style>
-            <a:lnRef idx="2">
-              <a:schemeClr val="dk1"/>
-            </a:lnRef>
-            <a:fillRef idx="1">
-              <a:schemeClr val="lt1"/>
-            </a:fillRef>
-            <a:effectRef idx="0">
-              <a:schemeClr val="dk1"/>
-            </a:effectRef>
-            <a:fontRef idx="minor">
-              <a:schemeClr val="dk1"/>
-            </a:fontRef>
-          </p:style>
-          <p:txBody>
-            <a:bodyPr wrap="square" tIns="36000" bIns="36000" rtlCol="0" anchor="ctr">
-              <a:noAutofit/>
-            </a:bodyPr>
-            <a:lstStyle>
-              <a:defPPr>
-                <a:defRPr lang="en-US"/>
-              </a:defPPr>
-              <a:lvl1pPr marL="0" algn="l" defTabSz="914377" rtl="0" eaLnBrk="1" latinLnBrk="0" hangingPunct="1">
-                <a:defRPr sz="1800" kern="1200">
-                  <a:solidFill>
-                    <a:schemeClr val="dk1"/>
-                  </a:solidFill>
-                  <a:latin typeface="+mn-lt"/>
-                  <a:ea typeface="+mn-ea"/>
-                  <a:cs typeface="+mn-cs"/>
-                </a:defRPr>
-              </a:lvl1pPr>
-              <a:lvl2pPr marL="457189" algn="l" defTabSz="914377" rtl="0" eaLnBrk="1" latinLnBrk="0" hangingPunct="1">
-                <a:defRPr sz="1800" kern="1200">
-                  <a:solidFill>
-                    <a:schemeClr val="dk1"/>
-                  </a:solidFill>
-                  <a:latin typeface="+mn-lt"/>
-                  <a:ea typeface="+mn-ea"/>
-                  <a:cs typeface="+mn-cs"/>
-                </a:defRPr>
-              </a:lvl2pPr>
-              <a:lvl3pPr marL="914377" algn="l" defTabSz="914377" rtl="0" eaLnBrk="1" latinLnBrk="0" hangingPunct="1">
-                <a:defRPr sz="1800" kern="1200">
-                  <a:solidFill>
-                    <a:schemeClr val="dk1"/>
-                  </a:solidFill>
-                  <a:latin typeface="+mn-lt"/>
-                  <a:ea typeface="+mn-ea"/>
-                  <a:cs typeface="+mn-cs"/>
-                </a:defRPr>
-              </a:lvl3pPr>
-              <a:lvl4pPr marL="1371566" algn="l" defTabSz="914377" rtl="0" eaLnBrk="1" latinLnBrk="0" hangingPunct="1">
-                <a:defRPr sz="1800" kern="1200">
-                  <a:solidFill>
-                    <a:schemeClr val="dk1"/>
-                  </a:solidFill>
-                  <a:latin typeface="+mn-lt"/>
-                  <a:ea typeface="+mn-ea"/>
-                  <a:cs typeface="+mn-cs"/>
-                </a:defRPr>
-              </a:lvl4pPr>
-              <a:lvl5pPr marL="1828754" algn="l" defTabSz="914377" rtl="0" eaLnBrk="1" latinLnBrk="0" hangingPunct="1">
-                <a:defRPr sz="1800" kern="1200">
-                  <a:solidFill>
-                    <a:schemeClr val="dk1"/>
-                  </a:solidFill>
-                  <a:latin typeface="+mn-lt"/>
-                  <a:ea typeface="+mn-ea"/>
-                  <a:cs typeface="+mn-cs"/>
-                </a:defRPr>
-              </a:lvl5pPr>
-              <a:lvl6pPr marL="2285943" algn="l" defTabSz="914377" rtl="0" eaLnBrk="1" latinLnBrk="0" hangingPunct="1">
-                <a:defRPr sz="1800" kern="1200">
-                  <a:solidFill>
-                    <a:schemeClr val="dk1"/>
-                  </a:solidFill>
-                  <a:latin typeface="+mn-lt"/>
-                  <a:ea typeface="+mn-ea"/>
-                  <a:cs typeface="+mn-cs"/>
-                </a:defRPr>
-              </a:lvl6pPr>
-              <a:lvl7pPr marL="2743131" algn="l" defTabSz="914377" rtl="0" eaLnBrk="1" latinLnBrk="0" hangingPunct="1">
-                <a:defRPr sz="1800" kern="1200">
-                  <a:solidFill>
-                    <a:schemeClr val="dk1"/>
-                  </a:solidFill>
-                  <a:latin typeface="+mn-lt"/>
-                  <a:ea typeface="+mn-ea"/>
-                  <a:cs typeface="+mn-cs"/>
-                </a:defRPr>
-              </a:lvl7pPr>
-              <a:lvl8pPr marL="3200320" algn="l" defTabSz="914377" rtl="0" eaLnBrk="1" latinLnBrk="0" hangingPunct="1">
-                <a:defRPr sz="1800" kern="1200">
-                  <a:solidFill>
-                    <a:schemeClr val="dk1"/>
-                  </a:solidFill>
-                  <a:latin typeface="+mn-lt"/>
-                  <a:ea typeface="+mn-ea"/>
-                  <a:cs typeface="+mn-cs"/>
-                </a:defRPr>
-              </a:lvl8pPr>
-              <a:lvl9pPr marL="3657509" algn="l" defTabSz="914377" rtl="0" eaLnBrk="1" latinLnBrk="0" hangingPunct="1">
-                <a:defRPr sz="1800" kern="1200">
-                  <a:solidFill>
-                    <a:schemeClr val="dk1"/>
-                  </a:solidFill>
-                  <a:latin typeface="+mn-lt"/>
-                  <a:ea typeface="+mn-ea"/>
-                  <a:cs typeface="+mn-cs"/>
-                </a:defRPr>
-              </a:lvl9pPr>
-            </a:lstStyle>
-            <a:p>
-              <a:pPr algn="ctr"/>
-              <a:endParaRPr lang="en-US" sz="1200" dirty="0">
-                <a:solidFill>
-                  <a:schemeClr val="accent1"/>
-                </a:solidFill>
-                <a:latin typeface="Source Sans Pro Light" charset="0"/>
-                <a:ea typeface="Source Sans Pro Light" charset="0"/>
-                <a:cs typeface="Source Sans Pro Light" charset="0"/>
-              </a:endParaRPr>
-            </a:p>
-          </p:txBody>
-        </p:sp>
-        <p:sp>
-          <p:nvSpPr>
-            <p:cNvPr id="73" name="TextBox 72">
-              <a:extLst>
-                <a:ext uri="{FF2B5EF4-FFF2-40B4-BE49-F238E27FC236}">
-                  <a16:creationId xmlns:a16="http://schemas.microsoft.com/office/drawing/2014/main" id="{8239A7E8-670F-4924-97CA-8EE1EEFF24EC}"/>
-                </a:ext>
-              </a:extLst>
-            </p:cNvPr>
-            <p:cNvSpPr txBox="1"/>
-            <p:nvPr/>
-          </p:nvSpPr>
-          <p:spPr>
-            <a:xfrm>
-              <a:off x="1439482" y="2816061"/>
-              <a:ext cx="1708085" cy="477054"/>
-            </a:xfrm>
-            <a:prstGeom prst="rect">
-              <a:avLst/>
-            </a:prstGeom>
-            <a:noFill/>
-          </p:spPr>
-          <p:txBody>
-            <a:bodyPr vert="horz" wrap="square" lIns="0" tIns="0" rIns="0" bIns="0" numCol="1" spcCol="288000" rtlCol="0" anchor="t" anchorCtr="0">
-              <a:spAutoFit/>
-            </a:bodyPr>
-            <a:lstStyle/>
-            <a:p>
-              <a:pPr algn="ctr">
-                <a:spcAft>
-                  <a:spcPts val="600"/>
-                </a:spcAft>
-              </a:pPr>
-              <a:r>
-                <a:rPr lang="en-US" sz="1200" b="1">
-                  <a:solidFill>
-                    <a:schemeClr val="bg1"/>
-                  </a:solidFill>
-                  <a:latin typeface="Source Sans Pro Semibold" charset="0"/>
-                  <a:ea typeface="Source Sans Pro Semibold" charset="0"/>
-                  <a:cs typeface="Source Sans Pro Semibold" charset="0"/>
-                </a:rPr>
-                <a:t>Application code (.java)</a:t>
-              </a:r>
-              <a:endParaRPr lang="en-US" sz="1200" b="1" i="1">
-                <a:solidFill>
-                  <a:schemeClr val="bg1"/>
-                </a:solidFill>
-                <a:latin typeface="Source Sans Pro Semibold" charset="0"/>
-                <a:ea typeface="Source Sans Pro Semibold" charset="0"/>
-                <a:cs typeface="Source Sans Pro Light" charset="0"/>
-              </a:endParaRPr>
-            </a:p>
-            <a:p>
-              <a:pPr algn="l">
-                <a:spcBef>
-                  <a:spcPts val="0"/>
-                </a:spcBef>
-                <a:spcAft>
-                  <a:spcPts val="600"/>
-                </a:spcAft>
-              </a:pPr>
-              <a:endParaRPr lang="en-US" sz="1400" b="0" i="0" spc="0" dirty="0">
-                <a:ln>
-                  <a:noFill/>
-                </a:ln>
-                <a:solidFill>
-                  <a:schemeClr val="tx2"/>
-                </a:solidFill>
-                <a:latin typeface="Source Sans Pro Light" charset="0"/>
-                <a:ea typeface="Source Sans Pro Light" charset="0"/>
-                <a:cs typeface="Source Sans Pro Light" charset="0"/>
-              </a:endParaRPr>
-            </a:p>
-          </p:txBody>
-        </p:sp>
-      </p:grpSp>
-      <p:sp>
-        <p:nvSpPr>
-          <p:cNvPr id="15" name="TextBox 14">
-            <a:extLst>
-              <a:ext uri="{FF2B5EF4-FFF2-40B4-BE49-F238E27FC236}">
-                <a16:creationId xmlns:a16="http://schemas.microsoft.com/office/drawing/2014/main" id="{5D7759CC-2351-4B6D-9F7F-C93703EBDCAE}"/>
-              </a:ext>
-            </a:extLst>
-          </p:cNvPr>
-          <p:cNvSpPr txBox="1"/>
-          <p:nvPr/>
-        </p:nvSpPr>
-        <p:spPr>
-          <a:xfrm>
-            <a:off x="4986054" y="680135"/>
-            <a:ext cx="1271021" cy="318924"/>
-          </a:xfrm>
-          <a:prstGeom prst="rect">
-            <a:avLst/>
-          </a:prstGeom>
-          <a:solidFill>
-            <a:schemeClr val="bg1"/>
-          </a:solidFill>
-        </p:spPr>
-        <p:txBody>
-          <a:bodyPr wrap="square" tIns="36000" bIns="36000" rtlCol="0">
-            <a:spAutoFit/>
-          </a:bodyPr>
-          <a:lstStyle/>
-          <a:p>
-            <a:pPr algn="ctr" defTabSz="685783">
-              <a:buClrTx/>
-            </a:pPr>
-            <a:r>
-              <a:rPr lang="en-US" sz="1600">
-                <a:solidFill>
-                  <a:schemeClr val="tx1">
-                    <a:lumMod val="75000"/>
-                  </a:schemeClr>
-                </a:solidFill>
-                <a:latin typeface="Source Sans Pro Light" charset="0"/>
-                <a:ea typeface="Source Sans Pro Light" charset="0"/>
-                <a:cs typeface="Source Sans Pro Light" charset="0"/>
-              </a:rPr>
-              <a:t>Application</a:t>
-            </a:r>
-            <a:endParaRPr lang="en-US" sz="1600" dirty="0">
-              <a:solidFill>
-                <a:schemeClr val="tx1">
-                  <a:lumMod val="75000"/>
-                </a:schemeClr>
-              </a:solidFill>
-              <a:latin typeface="Source Sans Pro Light" charset="0"/>
-              <a:ea typeface="Source Sans Pro Light" charset="0"/>
-              <a:cs typeface="Source Sans Pro Light" charset="0"/>
-            </a:endParaRPr>
-          </a:p>
-        </p:txBody>
-      </p:sp>
-      <p:sp>
-        <p:nvSpPr>
-          <p:cNvPr id="57" name="TextBox 56">
-            <a:extLst>
-              <a:ext uri="{FF2B5EF4-FFF2-40B4-BE49-F238E27FC236}">
-                <a16:creationId xmlns:a16="http://schemas.microsoft.com/office/drawing/2014/main" id="{3844C698-E111-4B57-A966-D01582043B07}"/>
-              </a:ext>
-            </a:extLst>
-          </p:cNvPr>
-          <p:cNvSpPr txBox="1"/>
-          <p:nvPr/>
-        </p:nvSpPr>
-        <p:spPr>
-          <a:xfrm>
-            <a:off x="4494687" y="2765111"/>
-            <a:ext cx="2207658" cy="507831"/>
-          </a:xfrm>
-          <a:prstGeom prst="rect">
-            <a:avLst/>
-          </a:prstGeom>
-          <a:noFill/>
-        </p:spPr>
-        <p:txBody>
-          <a:bodyPr vert="horz" wrap="square" lIns="0" tIns="0" rIns="0" bIns="0" numCol="1" spcCol="288000" rtlCol="0" anchor="t" anchorCtr="0">
-            <a:spAutoFit/>
-          </a:bodyPr>
-          <a:lstStyle/>
-          <a:p>
-            <a:pPr>
-              <a:spcAft>
-                <a:spcPts val="600"/>
-              </a:spcAft>
-            </a:pPr>
-            <a:r>
-              <a:rPr lang="en-US" sz="1400" b="1">
-                <a:solidFill>
-                  <a:schemeClr val="bg1"/>
-                </a:solidFill>
-                <a:latin typeface="Source Sans Pro" charset="0"/>
-                <a:ea typeface="Source Sans Pro" charset="0"/>
-                <a:cs typeface="Source Sans Pro" charset="0"/>
-              </a:rPr>
-              <a:t>Foundation Library</a:t>
-            </a:r>
-          </a:p>
-          <a:p>
-            <a:pPr algn="ctr">
-              <a:spcBef>
-                <a:spcPts val="0"/>
-              </a:spcBef>
-              <a:spcAft>
-                <a:spcPts val="600"/>
-              </a:spcAft>
-            </a:pPr>
-            <a:endParaRPr lang="en-US" sz="1400" b="0" i="0" spc="0" dirty="0">
-              <a:ln>
-                <a:noFill/>
-              </a:ln>
-              <a:solidFill>
-                <a:schemeClr val="tx2"/>
-              </a:solidFill>
-              <a:latin typeface="Source Sans Pro Light" charset="0"/>
-              <a:ea typeface="Source Sans Pro Light" charset="0"/>
-              <a:cs typeface="Source Sans Pro Light" charset="0"/>
-            </a:endParaRPr>
-          </a:p>
-        </p:txBody>
-      </p:sp>
-      <p:sp>
-        <p:nvSpPr>
-          <p:cNvPr id="74" name="TextBox 73">
-            <a:extLst>
-              <a:ext uri="{FF2B5EF4-FFF2-40B4-BE49-F238E27FC236}">
-                <a16:creationId xmlns:a16="http://schemas.microsoft.com/office/drawing/2014/main" id="{12CCF81A-36E9-4914-872A-CDD8174AA252}"/>
-              </a:ext>
-            </a:extLst>
-          </p:cNvPr>
-          <p:cNvSpPr txBox="1"/>
-          <p:nvPr/>
-        </p:nvSpPr>
-        <p:spPr>
-          <a:xfrm>
-            <a:off x="6888812" y="6408261"/>
-            <a:ext cx="1052196" cy="246221"/>
-          </a:xfrm>
-          <a:prstGeom prst="rect">
-            <a:avLst/>
-          </a:prstGeom>
-          <a:noFill/>
-        </p:spPr>
-        <p:txBody>
-          <a:bodyPr wrap="square" rtlCol="0">
-            <a:spAutoFit/>
-          </a:bodyPr>
-          <a:lstStyle/>
-          <a:p>
-            <a:r>
-              <a:rPr lang="en-US" sz="1000">
-                <a:latin typeface="Source Sans Pro" charset="0"/>
-                <a:ea typeface="Source Sans Pro" charset="0"/>
-                <a:cs typeface="Source Sans Pro" charset="0"/>
-              </a:rPr>
-              <a:t>Service user</a:t>
-            </a:r>
-            <a:endParaRPr lang="en-US" sz="1000" dirty="0">
-              <a:latin typeface="Source Sans Pro" charset="0"/>
-              <a:ea typeface="Source Sans Pro" charset="0"/>
-              <a:cs typeface="Source Sans Pro" charset="0"/>
-            </a:endParaRPr>
-          </a:p>
-        </p:txBody>
-      </p:sp>
-      <p:grpSp>
-        <p:nvGrpSpPr>
-          <p:cNvPr id="9" name="Group 8">
-            <a:extLst>
-              <a:ext uri="{FF2B5EF4-FFF2-40B4-BE49-F238E27FC236}">
-                <a16:creationId xmlns:a16="http://schemas.microsoft.com/office/drawing/2014/main" id="{7FB25D2F-A753-4EFD-96FC-D5EB24FE140C}"/>
-              </a:ext>
-            </a:extLst>
-          </p:cNvPr>
-          <p:cNvGrpSpPr/>
-          <p:nvPr/>
-        </p:nvGrpSpPr>
-        <p:grpSpPr>
-          <a:xfrm>
-            <a:off x="5718271" y="6231991"/>
-            <a:ext cx="1839424" cy="433216"/>
-            <a:chOff x="7106013" y="5464724"/>
-            <a:chExt cx="1839424" cy="433216"/>
-          </a:xfrm>
-        </p:grpSpPr>
-        <p:sp>
-          <p:nvSpPr>
-            <p:cNvPr id="67" name="TextBox 66">
-              <a:extLst>
-                <a:ext uri="{FF2B5EF4-FFF2-40B4-BE49-F238E27FC236}">
-                  <a16:creationId xmlns:a16="http://schemas.microsoft.com/office/drawing/2014/main" id="{8D2600DF-EA8A-42B6-99A2-3293C0A7B7F5}"/>
-                </a:ext>
-              </a:extLst>
-            </p:cNvPr>
-            <p:cNvSpPr txBox="1"/>
-            <p:nvPr/>
-          </p:nvSpPr>
-          <p:spPr>
-            <a:xfrm>
-              <a:off x="7106013" y="5651719"/>
-              <a:ext cx="1052196" cy="246221"/>
-            </a:xfrm>
-            <a:prstGeom prst="rect">
-              <a:avLst/>
-            </a:prstGeom>
-            <a:noFill/>
-          </p:spPr>
-          <p:txBody>
-            <a:bodyPr wrap="square" rtlCol="0">
-              <a:spAutoFit/>
-            </a:bodyPr>
-            <a:lstStyle/>
-            <a:p>
-              <a:pPr algn="r"/>
-              <a:r>
-                <a:rPr lang="en-US" sz="1000">
-                  <a:latin typeface="Source Sans Pro" charset="0"/>
-                  <a:ea typeface="Source Sans Pro" charset="0"/>
-                  <a:cs typeface="Source Sans Pro" charset="0"/>
-                </a:rPr>
-                <a:t>Service provider</a:t>
-              </a:r>
-              <a:endParaRPr lang="en-US" sz="1000" dirty="0">
-                <a:latin typeface="Source Sans Pro" charset="0"/>
-                <a:ea typeface="Source Sans Pro" charset="0"/>
-                <a:cs typeface="Source Sans Pro" charset="0"/>
-              </a:endParaRPr>
-            </a:p>
-          </p:txBody>
-        </p:sp>
-        <p:grpSp>
-          <p:nvGrpSpPr>
-            <p:cNvPr id="75" name="Group 74">
-              <a:extLst>
-                <a:ext uri="{FF2B5EF4-FFF2-40B4-BE49-F238E27FC236}">
-                  <a16:creationId xmlns:a16="http://schemas.microsoft.com/office/drawing/2014/main" id="{1506AAA1-F3C3-41FC-B59D-A7088DD7DA7B}"/>
-                </a:ext>
-              </a:extLst>
-            </p:cNvPr>
-            <p:cNvGrpSpPr/>
-            <p:nvPr/>
-          </p:nvGrpSpPr>
-          <p:grpSpPr>
-            <a:xfrm>
-              <a:off x="7984509" y="5464724"/>
-              <a:ext cx="960928" cy="323422"/>
-              <a:chOff x="7861038" y="4165151"/>
-              <a:chExt cx="960928" cy="323422"/>
-            </a:xfrm>
-          </p:grpSpPr>
-          <p:cxnSp>
-            <p:nvCxnSpPr>
-              <p:cNvPr id="76" name="Straight Connector 75">
-                <a:extLst>
-                  <a:ext uri="{FF2B5EF4-FFF2-40B4-BE49-F238E27FC236}">
-                    <a16:creationId xmlns:a16="http://schemas.microsoft.com/office/drawing/2014/main" id="{26E7A69B-E475-4E1B-B174-7F44442211C3}"/>
-                  </a:ext>
-                </a:extLst>
-              </p:cNvPr>
-              <p:cNvCxnSpPr>
-                <a:cxnSpLocks/>
-              </p:cNvCxnSpPr>
-              <p:nvPr/>
-            </p:nvCxnSpPr>
-            <p:spPr>
-              <a:xfrm flipH="1">
-                <a:off x="8184460" y="4321726"/>
-                <a:ext cx="637506" cy="0"/>
-              </a:xfrm>
-              <a:prstGeom prst="line">
-                <a:avLst/>
-              </a:prstGeom>
-              <a:ln w="28575">
-                <a:solidFill>
-                  <a:srgbClr val="C00000"/>
-                </a:solidFill>
-                <a:headEnd type="none"/>
-              </a:ln>
-            </p:spPr>
-            <p:style>
-              <a:lnRef idx="1">
-                <a:schemeClr val="accent1"/>
-              </a:lnRef>
-              <a:fillRef idx="0">
-                <a:schemeClr val="accent1"/>
-              </a:fillRef>
-              <a:effectRef idx="0">
-                <a:schemeClr val="accent1"/>
-              </a:effectRef>
-              <a:fontRef idx="minor">
-                <a:schemeClr val="tx1"/>
-              </a:fontRef>
-            </p:style>
-          </p:cxnSp>
-          <p:sp>
-            <p:nvSpPr>
-              <p:cNvPr id="77" name="Arc 76">
-                <a:extLst>
-                  <a:ext uri="{FF2B5EF4-FFF2-40B4-BE49-F238E27FC236}">
-                    <a16:creationId xmlns:a16="http://schemas.microsoft.com/office/drawing/2014/main" id="{62E5A504-B4A3-475F-B92E-5F78EEA8D749}"/>
-                  </a:ext>
-                </a:extLst>
-              </p:cNvPr>
-              <p:cNvSpPr/>
-              <p:nvPr/>
-            </p:nvSpPr>
-            <p:spPr>
-              <a:xfrm>
-                <a:off x="7861038" y="4165151"/>
-                <a:ext cx="323422" cy="323422"/>
-              </a:xfrm>
-              <a:prstGeom prst="arc">
-                <a:avLst>
-                  <a:gd name="adj1" fmla="val 16200000"/>
-                  <a:gd name="adj2" fmla="val 5338930"/>
-                </a:avLst>
-              </a:prstGeom>
-              <a:ln w="28575">
-                <a:solidFill>
-                  <a:srgbClr val="C00000"/>
-                </a:solidFill>
-              </a:ln>
-            </p:spPr>
-            <p:style>
-              <a:lnRef idx="1">
-                <a:schemeClr val="accent1"/>
-              </a:lnRef>
-              <a:fillRef idx="0">
-                <a:schemeClr val="accent1"/>
-              </a:fillRef>
-              <a:effectRef idx="0">
-                <a:schemeClr val="accent1"/>
-              </a:effectRef>
-              <a:fontRef idx="minor">
-                <a:schemeClr val="tx1"/>
-              </a:fontRef>
-            </p:style>
-            <p:txBody>
-              <a:bodyPr rtlCol="0" anchor="ctr"/>
-              <a:lstStyle/>
-              <a:p>
-                <a:pPr algn="ctr"/>
-                <a:endParaRPr lang="fr-FR"/>
-              </a:p>
-            </p:txBody>
-          </p:sp>
-        </p:grpSp>
-        <p:grpSp>
-          <p:nvGrpSpPr>
-            <p:cNvPr id="78" name="Group 77">
-              <a:extLst>
-                <a:ext uri="{FF2B5EF4-FFF2-40B4-BE49-F238E27FC236}">
-                  <a16:creationId xmlns:a16="http://schemas.microsoft.com/office/drawing/2014/main" id="{A9D14077-97DB-4F9D-A72E-672884F8381A}"/>
-                </a:ext>
-              </a:extLst>
-            </p:cNvPr>
-            <p:cNvGrpSpPr/>
-            <p:nvPr/>
-          </p:nvGrpSpPr>
-          <p:grpSpPr>
-            <a:xfrm>
-              <a:off x="7500595" y="5554294"/>
-              <a:ext cx="705126" cy="144282"/>
-              <a:chOff x="7377124" y="4249584"/>
-              <a:chExt cx="705126" cy="144282"/>
-            </a:xfrm>
-          </p:grpSpPr>
-          <p:cxnSp>
-            <p:nvCxnSpPr>
-              <p:cNvPr id="79" name="Straight Connector 78">
-                <a:extLst>
-                  <a:ext uri="{FF2B5EF4-FFF2-40B4-BE49-F238E27FC236}">
-                    <a16:creationId xmlns:a16="http://schemas.microsoft.com/office/drawing/2014/main" id="{F0310334-7DD0-4CD9-B246-E6B7DA4DA3AB}"/>
-                  </a:ext>
-                </a:extLst>
-              </p:cNvPr>
-              <p:cNvCxnSpPr>
-                <a:cxnSpLocks/>
-                <a:stCxn id="80" idx="2"/>
-              </p:cNvCxnSpPr>
-              <p:nvPr/>
-            </p:nvCxnSpPr>
-            <p:spPr>
-              <a:xfrm flipH="1" flipV="1">
-                <a:off x="7377124" y="4318421"/>
-                <a:ext cx="560844" cy="3304"/>
-              </a:xfrm>
-              <a:prstGeom prst="line">
-                <a:avLst/>
-              </a:prstGeom>
-              <a:ln w="28575">
-                <a:solidFill>
-                  <a:srgbClr val="C00000"/>
-                </a:solidFill>
-                <a:headEnd type="none"/>
-              </a:ln>
-            </p:spPr>
-            <p:style>
-              <a:lnRef idx="1">
-                <a:schemeClr val="accent1"/>
-              </a:lnRef>
-              <a:fillRef idx="0">
-                <a:schemeClr val="accent1"/>
-              </a:fillRef>
-              <a:effectRef idx="0">
-                <a:schemeClr val="accent1"/>
-              </a:effectRef>
-              <a:fontRef idx="minor">
-                <a:schemeClr val="tx1"/>
-              </a:fontRef>
-            </p:style>
-          </p:cxnSp>
-          <p:sp>
-            <p:nvSpPr>
-              <p:cNvPr id="80" name="Oval 79">
-                <a:extLst>
-                  <a:ext uri="{FF2B5EF4-FFF2-40B4-BE49-F238E27FC236}">
-                    <a16:creationId xmlns:a16="http://schemas.microsoft.com/office/drawing/2014/main" id="{EF7C0498-D8A9-461C-BE6A-9C377854B2AE}"/>
-                  </a:ext>
-                </a:extLst>
-              </p:cNvPr>
-              <p:cNvSpPr/>
-              <p:nvPr/>
-            </p:nvSpPr>
-            <p:spPr>
-              <a:xfrm>
-                <a:off x="7937968" y="4249584"/>
-                <a:ext cx="144282" cy="144282"/>
-              </a:xfrm>
-              <a:prstGeom prst="ellipse">
-                <a:avLst/>
-              </a:prstGeom>
-              <a:solidFill>
-                <a:schemeClr val="bg1"/>
-              </a:solidFill>
-              <a:ln w="28575">
-                <a:solidFill>
-                  <a:srgbClr val="C00000"/>
-                </a:solidFill>
-              </a:ln>
-            </p:spPr>
-            <p:style>
-              <a:lnRef idx="2">
-                <a:schemeClr val="accent1">
-                  <a:shade val="50000"/>
-                </a:schemeClr>
-              </a:lnRef>
-              <a:fillRef idx="1">
-                <a:schemeClr val="accent1"/>
-              </a:fillRef>
-              <a:effectRef idx="0">
-                <a:schemeClr val="accent1"/>
-              </a:effectRef>
-              <a:fontRef idx="minor">
-                <a:schemeClr val="lt1"/>
-              </a:fontRef>
-            </p:style>
-            <p:txBody>
-              <a:bodyPr rtlCol="0" anchor="ctr"/>
-              <a:lstStyle/>
-              <a:p>
-                <a:pPr algn="ctr"/>
-                <a:endParaRPr lang="fr-FR" sz="1400" dirty="0">
-                  <a:solidFill>
-                    <a:schemeClr val="tx2"/>
-                  </a:solidFill>
-                  <a:latin typeface="Source Sans Pro Light" panose="020B0403030403020204" pitchFamily="34" charset="77"/>
-                  <a:ea typeface="Source Sans Pro" panose="020B0503030403020204" pitchFamily="34" charset="0"/>
-                </a:endParaRPr>
-              </a:p>
-            </p:txBody>
-          </p:sp>
-        </p:grpSp>
-      </p:grpSp>
-      <p:sp>
-        <p:nvSpPr>
-          <p:cNvPr id="65" name="TextBox 64">
-            <a:extLst>
-              <a:ext uri="{FF2B5EF4-FFF2-40B4-BE49-F238E27FC236}">
-                <a16:creationId xmlns:a16="http://schemas.microsoft.com/office/drawing/2014/main" id="{06AF73E8-180C-459D-AC88-CA6909425945}"/>
-              </a:ext>
-            </a:extLst>
-          </p:cNvPr>
-          <p:cNvSpPr txBox="1"/>
-          <p:nvPr/>
-        </p:nvSpPr>
-        <p:spPr>
-          <a:xfrm>
-            <a:off x="3299689" y="6145829"/>
-            <a:ext cx="907710" cy="246221"/>
-          </a:xfrm>
-          <a:prstGeom prst="rect">
-            <a:avLst/>
-          </a:prstGeom>
-          <a:noFill/>
-        </p:spPr>
-        <p:txBody>
-          <a:bodyPr wrap="square" rtlCol="0">
-            <a:spAutoFit/>
-          </a:bodyPr>
-          <a:lstStyle/>
-          <a:p>
-            <a:pPr algn="r"/>
-            <a:r>
-              <a:rPr lang="en-US" sz="1000">
-                <a:latin typeface="Source Sans Pro" charset="0"/>
-                <a:ea typeface="Source Sans Pro" charset="0"/>
-                <a:cs typeface="Source Sans Pro" charset="0"/>
-              </a:rPr>
-              <a:t>API provider</a:t>
-            </a:r>
-            <a:endParaRPr lang="en-US" sz="1000" dirty="0">
-              <a:latin typeface="Source Sans Pro" charset="0"/>
-              <a:ea typeface="Source Sans Pro" charset="0"/>
-              <a:cs typeface="Source Sans Pro" charset="0"/>
-            </a:endParaRPr>
-          </a:p>
-        </p:txBody>
-      </p:sp>
-      <p:sp>
-        <p:nvSpPr>
-          <p:cNvPr id="68" name="TextBox 67">
-            <a:extLst>
-              <a:ext uri="{FF2B5EF4-FFF2-40B4-BE49-F238E27FC236}">
-                <a16:creationId xmlns:a16="http://schemas.microsoft.com/office/drawing/2014/main" id="{DA2B64D1-6C4D-4F5D-989C-EAB450FA66B7}"/>
-              </a:ext>
-            </a:extLst>
-          </p:cNvPr>
-          <p:cNvSpPr txBox="1"/>
-          <p:nvPr/>
-        </p:nvSpPr>
-        <p:spPr>
-          <a:xfrm>
-            <a:off x="4411265" y="6166647"/>
-            <a:ext cx="1364776" cy="246221"/>
-          </a:xfrm>
-          <a:prstGeom prst="rect">
-            <a:avLst/>
-          </a:prstGeom>
-          <a:noFill/>
-        </p:spPr>
-        <p:txBody>
-          <a:bodyPr wrap="square" rtlCol="0">
-            <a:spAutoFit/>
-          </a:bodyPr>
-          <a:lstStyle/>
-          <a:p>
-            <a:r>
-              <a:rPr lang="en-US" sz="1000">
-                <a:latin typeface="Source Sans Pro" charset="0"/>
-                <a:ea typeface="Source Sans Pro" charset="0"/>
-                <a:cs typeface="Source Sans Pro" charset="0"/>
-              </a:rPr>
-              <a:t>API implementation</a:t>
-            </a:r>
-            <a:endParaRPr lang="en-US" sz="1000" dirty="0">
-              <a:latin typeface="Source Sans Pro" charset="0"/>
-              <a:ea typeface="Source Sans Pro" charset="0"/>
-              <a:cs typeface="Source Sans Pro" charset="0"/>
-            </a:endParaRPr>
-          </a:p>
-        </p:txBody>
-      </p:sp>
-      <p:grpSp>
-        <p:nvGrpSpPr>
-          <p:cNvPr id="81" name="Group 80">
-            <a:extLst>
-              <a:ext uri="{FF2B5EF4-FFF2-40B4-BE49-F238E27FC236}">
-                <a16:creationId xmlns:a16="http://schemas.microsoft.com/office/drawing/2014/main" id="{72764710-D302-4A16-8407-35363F719EC0}"/>
-              </a:ext>
-            </a:extLst>
-          </p:cNvPr>
-          <p:cNvGrpSpPr/>
-          <p:nvPr/>
-        </p:nvGrpSpPr>
-        <p:grpSpPr>
-          <a:xfrm>
-            <a:off x="4257861" y="6248052"/>
-            <a:ext cx="784221" cy="304800"/>
-            <a:chOff x="8104414" y="3712029"/>
-            <a:chExt cx="784221" cy="304800"/>
-          </a:xfrm>
-        </p:grpSpPr>
-        <p:cxnSp>
-          <p:nvCxnSpPr>
-            <p:cNvPr id="82" name="Straight Connector 81">
-              <a:extLst>
-                <a:ext uri="{FF2B5EF4-FFF2-40B4-BE49-F238E27FC236}">
-                  <a16:creationId xmlns:a16="http://schemas.microsoft.com/office/drawing/2014/main" id="{C4011700-DF3E-4EE6-BCFE-B6A707957C42}"/>
-                </a:ext>
-              </a:extLst>
-            </p:cNvPr>
-            <p:cNvCxnSpPr>
-              <a:cxnSpLocks/>
-            </p:cNvCxnSpPr>
-            <p:nvPr/>
-          </p:nvCxnSpPr>
-          <p:spPr>
-            <a:xfrm flipH="1">
-              <a:off x="8251371" y="3866864"/>
-              <a:ext cx="637264" cy="0"/>
-            </a:xfrm>
-            <a:prstGeom prst="line">
-              <a:avLst/>
-            </a:prstGeom>
-            <a:ln w="28575">
-              <a:solidFill>
-                <a:srgbClr val="C00000"/>
-              </a:solidFill>
-              <a:headEnd type="none"/>
-              <a:tailEnd type="none"/>
-            </a:ln>
-          </p:spPr>
-          <p:style>
-            <a:lnRef idx="1">
-              <a:schemeClr val="accent1"/>
-            </a:lnRef>
-            <a:fillRef idx="0">
-              <a:schemeClr val="accent1"/>
-            </a:fillRef>
-            <a:effectRef idx="0">
-              <a:schemeClr val="accent1"/>
-            </a:effectRef>
-            <a:fontRef idx="minor">
-              <a:schemeClr val="tx1"/>
-            </a:fontRef>
-          </p:style>
-        </p:cxnSp>
-        <p:sp>
-          <p:nvSpPr>
-            <p:cNvPr id="83" name="Freeform 24">
-              <a:extLst>
-                <a:ext uri="{FF2B5EF4-FFF2-40B4-BE49-F238E27FC236}">
-                  <a16:creationId xmlns:a16="http://schemas.microsoft.com/office/drawing/2014/main" id="{74DC0043-E211-4CC6-A87F-A6348FA127A8}"/>
-                </a:ext>
-              </a:extLst>
-            </p:cNvPr>
-            <p:cNvSpPr/>
-            <p:nvPr/>
-          </p:nvSpPr>
-          <p:spPr>
-            <a:xfrm>
-              <a:off x="8104414" y="3712029"/>
-              <a:ext cx="146957" cy="304800"/>
-            </a:xfrm>
-            <a:custGeom>
-              <a:avLst/>
-              <a:gdLst>
-                <a:gd name="connsiteX0" fmla="*/ 0 w 146957"/>
-                <a:gd name="connsiteY0" fmla="*/ 0 h 304800"/>
-                <a:gd name="connsiteX1" fmla="*/ 146957 w 146957"/>
-                <a:gd name="connsiteY1" fmla="*/ 0 h 304800"/>
-                <a:gd name="connsiteX2" fmla="*/ 146957 w 146957"/>
-                <a:gd name="connsiteY2" fmla="*/ 304800 h 304800"/>
-                <a:gd name="connsiteX3" fmla="*/ 5443 w 146957"/>
-                <a:gd name="connsiteY3" fmla="*/ 304800 h 304800"/>
-                <a:gd name="connsiteX4" fmla="*/ 5443 w 146957"/>
-                <a:gd name="connsiteY4" fmla="*/ 304800 h 304800"/>
-                <a:gd name="connsiteX5" fmla="*/ 10886 w 146957"/>
-                <a:gd name="connsiteY5" fmla="*/ 304800 h 304800"/>
-              </a:gdLst>
-              <a:ahLst/>
-              <a:cxnLst>
-                <a:cxn ang="0">
-                  <a:pos x="connsiteX0" y="connsiteY0"/>
-                </a:cxn>
-                <a:cxn ang="0">
-                  <a:pos x="connsiteX1" y="connsiteY1"/>
-                </a:cxn>
-                <a:cxn ang="0">
-                  <a:pos x="connsiteX2" y="connsiteY2"/>
-                </a:cxn>
-                <a:cxn ang="0">
-                  <a:pos x="connsiteX3" y="connsiteY3"/>
-                </a:cxn>
-                <a:cxn ang="0">
-                  <a:pos x="connsiteX4" y="connsiteY4"/>
-                </a:cxn>
-                <a:cxn ang="0">
-                  <a:pos x="connsiteX5" y="connsiteY5"/>
-                </a:cxn>
-              </a:cxnLst>
-              <a:rect l="l" t="t" r="r" b="b"/>
-              <a:pathLst>
-                <a:path w="146957" h="304800">
-                  <a:moveTo>
-                    <a:pt x="0" y="0"/>
-                  </a:moveTo>
-                  <a:lnTo>
-                    <a:pt x="146957" y="0"/>
-                  </a:lnTo>
-                  <a:lnTo>
-                    <a:pt x="146957" y="304800"/>
-                  </a:lnTo>
-                  <a:lnTo>
-                    <a:pt x="5443" y="304800"/>
-                  </a:lnTo>
-                  <a:lnTo>
-                    <a:pt x="5443" y="304800"/>
-                  </a:lnTo>
-                  <a:lnTo>
-                    <a:pt x="10886" y="304800"/>
-                  </a:lnTo>
-                </a:path>
-              </a:pathLst>
-            </a:custGeom>
-            <a:noFill/>
-            <a:ln w="28575" cap="rnd">
-              <a:solidFill>
-                <a:srgbClr val="C00000"/>
-              </a:solidFill>
-            </a:ln>
-          </p:spPr>
-          <p:style>
-            <a:lnRef idx="2">
-              <a:schemeClr val="accent1">
-                <a:shade val="50000"/>
-              </a:schemeClr>
-            </a:lnRef>
-            <a:fillRef idx="1">
-              <a:schemeClr val="accent1"/>
-            </a:fillRef>
-            <a:effectRef idx="0">
-              <a:schemeClr val="accent1"/>
-            </a:effectRef>
-            <a:fontRef idx="minor">
-              <a:schemeClr val="lt1"/>
-            </a:fontRef>
-          </p:style>
-          <p:txBody>
-            <a:bodyPr rtlCol="0" anchor="ctr"/>
-            <a:lstStyle/>
-            <a:p>
-              <a:pPr algn="ctr"/>
-              <a:endParaRPr lang="fr-FR"/>
-            </a:p>
-          </p:txBody>
-        </p:sp>
-      </p:grpSp>
-      <p:grpSp>
-        <p:nvGrpSpPr>
-          <p:cNvPr id="84" name="Group 83">
-            <a:extLst>
-              <a:ext uri="{FF2B5EF4-FFF2-40B4-BE49-F238E27FC236}">
-                <a16:creationId xmlns:a16="http://schemas.microsoft.com/office/drawing/2014/main" id="{520CD9B1-CB42-4B35-A579-39DAC62772EF}"/>
-              </a:ext>
-            </a:extLst>
-          </p:cNvPr>
-          <p:cNvGrpSpPr/>
-          <p:nvPr/>
-        </p:nvGrpSpPr>
-        <p:grpSpPr>
-          <a:xfrm>
-            <a:off x="3622726" y="6326469"/>
-            <a:ext cx="705128" cy="147966"/>
-            <a:chOff x="7402610" y="3792299"/>
-            <a:chExt cx="705128" cy="147966"/>
-          </a:xfrm>
-        </p:grpSpPr>
-        <p:cxnSp>
-          <p:nvCxnSpPr>
-            <p:cNvPr id="85" name="Straight Connector 84">
-              <a:extLst>
-                <a:ext uri="{FF2B5EF4-FFF2-40B4-BE49-F238E27FC236}">
-                  <a16:creationId xmlns:a16="http://schemas.microsoft.com/office/drawing/2014/main" id="{72B3376F-1AF5-4468-9B6D-9546884AF020}"/>
-                </a:ext>
-              </a:extLst>
-            </p:cNvPr>
-            <p:cNvCxnSpPr>
-              <a:cxnSpLocks/>
-              <a:stCxn id="86" idx="1"/>
-            </p:cNvCxnSpPr>
-            <p:nvPr/>
-          </p:nvCxnSpPr>
-          <p:spPr>
-            <a:xfrm flipH="1">
-              <a:off x="7402610" y="3866282"/>
-              <a:ext cx="557162" cy="0"/>
-            </a:xfrm>
-            <a:prstGeom prst="line">
-              <a:avLst/>
-            </a:prstGeom>
-            <a:ln w="28575">
-              <a:solidFill>
-                <a:srgbClr val="C00000"/>
-              </a:solidFill>
-              <a:headEnd type="none"/>
-              <a:tailEnd type="none"/>
-            </a:ln>
-          </p:spPr>
-          <p:style>
-            <a:lnRef idx="1">
-              <a:schemeClr val="accent1"/>
-            </a:lnRef>
-            <a:fillRef idx="0">
-              <a:schemeClr val="accent1"/>
-            </a:fillRef>
-            <a:effectRef idx="0">
-              <a:schemeClr val="accent1"/>
-            </a:effectRef>
-            <a:fontRef idx="minor">
-              <a:schemeClr val="tx1"/>
-            </a:fontRef>
-          </p:style>
-        </p:cxnSp>
-        <p:sp>
-          <p:nvSpPr>
-            <p:cNvPr id="86" name="Rectangle 85">
-              <a:extLst>
-                <a:ext uri="{FF2B5EF4-FFF2-40B4-BE49-F238E27FC236}">
-                  <a16:creationId xmlns:a16="http://schemas.microsoft.com/office/drawing/2014/main" id="{01837E2A-96E4-49EE-94D9-D9CDB0E69F1E}"/>
-                </a:ext>
-              </a:extLst>
-            </p:cNvPr>
-            <p:cNvSpPr/>
-            <p:nvPr/>
-          </p:nvSpPr>
-          <p:spPr>
-            <a:xfrm>
-              <a:off x="7959772" y="3792299"/>
-              <a:ext cx="147966" cy="147966"/>
-            </a:xfrm>
-            <a:prstGeom prst="rect">
-              <a:avLst/>
-            </a:prstGeom>
-            <a:solidFill>
-              <a:schemeClr val="bg1"/>
-            </a:solidFill>
-            <a:ln w="28575">
-              <a:solidFill>
-                <a:srgbClr val="C00000"/>
-              </a:solidFill>
-            </a:ln>
-          </p:spPr>
-          <p:style>
-            <a:lnRef idx="2">
-              <a:schemeClr val="accent1">
-                <a:shade val="50000"/>
-              </a:schemeClr>
-            </a:lnRef>
-            <a:fillRef idx="1">
-              <a:schemeClr val="accent1"/>
-            </a:fillRef>
-            <a:effectRef idx="0">
-              <a:schemeClr val="accent1"/>
-            </a:effectRef>
-            <a:fontRef idx="minor">
-              <a:schemeClr val="lt1"/>
-            </a:fontRef>
-          </p:style>
-          <p:txBody>
-            <a:bodyPr rtlCol="0" anchor="ctr"/>
-            <a:lstStyle/>
-            <a:p>
-              <a:pPr algn="ctr"/>
-              <a:endParaRPr lang="fr-FR" sz="1400" dirty="0">
-                <a:solidFill>
-                  <a:schemeClr val="tx2"/>
-                </a:solidFill>
-                <a:latin typeface="Source Sans Pro Light" panose="020B0403030403020204" pitchFamily="34" charset="77"/>
-                <a:ea typeface="Source Sans Pro" panose="020B0503030403020204" pitchFamily="34" charset="0"/>
-              </a:endParaRPr>
-            </a:p>
-          </p:txBody>
-        </p:sp>
-      </p:grpSp>
-      <p:grpSp>
-        <p:nvGrpSpPr>
-          <p:cNvPr id="21" name="Group 20">
-            <a:extLst>
-              <a:ext uri="{FF2B5EF4-FFF2-40B4-BE49-F238E27FC236}">
-                <a16:creationId xmlns:a16="http://schemas.microsoft.com/office/drawing/2014/main" id="{0A06E821-E7BC-4315-946D-63E9FFE386C3}"/>
-              </a:ext>
-            </a:extLst>
-          </p:cNvPr>
-          <p:cNvGrpSpPr/>
-          <p:nvPr/>
-        </p:nvGrpSpPr>
-        <p:grpSpPr>
-          <a:xfrm>
-            <a:off x="4591546" y="3774641"/>
-            <a:ext cx="304800" cy="1458063"/>
-            <a:chOff x="4591546" y="3774641"/>
-            <a:chExt cx="304800" cy="1458063"/>
-          </a:xfrm>
-        </p:grpSpPr>
-        <p:grpSp>
-          <p:nvGrpSpPr>
-            <p:cNvPr id="90" name="Group 89">
-              <a:extLst>
-                <a:ext uri="{FF2B5EF4-FFF2-40B4-BE49-F238E27FC236}">
-                  <a16:creationId xmlns:a16="http://schemas.microsoft.com/office/drawing/2014/main" id="{E29E746F-FA4A-4DF4-8E45-0FDAD9AA4949}"/>
-                </a:ext>
-              </a:extLst>
-            </p:cNvPr>
-            <p:cNvGrpSpPr/>
-            <p:nvPr/>
-          </p:nvGrpSpPr>
-          <p:grpSpPr>
-            <a:xfrm rot="5400000">
-              <a:off x="4388947" y="4053222"/>
-              <a:ext cx="705128" cy="147966"/>
-              <a:chOff x="7402610" y="3792299"/>
-              <a:chExt cx="705128" cy="147966"/>
-            </a:xfrm>
-          </p:grpSpPr>
-          <p:cxnSp>
-            <p:nvCxnSpPr>
-              <p:cNvPr id="91" name="Straight Connector 90">
-                <a:extLst>
-                  <a:ext uri="{FF2B5EF4-FFF2-40B4-BE49-F238E27FC236}">
-                    <a16:creationId xmlns:a16="http://schemas.microsoft.com/office/drawing/2014/main" id="{F96B9EA3-53A3-406F-95A7-1E3E9F23C8E0}"/>
-                  </a:ext>
-                </a:extLst>
-              </p:cNvPr>
-              <p:cNvCxnSpPr>
-                <a:cxnSpLocks/>
-                <a:stCxn id="92" idx="1"/>
-              </p:cNvCxnSpPr>
-              <p:nvPr/>
-            </p:nvCxnSpPr>
-            <p:spPr>
-              <a:xfrm flipH="1">
-                <a:off x="7402610" y="3866282"/>
-                <a:ext cx="557162" cy="0"/>
-              </a:xfrm>
-              <a:prstGeom prst="line">
-                <a:avLst/>
-              </a:prstGeom>
-              <a:ln w="28575">
-                <a:solidFill>
-                  <a:srgbClr val="C00000"/>
-                </a:solidFill>
-                <a:headEnd type="none"/>
-                <a:tailEnd type="none"/>
-              </a:ln>
-            </p:spPr>
-            <p:style>
-              <a:lnRef idx="1">
-                <a:schemeClr val="accent1"/>
-              </a:lnRef>
-              <a:fillRef idx="0">
-                <a:schemeClr val="accent1"/>
-              </a:fillRef>
-              <a:effectRef idx="0">
-                <a:schemeClr val="accent1"/>
-              </a:effectRef>
-              <a:fontRef idx="minor">
-                <a:schemeClr val="tx1"/>
-              </a:fontRef>
-            </p:style>
-          </p:cxnSp>
-          <p:sp>
-            <p:nvSpPr>
-              <p:cNvPr id="92" name="Rectangle 91">
-                <a:extLst>
-                  <a:ext uri="{FF2B5EF4-FFF2-40B4-BE49-F238E27FC236}">
-                    <a16:creationId xmlns:a16="http://schemas.microsoft.com/office/drawing/2014/main" id="{77DCA936-95A9-4F8C-9849-D389463901EC}"/>
-                  </a:ext>
-                </a:extLst>
-              </p:cNvPr>
-              <p:cNvSpPr/>
-              <p:nvPr/>
-            </p:nvSpPr>
-            <p:spPr>
-              <a:xfrm>
-                <a:off x="7959772" y="3792299"/>
-                <a:ext cx="147966" cy="147966"/>
-              </a:xfrm>
-              <a:prstGeom prst="rect">
-                <a:avLst/>
-              </a:prstGeom>
-              <a:solidFill>
-                <a:schemeClr val="bg1"/>
-              </a:solidFill>
-              <a:ln w="28575">
-                <a:solidFill>
-                  <a:srgbClr val="C00000"/>
-                </a:solidFill>
-              </a:ln>
-            </p:spPr>
-            <p:style>
-              <a:lnRef idx="2">
-                <a:schemeClr val="accent1">
-                  <a:shade val="50000"/>
-                </a:schemeClr>
-              </a:lnRef>
-              <a:fillRef idx="1">
-                <a:schemeClr val="accent1"/>
-              </a:fillRef>
-              <a:effectRef idx="0">
-                <a:schemeClr val="accent1"/>
-              </a:effectRef>
-              <a:fontRef idx="minor">
-                <a:schemeClr val="lt1"/>
-              </a:fontRef>
-            </p:style>
-            <p:txBody>
-              <a:bodyPr rtlCol="0" anchor="ctr"/>
-              <a:lstStyle/>
-              <a:p>
-                <a:pPr algn="ctr"/>
-                <a:endParaRPr lang="fr-FR" sz="1400" dirty="0">
-                  <a:solidFill>
-                    <a:schemeClr val="tx2"/>
-                  </a:solidFill>
-                  <a:latin typeface="Source Sans Pro Light" panose="020B0403030403020204" pitchFamily="34" charset="77"/>
-                  <a:ea typeface="Source Sans Pro" panose="020B0503030403020204" pitchFamily="34" charset="0"/>
-                </a:endParaRPr>
-              </a:p>
-            </p:txBody>
-          </p:sp>
-        </p:grpSp>
-        <p:grpSp>
-          <p:nvGrpSpPr>
-            <p:cNvPr id="87" name="Group 86">
-              <a:extLst>
-                <a:ext uri="{FF2B5EF4-FFF2-40B4-BE49-F238E27FC236}">
-                  <a16:creationId xmlns:a16="http://schemas.microsoft.com/office/drawing/2014/main" id="{2BAD2BB2-3068-4743-A7DD-65C8E523AE9D}"/>
-                </a:ext>
-              </a:extLst>
-            </p:cNvPr>
-            <p:cNvGrpSpPr/>
-            <p:nvPr/>
-          </p:nvGrpSpPr>
-          <p:grpSpPr>
-            <a:xfrm rot="5400000">
-              <a:off x="4351835" y="4688194"/>
-              <a:ext cx="784221" cy="304800"/>
-              <a:chOff x="8104414" y="3712029"/>
-              <a:chExt cx="784221" cy="304800"/>
-            </a:xfrm>
-          </p:grpSpPr>
-          <p:cxnSp>
-            <p:nvCxnSpPr>
-              <p:cNvPr id="88" name="Straight Connector 87">
-                <a:extLst>
-                  <a:ext uri="{FF2B5EF4-FFF2-40B4-BE49-F238E27FC236}">
-                    <a16:creationId xmlns:a16="http://schemas.microsoft.com/office/drawing/2014/main" id="{B07B7A0C-2333-49D9-AD42-222768C44D1D}"/>
-                  </a:ext>
-                </a:extLst>
-              </p:cNvPr>
-              <p:cNvCxnSpPr>
-                <a:cxnSpLocks/>
-              </p:cNvCxnSpPr>
-              <p:nvPr/>
-            </p:nvCxnSpPr>
-            <p:spPr>
-              <a:xfrm flipH="1">
-                <a:off x="8251371" y="3866864"/>
-                <a:ext cx="637264" cy="0"/>
-              </a:xfrm>
-              <a:prstGeom prst="line">
-                <a:avLst/>
-              </a:prstGeom>
-              <a:ln w="28575">
-                <a:solidFill>
-                  <a:srgbClr val="C00000"/>
-                </a:solidFill>
-                <a:headEnd type="none"/>
-                <a:tailEnd type="none"/>
-              </a:ln>
-            </p:spPr>
-            <p:style>
-              <a:lnRef idx="1">
-                <a:schemeClr val="accent1"/>
-              </a:lnRef>
-              <a:fillRef idx="0">
-                <a:schemeClr val="accent1"/>
-              </a:fillRef>
-              <a:effectRef idx="0">
-                <a:schemeClr val="accent1"/>
-              </a:effectRef>
-              <a:fontRef idx="minor">
-                <a:schemeClr val="tx1"/>
-              </a:fontRef>
-            </p:style>
-          </p:cxnSp>
-          <p:sp>
-            <p:nvSpPr>
-              <p:cNvPr id="89" name="Freeform 24">
-                <a:extLst>
-                  <a:ext uri="{FF2B5EF4-FFF2-40B4-BE49-F238E27FC236}">
-                    <a16:creationId xmlns:a16="http://schemas.microsoft.com/office/drawing/2014/main" id="{124BF43A-A9FC-41CF-B604-F0F00095A35A}"/>
-                  </a:ext>
-                </a:extLst>
-              </p:cNvPr>
-              <p:cNvSpPr/>
-              <p:nvPr/>
-            </p:nvSpPr>
-            <p:spPr>
-              <a:xfrm>
-                <a:off x="8104414" y="3712029"/>
-                <a:ext cx="146957" cy="304800"/>
-              </a:xfrm>
-              <a:custGeom>
-                <a:avLst/>
-                <a:gdLst>
-                  <a:gd name="connsiteX0" fmla="*/ 0 w 146957"/>
-                  <a:gd name="connsiteY0" fmla="*/ 0 h 304800"/>
-                  <a:gd name="connsiteX1" fmla="*/ 146957 w 146957"/>
-                  <a:gd name="connsiteY1" fmla="*/ 0 h 304800"/>
-                  <a:gd name="connsiteX2" fmla="*/ 146957 w 146957"/>
-                  <a:gd name="connsiteY2" fmla="*/ 304800 h 304800"/>
-                  <a:gd name="connsiteX3" fmla="*/ 5443 w 146957"/>
-                  <a:gd name="connsiteY3" fmla="*/ 304800 h 304800"/>
-                  <a:gd name="connsiteX4" fmla="*/ 5443 w 146957"/>
-                  <a:gd name="connsiteY4" fmla="*/ 304800 h 304800"/>
-                  <a:gd name="connsiteX5" fmla="*/ 10886 w 146957"/>
-                  <a:gd name="connsiteY5" fmla="*/ 304800 h 304800"/>
-                </a:gdLst>
-                <a:ahLst/>
-                <a:cxnLst>
-                  <a:cxn ang="0">
-                    <a:pos x="connsiteX0" y="connsiteY0"/>
-                  </a:cxn>
-                  <a:cxn ang="0">
-                    <a:pos x="connsiteX1" y="connsiteY1"/>
-                  </a:cxn>
-                  <a:cxn ang="0">
-                    <a:pos x="connsiteX2" y="connsiteY2"/>
-                  </a:cxn>
-                  <a:cxn ang="0">
-                    <a:pos x="connsiteX3" y="connsiteY3"/>
-                  </a:cxn>
-                  <a:cxn ang="0">
-                    <a:pos x="connsiteX4" y="connsiteY4"/>
-                  </a:cxn>
-                  <a:cxn ang="0">
-                    <a:pos x="connsiteX5" y="connsiteY5"/>
-                  </a:cxn>
-                </a:cxnLst>
-                <a:rect l="l" t="t" r="r" b="b"/>
-                <a:pathLst>
-                  <a:path w="146957" h="304800">
-                    <a:moveTo>
-                      <a:pt x="0" y="0"/>
-                    </a:moveTo>
-                    <a:lnTo>
-                      <a:pt x="146957" y="0"/>
-                    </a:lnTo>
-                    <a:lnTo>
-                      <a:pt x="146957" y="304800"/>
-                    </a:lnTo>
-                    <a:lnTo>
-                      <a:pt x="5443" y="304800"/>
-                    </a:lnTo>
-                    <a:lnTo>
-                      <a:pt x="5443" y="304800"/>
-                    </a:lnTo>
-                    <a:lnTo>
-                      <a:pt x="10886" y="304800"/>
-                    </a:lnTo>
-                  </a:path>
-                </a:pathLst>
-              </a:custGeom>
-              <a:noFill/>
-              <a:ln w="28575" cap="rnd">
-                <a:solidFill>
-                  <a:srgbClr val="C00000"/>
-                </a:solidFill>
-              </a:ln>
-            </p:spPr>
-            <p:style>
-              <a:lnRef idx="2">
-                <a:schemeClr val="accent1">
-                  <a:shade val="50000"/>
-                </a:schemeClr>
-              </a:lnRef>
-              <a:fillRef idx="1">
-                <a:schemeClr val="accent1"/>
-              </a:fillRef>
-              <a:effectRef idx="0">
-                <a:schemeClr val="accent1"/>
-              </a:effectRef>
-              <a:fontRef idx="minor">
-                <a:schemeClr val="lt1"/>
-              </a:fontRef>
-            </p:style>
-            <p:txBody>
-              <a:bodyPr rtlCol="0" anchor="ctr"/>
-              <a:lstStyle/>
-              <a:p>
-                <a:pPr algn="ctr"/>
-                <a:endParaRPr lang="fr-FR"/>
-              </a:p>
-            </p:txBody>
-          </p:sp>
-        </p:grpSp>
-      </p:grpSp>
-      <p:sp>
-        <p:nvSpPr>
-          <p:cNvPr id="71" name="Rounded Rectangle 34">
-            <a:extLst>
-              <a:ext uri="{FF2B5EF4-FFF2-40B4-BE49-F238E27FC236}">
-                <a16:creationId xmlns:a16="http://schemas.microsoft.com/office/drawing/2014/main" id="{788A856E-20A4-4EA3-86BB-06345D1E4A69}"/>
-              </a:ext>
-            </a:extLst>
-          </p:cNvPr>
-          <p:cNvSpPr/>
-          <p:nvPr/>
-        </p:nvSpPr>
-        <p:spPr>
-          <a:xfrm>
-            <a:off x="4494687" y="4824486"/>
-            <a:ext cx="1793859" cy="519786"/>
-          </a:xfrm>
-          <a:prstGeom prst="roundRect">
-            <a:avLst>
-              <a:gd name="adj" fmla="val 19644"/>
-            </a:avLst>
-          </a:prstGeom>
-          <a:solidFill>
-            <a:srgbClr val="6CC24A"/>
-          </a:solidFill>
-          <a:ln w="12700">
-            <a:noFill/>
-          </a:ln>
-          <a:effectLst/>
-        </p:spPr>
-        <p:style>
-          <a:lnRef idx="2">
-            <a:schemeClr val="dk1"/>
-          </a:lnRef>
-          <a:fillRef idx="1">
-            <a:schemeClr val="lt1"/>
-          </a:fillRef>
-          <a:effectRef idx="0">
-            <a:schemeClr val="dk1"/>
-          </a:effectRef>
-          <a:fontRef idx="minor">
-            <a:schemeClr val="dk1"/>
-          </a:fontRef>
-        </p:style>
-        <p:txBody>
-          <a:bodyPr wrap="square" tIns="36000" bIns="36000" rtlCol="0" anchor="ctr">
-            <a:noAutofit/>
-          </a:bodyPr>
-          <a:lstStyle>
-            <a:defPPr>
-              <a:defRPr lang="en-US"/>
-            </a:defPPr>
-            <a:lvl1pPr marL="0" algn="l" defTabSz="914377" rtl="0" eaLnBrk="1" latinLnBrk="0" hangingPunct="1">
-              <a:defRPr sz="1800" kern="1200">
-                <a:solidFill>
-                  <a:schemeClr val="dk1"/>
-                </a:solidFill>
-                <a:latin typeface="+mn-lt"/>
-                <a:ea typeface="+mn-ea"/>
-                <a:cs typeface="+mn-cs"/>
-              </a:defRPr>
-            </a:lvl1pPr>
-            <a:lvl2pPr marL="457189" algn="l" defTabSz="914377" rtl="0" eaLnBrk="1" latinLnBrk="0" hangingPunct="1">
-              <a:defRPr sz="1800" kern="1200">
-                <a:solidFill>
-                  <a:schemeClr val="dk1"/>
-                </a:solidFill>
-                <a:latin typeface="+mn-lt"/>
-                <a:ea typeface="+mn-ea"/>
-                <a:cs typeface="+mn-cs"/>
-              </a:defRPr>
-            </a:lvl2pPr>
-            <a:lvl3pPr marL="914377" algn="l" defTabSz="914377" rtl="0" eaLnBrk="1" latinLnBrk="0" hangingPunct="1">
-              <a:defRPr sz="1800" kern="1200">
-                <a:solidFill>
-                  <a:schemeClr val="dk1"/>
-                </a:solidFill>
-                <a:latin typeface="+mn-lt"/>
-                <a:ea typeface="+mn-ea"/>
-                <a:cs typeface="+mn-cs"/>
-              </a:defRPr>
-            </a:lvl3pPr>
-            <a:lvl4pPr marL="1371566" algn="l" defTabSz="914377" rtl="0" eaLnBrk="1" latinLnBrk="0" hangingPunct="1">
-              <a:defRPr sz="1800" kern="1200">
-                <a:solidFill>
-                  <a:schemeClr val="dk1"/>
-                </a:solidFill>
-                <a:latin typeface="+mn-lt"/>
-                <a:ea typeface="+mn-ea"/>
-                <a:cs typeface="+mn-cs"/>
-              </a:defRPr>
-            </a:lvl4pPr>
-            <a:lvl5pPr marL="1828754" algn="l" defTabSz="914377" rtl="0" eaLnBrk="1" latinLnBrk="0" hangingPunct="1">
-              <a:defRPr sz="1800" kern="1200">
-                <a:solidFill>
-                  <a:schemeClr val="dk1"/>
-                </a:solidFill>
-                <a:latin typeface="+mn-lt"/>
-                <a:ea typeface="+mn-ea"/>
-                <a:cs typeface="+mn-cs"/>
-              </a:defRPr>
-            </a:lvl5pPr>
-            <a:lvl6pPr marL="2285943" algn="l" defTabSz="914377" rtl="0" eaLnBrk="1" latinLnBrk="0" hangingPunct="1">
-              <a:defRPr sz="1800" kern="1200">
-                <a:solidFill>
-                  <a:schemeClr val="dk1"/>
-                </a:solidFill>
-                <a:latin typeface="+mn-lt"/>
-                <a:ea typeface="+mn-ea"/>
-                <a:cs typeface="+mn-cs"/>
-              </a:defRPr>
-            </a:lvl6pPr>
-            <a:lvl7pPr marL="2743131" algn="l" defTabSz="914377" rtl="0" eaLnBrk="1" latinLnBrk="0" hangingPunct="1">
-              <a:defRPr sz="1800" kern="1200">
-                <a:solidFill>
-                  <a:schemeClr val="dk1"/>
-                </a:solidFill>
-                <a:latin typeface="+mn-lt"/>
-                <a:ea typeface="+mn-ea"/>
-                <a:cs typeface="+mn-cs"/>
-              </a:defRPr>
-            </a:lvl7pPr>
-            <a:lvl8pPr marL="3200320" algn="l" defTabSz="914377" rtl="0" eaLnBrk="1" latinLnBrk="0" hangingPunct="1">
-              <a:defRPr sz="1800" kern="1200">
-                <a:solidFill>
-                  <a:schemeClr val="dk1"/>
-                </a:solidFill>
-                <a:latin typeface="+mn-lt"/>
-                <a:ea typeface="+mn-ea"/>
-                <a:cs typeface="+mn-cs"/>
-              </a:defRPr>
-            </a:lvl8pPr>
-            <a:lvl9pPr marL="3657509" algn="l" defTabSz="914377" rtl="0" eaLnBrk="1" latinLnBrk="0" hangingPunct="1">
-              <a:defRPr sz="1800" kern="1200">
-                <a:solidFill>
-                  <a:schemeClr val="dk1"/>
-                </a:solidFill>
-                <a:latin typeface="+mn-lt"/>
-                <a:ea typeface="+mn-ea"/>
-                <a:cs typeface="+mn-cs"/>
-              </a:defRPr>
-            </a:lvl9pPr>
-          </a:lstStyle>
-          <a:p>
-            <a:pPr algn="ctr"/>
-            <a:endParaRPr lang="en-US" sz="1200" dirty="0">
-              <a:solidFill>
-                <a:schemeClr val="accent1"/>
-              </a:solidFill>
-              <a:latin typeface="Source Sans Pro Light" charset="0"/>
-              <a:ea typeface="Source Sans Pro Light" charset="0"/>
-              <a:cs typeface="Source Sans Pro Light" charset="0"/>
-            </a:endParaRPr>
-          </a:p>
-        </p:txBody>
-      </p:sp>
-      <p:sp>
-        <p:nvSpPr>
-          <p:cNvPr id="4" name="TextBox 3">
-            <a:extLst>
-              <a:ext uri="{FF2B5EF4-FFF2-40B4-BE49-F238E27FC236}">
-                <a16:creationId xmlns:a16="http://schemas.microsoft.com/office/drawing/2014/main" id="{202D8F2A-1594-4AD9-8D81-9ECC90CBB670}"/>
-              </a:ext>
-            </a:extLst>
-          </p:cNvPr>
-          <p:cNvSpPr txBox="1"/>
-          <p:nvPr/>
-        </p:nvSpPr>
-        <p:spPr>
-          <a:xfrm>
-            <a:off x="4559373" y="4982890"/>
-            <a:ext cx="1708085" cy="477054"/>
-          </a:xfrm>
-          <a:prstGeom prst="rect">
-            <a:avLst/>
-          </a:prstGeom>
-          <a:noFill/>
-        </p:spPr>
-        <p:txBody>
-          <a:bodyPr vert="horz" wrap="square" lIns="0" tIns="0" rIns="0" bIns="0" numCol="1" spcCol="288000" rtlCol="0" anchor="t" anchorCtr="0">
-            <a:spAutoFit/>
-          </a:bodyPr>
-          <a:lstStyle/>
-          <a:p>
-            <a:pPr>
-              <a:spcAft>
-                <a:spcPts val="600"/>
-              </a:spcAft>
-            </a:pPr>
-            <a:r>
-              <a:rPr lang="en-US" sz="1200" b="1">
-                <a:solidFill>
-                  <a:schemeClr val="bg1"/>
-                </a:solidFill>
-                <a:latin typeface="Source Sans Pro Semibold" charset="0"/>
-                <a:ea typeface="Source Sans Pro Semibold" charset="0"/>
-                <a:cs typeface="Source Sans Pro Semibold" charset="0"/>
-              </a:rPr>
-              <a:t>Abstraction Layer (.c)</a:t>
-            </a:r>
-            <a:endParaRPr lang="en-US" sz="1200" b="1" i="1">
-              <a:solidFill>
-                <a:schemeClr val="bg1"/>
-              </a:solidFill>
-              <a:latin typeface="Source Sans Pro Semibold" charset="0"/>
-              <a:ea typeface="Source Sans Pro Semibold" charset="0"/>
-              <a:cs typeface="Source Sans Pro Light" charset="0"/>
-            </a:endParaRPr>
-          </a:p>
-          <a:p>
-            <a:pPr algn="l">
-              <a:spcBef>
-                <a:spcPts val="0"/>
-              </a:spcBef>
-              <a:spcAft>
-                <a:spcPts val="600"/>
-              </a:spcAft>
-            </a:pPr>
-            <a:endParaRPr lang="en-US" sz="1400" b="0" i="0" spc="0" dirty="0">
-              <a:ln>
-                <a:noFill/>
-              </a:ln>
-              <a:solidFill>
-                <a:schemeClr val="tx2"/>
-              </a:solidFill>
-              <a:latin typeface="Source Sans Pro Light" charset="0"/>
-              <a:ea typeface="Source Sans Pro Light" charset="0"/>
-              <a:cs typeface="Source Sans Pro Light" charset="0"/>
-            </a:endParaRPr>
-          </a:p>
-        </p:txBody>
-      </p:sp>
-      <p:grpSp>
-        <p:nvGrpSpPr>
-          <p:cNvPr id="17" name="Group 16">
-            <a:extLst>
-              <a:ext uri="{FF2B5EF4-FFF2-40B4-BE49-F238E27FC236}">
-                <a16:creationId xmlns:a16="http://schemas.microsoft.com/office/drawing/2014/main" id="{8937B299-65FD-4443-8857-F69B3423CB70}"/>
-              </a:ext>
-            </a:extLst>
-          </p:cNvPr>
-          <p:cNvGrpSpPr/>
-          <p:nvPr/>
-        </p:nvGrpSpPr>
-        <p:grpSpPr>
-          <a:xfrm>
-            <a:off x="4488004" y="3050488"/>
-            <a:ext cx="1079954" cy="758962"/>
-            <a:chOff x="4367975" y="3085181"/>
-            <a:chExt cx="1079954" cy="758962"/>
-          </a:xfrm>
-        </p:grpSpPr>
-        <p:sp>
-          <p:nvSpPr>
-            <p:cNvPr id="58" name="Rounded Rectangle 34">
-              <a:extLst>
-                <a:ext uri="{FF2B5EF4-FFF2-40B4-BE49-F238E27FC236}">
-                  <a16:creationId xmlns:a16="http://schemas.microsoft.com/office/drawing/2014/main" id="{ECE97921-43C8-49EB-98B8-543AF3171E7D}"/>
-                </a:ext>
-              </a:extLst>
-            </p:cNvPr>
-            <p:cNvSpPr/>
-            <p:nvPr/>
-          </p:nvSpPr>
-          <p:spPr>
-            <a:xfrm>
-              <a:off x="4367975" y="3085181"/>
-              <a:ext cx="1079954" cy="720586"/>
-            </a:xfrm>
-            <a:prstGeom prst="roundRect">
-              <a:avLst>
-                <a:gd name="adj" fmla="val 19644"/>
-              </a:avLst>
-            </a:prstGeom>
-            <a:solidFill>
-              <a:schemeClr val="bg1"/>
-            </a:solidFill>
-            <a:ln w="12700">
-              <a:noFill/>
-            </a:ln>
-            <a:effectLst/>
-          </p:spPr>
-          <p:style>
-            <a:lnRef idx="2">
-              <a:schemeClr val="dk1"/>
-            </a:lnRef>
-            <a:fillRef idx="1">
-              <a:schemeClr val="lt1"/>
-            </a:fillRef>
-            <a:effectRef idx="0">
-              <a:schemeClr val="dk1"/>
-            </a:effectRef>
-            <a:fontRef idx="minor">
-              <a:schemeClr val="dk1"/>
-            </a:fontRef>
-          </p:style>
-          <p:txBody>
-            <a:bodyPr wrap="square" tIns="36000" bIns="36000" rtlCol="0" anchor="ctr">
-              <a:noAutofit/>
-            </a:bodyPr>
-            <a:lstStyle>
-              <a:defPPr>
-                <a:defRPr lang="en-US"/>
-              </a:defPPr>
-              <a:lvl1pPr marL="0" algn="l" defTabSz="914377" rtl="0" eaLnBrk="1" latinLnBrk="0" hangingPunct="1">
-                <a:defRPr sz="1800" kern="1200">
-                  <a:solidFill>
-                    <a:schemeClr val="dk1"/>
-                  </a:solidFill>
-                  <a:latin typeface="+mn-lt"/>
-                  <a:ea typeface="+mn-ea"/>
-                  <a:cs typeface="+mn-cs"/>
-                </a:defRPr>
-              </a:lvl1pPr>
-              <a:lvl2pPr marL="457189" algn="l" defTabSz="914377" rtl="0" eaLnBrk="1" latinLnBrk="0" hangingPunct="1">
-                <a:defRPr sz="1800" kern="1200">
-                  <a:solidFill>
-                    <a:schemeClr val="dk1"/>
-                  </a:solidFill>
-                  <a:latin typeface="+mn-lt"/>
-                  <a:ea typeface="+mn-ea"/>
-                  <a:cs typeface="+mn-cs"/>
-                </a:defRPr>
-              </a:lvl2pPr>
-              <a:lvl3pPr marL="914377" algn="l" defTabSz="914377" rtl="0" eaLnBrk="1" latinLnBrk="0" hangingPunct="1">
-                <a:defRPr sz="1800" kern="1200">
-                  <a:solidFill>
-                    <a:schemeClr val="dk1"/>
-                  </a:solidFill>
-                  <a:latin typeface="+mn-lt"/>
-                  <a:ea typeface="+mn-ea"/>
-                  <a:cs typeface="+mn-cs"/>
-                </a:defRPr>
-              </a:lvl3pPr>
-              <a:lvl4pPr marL="1371566" algn="l" defTabSz="914377" rtl="0" eaLnBrk="1" latinLnBrk="0" hangingPunct="1">
-                <a:defRPr sz="1800" kern="1200">
-                  <a:solidFill>
-                    <a:schemeClr val="dk1"/>
-                  </a:solidFill>
-                  <a:latin typeface="+mn-lt"/>
-                  <a:ea typeface="+mn-ea"/>
-                  <a:cs typeface="+mn-cs"/>
-                </a:defRPr>
-              </a:lvl4pPr>
-              <a:lvl5pPr marL="1828754" algn="l" defTabSz="914377" rtl="0" eaLnBrk="1" latinLnBrk="0" hangingPunct="1">
-                <a:defRPr sz="1800" kern="1200">
-                  <a:solidFill>
-                    <a:schemeClr val="dk1"/>
-                  </a:solidFill>
-                  <a:latin typeface="+mn-lt"/>
-                  <a:ea typeface="+mn-ea"/>
-                  <a:cs typeface="+mn-cs"/>
-                </a:defRPr>
-              </a:lvl5pPr>
-              <a:lvl6pPr marL="2285943" algn="l" defTabSz="914377" rtl="0" eaLnBrk="1" latinLnBrk="0" hangingPunct="1">
-                <a:defRPr sz="1800" kern="1200">
-                  <a:solidFill>
-                    <a:schemeClr val="dk1"/>
-                  </a:solidFill>
-                  <a:latin typeface="+mn-lt"/>
-                  <a:ea typeface="+mn-ea"/>
-                  <a:cs typeface="+mn-cs"/>
-                </a:defRPr>
-              </a:lvl6pPr>
-              <a:lvl7pPr marL="2743131" algn="l" defTabSz="914377" rtl="0" eaLnBrk="1" latinLnBrk="0" hangingPunct="1">
-                <a:defRPr sz="1800" kern="1200">
-                  <a:solidFill>
-                    <a:schemeClr val="dk1"/>
-                  </a:solidFill>
-                  <a:latin typeface="+mn-lt"/>
-                  <a:ea typeface="+mn-ea"/>
-                  <a:cs typeface="+mn-cs"/>
-                </a:defRPr>
-              </a:lvl7pPr>
-              <a:lvl8pPr marL="3200320" algn="l" defTabSz="914377" rtl="0" eaLnBrk="1" latinLnBrk="0" hangingPunct="1">
-                <a:defRPr sz="1800" kern="1200">
-                  <a:solidFill>
-                    <a:schemeClr val="dk1"/>
-                  </a:solidFill>
-                  <a:latin typeface="+mn-lt"/>
-                  <a:ea typeface="+mn-ea"/>
-                  <a:cs typeface="+mn-cs"/>
-                </a:defRPr>
-              </a:lvl8pPr>
-              <a:lvl9pPr marL="3657509" algn="l" defTabSz="914377" rtl="0" eaLnBrk="1" latinLnBrk="0" hangingPunct="1">
-                <a:defRPr sz="1800" kern="1200">
-                  <a:solidFill>
-                    <a:schemeClr val="dk1"/>
-                  </a:solidFill>
-                  <a:latin typeface="+mn-lt"/>
-                  <a:ea typeface="+mn-ea"/>
-                  <a:cs typeface="+mn-cs"/>
-                </a:defRPr>
-              </a:lvl9pPr>
-            </a:lstStyle>
-            <a:p>
-              <a:pPr algn="ctr"/>
-              <a:endParaRPr lang="en-US" sz="1200" dirty="0">
-                <a:solidFill>
-                  <a:schemeClr val="accent1"/>
-                </a:solidFill>
-                <a:latin typeface="Source Sans Pro Light" charset="0"/>
-                <a:ea typeface="Source Sans Pro Light" charset="0"/>
-                <a:cs typeface="Source Sans Pro Light" charset="0"/>
-              </a:endParaRPr>
-            </a:p>
-          </p:txBody>
-        </p:sp>
-        <p:sp>
-          <p:nvSpPr>
-            <p:cNvPr id="6" name="TextBox 5">
-              <a:extLst>
-                <a:ext uri="{FF2B5EF4-FFF2-40B4-BE49-F238E27FC236}">
-                  <a16:creationId xmlns:a16="http://schemas.microsoft.com/office/drawing/2014/main" id="{15EA370B-751E-43D9-8B93-CF3BFD530CF6}"/>
-                </a:ext>
-              </a:extLst>
-            </p:cNvPr>
-            <p:cNvSpPr txBox="1"/>
-            <p:nvPr/>
-          </p:nvSpPr>
-          <p:spPr>
-            <a:xfrm>
-              <a:off x="4444800" y="3182423"/>
-              <a:ext cx="941826" cy="661720"/>
-            </a:xfrm>
-            <a:prstGeom prst="rect">
-              <a:avLst/>
-            </a:prstGeom>
-            <a:noFill/>
-          </p:spPr>
-          <p:txBody>
-            <a:bodyPr vert="horz" wrap="square" lIns="0" tIns="0" rIns="0" bIns="0" numCol="1" spcCol="288000" rtlCol="0" anchor="t" anchorCtr="0">
-              <a:spAutoFit/>
-            </a:bodyPr>
-            <a:lstStyle/>
-            <a:p>
-              <a:pPr algn="ctr">
-                <a:spcAft>
-                  <a:spcPts val="600"/>
-                </a:spcAft>
-              </a:pPr>
-              <a:r>
-                <a:rPr lang="en-US" sz="1200" b="1">
-                  <a:solidFill>
-                    <a:schemeClr val="accent1"/>
-                  </a:solidFill>
-                  <a:latin typeface="Source Sans Pro Light" charset="0"/>
-                  <a:ea typeface="Source Sans Pro Light" charset="0"/>
-                  <a:cs typeface="Source Sans Pro Light" charset="0"/>
-                </a:rPr>
-                <a:t>Low Level API (.h)</a:t>
-              </a:r>
-            </a:p>
-            <a:p>
-              <a:pPr algn="l">
-                <a:spcBef>
-                  <a:spcPts val="0"/>
-                </a:spcBef>
-                <a:spcAft>
-                  <a:spcPts val="600"/>
-                </a:spcAft>
-              </a:pPr>
-              <a:endParaRPr lang="en-US" sz="1400" b="0" i="0" spc="0" dirty="0">
-                <a:ln>
-                  <a:noFill/>
-                </a:ln>
-                <a:solidFill>
-                  <a:schemeClr val="tx2"/>
-                </a:solidFill>
-                <a:latin typeface="Source Sans Pro Light" charset="0"/>
-                <a:ea typeface="Source Sans Pro Light" charset="0"/>
-                <a:cs typeface="Source Sans Pro Light" charset="0"/>
-              </a:endParaRPr>
-            </a:p>
-          </p:txBody>
-        </p:sp>
-      </p:grpSp>
-      <p:grpSp>
-        <p:nvGrpSpPr>
-          <p:cNvPr id="97" name="Group 96">
-            <a:extLst>
-              <a:ext uri="{FF2B5EF4-FFF2-40B4-BE49-F238E27FC236}">
-                <a16:creationId xmlns:a16="http://schemas.microsoft.com/office/drawing/2014/main" id="{AE739680-D8EF-4519-B44A-96BA1278332C}"/>
-              </a:ext>
-            </a:extLst>
-          </p:cNvPr>
-          <p:cNvGrpSpPr/>
-          <p:nvPr/>
-        </p:nvGrpSpPr>
-        <p:grpSpPr>
-          <a:xfrm rot="16200000">
-            <a:off x="6199448" y="2750257"/>
-            <a:ext cx="689513" cy="133444"/>
-            <a:chOff x="7377124" y="4249584"/>
-            <a:chExt cx="705126" cy="144282"/>
-          </a:xfrm>
-        </p:grpSpPr>
-        <p:cxnSp>
-          <p:nvCxnSpPr>
-            <p:cNvPr id="98" name="Straight Connector 97">
-              <a:extLst>
-                <a:ext uri="{FF2B5EF4-FFF2-40B4-BE49-F238E27FC236}">
-                  <a16:creationId xmlns:a16="http://schemas.microsoft.com/office/drawing/2014/main" id="{7ED33038-E4DE-41CE-A8DE-5ED4DED35386}"/>
-                </a:ext>
-              </a:extLst>
-            </p:cNvPr>
-            <p:cNvCxnSpPr>
-              <a:cxnSpLocks/>
-              <a:stCxn id="99" idx="2"/>
-            </p:cNvCxnSpPr>
-            <p:nvPr/>
-          </p:nvCxnSpPr>
-          <p:spPr>
-            <a:xfrm flipH="1" flipV="1">
-              <a:off x="7377124" y="4318421"/>
-              <a:ext cx="560844" cy="3304"/>
-            </a:xfrm>
-            <a:prstGeom prst="line">
-              <a:avLst/>
-            </a:prstGeom>
-            <a:ln w="28575">
-              <a:solidFill>
-                <a:srgbClr val="C00000"/>
-              </a:solidFill>
-              <a:headEnd type="none"/>
-            </a:ln>
-          </p:spPr>
-          <p:style>
-            <a:lnRef idx="1">
-              <a:schemeClr val="accent1"/>
-            </a:lnRef>
-            <a:fillRef idx="0">
-              <a:schemeClr val="accent1"/>
-            </a:fillRef>
-            <a:effectRef idx="0">
-              <a:schemeClr val="accent1"/>
-            </a:effectRef>
-            <a:fontRef idx="minor">
-              <a:schemeClr val="tx1"/>
-            </a:fontRef>
-          </p:style>
-        </p:cxnSp>
-        <p:sp>
-          <p:nvSpPr>
-            <p:cNvPr id="99" name="Oval 98">
-              <a:extLst>
-                <a:ext uri="{FF2B5EF4-FFF2-40B4-BE49-F238E27FC236}">
-                  <a16:creationId xmlns:a16="http://schemas.microsoft.com/office/drawing/2014/main" id="{89A1CA37-AAE3-4DD0-B364-4775A874315A}"/>
-                </a:ext>
-              </a:extLst>
-            </p:cNvPr>
-            <p:cNvSpPr/>
-            <p:nvPr/>
-          </p:nvSpPr>
-          <p:spPr>
-            <a:xfrm>
-              <a:off x="7937968" y="4249584"/>
-              <a:ext cx="144282" cy="144282"/>
-            </a:xfrm>
-            <a:prstGeom prst="ellipse">
-              <a:avLst/>
-            </a:prstGeom>
-            <a:solidFill>
-              <a:schemeClr val="bg1"/>
-            </a:solidFill>
-            <a:ln w="28575">
-              <a:solidFill>
-                <a:srgbClr val="C00000"/>
-              </a:solidFill>
-            </a:ln>
-          </p:spPr>
-          <p:style>
-            <a:lnRef idx="2">
-              <a:schemeClr val="accent1">
-                <a:shade val="50000"/>
-              </a:schemeClr>
-            </a:lnRef>
-            <a:fillRef idx="1">
-              <a:schemeClr val="accent1"/>
-            </a:fillRef>
-            <a:effectRef idx="0">
-              <a:schemeClr val="accent1"/>
-            </a:effectRef>
-            <a:fontRef idx="minor">
-              <a:schemeClr val="lt1"/>
-            </a:fontRef>
-          </p:style>
-          <p:txBody>
-            <a:bodyPr rtlCol="0" anchor="ctr"/>
-            <a:lstStyle/>
-            <a:p>
-              <a:pPr algn="ctr"/>
-              <a:endParaRPr lang="fr-FR" sz="1400" dirty="0">
-                <a:solidFill>
-                  <a:schemeClr val="tx2"/>
-                </a:solidFill>
-                <a:latin typeface="Source Sans Pro Light" panose="020B0403030403020204" pitchFamily="34" charset="77"/>
-                <a:ea typeface="Source Sans Pro" panose="020B0503030403020204" pitchFamily="34" charset="0"/>
-              </a:endParaRPr>
-            </a:p>
-          </p:txBody>
-        </p:sp>
-      </p:grpSp>
-      <p:grpSp>
-        <p:nvGrpSpPr>
-          <p:cNvPr id="18" name="Group 17">
-            <a:extLst>
-              <a:ext uri="{FF2B5EF4-FFF2-40B4-BE49-F238E27FC236}">
-                <a16:creationId xmlns:a16="http://schemas.microsoft.com/office/drawing/2014/main" id="{E503366A-E022-4211-B6D8-25E6197352DE}"/>
-              </a:ext>
-            </a:extLst>
-          </p:cNvPr>
-          <p:cNvGrpSpPr/>
-          <p:nvPr/>
-        </p:nvGrpSpPr>
-        <p:grpSpPr>
-          <a:xfrm>
-            <a:off x="5683337" y="3052282"/>
-            <a:ext cx="960080" cy="287920"/>
-            <a:chOff x="6144005" y="3072660"/>
-            <a:chExt cx="714101" cy="720586"/>
-          </a:xfrm>
-        </p:grpSpPr>
-        <p:sp>
-          <p:nvSpPr>
-            <p:cNvPr id="56" name="Rounded Rectangle 34">
-              <a:extLst>
-                <a:ext uri="{FF2B5EF4-FFF2-40B4-BE49-F238E27FC236}">
-                  <a16:creationId xmlns:a16="http://schemas.microsoft.com/office/drawing/2014/main" id="{DC12FCAD-A68A-4957-B1E5-25B0CC3A840A}"/>
-                </a:ext>
-              </a:extLst>
-            </p:cNvPr>
-            <p:cNvSpPr/>
-            <p:nvPr/>
-          </p:nvSpPr>
-          <p:spPr>
-            <a:xfrm>
-              <a:off x="6144005" y="3072660"/>
-              <a:ext cx="714101" cy="720586"/>
-            </a:xfrm>
-            <a:prstGeom prst="roundRect">
-              <a:avLst>
-                <a:gd name="adj" fmla="val 19644"/>
-              </a:avLst>
-            </a:prstGeom>
-            <a:solidFill>
-              <a:schemeClr val="bg1"/>
-            </a:solidFill>
-            <a:ln w="12700">
-              <a:noFill/>
-            </a:ln>
-            <a:effectLst/>
-          </p:spPr>
-          <p:style>
-            <a:lnRef idx="2">
-              <a:schemeClr val="dk1"/>
-            </a:lnRef>
-            <a:fillRef idx="1">
-              <a:schemeClr val="lt1"/>
-            </a:fillRef>
-            <a:effectRef idx="0">
-              <a:schemeClr val="dk1"/>
-            </a:effectRef>
-            <a:fontRef idx="minor">
-              <a:schemeClr val="dk1"/>
-            </a:fontRef>
-          </p:style>
-          <p:txBody>
-            <a:bodyPr wrap="square" tIns="36000" bIns="36000" rtlCol="0" anchor="ctr">
-              <a:noAutofit/>
-            </a:bodyPr>
-            <a:lstStyle>
-              <a:defPPr>
-                <a:defRPr lang="en-US"/>
-              </a:defPPr>
-              <a:lvl1pPr marL="0" algn="l" defTabSz="914377" rtl="0" eaLnBrk="1" latinLnBrk="0" hangingPunct="1">
-                <a:defRPr sz="1800" kern="1200">
-                  <a:solidFill>
-                    <a:schemeClr val="dk1"/>
-                  </a:solidFill>
-                  <a:latin typeface="+mn-lt"/>
-                  <a:ea typeface="+mn-ea"/>
-                  <a:cs typeface="+mn-cs"/>
-                </a:defRPr>
-              </a:lvl1pPr>
-              <a:lvl2pPr marL="457189" algn="l" defTabSz="914377" rtl="0" eaLnBrk="1" latinLnBrk="0" hangingPunct="1">
-                <a:defRPr sz="1800" kern="1200">
-                  <a:solidFill>
-                    <a:schemeClr val="dk1"/>
-                  </a:solidFill>
-                  <a:latin typeface="+mn-lt"/>
-                  <a:ea typeface="+mn-ea"/>
-                  <a:cs typeface="+mn-cs"/>
-                </a:defRPr>
-              </a:lvl2pPr>
-              <a:lvl3pPr marL="914377" algn="l" defTabSz="914377" rtl="0" eaLnBrk="1" latinLnBrk="0" hangingPunct="1">
-                <a:defRPr sz="1800" kern="1200">
-                  <a:solidFill>
-                    <a:schemeClr val="dk1"/>
-                  </a:solidFill>
-                  <a:latin typeface="+mn-lt"/>
-                  <a:ea typeface="+mn-ea"/>
-                  <a:cs typeface="+mn-cs"/>
-                </a:defRPr>
-              </a:lvl3pPr>
-              <a:lvl4pPr marL="1371566" algn="l" defTabSz="914377" rtl="0" eaLnBrk="1" latinLnBrk="0" hangingPunct="1">
-                <a:defRPr sz="1800" kern="1200">
-                  <a:solidFill>
-                    <a:schemeClr val="dk1"/>
-                  </a:solidFill>
-                  <a:latin typeface="+mn-lt"/>
-                  <a:ea typeface="+mn-ea"/>
-                  <a:cs typeface="+mn-cs"/>
-                </a:defRPr>
-              </a:lvl4pPr>
-              <a:lvl5pPr marL="1828754" algn="l" defTabSz="914377" rtl="0" eaLnBrk="1" latinLnBrk="0" hangingPunct="1">
-                <a:defRPr sz="1800" kern="1200">
-                  <a:solidFill>
-                    <a:schemeClr val="dk1"/>
-                  </a:solidFill>
-                  <a:latin typeface="+mn-lt"/>
-                  <a:ea typeface="+mn-ea"/>
-                  <a:cs typeface="+mn-cs"/>
-                </a:defRPr>
-              </a:lvl5pPr>
-              <a:lvl6pPr marL="2285943" algn="l" defTabSz="914377" rtl="0" eaLnBrk="1" latinLnBrk="0" hangingPunct="1">
-                <a:defRPr sz="1800" kern="1200">
-                  <a:solidFill>
-                    <a:schemeClr val="dk1"/>
-                  </a:solidFill>
-                  <a:latin typeface="+mn-lt"/>
-                  <a:ea typeface="+mn-ea"/>
-                  <a:cs typeface="+mn-cs"/>
-                </a:defRPr>
-              </a:lvl6pPr>
-              <a:lvl7pPr marL="2743131" algn="l" defTabSz="914377" rtl="0" eaLnBrk="1" latinLnBrk="0" hangingPunct="1">
-                <a:defRPr sz="1800" kern="1200">
-                  <a:solidFill>
-                    <a:schemeClr val="dk1"/>
-                  </a:solidFill>
-                  <a:latin typeface="+mn-lt"/>
-                  <a:ea typeface="+mn-ea"/>
-                  <a:cs typeface="+mn-cs"/>
-                </a:defRPr>
-              </a:lvl7pPr>
-              <a:lvl8pPr marL="3200320" algn="l" defTabSz="914377" rtl="0" eaLnBrk="1" latinLnBrk="0" hangingPunct="1">
-                <a:defRPr sz="1800" kern="1200">
-                  <a:solidFill>
-                    <a:schemeClr val="dk1"/>
-                  </a:solidFill>
-                  <a:latin typeface="+mn-lt"/>
-                  <a:ea typeface="+mn-ea"/>
-                  <a:cs typeface="+mn-cs"/>
-                </a:defRPr>
-              </a:lvl8pPr>
-              <a:lvl9pPr marL="3657509" algn="l" defTabSz="914377" rtl="0" eaLnBrk="1" latinLnBrk="0" hangingPunct="1">
-                <a:defRPr sz="1800" kern="1200">
-                  <a:solidFill>
-                    <a:schemeClr val="dk1"/>
-                  </a:solidFill>
-                  <a:latin typeface="+mn-lt"/>
-                  <a:ea typeface="+mn-ea"/>
-                  <a:cs typeface="+mn-cs"/>
-                </a:defRPr>
-              </a:lvl9pPr>
-            </a:lstStyle>
-            <a:p>
-              <a:pPr algn="ctr"/>
-              <a:endParaRPr lang="en-US" sz="1200" dirty="0">
-                <a:solidFill>
-                  <a:schemeClr val="accent1"/>
-                </a:solidFill>
-                <a:latin typeface="Source Sans Pro Light" charset="0"/>
-                <a:ea typeface="Source Sans Pro Light" charset="0"/>
-                <a:cs typeface="Source Sans Pro Light" charset="0"/>
-              </a:endParaRPr>
-            </a:p>
-          </p:txBody>
-        </p:sp>
-        <p:sp>
-          <p:nvSpPr>
-            <p:cNvPr id="5" name="TextBox 4">
-              <a:extLst>
-                <a:ext uri="{FF2B5EF4-FFF2-40B4-BE49-F238E27FC236}">
-                  <a16:creationId xmlns:a16="http://schemas.microsoft.com/office/drawing/2014/main" id="{4E3C49FA-3C8E-4D1F-997F-4F768C05C6E6}"/>
-                </a:ext>
-              </a:extLst>
-            </p:cNvPr>
-            <p:cNvSpPr txBox="1"/>
-            <p:nvPr/>
-          </p:nvSpPr>
-          <p:spPr>
-            <a:xfrm>
-              <a:off x="6144005" y="3112759"/>
-              <a:ext cx="714101" cy="477054"/>
-            </a:xfrm>
-            <a:prstGeom prst="rect">
-              <a:avLst/>
-            </a:prstGeom>
-            <a:noFill/>
-          </p:spPr>
-          <p:txBody>
-            <a:bodyPr vert="horz" wrap="square" lIns="0" tIns="0" rIns="0" bIns="0" numCol="1" spcCol="288000" rtlCol="0" anchor="t" anchorCtr="0">
-              <a:spAutoFit/>
-            </a:bodyPr>
-            <a:lstStyle/>
-            <a:p>
-              <a:pPr algn="ctr">
-                <a:spcAft>
-                  <a:spcPts val="600"/>
-                </a:spcAft>
-              </a:pPr>
-              <a:r>
-                <a:rPr lang="en-US" sz="1200" b="1">
-                  <a:solidFill>
-                    <a:schemeClr val="accent1"/>
-                  </a:solidFill>
-                  <a:latin typeface="Source Sans Pro Light" charset="0"/>
-                  <a:ea typeface="Source Sans Pro Light" charset="0"/>
-                  <a:cs typeface="Source Sans Pro Light" charset="0"/>
-                </a:rPr>
-                <a:t>Java API</a:t>
-              </a:r>
-            </a:p>
-            <a:p>
-              <a:pPr algn="ctr">
-                <a:spcBef>
-                  <a:spcPts val="0"/>
-                </a:spcBef>
-                <a:spcAft>
-                  <a:spcPts val="600"/>
-                </a:spcAft>
-              </a:pPr>
-              <a:endParaRPr lang="en-US" sz="1400" b="0" i="0" spc="0" dirty="0">
-                <a:ln>
-                  <a:noFill/>
-                </a:ln>
-                <a:solidFill>
-                  <a:schemeClr val="tx2"/>
-                </a:solidFill>
-                <a:latin typeface="Source Sans Pro Light" charset="0"/>
-                <a:ea typeface="Source Sans Pro Light" charset="0"/>
-                <a:cs typeface="Source Sans Pro Light" charset="0"/>
-              </a:endParaRPr>
-            </a:p>
-          </p:txBody>
-        </p:sp>
-      </p:grpSp>
-      <p:grpSp>
-        <p:nvGrpSpPr>
-          <p:cNvPr id="114" name="Group 113">
-            <a:extLst>
-              <a:ext uri="{FF2B5EF4-FFF2-40B4-BE49-F238E27FC236}">
-                <a16:creationId xmlns:a16="http://schemas.microsoft.com/office/drawing/2014/main" id="{779A5F72-B19F-4D1E-A1E2-08151C1C103E}"/>
-              </a:ext>
-            </a:extLst>
-          </p:cNvPr>
-          <p:cNvGrpSpPr/>
-          <p:nvPr/>
-        </p:nvGrpSpPr>
-        <p:grpSpPr>
-          <a:xfrm rot="16200000">
-            <a:off x="5905077" y="2003956"/>
-            <a:ext cx="1284479" cy="323422"/>
-            <a:chOff x="7861038" y="4165151"/>
-            <a:chExt cx="960928" cy="323422"/>
-          </a:xfrm>
-        </p:grpSpPr>
-        <p:cxnSp>
-          <p:nvCxnSpPr>
-            <p:cNvPr id="115" name="Straight Connector 114">
-              <a:extLst>
-                <a:ext uri="{FF2B5EF4-FFF2-40B4-BE49-F238E27FC236}">
-                  <a16:creationId xmlns:a16="http://schemas.microsoft.com/office/drawing/2014/main" id="{10FF921C-C202-4346-B03A-3DC4AFCEF93D}"/>
-                </a:ext>
-              </a:extLst>
-            </p:cNvPr>
-            <p:cNvCxnSpPr>
-              <a:cxnSpLocks/>
-            </p:cNvCxnSpPr>
-            <p:nvPr/>
-          </p:nvCxnSpPr>
-          <p:spPr>
-            <a:xfrm flipH="1">
-              <a:off x="8184460" y="4321726"/>
-              <a:ext cx="637506" cy="0"/>
-            </a:xfrm>
-            <a:prstGeom prst="line">
-              <a:avLst/>
-            </a:prstGeom>
-            <a:ln w="28575">
-              <a:solidFill>
-                <a:schemeClr val="accent1">
-                  <a:lumMod val="75000"/>
-                </a:schemeClr>
-              </a:solidFill>
-              <a:headEnd type="none"/>
-            </a:ln>
-          </p:spPr>
-          <p:style>
-            <a:lnRef idx="1">
-              <a:schemeClr val="accent1"/>
-            </a:lnRef>
-            <a:fillRef idx="0">
-              <a:schemeClr val="accent1"/>
-            </a:fillRef>
-            <a:effectRef idx="0">
-              <a:schemeClr val="accent1"/>
-            </a:effectRef>
-            <a:fontRef idx="minor">
-              <a:schemeClr val="tx1"/>
-            </a:fontRef>
-          </p:style>
-        </p:cxnSp>
-        <p:sp>
-          <p:nvSpPr>
-            <p:cNvPr id="116" name="Arc 115">
-              <a:extLst>
-                <a:ext uri="{FF2B5EF4-FFF2-40B4-BE49-F238E27FC236}">
-                  <a16:creationId xmlns:a16="http://schemas.microsoft.com/office/drawing/2014/main" id="{651AF6BE-538A-43D9-8253-B28A23FBF812}"/>
-                </a:ext>
-              </a:extLst>
-            </p:cNvPr>
-            <p:cNvSpPr/>
-            <p:nvPr/>
-          </p:nvSpPr>
-          <p:spPr>
-            <a:xfrm>
-              <a:off x="7861038" y="4165151"/>
-              <a:ext cx="323422" cy="323422"/>
-            </a:xfrm>
-            <a:prstGeom prst="arc">
-              <a:avLst>
-                <a:gd name="adj1" fmla="val 16200000"/>
-                <a:gd name="adj2" fmla="val 5338930"/>
-              </a:avLst>
-            </a:prstGeom>
-            <a:ln w="28575">
-              <a:solidFill>
-                <a:schemeClr val="accent1">
-                  <a:lumMod val="75000"/>
-                </a:schemeClr>
-              </a:solidFill>
-            </a:ln>
-          </p:spPr>
-          <p:style>
-            <a:lnRef idx="1">
-              <a:schemeClr val="accent1"/>
-            </a:lnRef>
-            <a:fillRef idx="0">
-              <a:schemeClr val="accent1"/>
-            </a:fillRef>
-            <a:effectRef idx="0">
-              <a:schemeClr val="accent1"/>
-            </a:effectRef>
-            <a:fontRef idx="minor">
-              <a:schemeClr val="tx1"/>
-            </a:fontRef>
-          </p:style>
-          <p:txBody>
-            <a:bodyPr rtlCol="0" anchor="ctr"/>
-            <a:lstStyle/>
-            <a:p>
-              <a:pPr algn="ctr"/>
-              <a:endParaRPr lang="fr-FR"/>
-            </a:p>
-          </p:txBody>
-        </p:sp>
-      </p:grpSp>
-      <p:grpSp>
-        <p:nvGrpSpPr>
-          <p:cNvPr id="118" name="Group 117">
-            <a:extLst>
-              <a:ext uri="{FF2B5EF4-FFF2-40B4-BE49-F238E27FC236}">
-                <a16:creationId xmlns:a16="http://schemas.microsoft.com/office/drawing/2014/main" id="{F2D0C141-A715-49EB-8E22-0E772252C514}"/>
-              </a:ext>
-            </a:extLst>
-          </p:cNvPr>
-          <p:cNvGrpSpPr/>
-          <p:nvPr/>
-        </p:nvGrpSpPr>
-        <p:grpSpPr>
-          <a:xfrm>
-            <a:off x="5696420" y="3440618"/>
-            <a:ext cx="960080" cy="493076"/>
-            <a:chOff x="6144005" y="3072660"/>
-            <a:chExt cx="714101" cy="1234036"/>
-          </a:xfrm>
-        </p:grpSpPr>
-        <p:sp>
-          <p:nvSpPr>
-            <p:cNvPr id="119" name="Rounded Rectangle 34">
-              <a:extLst>
-                <a:ext uri="{FF2B5EF4-FFF2-40B4-BE49-F238E27FC236}">
-                  <a16:creationId xmlns:a16="http://schemas.microsoft.com/office/drawing/2014/main" id="{B129A170-0A87-401F-92B9-B7E5384B7ECD}"/>
-                </a:ext>
-              </a:extLst>
-            </p:cNvPr>
-            <p:cNvSpPr/>
-            <p:nvPr/>
-          </p:nvSpPr>
-          <p:spPr>
-            <a:xfrm>
-              <a:off x="6144005" y="3072660"/>
-              <a:ext cx="714101" cy="720586"/>
-            </a:xfrm>
-            <a:prstGeom prst="roundRect">
-              <a:avLst>
-                <a:gd name="adj" fmla="val 19644"/>
-              </a:avLst>
-            </a:prstGeom>
-            <a:solidFill>
-              <a:schemeClr val="bg1"/>
-            </a:solidFill>
-            <a:ln w="12700">
-              <a:noFill/>
-            </a:ln>
-            <a:effectLst/>
-          </p:spPr>
-          <p:style>
-            <a:lnRef idx="2">
-              <a:schemeClr val="dk1"/>
-            </a:lnRef>
-            <a:fillRef idx="1">
-              <a:schemeClr val="lt1"/>
-            </a:fillRef>
-            <a:effectRef idx="0">
-              <a:schemeClr val="dk1"/>
-            </a:effectRef>
-            <a:fontRef idx="minor">
-              <a:schemeClr val="dk1"/>
-            </a:fontRef>
-          </p:style>
-          <p:txBody>
-            <a:bodyPr wrap="square" tIns="36000" bIns="36000" rtlCol="0" anchor="ctr">
-              <a:noAutofit/>
-            </a:bodyPr>
-            <a:lstStyle>
-              <a:defPPr>
-                <a:defRPr lang="en-US"/>
-              </a:defPPr>
-              <a:lvl1pPr marL="0" algn="l" defTabSz="914377" rtl="0" eaLnBrk="1" latinLnBrk="0" hangingPunct="1">
-                <a:defRPr sz="1800" kern="1200">
-                  <a:solidFill>
-                    <a:schemeClr val="dk1"/>
-                  </a:solidFill>
-                  <a:latin typeface="+mn-lt"/>
-                  <a:ea typeface="+mn-ea"/>
-                  <a:cs typeface="+mn-cs"/>
-                </a:defRPr>
-              </a:lvl1pPr>
-              <a:lvl2pPr marL="457189" algn="l" defTabSz="914377" rtl="0" eaLnBrk="1" latinLnBrk="0" hangingPunct="1">
-                <a:defRPr sz="1800" kern="1200">
-                  <a:solidFill>
-                    <a:schemeClr val="dk1"/>
-                  </a:solidFill>
-                  <a:latin typeface="+mn-lt"/>
-                  <a:ea typeface="+mn-ea"/>
-                  <a:cs typeface="+mn-cs"/>
-                </a:defRPr>
-              </a:lvl2pPr>
-              <a:lvl3pPr marL="914377" algn="l" defTabSz="914377" rtl="0" eaLnBrk="1" latinLnBrk="0" hangingPunct="1">
-                <a:defRPr sz="1800" kern="1200">
-                  <a:solidFill>
-                    <a:schemeClr val="dk1"/>
-                  </a:solidFill>
-                  <a:latin typeface="+mn-lt"/>
-                  <a:ea typeface="+mn-ea"/>
-                  <a:cs typeface="+mn-cs"/>
-                </a:defRPr>
-              </a:lvl3pPr>
-              <a:lvl4pPr marL="1371566" algn="l" defTabSz="914377" rtl="0" eaLnBrk="1" latinLnBrk="0" hangingPunct="1">
-                <a:defRPr sz="1800" kern="1200">
-                  <a:solidFill>
-                    <a:schemeClr val="dk1"/>
-                  </a:solidFill>
-                  <a:latin typeface="+mn-lt"/>
-                  <a:ea typeface="+mn-ea"/>
-                  <a:cs typeface="+mn-cs"/>
-                </a:defRPr>
-              </a:lvl4pPr>
-              <a:lvl5pPr marL="1828754" algn="l" defTabSz="914377" rtl="0" eaLnBrk="1" latinLnBrk="0" hangingPunct="1">
-                <a:defRPr sz="1800" kern="1200">
-                  <a:solidFill>
-                    <a:schemeClr val="dk1"/>
-                  </a:solidFill>
-                  <a:latin typeface="+mn-lt"/>
-                  <a:ea typeface="+mn-ea"/>
-                  <a:cs typeface="+mn-cs"/>
-                </a:defRPr>
-              </a:lvl5pPr>
-              <a:lvl6pPr marL="2285943" algn="l" defTabSz="914377" rtl="0" eaLnBrk="1" latinLnBrk="0" hangingPunct="1">
-                <a:defRPr sz="1800" kern="1200">
-                  <a:solidFill>
-                    <a:schemeClr val="dk1"/>
-                  </a:solidFill>
-                  <a:latin typeface="+mn-lt"/>
-                  <a:ea typeface="+mn-ea"/>
-                  <a:cs typeface="+mn-cs"/>
-                </a:defRPr>
-              </a:lvl6pPr>
-              <a:lvl7pPr marL="2743131" algn="l" defTabSz="914377" rtl="0" eaLnBrk="1" latinLnBrk="0" hangingPunct="1">
-                <a:defRPr sz="1800" kern="1200">
-                  <a:solidFill>
-                    <a:schemeClr val="dk1"/>
-                  </a:solidFill>
-                  <a:latin typeface="+mn-lt"/>
-                  <a:ea typeface="+mn-ea"/>
-                  <a:cs typeface="+mn-cs"/>
-                </a:defRPr>
-              </a:lvl7pPr>
-              <a:lvl8pPr marL="3200320" algn="l" defTabSz="914377" rtl="0" eaLnBrk="1" latinLnBrk="0" hangingPunct="1">
-                <a:defRPr sz="1800" kern="1200">
-                  <a:solidFill>
-                    <a:schemeClr val="dk1"/>
-                  </a:solidFill>
-                  <a:latin typeface="+mn-lt"/>
-                  <a:ea typeface="+mn-ea"/>
-                  <a:cs typeface="+mn-cs"/>
-                </a:defRPr>
-              </a:lvl8pPr>
-              <a:lvl9pPr marL="3657509" algn="l" defTabSz="914377" rtl="0" eaLnBrk="1" latinLnBrk="0" hangingPunct="1">
-                <a:defRPr sz="1800" kern="1200">
-                  <a:solidFill>
-                    <a:schemeClr val="dk1"/>
-                  </a:solidFill>
-                  <a:latin typeface="+mn-lt"/>
-                  <a:ea typeface="+mn-ea"/>
-                  <a:cs typeface="+mn-cs"/>
-                </a:defRPr>
-              </a:lvl9pPr>
-            </a:lstStyle>
-            <a:p>
-              <a:pPr algn="ctr"/>
-              <a:endParaRPr lang="en-US" sz="1200" dirty="0">
-                <a:solidFill>
-                  <a:schemeClr val="accent1"/>
-                </a:solidFill>
-                <a:latin typeface="Source Sans Pro Light" charset="0"/>
-                <a:ea typeface="Source Sans Pro Light" charset="0"/>
-                <a:cs typeface="Source Sans Pro Light" charset="0"/>
-              </a:endParaRPr>
-            </a:p>
-          </p:txBody>
-        </p:sp>
-        <p:sp>
-          <p:nvSpPr>
-            <p:cNvPr id="120" name="TextBox 119">
-              <a:extLst>
-                <a:ext uri="{FF2B5EF4-FFF2-40B4-BE49-F238E27FC236}">
-                  <a16:creationId xmlns:a16="http://schemas.microsoft.com/office/drawing/2014/main" id="{A61F10C7-DB0E-4E5A-B170-8B7E230ECABC}"/>
-                </a:ext>
-              </a:extLst>
-            </p:cNvPr>
-            <p:cNvSpPr txBox="1"/>
-            <p:nvPr/>
-          </p:nvSpPr>
-          <p:spPr>
-            <a:xfrm>
-              <a:off x="6144005" y="3112759"/>
-              <a:ext cx="714101" cy="1193937"/>
-            </a:xfrm>
-            <a:prstGeom prst="rect">
-              <a:avLst/>
-            </a:prstGeom>
-            <a:noFill/>
-          </p:spPr>
-          <p:txBody>
-            <a:bodyPr vert="horz" wrap="square" lIns="0" tIns="0" rIns="0" bIns="0" numCol="1" spcCol="288000" rtlCol="0" anchor="t" anchorCtr="0">
-              <a:spAutoFit/>
-            </a:bodyPr>
-            <a:lstStyle/>
-            <a:p>
-              <a:pPr algn="ctr">
-                <a:spcAft>
-                  <a:spcPts val="600"/>
-                </a:spcAft>
-              </a:pPr>
-              <a:r>
-                <a:rPr lang="en-US" sz="1200" b="1">
-                  <a:solidFill>
-                    <a:schemeClr val="accent1"/>
-                  </a:solidFill>
-                  <a:latin typeface="Source Sans Pro Light" charset="0"/>
-                  <a:ea typeface="Source Sans Pro Light" charset="0"/>
-                  <a:cs typeface="Source Sans Pro Light" charset="0"/>
-                </a:rPr>
-                <a:t>Java Impl</a:t>
-              </a:r>
-            </a:p>
-            <a:p>
-              <a:pPr algn="ctr">
-                <a:spcBef>
-                  <a:spcPts val="0"/>
-                </a:spcBef>
-                <a:spcAft>
-                  <a:spcPts val="600"/>
-                </a:spcAft>
-              </a:pPr>
-              <a:endParaRPr lang="en-US" sz="1400" b="0" i="0" spc="0" dirty="0">
-                <a:ln>
-                  <a:noFill/>
-                </a:ln>
-                <a:solidFill>
-                  <a:schemeClr val="tx2"/>
-                </a:solidFill>
-                <a:latin typeface="Source Sans Pro Light" charset="0"/>
-                <a:ea typeface="Source Sans Pro Light" charset="0"/>
-                <a:cs typeface="Source Sans Pro Light" charset="0"/>
-              </a:endParaRPr>
-            </a:p>
-          </p:txBody>
-        </p:sp>
-      </p:grpSp>
-    </p:spTree>
-    <p:extLst>
-      <p:ext uri="{BB962C8B-B14F-4D97-AF65-F5344CB8AC3E}">
-        <p14:creationId xmlns:p14="http://schemas.microsoft.com/office/powerpoint/2010/main" val="3152416020"/>
-      </p:ext>
-    </p:extLst>
-  </p:cSld>
-  <p:clrMapOvr>
-    <a:masterClrMapping/>
-  </p:clrMapOvr>
-</p:sld>
-</file>
-
-<file path=ppt/slides/slide2.xml><?xml version="1.0" encoding="utf-8"?>
 <p:sld xmlns:a="http://schemas.openxmlformats.org/drawingml/2006/main" xmlns:r="http://schemas.openxmlformats.org/officeDocument/2006/relationships" xmlns:p="http://schemas.openxmlformats.org/presentationml/2006/main">
   <p:cSld>
     <p:spTree>
@@ -14687,75 +10762,6 @@
           </a:p>
         </p:txBody>
       </p:sp>
-      <p:sp>
-        <p:nvSpPr>
-          <p:cNvPr id="16" name="Rounded Rectangle 27">
-            <a:extLst>
-              <a:ext uri="{FF2B5EF4-FFF2-40B4-BE49-F238E27FC236}">
-                <a16:creationId xmlns:a16="http://schemas.microsoft.com/office/drawing/2014/main" id="{FB2D2FDB-1130-4471-A4CA-253134086998}"/>
-              </a:ext>
-            </a:extLst>
-          </p:cNvPr>
-          <p:cNvSpPr/>
-          <p:nvPr/>
-        </p:nvSpPr>
-        <p:spPr>
-          <a:xfrm>
-            <a:off x="7426660" y="2569651"/>
-            <a:ext cx="761996" cy="288974"/>
-          </a:xfrm>
-          <a:prstGeom prst="roundRect">
-            <a:avLst>
-              <a:gd name="adj" fmla="val 13128"/>
-            </a:avLst>
-          </a:prstGeom>
-          <a:solidFill>
-            <a:schemeClr val="accent1"/>
-          </a:solidFill>
-          <a:ln w="12700">
-            <a:noFill/>
-          </a:ln>
-          <a:effectLst/>
-        </p:spPr>
-        <p:style>
-          <a:lnRef idx="2">
-            <a:schemeClr val="dk1"/>
-          </a:lnRef>
-          <a:fillRef idx="1">
-            <a:schemeClr val="lt1"/>
-          </a:fillRef>
-          <a:effectRef idx="0">
-            <a:schemeClr val="dk1"/>
-          </a:effectRef>
-          <a:fontRef idx="minor">
-            <a:schemeClr val="dk1"/>
-          </a:fontRef>
-        </p:style>
-        <p:txBody>
-          <a:bodyPr wrap="square" lIns="0" tIns="72000" rIns="0" bIns="36000" rtlCol="0" anchor="ctr">
-            <a:noAutofit/>
-          </a:bodyPr>
-          <a:lstStyle/>
-          <a:p>
-            <a:pPr algn="ctr">
-              <a:lnSpc>
-                <a:spcPts val="1000"/>
-              </a:lnSpc>
-            </a:pPr>
-            <a:r>
-              <a:rPr lang="en-US" sz="1000" dirty="0">
-                <a:solidFill>
-                  <a:schemeClr val="bg1"/>
-                </a:solidFill>
-                <a:latin typeface="Source Sans Pro Light" charset="0"/>
-                <a:ea typeface="Source Sans Pro Light" charset="0"/>
-                <a:cs typeface="Source Sans Pro Light" charset="0"/>
-              </a:rPr>
-              <a:t>Scheduler</a:t>
-            </a:r>
-          </a:p>
-        </p:txBody>
-      </p:sp>
       <p:cxnSp>
         <p:nvCxnSpPr>
           <p:cNvPr id="17" name="Straight Connector 16">
@@ -14772,7 +10778,7 @@
         </p:nvCxnSpPr>
         <p:spPr>
           <a:xfrm>
-            <a:off x="4018961" y="3391127"/>
+            <a:off x="4017563" y="3392108"/>
             <a:ext cx="1771705" cy="14307"/>
           </a:xfrm>
           <a:prstGeom prst="line">
@@ -15135,7 +11141,7 @@
         </p:nvSpPr>
         <p:spPr>
           <a:xfrm>
-            <a:off x="4128857" y="3299006"/>
+            <a:off x="4130467" y="3290657"/>
             <a:ext cx="1661808" cy="136256"/>
           </a:xfrm>
           <a:prstGeom prst="rect">
@@ -16473,8 +12479,8 @@
         </p:nvSpPr>
         <p:spPr>
           <a:xfrm>
-            <a:off x="3888630" y="890315"/>
-            <a:ext cx="4434230" cy="1381880"/>
+            <a:off x="3888630" y="668329"/>
+            <a:ext cx="4434230" cy="1603866"/>
           </a:xfrm>
           <a:prstGeom prst="roundRect">
             <a:avLst>
@@ -16551,8 +12557,8 @@
         </p:nvSpPr>
         <p:spPr>
           <a:xfrm>
-            <a:off x="3995807" y="1723611"/>
-            <a:ext cx="4236261" cy="445873"/>
+            <a:off x="3995807" y="1313813"/>
+            <a:ext cx="4236261" cy="855671"/>
           </a:xfrm>
           <a:prstGeom prst="roundRect">
             <a:avLst>
@@ -16637,79 +12643,6 @@
       </p:sp>
       <p:sp>
         <p:nvSpPr>
-          <p:cNvPr id="35" name="Rounded Rectangle 25">
-            <a:extLst>
-              <a:ext uri="{FF2B5EF4-FFF2-40B4-BE49-F238E27FC236}">
-                <a16:creationId xmlns:a16="http://schemas.microsoft.com/office/drawing/2014/main" id="{5AFA9529-4A4D-4A47-877E-977E31DE840A}"/>
-              </a:ext>
-            </a:extLst>
-          </p:cNvPr>
-          <p:cNvSpPr/>
-          <p:nvPr/>
-        </p:nvSpPr>
-        <p:spPr>
-          <a:xfrm>
-            <a:off x="3995808" y="1282534"/>
-            <a:ext cx="4236259" cy="387367"/>
-          </a:xfrm>
-          <a:prstGeom prst="roundRect">
-            <a:avLst>
-              <a:gd name="adj" fmla="val 10601"/>
-            </a:avLst>
-          </a:prstGeom>
-          <a:solidFill>
-            <a:schemeClr val="accent1">
-              <a:lumMod val="75000"/>
-            </a:schemeClr>
-          </a:solidFill>
-          <a:ln w="12700">
-            <a:noFill/>
-          </a:ln>
-          <a:effectLst>
-            <a:innerShdw blurRad="114300">
-              <a:prstClr val="black">
-                <a:alpha val="49000"/>
-              </a:prstClr>
-            </a:innerShdw>
-          </a:effectLst>
-        </p:spPr>
-        <p:style>
-          <a:lnRef idx="2">
-            <a:schemeClr val="dk1"/>
-          </a:lnRef>
-          <a:fillRef idx="1">
-            <a:schemeClr val="lt1"/>
-          </a:fillRef>
-          <a:effectRef idx="0">
-            <a:schemeClr val="dk1"/>
-          </a:effectRef>
-          <a:fontRef idx="minor">
-            <a:schemeClr val="dk1"/>
-          </a:fontRef>
-        </p:style>
-        <p:txBody>
-          <a:bodyPr wrap="square" lIns="108000" tIns="0" bIns="0" rtlCol="0" anchor="ctr">
-            <a:noAutofit/>
-          </a:bodyPr>
-          <a:lstStyle/>
-          <a:p>
-            <a:pPr lvl="0" algn="ctr"/>
-            <a:r>
-              <a:rPr lang="en-US" sz="1600" b="1" dirty="0">
-                <a:solidFill>
-                  <a:schemeClr val="bg1"/>
-                </a:solidFill>
-                <a:latin typeface="Source Sans Pro" charset="0"/>
-                <a:ea typeface="Source Sans Pro" charset="0"/>
-                <a:cs typeface="Source Sans Pro" charset="0"/>
-              </a:rPr>
-              <a:t>ADD-ON LIBRARIES</a:t>
-            </a:r>
-          </a:p>
-        </p:txBody>
-      </p:sp>
-      <p:sp>
-        <p:nvSpPr>
           <p:cNvPr id="36" name="Rectangle 35">
             <a:extLst>
               <a:ext uri="{FF2B5EF4-FFF2-40B4-BE49-F238E27FC236}">
@@ -16771,8 +12704,8 @@
         </p:nvSpPr>
         <p:spPr>
           <a:xfrm>
-            <a:off x="5592604" y="1801684"/>
-            <a:ext cx="432000" cy="289727"/>
+            <a:off x="5540051" y="1375411"/>
+            <a:ext cx="966130" cy="289727"/>
           </a:xfrm>
           <a:prstGeom prst="roundRect">
             <a:avLst>
@@ -16809,7 +12742,7 @@
           <a:p>
             <a:pPr algn="ctr"/>
             <a:r>
-              <a:rPr lang="en-US" sz="1200" dirty="0">
+              <a:rPr lang="en-US" sz="1200">
                 <a:solidFill>
                   <a:schemeClr val="accent1"/>
                 </a:solidFill>
@@ -16817,8 +12750,16 @@
                 <a:ea typeface="Source Sans Pro Light" charset="0"/>
                 <a:cs typeface="Source Sans Pro Light" charset="0"/>
               </a:rPr>
-              <a:t>EDC</a:t>
-            </a:r>
+              <a:t>EDC/BON/SNI</a:t>
+            </a:r>
+            <a:endParaRPr lang="en-US" sz="1200" dirty="0">
+              <a:solidFill>
+                <a:schemeClr val="accent1"/>
+              </a:solidFill>
+              <a:latin typeface="Source Sans Pro Light" charset="0"/>
+              <a:ea typeface="Source Sans Pro Light" charset="0"/>
+              <a:cs typeface="Source Sans Pro Light" charset="0"/>
+            </a:endParaRPr>
           </a:p>
         </p:txBody>
       </p:sp>
@@ -16836,8 +12777,8 @@
         </p:nvSpPr>
         <p:spPr>
           <a:xfrm>
-            <a:off x="7190311" y="1801684"/>
-            <a:ext cx="432000" cy="289727"/>
+            <a:off x="5590892" y="1772251"/>
+            <a:ext cx="432224" cy="289727"/>
           </a:xfrm>
           <a:prstGeom prst="roundRect">
             <a:avLst>
@@ -16901,8 +12842,8 @@
         </p:nvSpPr>
         <p:spPr>
           <a:xfrm>
-            <a:off x="7722878" y="1801684"/>
-            <a:ext cx="432000" cy="289727"/>
+            <a:off x="6140052" y="1778346"/>
+            <a:ext cx="496843" cy="289727"/>
           </a:xfrm>
           <a:prstGeom prst="roundRect">
             <a:avLst>
@@ -16974,8 +12915,8 @@
         </p:nvSpPr>
         <p:spPr>
           <a:xfrm rot="10800000">
-            <a:off x="4036898" y="882576"/>
-            <a:ext cx="4117979" cy="333565"/>
+            <a:off x="4050727" y="661618"/>
+            <a:ext cx="4117979" cy="533936"/>
           </a:xfrm>
           <a:prstGeom prst="round2SameRect">
             <a:avLst>
@@ -17021,10 +12962,10 @@
       </p:sp>
       <p:sp>
         <p:nvSpPr>
-          <p:cNvPr id="41" name="Rounded Rectangle 89">
+          <p:cNvPr id="42" name="Rounded Rectangle 90">
             <a:extLst>
               <a:ext uri="{FF2B5EF4-FFF2-40B4-BE49-F238E27FC236}">
-                <a16:creationId xmlns:a16="http://schemas.microsoft.com/office/drawing/2014/main" id="{475D2FC1-61CB-4EF2-AFDC-7597566326CD}"/>
+                <a16:creationId xmlns:a16="http://schemas.microsoft.com/office/drawing/2014/main" id="{56EE1FCE-39FD-4692-A452-8C7DE1DF4BB9}"/>
               </a:ext>
             </a:extLst>
           </p:cNvPr>
@@ -17033,8 +12974,8 @@
         </p:nvSpPr>
         <p:spPr>
           <a:xfrm>
-            <a:off x="6125173" y="1801684"/>
-            <a:ext cx="432000" cy="289727"/>
+            <a:off x="6727798" y="1782221"/>
+            <a:ext cx="491856" cy="289727"/>
           </a:xfrm>
           <a:prstGeom prst="roundRect">
             <a:avLst>
@@ -17071,7 +13012,7 @@
           <a:p>
             <a:pPr algn="ctr"/>
             <a:r>
-              <a:rPr lang="en-US" sz="1200" dirty="0">
+              <a:rPr lang="en-US" sz="1200">
                 <a:solidFill>
                   <a:schemeClr val="accent1"/>
                 </a:solidFill>
@@ -17079,17 +13020,25 @@
                 <a:ea typeface="Source Sans Pro Light" charset="0"/>
                 <a:cs typeface="Source Sans Pro Light" charset="0"/>
               </a:rPr>
-              <a:t>BON</a:t>
-            </a:r>
+              <a:t>UI</a:t>
+            </a:r>
+            <a:endParaRPr lang="en-US" sz="1200" dirty="0">
+              <a:solidFill>
+                <a:schemeClr val="accent1"/>
+              </a:solidFill>
+              <a:latin typeface="Source Sans Pro Light" charset="0"/>
+              <a:ea typeface="Source Sans Pro Light" charset="0"/>
+              <a:cs typeface="Source Sans Pro Light" charset="0"/>
+            </a:endParaRPr>
           </a:p>
         </p:txBody>
       </p:sp>
       <p:sp>
         <p:nvSpPr>
-          <p:cNvPr id="42" name="Rounded Rectangle 90">
+          <p:cNvPr id="49" name="Rounded Rectangle 106">
             <a:extLst>
               <a:ext uri="{FF2B5EF4-FFF2-40B4-BE49-F238E27FC236}">
-                <a16:creationId xmlns:a16="http://schemas.microsoft.com/office/drawing/2014/main" id="{56EE1FCE-39FD-4692-A452-8C7DE1DF4BB9}"/>
+                <a16:creationId xmlns:a16="http://schemas.microsoft.com/office/drawing/2014/main" id="{956B3E53-9FF5-4CC2-90EB-5E4E16D589EC}"/>
               </a:ext>
             </a:extLst>
           </p:cNvPr>
@@ -17098,8 +13047,114 @@
         </p:nvSpPr>
         <p:spPr>
           <a:xfrm>
-            <a:off x="6657742" y="1801684"/>
-            <a:ext cx="432000" cy="289727"/>
+            <a:off x="4525950" y="624722"/>
+            <a:ext cx="3080118" cy="490415"/>
+          </a:xfrm>
+          <a:prstGeom prst="roundRect">
+            <a:avLst>
+              <a:gd name="adj" fmla="val 12311"/>
+            </a:avLst>
+          </a:prstGeom>
+          <a:solidFill>
+            <a:schemeClr val="bg1"/>
+          </a:solidFill>
+          <a:ln w="12700">
+            <a:solidFill>
+              <a:schemeClr val="bg2"/>
+            </a:solidFill>
+          </a:ln>
+        </p:spPr>
+        <p:style>
+          <a:lnRef idx="2">
+            <a:schemeClr val="dk1"/>
+          </a:lnRef>
+          <a:fillRef idx="1">
+            <a:schemeClr val="lt1"/>
+          </a:fillRef>
+          <a:effectRef idx="0">
+            <a:schemeClr val="dk1"/>
+          </a:effectRef>
+          <a:fontRef idx="minor">
+            <a:schemeClr val="dk1"/>
+          </a:fontRef>
+        </p:style>
+        <p:txBody>
+          <a:bodyPr tIns="36000" bIns="0" rtlCol="0" anchor="ctr"/>
+          <a:lstStyle/>
+          <a:p>
+            <a:pPr algn="ctr">
+              <a:lnSpc>
+                <a:spcPts val="1600"/>
+              </a:lnSpc>
+              <a:spcBef>
+                <a:spcPts val="100"/>
+              </a:spcBef>
+              <a:spcAft>
+                <a:spcPts val="100"/>
+              </a:spcAft>
+            </a:pPr>
+            <a:r>
+              <a:rPr lang="en-US" sz="1600" b="1">
+                <a:solidFill>
+                  <a:schemeClr val="tx1"/>
+                </a:solidFill>
+                <a:latin typeface="Source Sans Pro" charset="0"/>
+                <a:ea typeface="Source Sans Pro" charset="0"/>
+                <a:cs typeface="Source Sans Pro" charset="0"/>
+              </a:rPr>
+              <a:t>PLATFORM QUALIFICATION</a:t>
+            </a:r>
+          </a:p>
+          <a:p>
+            <a:pPr algn="ctr">
+              <a:lnSpc>
+                <a:spcPts val="1600"/>
+              </a:lnSpc>
+              <a:spcBef>
+                <a:spcPts val="100"/>
+              </a:spcBef>
+              <a:spcAft>
+                <a:spcPts val="100"/>
+              </a:spcAft>
+            </a:pPr>
+            <a:r>
+              <a:rPr lang="en-US" sz="1600" b="1">
+                <a:solidFill>
+                  <a:schemeClr val="tx1"/>
+                </a:solidFill>
+                <a:latin typeface="Source Sans Pro" charset="0"/>
+                <a:ea typeface="Source Sans Pro" charset="0"/>
+                <a:cs typeface="Source Sans Pro" charset="0"/>
+              </a:rPr>
+              <a:t>TEST SUITES</a:t>
+            </a:r>
+            <a:endParaRPr lang="en-US" sz="1200" dirty="0">
+              <a:solidFill>
+                <a:schemeClr val="tx1"/>
+              </a:solidFill>
+              <a:latin typeface="Source Sans Pro" charset="0"/>
+              <a:ea typeface="Source Sans Pro" charset="0"/>
+              <a:cs typeface="Source Sans Pro" charset="0"/>
+            </a:endParaRPr>
+          </a:p>
+        </p:txBody>
+      </p:sp>
+      <p:sp>
+        <p:nvSpPr>
+          <p:cNvPr id="57" name="Rounded Rectangle 36">
+            <a:extLst>
+              <a:ext uri="{FF2B5EF4-FFF2-40B4-BE49-F238E27FC236}">
+                <a16:creationId xmlns:a16="http://schemas.microsoft.com/office/drawing/2014/main" id="{0A5158FD-9466-4398-A724-D9FBF38AB2DD}"/>
+              </a:ext>
+            </a:extLst>
+          </p:cNvPr>
+          <p:cNvSpPr/>
+          <p:nvPr/>
+        </p:nvSpPr>
+        <p:spPr>
+          <a:xfrm>
+            <a:off x="6589664" y="1387036"/>
+            <a:ext cx="491856" cy="289727"/>
           </a:xfrm>
           <a:prstGeom prst="roundRect">
             <a:avLst>
@@ -17136,7 +13191,7 @@
           <a:p>
             <a:pPr algn="ctr"/>
             <a:r>
-              <a:rPr lang="en-US" sz="1200" dirty="0">
+              <a:rPr lang="en-US" sz="1200">
                 <a:solidFill>
                   <a:schemeClr val="accent1"/>
                 </a:solidFill>
@@ -17144,17 +13199,25 @@
                 <a:ea typeface="Source Sans Pro Light" charset="0"/>
                 <a:cs typeface="Source Sans Pro Light" charset="0"/>
               </a:rPr>
-              <a:t>SNI</a:t>
-            </a:r>
+              <a:t>BLE</a:t>
+            </a:r>
+            <a:endParaRPr lang="en-US" sz="1200" dirty="0">
+              <a:solidFill>
+                <a:schemeClr val="accent1"/>
+              </a:solidFill>
+              <a:latin typeface="Source Sans Pro Light" charset="0"/>
+              <a:ea typeface="Source Sans Pro Light" charset="0"/>
+              <a:cs typeface="Source Sans Pro Light" charset="0"/>
+            </a:endParaRPr>
           </a:p>
         </p:txBody>
       </p:sp>
       <p:sp>
         <p:nvSpPr>
-          <p:cNvPr id="43" name="Rounded Rectangle 93">
+          <p:cNvPr id="67" name="Rounded Rectangle 36">
             <a:extLst>
               <a:ext uri="{FF2B5EF4-FFF2-40B4-BE49-F238E27FC236}">
-                <a16:creationId xmlns:a16="http://schemas.microsoft.com/office/drawing/2014/main" id="{FFE9E1E3-8810-4463-82D9-6D369ECBFF46}"/>
+                <a16:creationId xmlns:a16="http://schemas.microsoft.com/office/drawing/2014/main" id="{E14819C6-5E29-49D0-BC3F-119F5E90B7F9}"/>
               </a:ext>
             </a:extLst>
           </p:cNvPr>
@@ -17163,16 +13226,16 @@
         </p:nvSpPr>
         <p:spPr>
           <a:xfrm>
-            <a:off x="6256451" y="2574666"/>
-            <a:ext cx="1055685" cy="288974"/>
+            <a:off x="7165003" y="1393238"/>
+            <a:ext cx="776075" cy="289727"/>
           </a:xfrm>
           <a:prstGeom prst="roundRect">
             <a:avLst>
-              <a:gd name="adj" fmla="val 13128"/>
+              <a:gd name="adj" fmla="val 19644"/>
             </a:avLst>
           </a:prstGeom>
           <a:solidFill>
-            <a:schemeClr val="accent1"/>
+            <a:schemeClr val="bg1"/>
           </a:solidFill>
           <a:ln w="12700">
             <a:noFill/>
@@ -17194,68 +13257,12 @@
           </a:fontRef>
         </p:style>
         <p:txBody>
-          <a:bodyPr wrap="square" lIns="0" tIns="72000" rIns="0" bIns="36000" rtlCol="0" anchor="ctr">
+          <a:bodyPr wrap="square" lIns="36000" tIns="36000" rIns="36000" bIns="36000" rtlCol="0" anchor="ctr">
             <a:noAutofit/>
           </a:bodyPr>
           <a:lstStyle/>
           <a:p>
-            <a:pPr algn="ctr">
-              <a:lnSpc>
-                <a:spcPts val="1000"/>
-              </a:lnSpc>
-            </a:pPr>
-            <a:r>
-              <a:rPr lang="en-US" sz="1000" dirty="0">
-                <a:solidFill>
-                  <a:schemeClr val="bg1"/>
-                </a:solidFill>
-                <a:latin typeface="Source Sans Pro Light" charset="0"/>
-                <a:ea typeface="Source Sans Pro Light" charset="0"/>
-                <a:cs typeface="Source Sans Pro Light" charset="0"/>
-              </a:rPr>
-              <a:t>Garbage Collector</a:t>
-            </a:r>
-          </a:p>
-        </p:txBody>
-      </p:sp>
-      <p:sp>
-        <p:nvSpPr>
-          <p:cNvPr id="44" name="Rounded Rectangle 72">
-            <a:extLst>
-              <a:ext uri="{FF2B5EF4-FFF2-40B4-BE49-F238E27FC236}">
-                <a16:creationId xmlns:a16="http://schemas.microsoft.com/office/drawing/2014/main" id="{26838D83-73D9-4EE8-B028-07A26CF06DA8}"/>
-              </a:ext>
-            </a:extLst>
-          </p:cNvPr>
-          <p:cNvSpPr/>
-          <p:nvPr/>
-        </p:nvSpPr>
-        <p:spPr>
-          <a:xfrm>
-            <a:off x="5920573" y="3072238"/>
-            <a:ext cx="654874" cy="152839"/>
-          </a:xfrm>
-          <a:prstGeom prst="roundRect">
-            <a:avLst>
-              <a:gd name="adj" fmla="val 50000"/>
-            </a:avLst>
-          </a:prstGeom>
-          <a:solidFill>
-            <a:schemeClr val="bg1"/>
-          </a:solidFill>
-          <a:ln w="28575" cap="flat" cmpd="sng" algn="ctr">
-            <a:noFill/>
-            <a:prstDash val="solid"/>
-          </a:ln>
-          <a:effectLst/>
-        </p:spPr>
-        <p:txBody>
-          <a:bodyPr lIns="36000" rIns="36000" rtlCol="0" anchor="ctr"/>
-          <a:lstStyle/>
-          <a:p>
-            <a:pPr algn="ctr">
-              <a:defRPr/>
-            </a:pPr>
+            <a:pPr algn="ctr"/>
             <a:r>
               <a:rPr lang="en-US" sz="1200">
                 <a:solidFill>
@@ -17265,13 +13272,11 @@
                 <a:ea typeface="Source Sans Pro Light" charset="0"/>
                 <a:cs typeface="Source Sans Pro Light" charset="0"/>
               </a:rPr>
-              <a:t>LLMJVM</a:t>
+              <a:t>SECURITY</a:t>
             </a:r>
             <a:endParaRPr lang="en-US" sz="1200" dirty="0">
               <a:solidFill>
-                <a:srgbClr val="4B5357">
-                  <a:lumMod val="75000"/>
-                </a:srgbClr>
+                <a:schemeClr val="accent1"/>
               </a:solidFill>
               <a:latin typeface="Source Sans Pro Light" charset="0"/>
               <a:ea typeface="Source Sans Pro Light" charset="0"/>
@@ -17280,12 +13285,2337 @@
           </a:p>
         </p:txBody>
       </p:sp>
+      <p:sp>
+        <p:nvSpPr>
+          <p:cNvPr id="68" name="Rounded Rectangle 36">
+            <a:extLst>
+              <a:ext uri="{FF2B5EF4-FFF2-40B4-BE49-F238E27FC236}">
+                <a16:creationId xmlns:a16="http://schemas.microsoft.com/office/drawing/2014/main" id="{345F8078-5AD7-4313-976B-FF5854FA83F6}"/>
+              </a:ext>
+            </a:extLst>
+          </p:cNvPr>
+          <p:cNvSpPr/>
+          <p:nvPr/>
+        </p:nvSpPr>
+        <p:spPr>
+          <a:xfrm>
+            <a:off x="7276892" y="1776660"/>
+            <a:ext cx="670390" cy="289727"/>
+          </a:xfrm>
+          <a:prstGeom prst="roundRect">
+            <a:avLst>
+              <a:gd name="adj" fmla="val 19644"/>
+            </a:avLst>
+          </a:prstGeom>
+          <a:solidFill>
+            <a:schemeClr val="bg1"/>
+          </a:solidFill>
+          <a:ln w="12700">
+            <a:noFill/>
+          </a:ln>
+          <a:effectLst/>
+        </p:spPr>
+        <p:style>
+          <a:lnRef idx="2">
+            <a:schemeClr val="dk1"/>
+          </a:lnRef>
+          <a:fillRef idx="1">
+            <a:schemeClr val="lt1"/>
+          </a:fillRef>
+          <a:effectRef idx="0">
+            <a:schemeClr val="dk1"/>
+          </a:effectRef>
+          <a:fontRef idx="minor">
+            <a:schemeClr val="dk1"/>
+          </a:fontRef>
+        </p:style>
+        <p:txBody>
+          <a:bodyPr wrap="square" lIns="36000" tIns="36000" rIns="36000" bIns="36000" rtlCol="0" anchor="ctr">
+            <a:noAutofit/>
+          </a:bodyPr>
+          <a:lstStyle/>
+          <a:p>
+            <a:pPr algn="ctr"/>
+            <a:r>
+              <a:rPr lang="en-US" sz="1200">
+                <a:solidFill>
+                  <a:schemeClr val="accent1"/>
+                </a:solidFill>
+                <a:latin typeface="Source Sans Pro Light" charset="0"/>
+                <a:ea typeface="Source Sans Pro Light" charset="0"/>
+                <a:cs typeface="Source Sans Pro Light" charset="0"/>
+              </a:rPr>
+              <a:t>ECOM</a:t>
+            </a:r>
+            <a:endParaRPr lang="en-US" sz="1200" dirty="0">
+              <a:solidFill>
+                <a:schemeClr val="accent1"/>
+              </a:solidFill>
+              <a:latin typeface="Source Sans Pro Light" charset="0"/>
+              <a:ea typeface="Source Sans Pro Light" charset="0"/>
+              <a:cs typeface="Source Sans Pro Light" charset="0"/>
+            </a:endParaRPr>
+          </a:p>
+        </p:txBody>
+      </p:sp>
+      <p:sp>
+        <p:nvSpPr>
+          <p:cNvPr id="70" name="Rounded Rectangle 36">
+            <a:extLst>
+              <a:ext uri="{FF2B5EF4-FFF2-40B4-BE49-F238E27FC236}">
+                <a16:creationId xmlns:a16="http://schemas.microsoft.com/office/drawing/2014/main" id="{A125550A-6756-4680-877C-0B751345D136}"/>
+              </a:ext>
+            </a:extLst>
+          </p:cNvPr>
+          <p:cNvSpPr/>
+          <p:nvPr/>
+        </p:nvSpPr>
+        <p:spPr>
+          <a:xfrm>
+            <a:off x="5900610" y="3163378"/>
+            <a:ext cx="670390" cy="289727"/>
+          </a:xfrm>
+          <a:prstGeom prst="roundRect">
+            <a:avLst>
+              <a:gd name="adj" fmla="val 19644"/>
+            </a:avLst>
+          </a:prstGeom>
+          <a:solidFill>
+            <a:schemeClr val="bg1"/>
+          </a:solidFill>
+          <a:ln w="12700">
+            <a:noFill/>
+          </a:ln>
+          <a:effectLst/>
+        </p:spPr>
+        <p:style>
+          <a:lnRef idx="2">
+            <a:schemeClr val="dk1"/>
+          </a:lnRef>
+          <a:fillRef idx="1">
+            <a:schemeClr val="lt1"/>
+          </a:fillRef>
+          <a:effectRef idx="0">
+            <a:schemeClr val="dk1"/>
+          </a:effectRef>
+          <a:fontRef idx="minor">
+            <a:schemeClr val="dk1"/>
+          </a:fontRef>
+        </p:style>
+        <p:txBody>
+          <a:bodyPr wrap="square" lIns="36000" tIns="36000" rIns="36000" bIns="36000" rtlCol="0" anchor="ctr">
+            <a:noAutofit/>
+          </a:bodyPr>
+          <a:lstStyle/>
+          <a:p>
+            <a:pPr algn="ctr"/>
+            <a:r>
+              <a:rPr lang="en-US" sz="1200">
+                <a:solidFill>
+                  <a:srgbClr val="00B050"/>
+                </a:solidFill>
+                <a:latin typeface="Source Sans Pro Light" charset="0"/>
+                <a:ea typeface="Source Sans Pro Light" charset="0"/>
+                <a:cs typeface="Source Sans Pro Light" charset="0"/>
+              </a:rPr>
+              <a:t>LLMJVM</a:t>
+            </a:r>
+            <a:endParaRPr lang="en-US" sz="1200" dirty="0">
+              <a:solidFill>
+                <a:schemeClr val="accent1"/>
+              </a:solidFill>
+              <a:latin typeface="Source Sans Pro Light" charset="0"/>
+              <a:ea typeface="Source Sans Pro Light" charset="0"/>
+              <a:cs typeface="Source Sans Pro Light" charset="0"/>
+            </a:endParaRPr>
+          </a:p>
+        </p:txBody>
+      </p:sp>
+      <p:sp>
+        <p:nvSpPr>
+          <p:cNvPr id="71" name="Rounded Rectangle 36">
+            <a:extLst>
+              <a:ext uri="{FF2B5EF4-FFF2-40B4-BE49-F238E27FC236}">
+                <a16:creationId xmlns:a16="http://schemas.microsoft.com/office/drawing/2014/main" id="{BE822732-931C-42D5-B0BE-888258D4C43D}"/>
+              </a:ext>
+            </a:extLst>
+          </p:cNvPr>
+          <p:cNvSpPr/>
+          <p:nvPr/>
+        </p:nvSpPr>
+        <p:spPr>
+          <a:xfrm>
+            <a:off x="7199795" y="2826586"/>
+            <a:ext cx="745292" cy="289727"/>
+          </a:xfrm>
+          <a:prstGeom prst="roundRect">
+            <a:avLst>
+              <a:gd name="adj" fmla="val 19644"/>
+            </a:avLst>
+          </a:prstGeom>
+          <a:solidFill>
+            <a:schemeClr val="bg1"/>
+          </a:solidFill>
+          <a:ln w="12700">
+            <a:noFill/>
+          </a:ln>
+          <a:effectLst/>
+        </p:spPr>
+        <p:style>
+          <a:lnRef idx="2">
+            <a:schemeClr val="dk1"/>
+          </a:lnRef>
+          <a:fillRef idx="1">
+            <a:schemeClr val="lt1"/>
+          </a:fillRef>
+          <a:effectRef idx="0">
+            <a:schemeClr val="dk1"/>
+          </a:effectRef>
+          <a:fontRef idx="minor">
+            <a:schemeClr val="dk1"/>
+          </a:fontRef>
+        </p:style>
+        <p:txBody>
+          <a:bodyPr wrap="square" lIns="36000" tIns="36000" rIns="36000" bIns="36000" rtlCol="0" anchor="ctr">
+            <a:noAutofit/>
+          </a:bodyPr>
+          <a:lstStyle/>
+          <a:p>
+            <a:pPr algn="ctr"/>
+            <a:r>
+              <a:rPr lang="en-US" sz="1200">
+                <a:solidFill>
+                  <a:srgbClr val="00B050"/>
+                </a:solidFill>
+                <a:latin typeface="Source Sans Pro Light" charset="0"/>
+                <a:ea typeface="Source Sans Pro Light" charset="0"/>
+                <a:cs typeface="Source Sans Pro Light" charset="0"/>
+              </a:rPr>
+              <a:t>LLKERNEL</a:t>
+            </a:r>
+            <a:endParaRPr lang="en-US" sz="1200" dirty="0">
+              <a:solidFill>
+                <a:schemeClr val="accent1"/>
+              </a:solidFill>
+              <a:latin typeface="Source Sans Pro Light" charset="0"/>
+              <a:ea typeface="Source Sans Pro Light" charset="0"/>
+              <a:cs typeface="Source Sans Pro Light" charset="0"/>
+            </a:endParaRPr>
+          </a:p>
+        </p:txBody>
+      </p:sp>
+      <p:sp>
+        <p:nvSpPr>
+          <p:cNvPr id="72" name="Rounded Rectangle 36">
+            <a:extLst>
+              <a:ext uri="{FF2B5EF4-FFF2-40B4-BE49-F238E27FC236}">
+                <a16:creationId xmlns:a16="http://schemas.microsoft.com/office/drawing/2014/main" id="{DF63AFE4-0D54-4A1D-A37A-7AB72768F7B6}"/>
+              </a:ext>
+            </a:extLst>
+          </p:cNvPr>
+          <p:cNvSpPr/>
+          <p:nvPr/>
+        </p:nvSpPr>
+        <p:spPr>
+          <a:xfrm>
+            <a:off x="7517050" y="3163378"/>
+            <a:ext cx="439642" cy="289727"/>
+          </a:xfrm>
+          <a:prstGeom prst="roundRect">
+            <a:avLst>
+              <a:gd name="adj" fmla="val 19644"/>
+            </a:avLst>
+          </a:prstGeom>
+          <a:solidFill>
+            <a:schemeClr val="bg1"/>
+          </a:solidFill>
+          <a:ln w="12700">
+            <a:noFill/>
+          </a:ln>
+          <a:effectLst/>
+        </p:spPr>
+        <p:style>
+          <a:lnRef idx="2">
+            <a:schemeClr val="dk1"/>
+          </a:lnRef>
+          <a:fillRef idx="1">
+            <a:schemeClr val="lt1"/>
+          </a:fillRef>
+          <a:effectRef idx="0">
+            <a:schemeClr val="dk1"/>
+          </a:effectRef>
+          <a:fontRef idx="minor">
+            <a:schemeClr val="dk1"/>
+          </a:fontRef>
+        </p:style>
+        <p:txBody>
+          <a:bodyPr wrap="square" lIns="36000" tIns="36000" rIns="36000" bIns="36000" rtlCol="0" anchor="ctr">
+            <a:noAutofit/>
+          </a:bodyPr>
+          <a:lstStyle/>
+          <a:p>
+            <a:pPr algn="ctr"/>
+            <a:r>
+              <a:rPr lang="en-US" sz="1200">
+                <a:solidFill>
+                  <a:srgbClr val="00B050"/>
+                </a:solidFill>
+                <a:latin typeface="Source Sans Pro Light" charset="0"/>
+                <a:ea typeface="Source Sans Pro Light" charset="0"/>
+                <a:cs typeface="Source Sans Pro Light" charset="0"/>
+              </a:rPr>
+              <a:t>LLFS</a:t>
+            </a:r>
+            <a:endParaRPr lang="en-US" sz="1200" dirty="0">
+              <a:solidFill>
+                <a:schemeClr val="accent1"/>
+              </a:solidFill>
+              <a:latin typeface="Source Sans Pro Light" charset="0"/>
+              <a:ea typeface="Source Sans Pro Light" charset="0"/>
+              <a:cs typeface="Source Sans Pro Light" charset="0"/>
+            </a:endParaRPr>
+          </a:p>
+        </p:txBody>
+      </p:sp>
+      <p:sp>
+        <p:nvSpPr>
+          <p:cNvPr id="73" name="Rounded Rectangle 36">
+            <a:extLst>
+              <a:ext uri="{FF2B5EF4-FFF2-40B4-BE49-F238E27FC236}">
+                <a16:creationId xmlns:a16="http://schemas.microsoft.com/office/drawing/2014/main" id="{05128643-259D-4914-8FCE-B96342CB29F1}"/>
+              </a:ext>
+            </a:extLst>
+          </p:cNvPr>
+          <p:cNvSpPr/>
+          <p:nvPr/>
+        </p:nvSpPr>
+        <p:spPr>
+          <a:xfrm>
+            <a:off x="6156166" y="2828315"/>
+            <a:ext cx="912193" cy="289727"/>
+          </a:xfrm>
+          <a:prstGeom prst="roundRect">
+            <a:avLst>
+              <a:gd name="adj" fmla="val 19644"/>
+            </a:avLst>
+          </a:prstGeom>
+          <a:solidFill>
+            <a:schemeClr val="bg1"/>
+          </a:solidFill>
+          <a:ln w="12700">
+            <a:noFill/>
+          </a:ln>
+          <a:effectLst/>
+        </p:spPr>
+        <p:style>
+          <a:lnRef idx="2">
+            <a:schemeClr val="dk1"/>
+          </a:lnRef>
+          <a:fillRef idx="1">
+            <a:schemeClr val="lt1"/>
+          </a:fillRef>
+          <a:effectRef idx="0">
+            <a:schemeClr val="dk1"/>
+          </a:effectRef>
+          <a:fontRef idx="minor">
+            <a:schemeClr val="dk1"/>
+          </a:fontRef>
+        </p:style>
+        <p:txBody>
+          <a:bodyPr wrap="square" lIns="36000" tIns="36000" rIns="36000" bIns="36000" rtlCol="0" anchor="ctr">
+            <a:noAutofit/>
+          </a:bodyPr>
+          <a:lstStyle/>
+          <a:p>
+            <a:pPr algn="ctr"/>
+            <a:r>
+              <a:rPr lang="en-US" sz="1200">
+                <a:solidFill>
+                  <a:srgbClr val="00B050"/>
+                </a:solidFill>
+                <a:latin typeface="Source Sans Pro Light" charset="0"/>
+                <a:ea typeface="Source Sans Pro Light" charset="0"/>
+                <a:cs typeface="Source Sans Pro Light" charset="0"/>
+              </a:rPr>
+              <a:t>LLDISPLAY</a:t>
+            </a:r>
+            <a:endParaRPr lang="en-US" sz="1200" dirty="0">
+              <a:solidFill>
+                <a:schemeClr val="accent1"/>
+              </a:solidFill>
+              <a:latin typeface="Source Sans Pro Light" charset="0"/>
+              <a:ea typeface="Source Sans Pro Light" charset="0"/>
+              <a:cs typeface="Source Sans Pro Light" charset="0"/>
+            </a:endParaRPr>
+          </a:p>
+        </p:txBody>
+      </p:sp>
+      <p:sp>
+        <p:nvSpPr>
+          <p:cNvPr id="74" name="Rounded Rectangle 36">
+            <a:extLst>
+              <a:ext uri="{FF2B5EF4-FFF2-40B4-BE49-F238E27FC236}">
+                <a16:creationId xmlns:a16="http://schemas.microsoft.com/office/drawing/2014/main" id="{A574AF57-B7F0-4602-A9D8-7416AB8A53C5}"/>
+              </a:ext>
+            </a:extLst>
+          </p:cNvPr>
+          <p:cNvSpPr/>
+          <p:nvPr/>
+        </p:nvSpPr>
+        <p:spPr>
+          <a:xfrm>
+            <a:off x="6742730" y="3174710"/>
+            <a:ext cx="604860" cy="289727"/>
+          </a:xfrm>
+          <a:prstGeom prst="roundRect">
+            <a:avLst>
+              <a:gd name="adj" fmla="val 19644"/>
+            </a:avLst>
+          </a:prstGeom>
+          <a:solidFill>
+            <a:schemeClr val="bg1"/>
+          </a:solidFill>
+          <a:ln w="12700">
+            <a:noFill/>
+          </a:ln>
+          <a:effectLst/>
+        </p:spPr>
+        <p:style>
+          <a:lnRef idx="2">
+            <a:schemeClr val="dk1"/>
+          </a:lnRef>
+          <a:fillRef idx="1">
+            <a:schemeClr val="lt1"/>
+          </a:fillRef>
+          <a:effectRef idx="0">
+            <a:schemeClr val="dk1"/>
+          </a:effectRef>
+          <a:fontRef idx="minor">
+            <a:schemeClr val="dk1"/>
+          </a:fontRef>
+        </p:style>
+        <p:txBody>
+          <a:bodyPr wrap="square" lIns="36000" tIns="36000" rIns="36000" bIns="36000" rtlCol="0" anchor="ctr">
+            <a:noAutofit/>
+          </a:bodyPr>
+          <a:lstStyle/>
+          <a:p>
+            <a:pPr algn="ctr"/>
+            <a:r>
+              <a:rPr lang="en-US" sz="1200">
+                <a:solidFill>
+                  <a:srgbClr val="00B050"/>
+                </a:solidFill>
+                <a:latin typeface="Source Sans Pro Light" charset="0"/>
+                <a:ea typeface="Source Sans Pro Light" charset="0"/>
+                <a:cs typeface="Source Sans Pro Light" charset="0"/>
+              </a:rPr>
+              <a:t>LLBLE</a:t>
+            </a:r>
+            <a:endParaRPr lang="en-US" sz="1200" dirty="0">
+              <a:solidFill>
+                <a:schemeClr val="accent1"/>
+              </a:solidFill>
+              <a:latin typeface="Source Sans Pro Light" charset="0"/>
+              <a:ea typeface="Source Sans Pro Light" charset="0"/>
+              <a:cs typeface="Source Sans Pro Light" charset="0"/>
+            </a:endParaRPr>
+          </a:p>
+        </p:txBody>
+      </p:sp>
+      <p:sp>
+        <p:nvSpPr>
+          <p:cNvPr id="75" name="Rounded Rectangle 36">
+            <a:extLst>
+              <a:ext uri="{FF2B5EF4-FFF2-40B4-BE49-F238E27FC236}">
+                <a16:creationId xmlns:a16="http://schemas.microsoft.com/office/drawing/2014/main" id="{14CD9090-2F87-4B8B-A1DC-441CDBF5334C}"/>
+              </a:ext>
+            </a:extLst>
+          </p:cNvPr>
+          <p:cNvSpPr/>
+          <p:nvPr/>
+        </p:nvSpPr>
+        <p:spPr>
+          <a:xfrm>
+            <a:off x="5920495" y="2499910"/>
+            <a:ext cx="611419" cy="289727"/>
+          </a:xfrm>
+          <a:prstGeom prst="roundRect">
+            <a:avLst>
+              <a:gd name="adj" fmla="val 19644"/>
+            </a:avLst>
+          </a:prstGeom>
+          <a:solidFill>
+            <a:schemeClr val="bg1"/>
+          </a:solidFill>
+          <a:ln w="12700">
+            <a:noFill/>
+          </a:ln>
+          <a:effectLst/>
+        </p:spPr>
+        <p:style>
+          <a:lnRef idx="2">
+            <a:schemeClr val="dk1"/>
+          </a:lnRef>
+          <a:fillRef idx="1">
+            <a:schemeClr val="lt1"/>
+          </a:fillRef>
+          <a:effectRef idx="0">
+            <a:schemeClr val="dk1"/>
+          </a:effectRef>
+          <a:fontRef idx="minor">
+            <a:schemeClr val="dk1"/>
+          </a:fontRef>
+        </p:style>
+        <p:txBody>
+          <a:bodyPr wrap="square" lIns="36000" tIns="36000" rIns="36000" bIns="36000" rtlCol="0" anchor="ctr">
+            <a:noAutofit/>
+          </a:bodyPr>
+          <a:lstStyle/>
+          <a:p>
+            <a:pPr algn="ctr"/>
+            <a:r>
+              <a:rPr lang="en-US" sz="1200">
+                <a:solidFill>
+                  <a:srgbClr val="00B050"/>
+                </a:solidFill>
+                <a:latin typeface="Source Sans Pro Light" charset="0"/>
+                <a:ea typeface="Source Sans Pro Light" charset="0"/>
+                <a:cs typeface="Source Sans Pro Light" charset="0"/>
+              </a:rPr>
+              <a:t>LLNET</a:t>
+            </a:r>
+            <a:endParaRPr lang="en-US" sz="1200" dirty="0">
+              <a:solidFill>
+                <a:schemeClr val="accent1"/>
+              </a:solidFill>
+              <a:latin typeface="Source Sans Pro Light" charset="0"/>
+              <a:ea typeface="Source Sans Pro Light" charset="0"/>
+              <a:cs typeface="Source Sans Pro Light" charset="0"/>
+            </a:endParaRPr>
+          </a:p>
+        </p:txBody>
+      </p:sp>
+      <p:sp>
+        <p:nvSpPr>
+          <p:cNvPr id="76" name="Rounded Rectangle 36">
+            <a:extLst>
+              <a:ext uri="{FF2B5EF4-FFF2-40B4-BE49-F238E27FC236}">
+                <a16:creationId xmlns:a16="http://schemas.microsoft.com/office/drawing/2014/main" id="{BE336865-8EA8-4F27-90F8-FD7EDD6016B9}"/>
+              </a:ext>
+            </a:extLst>
+          </p:cNvPr>
+          <p:cNvSpPr/>
+          <p:nvPr/>
+        </p:nvSpPr>
+        <p:spPr>
+          <a:xfrm>
+            <a:off x="6638956" y="2498181"/>
+            <a:ext cx="603035" cy="289727"/>
+          </a:xfrm>
+          <a:prstGeom prst="roundRect">
+            <a:avLst>
+              <a:gd name="adj" fmla="val 19644"/>
+            </a:avLst>
+          </a:prstGeom>
+          <a:solidFill>
+            <a:schemeClr val="bg1"/>
+          </a:solidFill>
+          <a:ln w="12700">
+            <a:noFill/>
+          </a:ln>
+          <a:effectLst/>
+        </p:spPr>
+        <p:style>
+          <a:lnRef idx="2">
+            <a:schemeClr val="dk1"/>
+          </a:lnRef>
+          <a:fillRef idx="1">
+            <a:schemeClr val="lt1"/>
+          </a:fillRef>
+          <a:effectRef idx="0">
+            <a:schemeClr val="dk1"/>
+          </a:effectRef>
+          <a:fontRef idx="minor">
+            <a:schemeClr val="dk1"/>
+          </a:fontRef>
+        </p:style>
+        <p:txBody>
+          <a:bodyPr wrap="square" lIns="36000" tIns="36000" rIns="36000" bIns="36000" rtlCol="0" anchor="ctr">
+            <a:noAutofit/>
+          </a:bodyPr>
+          <a:lstStyle/>
+          <a:p>
+            <a:pPr algn="ctr"/>
+            <a:r>
+              <a:rPr lang="en-US" sz="1200">
+                <a:solidFill>
+                  <a:srgbClr val="00B050"/>
+                </a:solidFill>
+                <a:latin typeface="Source Sans Pro Light" charset="0"/>
+                <a:ea typeface="Source Sans Pro Light" charset="0"/>
+                <a:cs typeface="Source Sans Pro Light" charset="0"/>
+              </a:rPr>
+              <a:t>LLLED</a:t>
+            </a:r>
+            <a:endParaRPr lang="en-US" sz="1200" dirty="0">
+              <a:solidFill>
+                <a:schemeClr val="accent1"/>
+              </a:solidFill>
+              <a:latin typeface="Source Sans Pro Light" charset="0"/>
+              <a:ea typeface="Source Sans Pro Light" charset="0"/>
+              <a:cs typeface="Source Sans Pro Light" charset="0"/>
+            </a:endParaRPr>
+          </a:p>
+        </p:txBody>
+      </p:sp>
+      <p:sp>
+        <p:nvSpPr>
+          <p:cNvPr id="77" name="Rounded Rectangle 36">
+            <a:extLst>
+              <a:ext uri="{FF2B5EF4-FFF2-40B4-BE49-F238E27FC236}">
+                <a16:creationId xmlns:a16="http://schemas.microsoft.com/office/drawing/2014/main" id="{25971CE4-9C7E-44B6-92C8-774FB2010FF8}"/>
+              </a:ext>
+            </a:extLst>
+          </p:cNvPr>
+          <p:cNvSpPr/>
+          <p:nvPr/>
+        </p:nvSpPr>
+        <p:spPr>
+          <a:xfrm>
+            <a:off x="7350436" y="2496082"/>
+            <a:ext cx="594651" cy="289727"/>
+          </a:xfrm>
+          <a:prstGeom prst="roundRect">
+            <a:avLst>
+              <a:gd name="adj" fmla="val 19644"/>
+            </a:avLst>
+          </a:prstGeom>
+          <a:solidFill>
+            <a:schemeClr val="bg1"/>
+          </a:solidFill>
+          <a:ln w="12700">
+            <a:noFill/>
+          </a:ln>
+          <a:effectLst/>
+        </p:spPr>
+        <p:style>
+          <a:lnRef idx="2">
+            <a:schemeClr val="dk1"/>
+          </a:lnRef>
+          <a:fillRef idx="1">
+            <a:schemeClr val="lt1"/>
+          </a:fillRef>
+          <a:effectRef idx="0">
+            <a:schemeClr val="dk1"/>
+          </a:effectRef>
+          <a:fontRef idx="minor">
+            <a:schemeClr val="dk1"/>
+          </a:fontRef>
+        </p:style>
+        <p:txBody>
+          <a:bodyPr wrap="square" lIns="36000" tIns="36000" rIns="36000" bIns="36000" rtlCol="0" anchor="ctr">
+            <a:noAutofit/>
+          </a:bodyPr>
+          <a:lstStyle/>
+          <a:p>
+            <a:pPr algn="ctr"/>
+            <a:r>
+              <a:rPr lang="en-US" sz="1200">
+                <a:solidFill>
+                  <a:srgbClr val="00B050"/>
+                </a:solidFill>
+                <a:latin typeface="Source Sans Pro Light" charset="0"/>
+                <a:ea typeface="Source Sans Pro Light" charset="0"/>
+                <a:cs typeface="Source Sans Pro Light" charset="0"/>
+              </a:rPr>
+              <a:t>LLSSL</a:t>
+            </a:r>
+            <a:endParaRPr lang="en-US" sz="1200" dirty="0">
+              <a:solidFill>
+                <a:schemeClr val="accent1"/>
+              </a:solidFill>
+              <a:latin typeface="Source Sans Pro Light" charset="0"/>
+              <a:ea typeface="Source Sans Pro Light" charset="0"/>
+              <a:cs typeface="Source Sans Pro Light" charset="0"/>
+            </a:endParaRPr>
+          </a:p>
+        </p:txBody>
+      </p:sp>
+    </p:spTree>
+    <p:extLst>
+      <p:ext uri="{BB962C8B-B14F-4D97-AF65-F5344CB8AC3E}">
+        <p14:creationId xmlns:p14="http://schemas.microsoft.com/office/powerpoint/2010/main" val="3177723074"/>
+      </p:ext>
+    </p:extLst>
+  </p:cSld>
+  <p:clrMapOvr>
+    <a:masterClrMapping/>
+  </p:clrMapOvr>
+</p:sld>
+</file>
+
+<file path=ppt/slides/slide2.xml><?xml version="1.0" encoding="utf-8"?>
+<p:sld xmlns:a="http://schemas.openxmlformats.org/drawingml/2006/main" xmlns:r="http://schemas.openxmlformats.org/officeDocument/2006/relationships" xmlns:p="http://schemas.openxmlformats.org/presentationml/2006/main">
+  <p:cSld>
+    <p:spTree>
+      <p:nvGrpSpPr>
+        <p:cNvPr id="1" name=""/>
+        <p:cNvGrpSpPr/>
+        <p:nvPr/>
+      </p:nvGrpSpPr>
+      <p:grpSpPr>
+        <a:xfrm>
+          <a:off x="0" y="0"/>
+          <a:ext cx="0" cy="0"/>
+          <a:chOff x="0" y="0"/>
+          <a:chExt cx="0" cy="0"/>
+        </a:xfrm>
+      </p:grpSpPr>
+      <p:sp>
+        <p:nvSpPr>
+          <p:cNvPr id="2" name="Date Placeholder 1">
+            <a:extLst>
+              <a:ext uri="{FF2B5EF4-FFF2-40B4-BE49-F238E27FC236}">
+                <a16:creationId xmlns:a16="http://schemas.microsoft.com/office/drawing/2014/main" id="{2E6E3EA1-8772-45CF-9308-BB92D0AF4DA6}"/>
+              </a:ext>
+            </a:extLst>
+          </p:cNvPr>
+          <p:cNvSpPr>
+            <a:spLocks noGrp="1"/>
+          </p:cNvSpPr>
+          <p:nvPr>
+            <p:ph type="dt" sz="half" idx="10"/>
+          </p:nvPr>
+        </p:nvSpPr>
+        <p:spPr/>
+        <p:txBody>
+          <a:bodyPr/>
+          <a:lstStyle/>
+          <a:p>
+            <a:r>
+              <a:rPr lang="en-US"/>
+              <a:t>June 2020</a:t>
+            </a:r>
+            <a:endParaRPr lang="en-US" dirty="0"/>
+          </a:p>
+        </p:txBody>
+      </p:sp>
+      <p:sp>
+        <p:nvSpPr>
+          <p:cNvPr id="3" name="Footer Placeholder 2">
+            <a:extLst>
+              <a:ext uri="{FF2B5EF4-FFF2-40B4-BE49-F238E27FC236}">
+                <a16:creationId xmlns:a16="http://schemas.microsoft.com/office/drawing/2014/main" id="{05E85237-E21B-43B6-A702-2DEA77FA73CC}"/>
+              </a:ext>
+            </a:extLst>
+          </p:cNvPr>
+          <p:cNvSpPr>
+            <a:spLocks noGrp="1"/>
+          </p:cNvSpPr>
+          <p:nvPr>
+            <p:ph type="ftr" sz="quarter" idx="11"/>
+          </p:nvPr>
+        </p:nvSpPr>
+        <p:spPr/>
+        <p:txBody>
+          <a:bodyPr/>
+          <a:lstStyle/>
+          <a:p>
+            <a:r>
+              <a:rPr lang="pt-BR"/>
+              <a:t>© MICROEJ 2020 - C O N F I D E N T I A L</a:t>
+            </a:r>
+            <a:endParaRPr lang="en-US" dirty="0"/>
+          </a:p>
+        </p:txBody>
+      </p:sp>
+      <p:sp>
+        <p:nvSpPr>
+          <p:cNvPr id="4" name="Arc 3">
+            <a:extLst>
+              <a:ext uri="{FF2B5EF4-FFF2-40B4-BE49-F238E27FC236}">
+                <a16:creationId xmlns:a16="http://schemas.microsoft.com/office/drawing/2014/main" id="{5DE83339-F75D-4CFF-AEDA-809CC136A275}"/>
+              </a:ext>
+            </a:extLst>
+          </p:cNvPr>
+          <p:cNvSpPr/>
+          <p:nvPr/>
+        </p:nvSpPr>
+        <p:spPr>
+          <a:xfrm rot="16200000">
+            <a:off x="3758412" y="5315485"/>
+            <a:ext cx="229393" cy="209087"/>
+          </a:xfrm>
+          <a:prstGeom prst="arc">
+            <a:avLst>
+              <a:gd name="adj1" fmla="val 16200000"/>
+              <a:gd name="adj2" fmla="val 1286025"/>
+            </a:avLst>
+          </a:prstGeom>
+          <a:ln w="38100">
+            <a:solidFill>
+              <a:schemeClr val="bg2">
+                <a:lumMod val="25000"/>
+              </a:schemeClr>
+            </a:solidFill>
+          </a:ln>
+        </p:spPr>
+        <p:style>
+          <a:lnRef idx="1">
+            <a:schemeClr val="accent1"/>
+          </a:lnRef>
+          <a:fillRef idx="0">
+            <a:schemeClr val="accent1"/>
+          </a:fillRef>
+          <a:effectRef idx="0">
+            <a:schemeClr val="accent1"/>
+          </a:effectRef>
+          <a:fontRef idx="minor">
+            <a:schemeClr val="tx1"/>
+          </a:fontRef>
+        </p:style>
+        <p:txBody>
+          <a:bodyPr rtlCol="0" anchor="ctr"/>
+          <a:lstStyle/>
+          <a:p>
+            <a:pPr algn="ctr"/>
+            <a:endParaRPr lang="en-US" dirty="0"/>
+          </a:p>
+        </p:txBody>
+      </p:sp>
+      <p:sp>
+        <p:nvSpPr>
+          <p:cNvPr id="5" name="Arc 4">
+            <a:extLst>
+              <a:ext uri="{FF2B5EF4-FFF2-40B4-BE49-F238E27FC236}">
+                <a16:creationId xmlns:a16="http://schemas.microsoft.com/office/drawing/2014/main" id="{22CA8C8F-75CC-4959-95F6-D68BF28CBE63}"/>
+              </a:ext>
+            </a:extLst>
+          </p:cNvPr>
+          <p:cNvSpPr/>
+          <p:nvPr/>
+        </p:nvSpPr>
+        <p:spPr>
+          <a:xfrm>
+            <a:off x="8190095" y="5321057"/>
+            <a:ext cx="224156" cy="213972"/>
+          </a:xfrm>
+          <a:prstGeom prst="arc">
+            <a:avLst>
+              <a:gd name="adj1" fmla="val 15188349"/>
+              <a:gd name="adj2" fmla="val 21512081"/>
+            </a:avLst>
+          </a:prstGeom>
+          <a:ln w="38100">
+            <a:solidFill>
+              <a:schemeClr val="bg2">
+                <a:lumMod val="25000"/>
+              </a:schemeClr>
+            </a:solidFill>
+          </a:ln>
+        </p:spPr>
+        <p:style>
+          <a:lnRef idx="1">
+            <a:schemeClr val="accent1"/>
+          </a:lnRef>
+          <a:fillRef idx="0">
+            <a:schemeClr val="accent1"/>
+          </a:fillRef>
+          <a:effectRef idx="0">
+            <a:schemeClr val="accent1"/>
+          </a:effectRef>
+          <a:fontRef idx="minor">
+            <a:schemeClr val="tx1"/>
+          </a:fontRef>
+        </p:style>
+        <p:txBody>
+          <a:bodyPr rtlCol="0" anchor="ctr"/>
+          <a:lstStyle/>
+          <a:p>
+            <a:pPr algn="ctr"/>
+            <a:endParaRPr lang="en-US" dirty="0"/>
+          </a:p>
+        </p:txBody>
+      </p:sp>
+      <p:sp>
+        <p:nvSpPr>
+          <p:cNvPr id="6" name="Snip Same Side Corner Rectangle 6">
+            <a:extLst>
+              <a:ext uri="{FF2B5EF4-FFF2-40B4-BE49-F238E27FC236}">
+                <a16:creationId xmlns:a16="http://schemas.microsoft.com/office/drawing/2014/main" id="{0D8ED2C1-78CD-4990-8B8F-FFA894F5D808}"/>
+              </a:ext>
+            </a:extLst>
+          </p:cNvPr>
+          <p:cNvSpPr/>
+          <p:nvPr/>
+        </p:nvSpPr>
+        <p:spPr>
+          <a:xfrm>
+            <a:off x="3859356" y="4885515"/>
+            <a:ext cx="4445565" cy="535522"/>
+          </a:xfrm>
+          <a:prstGeom prst="snip2SameRect">
+            <a:avLst>
+              <a:gd name="adj1" fmla="val 12416"/>
+              <a:gd name="adj2" fmla="val 0"/>
+            </a:avLst>
+          </a:prstGeom>
+          <a:solidFill>
+            <a:schemeClr val="tx1">
+              <a:lumMod val="50000"/>
+            </a:schemeClr>
+          </a:solidFill>
+          <a:ln>
+            <a:noFill/>
+          </a:ln>
+        </p:spPr>
+        <p:style>
+          <a:lnRef idx="2">
+            <a:schemeClr val="accent1">
+              <a:shade val="50000"/>
+            </a:schemeClr>
+          </a:lnRef>
+          <a:fillRef idx="1">
+            <a:schemeClr val="accent1"/>
+          </a:fillRef>
+          <a:effectRef idx="0">
+            <a:schemeClr val="accent1"/>
+          </a:effectRef>
+          <a:fontRef idx="minor">
+            <a:schemeClr val="lt1"/>
+          </a:fontRef>
+        </p:style>
+        <p:txBody>
+          <a:bodyPr wrap="square" tIns="72000" bIns="36000" rtlCol="0" anchor="t">
+            <a:noAutofit/>
+          </a:bodyPr>
+          <a:lstStyle/>
+          <a:p>
+            <a:pPr algn="ctr">
+              <a:lnSpc>
+                <a:spcPts val="1500"/>
+              </a:lnSpc>
+            </a:pPr>
+            <a:endParaRPr lang="en-US" sz="1400" i="1" dirty="0">
+              <a:solidFill>
+                <a:schemeClr val="bg1"/>
+              </a:solidFill>
+              <a:latin typeface="Source Sans Pro Light" charset="0"/>
+              <a:ea typeface="Source Sans Pro Light" charset="0"/>
+              <a:cs typeface="Source Sans Pro Light" charset="0"/>
+            </a:endParaRPr>
+          </a:p>
+        </p:txBody>
+      </p:sp>
+      <p:grpSp>
+        <p:nvGrpSpPr>
+          <p:cNvPr id="7" name="Group 6">
+            <a:extLst>
+              <a:ext uri="{FF2B5EF4-FFF2-40B4-BE49-F238E27FC236}">
+                <a16:creationId xmlns:a16="http://schemas.microsoft.com/office/drawing/2014/main" id="{47808EF5-EA20-4173-813F-49346B10954A}"/>
+              </a:ext>
+            </a:extLst>
+          </p:cNvPr>
+          <p:cNvGrpSpPr/>
+          <p:nvPr/>
+        </p:nvGrpSpPr>
+        <p:grpSpPr>
+          <a:xfrm>
+            <a:off x="3939229" y="4618535"/>
+            <a:ext cx="1718673" cy="728998"/>
+            <a:chOff x="4203485" y="5520221"/>
+            <a:chExt cx="1718673" cy="728998"/>
+          </a:xfrm>
+        </p:grpSpPr>
+        <p:sp>
+          <p:nvSpPr>
+            <p:cNvPr id="8" name="Rounded Rectangle 370">
+              <a:extLst>
+                <a:ext uri="{FF2B5EF4-FFF2-40B4-BE49-F238E27FC236}">
+                  <a16:creationId xmlns:a16="http://schemas.microsoft.com/office/drawing/2014/main" id="{752933DC-7CAA-4758-B691-2A227FACC94D}"/>
+                </a:ext>
+              </a:extLst>
+            </p:cNvPr>
+            <p:cNvSpPr/>
+            <p:nvPr/>
+          </p:nvSpPr>
+          <p:spPr>
+            <a:xfrm>
+              <a:off x="4203485" y="5520221"/>
+              <a:ext cx="1718673" cy="728998"/>
+            </a:xfrm>
+            <a:custGeom>
+              <a:avLst/>
+              <a:gdLst>
+                <a:gd name="connsiteX0" fmla="*/ 0 w 1377675"/>
+                <a:gd name="connsiteY0" fmla="*/ 66568 h 1084694"/>
+                <a:gd name="connsiteX1" fmla="*/ 66568 w 1377675"/>
+                <a:gd name="connsiteY1" fmla="*/ 0 h 1084694"/>
+                <a:gd name="connsiteX2" fmla="*/ 1311107 w 1377675"/>
+                <a:gd name="connsiteY2" fmla="*/ 0 h 1084694"/>
+                <a:gd name="connsiteX3" fmla="*/ 1377675 w 1377675"/>
+                <a:gd name="connsiteY3" fmla="*/ 66568 h 1084694"/>
+                <a:gd name="connsiteX4" fmla="*/ 1377675 w 1377675"/>
+                <a:gd name="connsiteY4" fmla="*/ 1018126 h 1084694"/>
+                <a:gd name="connsiteX5" fmla="*/ 1311107 w 1377675"/>
+                <a:gd name="connsiteY5" fmla="*/ 1084694 h 1084694"/>
+                <a:gd name="connsiteX6" fmla="*/ 66568 w 1377675"/>
+                <a:gd name="connsiteY6" fmla="*/ 1084694 h 1084694"/>
+                <a:gd name="connsiteX7" fmla="*/ 0 w 1377675"/>
+                <a:gd name="connsiteY7" fmla="*/ 1018126 h 1084694"/>
+                <a:gd name="connsiteX8" fmla="*/ 0 w 1377675"/>
+                <a:gd name="connsiteY8" fmla="*/ 66568 h 1084694"/>
+                <a:gd name="connsiteX0" fmla="*/ 0 w 1377675"/>
+                <a:gd name="connsiteY0" fmla="*/ 66568 h 1084694"/>
+                <a:gd name="connsiteX1" fmla="*/ 66568 w 1377675"/>
+                <a:gd name="connsiteY1" fmla="*/ 0 h 1084694"/>
+                <a:gd name="connsiteX2" fmla="*/ 1311107 w 1377675"/>
+                <a:gd name="connsiteY2" fmla="*/ 0 h 1084694"/>
+                <a:gd name="connsiteX3" fmla="*/ 1377675 w 1377675"/>
+                <a:gd name="connsiteY3" fmla="*/ 409468 h 1084694"/>
+                <a:gd name="connsiteX4" fmla="*/ 1377675 w 1377675"/>
+                <a:gd name="connsiteY4" fmla="*/ 1018126 h 1084694"/>
+                <a:gd name="connsiteX5" fmla="*/ 1311107 w 1377675"/>
+                <a:gd name="connsiteY5" fmla="*/ 1084694 h 1084694"/>
+                <a:gd name="connsiteX6" fmla="*/ 66568 w 1377675"/>
+                <a:gd name="connsiteY6" fmla="*/ 1084694 h 1084694"/>
+                <a:gd name="connsiteX7" fmla="*/ 0 w 1377675"/>
+                <a:gd name="connsiteY7" fmla="*/ 1018126 h 1084694"/>
+                <a:gd name="connsiteX8" fmla="*/ 0 w 1377675"/>
+                <a:gd name="connsiteY8" fmla="*/ 66568 h 1084694"/>
+                <a:gd name="connsiteX0" fmla="*/ 0 w 1381139"/>
+                <a:gd name="connsiteY0" fmla="*/ 388686 h 1084694"/>
+                <a:gd name="connsiteX1" fmla="*/ 70032 w 1381139"/>
+                <a:gd name="connsiteY1" fmla="*/ 0 h 1084694"/>
+                <a:gd name="connsiteX2" fmla="*/ 1314571 w 1381139"/>
+                <a:gd name="connsiteY2" fmla="*/ 0 h 1084694"/>
+                <a:gd name="connsiteX3" fmla="*/ 1381139 w 1381139"/>
+                <a:gd name="connsiteY3" fmla="*/ 409468 h 1084694"/>
+                <a:gd name="connsiteX4" fmla="*/ 1381139 w 1381139"/>
+                <a:gd name="connsiteY4" fmla="*/ 1018126 h 1084694"/>
+                <a:gd name="connsiteX5" fmla="*/ 1314571 w 1381139"/>
+                <a:gd name="connsiteY5" fmla="*/ 1084694 h 1084694"/>
+                <a:gd name="connsiteX6" fmla="*/ 70032 w 1381139"/>
+                <a:gd name="connsiteY6" fmla="*/ 1084694 h 1084694"/>
+                <a:gd name="connsiteX7" fmla="*/ 3464 w 1381139"/>
+                <a:gd name="connsiteY7" fmla="*/ 1018126 h 1084694"/>
+                <a:gd name="connsiteX8" fmla="*/ 0 w 1381139"/>
+                <a:gd name="connsiteY8" fmla="*/ 388686 h 1084694"/>
+                <a:gd name="connsiteX0" fmla="*/ 0 w 3085063"/>
+                <a:gd name="connsiteY0" fmla="*/ 388686 h 1084694"/>
+                <a:gd name="connsiteX1" fmla="*/ 70032 w 3085063"/>
+                <a:gd name="connsiteY1" fmla="*/ 0 h 1084694"/>
+                <a:gd name="connsiteX2" fmla="*/ 3084489 w 3085063"/>
+                <a:gd name="connsiteY2" fmla="*/ 256309 h 1084694"/>
+                <a:gd name="connsiteX3" fmla="*/ 1381139 w 3085063"/>
+                <a:gd name="connsiteY3" fmla="*/ 409468 h 1084694"/>
+                <a:gd name="connsiteX4" fmla="*/ 1381139 w 3085063"/>
+                <a:gd name="connsiteY4" fmla="*/ 1018126 h 1084694"/>
+                <a:gd name="connsiteX5" fmla="*/ 1314571 w 3085063"/>
+                <a:gd name="connsiteY5" fmla="*/ 1084694 h 1084694"/>
+                <a:gd name="connsiteX6" fmla="*/ 70032 w 3085063"/>
+                <a:gd name="connsiteY6" fmla="*/ 1084694 h 1084694"/>
+                <a:gd name="connsiteX7" fmla="*/ 3464 w 3085063"/>
+                <a:gd name="connsiteY7" fmla="*/ 1018126 h 1084694"/>
+                <a:gd name="connsiteX8" fmla="*/ 0 w 3085063"/>
+                <a:gd name="connsiteY8" fmla="*/ 388686 h 1084694"/>
+                <a:gd name="connsiteX0" fmla="*/ 1150005 w 4235068"/>
+                <a:gd name="connsiteY0" fmla="*/ 132377 h 828385"/>
+                <a:gd name="connsiteX1" fmla="*/ 837 w 4235068"/>
+                <a:gd name="connsiteY1" fmla="*/ 3463 h 828385"/>
+                <a:gd name="connsiteX2" fmla="*/ 4234494 w 4235068"/>
+                <a:gd name="connsiteY2" fmla="*/ 0 h 828385"/>
+                <a:gd name="connsiteX3" fmla="*/ 2531144 w 4235068"/>
+                <a:gd name="connsiteY3" fmla="*/ 153159 h 828385"/>
+                <a:gd name="connsiteX4" fmla="*/ 2531144 w 4235068"/>
+                <a:gd name="connsiteY4" fmla="*/ 761817 h 828385"/>
+                <a:gd name="connsiteX5" fmla="*/ 2464576 w 4235068"/>
+                <a:gd name="connsiteY5" fmla="*/ 828385 h 828385"/>
+                <a:gd name="connsiteX6" fmla="*/ 1220037 w 4235068"/>
+                <a:gd name="connsiteY6" fmla="*/ 828385 h 828385"/>
+                <a:gd name="connsiteX7" fmla="*/ 1153469 w 4235068"/>
+                <a:gd name="connsiteY7" fmla="*/ 761817 h 828385"/>
+                <a:gd name="connsiteX8" fmla="*/ 1150005 w 4235068"/>
+                <a:gd name="connsiteY8" fmla="*/ 132377 h 828385"/>
+                <a:gd name="connsiteX0" fmla="*/ 1150005 w 2930911"/>
+                <a:gd name="connsiteY0" fmla="*/ 128914 h 824922"/>
+                <a:gd name="connsiteX1" fmla="*/ 837 w 2930911"/>
+                <a:gd name="connsiteY1" fmla="*/ 0 h 824922"/>
+                <a:gd name="connsiteX2" fmla="*/ 2928703 w 2930911"/>
+                <a:gd name="connsiteY2" fmla="*/ 1 h 824922"/>
+                <a:gd name="connsiteX3" fmla="*/ 2531144 w 2930911"/>
+                <a:gd name="connsiteY3" fmla="*/ 149696 h 824922"/>
+                <a:gd name="connsiteX4" fmla="*/ 2531144 w 2930911"/>
+                <a:gd name="connsiteY4" fmla="*/ 758354 h 824922"/>
+                <a:gd name="connsiteX5" fmla="*/ 2464576 w 2930911"/>
+                <a:gd name="connsiteY5" fmla="*/ 824922 h 824922"/>
+                <a:gd name="connsiteX6" fmla="*/ 1220037 w 2930911"/>
+                <a:gd name="connsiteY6" fmla="*/ 824922 h 824922"/>
+                <a:gd name="connsiteX7" fmla="*/ 1153469 w 2930911"/>
+                <a:gd name="connsiteY7" fmla="*/ 758354 h 824922"/>
+                <a:gd name="connsiteX8" fmla="*/ 1150005 w 2930911"/>
+                <a:gd name="connsiteY8" fmla="*/ 128914 h 824922"/>
+                <a:gd name="connsiteX0" fmla="*/ 1150005 w 2930911"/>
+                <a:gd name="connsiteY0" fmla="*/ 128914 h 824922"/>
+                <a:gd name="connsiteX1" fmla="*/ 837 w 2930911"/>
+                <a:gd name="connsiteY1" fmla="*/ 0 h 824922"/>
+                <a:gd name="connsiteX2" fmla="*/ 2928703 w 2930911"/>
+                <a:gd name="connsiteY2" fmla="*/ 1 h 824922"/>
+                <a:gd name="connsiteX3" fmla="*/ 2531144 w 2930911"/>
+                <a:gd name="connsiteY3" fmla="*/ 149696 h 824922"/>
+                <a:gd name="connsiteX4" fmla="*/ 2531144 w 2930911"/>
+                <a:gd name="connsiteY4" fmla="*/ 758354 h 824922"/>
+                <a:gd name="connsiteX5" fmla="*/ 2464576 w 2930911"/>
+                <a:gd name="connsiteY5" fmla="*/ 824922 h 824922"/>
+                <a:gd name="connsiteX6" fmla="*/ 1220037 w 2930911"/>
+                <a:gd name="connsiteY6" fmla="*/ 824922 h 824922"/>
+                <a:gd name="connsiteX7" fmla="*/ 1153469 w 2930911"/>
+                <a:gd name="connsiteY7" fmla="*/ 758354 h 824922"/>
+                <a:gd name="connsiteX8" fmla="*/ 1150005 w 2930911"/>
+                <a:gd name="connsiteY8" fmla="*/ 128914 h 824922"/>
+                <a:gd name="connsiteX0" fmla="*/ 1150004 w 2930910"/>
+                <a:gd name="connsiteY0" fmla="*/ 128914 h 824922"/>
+                <a:gd name="connsiteX1" fmla="*/ 836 w 2930910"/>
+                <a:gd name="connsiteY1" fmla="*/ 0 h 824922"/>
+                <a:gd name="connsiteX2" fmla="*/ 2928702 w 2930910"/>
+                <a:gd name="connsiteY2" fmla="*/ 1 h 824922"/>
+                <a:gd name="connsiteX3" fmla="*/ 2531143 w 2930910"/>
+                <a:gd name="connsiteY3" fmla="*/ 149696 h 824922"/>
+                <a:gd name="connsiteX4" fmla="*/ 2531143 w 2930910"/>
+                <a:gd name="connsiteY4" fmla="*/ 758354 h 824922"/>
+                <a:gd name="connsiteX5" fmla="*/ 2464575 w 2930910"/>
+                <a:gd name="connsiteY5" fmla="*/ 824922 h 824922"/>
+                <a:gd name="connsiteX6" fmla="*/ 1220036 w 2930910"/>
+                <a:gd name="connsiteY6" fmla="*/ 824922 h 824922"/>
+                <a:gd name="connsiteX7" fmla="*/ 1153468 w 2930910"/>
+                <a:gd name="connsiteY7" fmla="*/ 758354 h 824922"/>
+                <a:gd name="connsiteX8" fmla="*/ 1150004 w 2930910"/>
+                <a:gd name="connsiteY8" fmla="*/ 128914 h 824922"/>
+                <a:gd name="connsiteX0" fmla="*/ 375627 w 2156533"/>
+                <a:gd name="connsiteY0" fmla="*/ 128913 h 824921"/>
+                <a:gd name="connsiteX1" fmla="*/ 2314 w 2156533"/>
+                <a:gd name="connsiteY1" fmla="*/ 6926 h 824921"/>
+                <a:gd name="connsiteX2" fmla="*/ 2154325 w 2156533"/>
+                <a:gd name="connsiteY2" fmla="*/ 0 h 824921"/>
+                <a:gd name="connsiteX3" fmla="*/ 1756766 w 2156533"/>
+                <a:gd name="connsiteY3" fmla="*/ 149695 h 824921"/>
+                <a:gd name="connsiteX4" fmla="*/ 1756766 w 2156533"/>
+                <a:gd name="connsiteY4" fmla="*/ 758353 h 824921"/>
+                <a:gd name="connsiteX5" fmla="*/ 1690198 w 2156533"/>
+                <a:gd name="connsiteY5" fmla="*/ 824921 h 824921"/>
+                <a:gd name="connsiteX6" fmla="*/ 445659 w 2156533"/>
+                <a:gd name="connsiteY6" fmla="*/ 824921 h 824921"/>
+                <a:gd name="connsiteX7" fmla="*/ 379091 w 2156533"/>
+                <a:gd name="connsiteY7" fmla="*/ 758353 h 824921"/>
+                <a:gd name="connsiteX8" fmla="*/ 375627 w 2156533"/>
+                <a:gd name="connsiteY8" fmla="*/ 128913 h 824921"/>
+                <a:gd name="connsiteX0" fmla="*/ 418185 w 2199091"/>
+                <a:gd name="connsiteY0" fmla="*/ 128913 h 824921"/>
+                <a:gd name="connsiteX1" fmla="*/ 44872 w 2199091"/>
+                <a:gd name="connsiteY1" fmla="*/ 6926 h 824921"/>
+                <a:gd name="connsiteX2" fmla="*/ 2196883 w 2199091"/>
+                <a:gd name="connsiteY2" fmla="*/ 0 h 824921"/>
+                <a:gd name="connsiteX3" fmla="*/ 1799324 w 2199091"/>
+                <a:gd name="connsiteY3" fmla="*/ 149695 h 824921"/>
+                <a:gd name="connsiteX4" fmla="*/ 1799324 w 2199091"/>
+                <a:gd name="connsiteY4" fmla="*/ 758353 h 824921"/>
+                <a:gd name="connsiteX5" fmla="*/ 1732756 w 2199091"/>
+                <a:gd name="connsiteY5" fmla="*/ 824921 h 824921"/>
+                <a:gd name="connsiteX6" fmla="*/ 488217 w 2199091"/>
+                <a:gd name="connsiteY6" fmla="*/ 824921 h 824921"/>
+                <a:gd name="connsiteX7" fmla="*/ 421649 w 2199091"/>
+                <a:gd name="connsiteY7" fmla="*/ 758353 h 824921"/>
+                <a:gd name="connsiteX8" fmla="*/ 418185 w 2199091"/>
+                <a:gd name="connsiteY8" fmla="*/ 128913 h 824921"/>
+                <a:gd name="connsiteX0" fmla="*/ 404178 w 2197426"/>
+                <a:gd name="connsiteY0" fmla="*/ 129381 h 825389"/>
+                <a:gd name="connsiteX1" fmla="*/ 30865 w 2197426"/>
+                <a:gd name="connsiteY1" fmla="*/ 7394 h 825389"/>
+                <a:gd name="connsiteX2" fmla="*/ 2182876 w 2197426"/>
+                <a:gd name="connsiteY2" fmla="*/ 468 h 825389"/>
+                <a:gd name="connsiteX3" fmla="*/ 1785317 w 2197426"/>
+                <a:gd name="connsiteY3" fmla="*/ 150163 h 825389"/>
+                <a:gd name="connsiteX4" fmla="*/ 1785317 w 2197426"/>
+                <a:gd name="connsiteY4" fmla="*/ 758821 h 825389"/>
+                <a:gd name="connsiteX5" fmla="*/ 1718749 w 2197426"/>
+                <a:gd name="connsiteY5" fmla="*/ 825389 h 825389"/>
+                <a:gd name="connsiteX6" fmla="*/ 474210 w 2197426"/>
+                <a:gd name="connsiteY6" fmla="*/ 825389 h 825389"/>
+                <a:gd name="connsiteX7" fmla="*/ 407642 w 2197426"/>
+                <a:gd name="connsiteY7" fmla="*/ 758821 h 825389"/>
+                <a:gd name="connsiteX8" fmla="*/ 404178 w 2197426"/>
+                <a:gd name="connsiteY8" fmla="*/ 129381 h 825389"/>
+                <a:gd name="connsiteX0" fmla="*/ 373313 w 2152011"/>
+                <a:gd name="connsiteY0" fmla="*/ 129381 h 825389"/>
+                <a:gd name="connsiteX1" fmla="*/ 0 w 2152011"/>
+                <a:gd name="connsiteY1" fmla="*/ 7394 h 825389"/>
+                <a:gd name="connsiteX2" fmla="*/ 2152011 w 2152011"/>
+                <a:gd name="connsiteY2" fmla="*/ 468 h 825389"/>
+                <a:gd name="connsiteX3" fmla="*/ 1754452 w 2152011"/>
+                <a:gd name="connsiteY3" fmla="*/ 150163 h 825389"/>
+                <a:gd name="connsiteX4" fmla="*/ 1754452 w 2152011"/>
+                <a:gd name="connsiteY4" fmla="*/ 758821 h 825389"/>
+                <a:gd name="connsiteX5" fmla="*/ 1687884 w 2152011"/>
+                <a:gd name="connsiteY5" fmla="*/ 825389 h 825389"/>
+                <a:gd name="connsiteX6" fmla="*/ 443345 w 2152011"/>
+                <a:gd name="connsiteY6" fmla="*/ 825389 h 825389"/>
+                <a:gd name="connsiteX7" fmla="*/ 376777 w 2152011"/>
+                <a:gd name="connsiteY7" fmla="*/ 758821 h 825389"/>
+                <a:gd name="connsiteX8" fmla="*/ 373313 w 2152011"/>
+                <a:gd name="connsiteY8" fmla="*/ 129381 h 825389"/>
+                <a:gd name="connsiteX0" fmla="*/ 436994 w 2018842"/>
+                <a:gd name="connsiteY0" fmla="*/ 132057 h 828065"/>
+                <a:gd name="connsiteX1" fmla="*/ 63681 w 2018842"/>
+                <a:gd name="connsiteY1" fmla="*/ 10070 h 828065"/>
+                <a:gd name="connsiteX2" fmla="*/ 2018842 w 2018842"/>
+                <a:gd name="connsiteY2" fmla="*/ 6319 h 828065"/>
+                <a:gd name="connsiteX3" fmla="*/ 1818133 w 2018842"/>
+                <a:gd name="connsiteY3" fmla="*/ 152839 h 828065"/>
+                <a:gd name="connsiteX4" fmla="*/ 1818133 w 2018842"/>
+                <a:gd name="connsiteY4" fmla="*/ 761497 h 828065"/>
+                <a:gd name="connsiteX5" fmla="*/ 1751565 w 2018842"/>
+                <a:gd name="connsiteY5" fmla="*/ 828065 h 828065"/>
+                <a:gd name="connsiteX6" fmla="*/ 507026 w 2018842"/>
+                <a:gd name="connsiteY6" fmla="*/ 828065 h 828065"/>
+                <a:gd name="connsiteX7" fmla="*/ 440458 w 2018842"/>
+                <a:gd name="connsiteY7" fmla="*/ 761497 h 828065"/>
+                <a:gd name="connsiteX8" fmla="*/ 436994 w 2018842"/>
+                <a:gd name="connsiteY8" fmla="*/ 132057 h 828065"/>
+                <a:gd name="connsiteX0" fmla="*/ 436994 w 2023402"/>
+                <a:gd name="connsiteY0" fmla="*/ 131514 h 827522"/>
+                <a:gd name="connsiteX1" fmla="*/ 63681 w 2023402"/>
+                <a:gd name="connsiteY1" fmla="*/ 9527 h 827522"/>
+                <a:gd name="connsiteX2" fmla="*/ 2018842 w 2023402"/>
+                <a:gd name="connsiteY2" fmla="*/ 5776 h 827522"/>
+                <a:gd name="connsiteX3" fmla="*/ 1818133 w 2023402"/>
+                <a:gd name="connsiteY3" fmla="*/ 152296 h 827522"/>
+                <a:gd name="connsiteX4" fmla="*/ 1818133 w 2023402"/>
+                <a:gd name="connsiteY4" fmla="*/ 760954 h 827522"/>
+                <a:gd name="connsiteX5" fmla="*/ 1751565 w 2023402"/>
+                <a:gd name="connsiteY5" fmla="*/ 827522 h 827522"/>
+                <a:gd name="connsiteX6" fmla="*/ 507026 w 2023402"/>
+                <a:gd name="connsiteY6" fmla="*/ 827522 h 827522"/>
+                <a:gd name="connsiteX7" fmla="*/ 440458 w 2023402"/>
+                <a:gd name="connsiteY7" fmla="*/ 760954 h 827522"/>
+                <a:gd name="connsiteX8" fmla="*/ 436994 w 2023402"/>
+                <a:gd name="connsiteY8" fmla="*/ 131514 h 827522"/>
+                <a:gd name="connsiteX0" fmla="*/ 260186 w 1921406"/>
+                <a:gd name="connsiteY0" fmla="*/ 144219 h 840227"/>
+                <a:gd name="connsiteX1" fmla="*/ 83723 w 1921406"/>
+                <a:gd name="connsiteY1" fmla="*/ 15882 h 840227"/>
+                <a:gd name="connsiteX2" fmla="*/ 1842034 w 1921406"/>
+                <a:gd name="connsiteY2" fmla="*/ 18481 h 840227"/>
+                <a:gd name="connsiteX3" fmla="*/ 1641325 w 1921406"/>
+                <a:gd name="connsiteY3" fmla="*/ 165001 h 840227"/>
+                <a:gd name="connsiteX4" fmla="*/ 1641325 w 1921406"/>
+                <a:gd name="connsiteY4" fmla="*/ 773659 h 840227"/>
+                <a:gd name="connsiteX5" fmla="*/ 1574757 w 1921406"/>
+                <a:gd name="connsiteY5" fmla="*/ 840227 h 840227"/>
+                <a:gd name="connsiteX6" fmla="*/ 330218 w 1921406"/>
+                <a:gd name="connsiteY6" fmla="*/ 840227 h 840227"/>
+                <a:gd name="connsiteX7" fmla="*/ 263650 w 1921406"/>
+                <a:gd name="connsiteY7" fmla="*/ 773659 h 840227"/>
+                <a:gd name="connsiteX8" fmla="*/ 260186 w 1921406"/>
+                <a:gd name="connsiteY8" fmla="*/ 144219 h 840227"/>
+                <a:gd name="connsiteX0" fmla="*/ 184184 w 1845404"/>
+                <a:gd name="connsiteY0" fmla="*/ 137193 h 833201"/>
+                <a:gd name="connsiteX1" fmla="*/ 7721 w 1845404"/>
+                <a:gd name="connsiteY1" fmla="*/ 8856 h 833201"/>
+                <a:gd name="connsiteX2" fmla="*/ 1766032 w 1845404"/>
+                <a:gd name="connsiteY2" fmla="*/ 11455 h 833201"/>
+                <a:gd name="connsiteX3" fmla="*/ 1565323 w 1845404"/>
+                <a:gd name="connsiteY3" fmla="*/ 157975 h 833201"/>
+                <a:gd name="connsiteX4" fmla="*/ 1565323 w 1845404"/>
+                <a:gd name="connsiteY4" fmla="*/ 766633 h 833201"/>
+                <a:gd name="connsiteX5" fmla="*/ 1498755 w 1845404"/>
+                <a:gd name="connsiteY5" fmla="*/ 833201 h 833201"/>
+                <a:gd name="connsiteX6" fmla="*/ 254216 w 1845404"/>
+                <a:gd name="connsiteY6" fmla="*/ 833201 h 833201"/>
+                <a:gd name="connsiteX7" fmla="*/ 187648 w 1845404"/>
+                <a:gd name="connsiteY7" fmla="*/ 766633 h 833201"/>
+                <a:gd name="connsiteX8" fmla="*/ 184184 w 1845404"/>
+                <a:gd name="connsiteY8" fmla="*/ 137193 h 833201"/>
+                <a:gd name="connsiteX0" fmla="*/ 254154 w 1839241"/>
+                <a:gd name="connsiteY0" fmla="*/ 147999 h 844007"/>
+                <a:gd name="connsiteX1" fmla="*/ 77691 w 1839241"/>
+                <a:gd name="connsiteY1" fmla="*/ 19662 h 844007"/>
+                <a:gd name="connsiteX2" fmla="*/ 1747102 w 1839241"/>
+                <a:gd name="connsiteY2" fmla="*/ 15911 h 844007"/>
+                <a:gd name="connsiteX3" fmla="*/ 1635293 w 1839241"/>
+                <a:gd name="connsiteY3" fmla="*/ 168781 h 844007"/>
+                <a:gd name="connsiteX4" fmla="*/ 1635293 w 1839241"/>
+                <a:gd name="connsiteY4" fmla="*/ 777439 h 844007"/>
+                <a:gd name="connsiteX5" fmla="*/ 1568725 w 1839241"/>
+                <a:gd name="connsiteY5" fmla="*/ 844007 h 844007"/>
+                <a:gd name="connsiteX6" fmla="*/ 324186 w 1839241"/>
+                <a:gd name="connsiteY6" fmla="*/ 844007 h 844007"/>
+                <a:gd name="connsiteX7" fmla="*/ 257618 w 1839241"/>
+                <a:gd name="connsiteY7" fmla="*/ 777439 h 844007"/>
+                <a:gd name="connsiteX8" fmla="*/ 254154 w 1839241"/>
+                <a:gd name="connsiteY8" fmla="*/ 147999 h 844007"/>
+                <a:gd name="connsiteX0" fmla="*/ 254154 w 1752323"/>
+                <a:gd name="connsiteY0" fmla="*/ 139925 h 835933"/>
+                <a:gd name="connsiteX1" fmla="*/ 77691 w 1752323"/>
+                <a:gd name="connsiteY1" fmla="*/ 11588 h 835933"/>
+                <a:gd name="connsiteX2" fmla="*/ 1747102 w 1752323"/>
+                <a:gd name="connsiteY2" fmla="*/ 7837 h 835933"/>
+                <a:gd name="connsiteX3" fmla="*/ 1635293 w 1752323"/>
+                <a:gd name="connsiteY3" fmla="*/ 160707 h 835933"/>
+                <a:gd name="connsiteX4" fmla="*/ 1635293 w 1752323"/>
+                <a:gd name="connsiteY4" fmla="*/ 769365 h 835933"/>
+                <a:gd name="connsiteX5" fmla="*/ 1568725 w 1752323"/>
+                <a:gd name="connsiteY5" fmla="*/ 835933 h 835933"/>
+                <a:gd name="connsiteX6" fmla="*/ 324186 w 1752323"/>
+                <a:gd name="connsiteY6" fmla="*/ 835933 h 835933"/>
+                <a:gd name="connsiteX7" fmla="*/ 257618 w 1752323"/>
+                <a:gd name="connsiteY7" fmla="*/ 769365 h 835933"/>
+                <a:gd name="connsiteX8" fmla="*/ 254154 w 1752323"/>
+                <a:gd name="connsiteY8" fmla="*/ 139925 h 835933"/>
+                <a:gd name="connsiteX0" fmla="*/ 256302 w 1786136"/>
+                <a:gd name="connsiteY0" fmla="*/ 138666 h 834674"/>
+                <a:gd name="connsiteX1" fmla="*/ 79839 w 1786136"/>
+                <a:gd name="connsiteY1" fmla="*/ 10329 h 834674"/>
+                <a:gd name="connsiteX2" fmla="*/ 1781000 w 1786136"/>
+                <a:gd name="connsiteY2" fmla="*/ 9753 h 834674"/>
+                <a:gd name="connsiteX3" fmla="*/ 1637441 w 1786136"/>
+                <a:gd name="connsiteY3" fmla="*/ 159448 h 834674"/>
+                <a:gd name="connsiteX4" fmla="*/ 1637441 w 1786136"/>
+                <a:gd name="connsiteY4" fmla="*/ 768106 h 834674"/>
+                <a:gd name="connsiteX5" fmla="*/ 1570873 w 1786136"/>
+                <a:gd name="connsiteY5" fmla="*/ 834674 h 834674"/>
+                <a:gd name="connsiteX6" fmla="*/ 326334 w 1786136"/>
+                <a:gd name="connsiteY6" fmla="*/ 834674 h 834674"/>
+                <a:gd name="connsiteX7" fmla="*/ 259766 w 1786136"/>
+                <a:gd name="connsiteY7" fmla="*/ 768106 h 834674"/>
+                <a:gd name="connsiteX8" fmla="*/ 256302 w 1786136"/>
+                <a:gd name="connsiteY8" fmla="*/ 138666 h 834674"/>
+                <a:gd name="connsiteX0" fmla="*/ 181625 w 1710512"/>
+                <a:gd name="connsiteY0" fmla="*/ 130557 h 826565"/>
+                <a:gd name="connsiteX1" fmla="*/ 5162 w 1710512"/>
+                <a:gd name="connsiteY1" fmla="*/ 2220 h 826565"/>
+                <a:gd name="connsiteX2" fmla="*/ 1706323 w 1710512"/>
+                <a:gd name="connsiteY2" fmla="*/ 1644 h 826565"/>
+                <a:gd name="connsiteX3" fmla="*/ 1562764 w 1710512"/>
+                <a:gd name="connsiteY3" fmla="*/ 151339 h 826565"/>
+                <a:gd name="connsiteX4" fmla="*/ 1562764 w 1710512"/>
+                <a:gd name="connsiteY4" fmla="*/ 759997 h 826565"/>
+                <a:gd name="connsiteX5" fmla="*/ 1496196 w 1710512"/>
+                <a:gd name="connsiteY5" fmla="*/ 826565 h 826565"/>
+                <a:gd name="connsiteX6" fmla="*/ 251657 w 1710512"/>
+                <a:gd name="connsiteY6" fmla="*/ 826565 h 826565"/>
+                <a:gd name="connsiteX7" fmla="*/ 185089 w 1710512"/>
+                <a:gd name="connsiteY7" fmla="*/ 759997 h 826565"/>
+                <a:gd name="connsiteX8" fmla="*/ 181625 w 1710512"/>
+                <a:gd name="connsiteY8" fmla="*/ 130557 h 826565"/>
+                <a:gd name="connsiteX0" fmla="*/ 157442 w 1767509"/>
+                <a:gd name="connsiteY0" fmla="*/ 139313 h 835321"/>
+                <a:gd name="connsiteX1" fmla="*/ 6379 w 1767509"/>
+                <a:gd name="connsiteY1" fmla="*/ 14151 h 835321"/>
+                <a:gd name="connsiteX2" fmla="*/ 1682140 w 1767509"/>
+                <a:gd name="connsiteY2" fmla="*/ 10400 h 835321"/>
+                <a:gd name="connsiteX3" fmla="*/ 1538581 w 1767509"/>
+                <a:gd name="connsiteY3" fmla="*/ 160095 h 835321"/>
+                <a:gd name="connsiteX4" fmla="*/ 1538581 w 1767509"/>
+                <a:gd name="connsiteY4" fmla="*/ 768753 h 835321"/>
+                <a:gd name="connsiteX5" fmla="*/ 1472013 w 1767509"/>
+                <a:gd name="connsiteY5" fmla="*/ 835321 h 835321"/>
+                <a:gd name="connsiteX6" fmla="*/ 227474 w 1767509"/>
+                <a:gd name="connsiteY6" fmla="*/ 835321 h 835321"/>
+                <a:gd name="connsiteX7" fmla="*/ 160906 w 1767509"/>
+                <a:gd name="connsiteY7" fmla="*/ 768753 h 835321"/>
+                <a:gd name="connsiteX8" fmla="*/ 157442 w 1767509"/>
+                <a:gd name="connsiteY8" fmla="*/ 139313 h 835321"/>
+                <a:gd name="connsiteX0" fmla="*/ 155631 w 1765698"/>
+                <a:gd name="connsiteY0" fmla="*/ 139999 h 836007"/>
+                <a:gd name="connsiteX1" fmla="*/ 4568 w 1765698"/>
+                <a:gd name="connsiteY1" fmla="*/ 14837 h 836007"/>
+                <a:gd name="connsiteX2" fmla="*/ 1680329 w 1765698"/>
+                <a:gd name="connsiteY2" fmla="*/ 11086 h 836007"/>
+                <a:gd name="connsiteX3" fmla="*/ 1536770 w 1765698"/>
+                <a:gd name="connsiteY3" fmla="*/ 160781 h 836007"/>
+                <a:gd name="connsiteX4" fmla="*/ 1536770 w 1765698"/>
+                <a:gd name="connsiteY4" fmla="*/ 769439 h 836007"/>
+                <a:gd name="connsiteX5" fmla="*/ 1470202 w 1765698"/>
+                <a:gd name="connsiteY5" fmla="*/ 836007 h 836007"/>
+                <a:gd name="connsiteX6" fmla="*/ 225663 w 1765698"/>
+                <a:gd name="connsiteY6" fmla="*/ 836007 h 836007"/>
+                <a:gd name="connsiteX7" fmla="*/ 159095 w 1765698"/>
+                <a:gd name="connsiteY7" fmla="*/ 769439 h 836007"/>
+                <a:gd name="connsiteX8" fmla="*/ 155631 w 1765698"/>
+                <a:gd name="connsiteY8" fmla="*/ 139999 h 836007"/>
+                <a:gd name="connsiteX0" fmla="*/ 155631 w 1765698"/>
+                <a:gd name="connsiteY0" fmla="*/ 139999 h 836007"/>
+                <a:gd name="connsiteX1" fmla="*/ 4568 w 1765698"/>
+                <a:gd name="connsiteY1" fmla="*/ 14837 h 836007"/>
+                <a:gd name="connsiteX2" fmla="*/ 1680329 w 1765698"/>
+                <a:gd name="connsiteY2" fmla="*/ 11086 h 836007"/>
+                <a:gd name="connsiteX3" fmla="*/ 1536770 w 1765698"/>
+                <a:gd name="connsiteY3" fmla="*/ 160781 h 836007"/>
+                <a:gd name="connsiteX4" fmla="*/ 1536770 w 1765698"/>
+                <a:gd name="connsiteY4" fmla="*/ 769439 h 836007"/>
+                <a:gd name="connsiteX5" fmla="*/ 1470202 w 1765698"/>
+                <a:gd name="connsiteY5" fmla="*/ 836007 h 836007"/>
+                <a:gd name="connsiteX6" fmla="*/ 225663 w 1765698"/>
+                <a:gd name="connsiteY6" fmla="*/ 836007 h 836007"/>
+                <a:gd name="connsiteX7" fmla="*/ 159095 w 1765698"/>
+                <a:gd name="connsiteY7" fmla="*/ 769439 h 836007"/>
+                <a:gd name="connsiteX8" fmla="*/ 155631 w 1765698"/>
+                <a:gd name="connsiteY8" fmla="*/ 139999 h 836007"/>
+                <a:gd name="connsiteX0" fmla="*/ 154777 w 1684351"/>
+                <a:gd name="connsiteY0" fmla="*/ 131536 h 827544"/>
+                <a:gd name="connsiteX1" fmla="*/ 3714 w 1684351"/>
+                <a:gd name="connsiteY1" fmla="*/ 6374 h 827544"/>
+                <a:gd name="connsiteX2" fmla="*/ 1679475 w 1684351"/>
+                <a:gd name="connsiteY2" fmla="*/ 2623 h 827544"/>
+                <a:gd name="connsiteX3" fmla="*/ 1535916 w 1684351"/>
+                <a:gd name="connsiteY3" fmla="*/ 152318 h 827544"/>
+                <a:gd name="connsiteX4" fmla="*/ 1535916 w 1684351"/>
+                <a:gd name="connsiteY4" fmla="*/ 760976 h 827544"/>
+                <a:gd name="connsiteX5" fmla="*/ 1469348 w 1684351"/>
+                <a:gd name="connsiteY5" fmla="*/ 827544 h 827544"/>
+                <a:gd name="connsiteX6" fmla="*/ 224809 w 1684351"/>
+                <a:gd name="connsiteY6" fmla="*/ 827544 h 827544"/>
+                <a:gd name="connsiteX7" fmla="*/ 158241 w 1684351"/>
+                <a:gd name="connsiteY7" fmla="*/ 760976 h 827544"/>
+                <a:gd name="connsiteX8" fmla="*/ 154777 w 1684351"/>
+                <a:gd name="connsiteY8" fmla="*/ 131536 h 827544"/>
+                <a:gd name="connsiteX0" fmla="*/ 236936 w 1786555"/>
+                <a:gd name="connsiteY0" fmla="*/ 135949 h 831957"/>
+                <a:gd name="connsiteX1" fmla="*/ 85873 w 1786555"/>
+                <a:gd name="connsiteY1" fmla="*/ 10787 h 831957"/>
+                <a:gd name="connsiteX2" fmla="*/ 1780684 w 1786555"/>
+                <a:gd name="connsiteY2" fmla="*/ 10211 h 831957"/>
+                <a:gd name="connsiteX3" fmla="*/ 1618075 w 1786555"/>
+                <a:gd name="connsiteY3" fmla="*/ 156731 h 831957"/>
+                <a:gd name="connsiteX4" fmla="*/ 1618075 w 1786555"/>
+                <a:gd name="connsiteY4" fmla="*/ 765389 h 831957"/>
+                <a:gd name="connsiteX5" fmla="*/ 1551507 w 1786555"/>
+                <a:gd name="connsiteY5" fmla="*/ 831957 h 831957"/>
+                <a:gd name="connsiteX6" fmla="*/ 306968 w 1786555"/>
+                <a:gd name="connsiteY6" fmla="*/ 831957 h 831957"/>
+                <a:gd name="connsiteX7" fmla="*/ 240400 w 1786555"/>
+                <a:gd name="connsiteY7" fmla="*/ 765389 h 831957"/>
+                <a:gd name="connsiteX8" fmla="*/ 236936 w 1786555"/>
+                <a:gd name="connsiteY8" fmla="*/ 135949 h 831957"/>
+                <a:gd name="connsiteX0" fmla="*/ 157046 w 1705555"/>
+                <a:gd name="connsiteY0" fmla="*/ 128377 h 824385"/>
+                <a:gd name="connsiteX1" fmla="*/ 5983 w 1705555"/>
+                <a:gd name="connsiteY1" fmla="*/ 3215 h 824385"/>
+                <a:gd name="connsiteX2" fmla="*/ 1700794 w 1705555"/>
+                <a:gd name="connsiteY2" fmla="*/ 2639 h 824385"/>
+                <a:gd name="connsiteX3" fmla="*/ 1538185 w 1705555"/>
+                <a:gd name="connsiteY3" fmla="*/ 149159 h 824385"/>
+                <a:gd name="connsiteX4" fmla="*/ 1538185 w 1705555"/>
+                <a:gd name="connsiteY4" fmla="*/ 757817 h 824385"/>
+                <a:gd name="connsiteX5" fmla="*/ 1471617 w 1705555"/>
+                <a:gd name="connsiteY5" fmla="*/ 824385 h 824385"/>
+                <a:gd name="connsiteX6" fmla="*/ 227078 w 1705555"/>
+                <a:gd name="connsiteY6" fmla="*/ 824385 h 824385"/>
+                <a:gd name="connsiteX7" fmla="*/ 160510 w 1705555"/>
+                <a:gd name="connsiteY7" fmla="*/ 757817 h 824385"/>
+                <a:gd name="connsiteX8" fmla="*/ 157046 w 1705555"/>
+                <a:gd name="connsiteY8" fmla="*/ 128377 h 824385"/>
+                <a:gd name="connsiteX0" fmla="*/ 158360 w 1784749"/>
+                <a:gd name="connsiteY0" fmla="*/ 140824 h 836832"/>
+                <a:gd name="connsiteX1" fmla="*/ 7297 w 1784749"/>
+                <a:gd name="connsiteY1" fmla="*/ 15662 h 836832"/>
+                <a:gd name="connsiteX2" fmla="*/ 1702108 w 1784749"/>
+                <a:gd name="connsiteY2" fmla="*/ 15086 h 836832"/>
+                <a:gd name="connsiteX3" fmla="*/ 1539499 w 1784749"/>
+                <a:gd name="connsiteY3" fmla="*/ 215581 h 836832"/>
+                <a:gd name="connsiteX4" fmla="*/ 1539499 w 1784749"/>
+                <a:gd name="connsiteY4" fmla="*/ 770264 h 836832"/>
+                <a:gd name="connsiteX5" fmla="*/ 1472931 w 1784749"/>
+                <a:gd name="connsiteY5" fmla="*/ 836832 h 836832"/>
+                <a:gd name="connsiteX6" fmla="*/ 228392 w 1784749"/>
+                <a:gd name="connsiteY6" fmla="*/ 836832 h 836832"/>
+                <a:gd name="connsiteX7" fmla="*/ 161824 w 1784749"/>
+                <a:gd name="connsiteY7" fmla="*/ 770264 h 836832"/>
+                <a:gd name="connsiteX8" fmla="*/ 158360 w 1784749"/>
+                <a:gd name="connsiteY8" fmla="*/ 140824 h 836832"/>
+                <a:gd name="connsiteX0" fmla="*/ 239426 w 1862640"/>
+                <a:gd name="connsiteY0" fmla="*/ 233513 h 846971"/>
+                <a:gd name="connsiteX1" fmla="*/ 85188 w 1862640"/>
+                <a:gd name="connsiteY1" fmla="*/ 25801 h 846971"/>
+                <a:gd name="connsiteX2" fmla="*/ 1779999 w 1862640"/>
+                <a:gd name="connsiteY2" fmla="*/ 25225 h 846971"/>
+                <a:gd name="connsiteX3" fmla="*/ 1617390 w 1862640"/>
+                <a:gd name="connsiteY3" fmla="*/ 225720 h 846971"/>
+                <a:gd name="connsiteX4" fmla="*/ 1617390 w 1862640"/>
+                <a:gd name="connsiteY4" fmla="*/ 780403 h 846971"/>
+                <a:gd name="connsiteX5" fmla="*/ 1550822 w 1862640"/>
+                <a:gd name="connsiteY5" fmla="*/ 846971 h 846971"/>
+                <a:gd name="connsiteX6" fmla="*/ 306283 w 1862640"/>
+                <a:gd name="connsiteY6" fmla="*/ 846971 h 846971"/>
+                <a:gd name="connsiteX7" fmla="*/ 239715 w 1862640"/>
+                <a:gd name="connsiteY7" fmla="*/ 780403 h 846971"/>
+                <a:gd name="connsiteX8" fmla="*/ 239426 w 1862640"/>
+                <a:gd name="connsiteY8" fmla="*/ 233513 h 846971"/>
+                <a:gd name="connsiteX0" fmla="*/ 238598 w 1861812"/>
+                <a:gd name="connsiteY0" fmla="*/ 233513 h 846971"/>
+                <a:gd name="connsiteX1" fmla="*/ 84360 w 1861812"/>
+                <a:gd name="connsiteY1" fmla="*/ 25801 h 846971"/>
+                <a:gd name="connsiteX2" fmla="*/ 1779171 w 1861812"/>
+                <a:gd name="connsiteY2" fmla="*/ 25225 h 846971"/>
+                <a:gd name="connsiteX3" fmla="*/ 1616562 w 1861812"/>
+                <a:gd name="connsiteY3" fmla="*/ 225720 h 846971"/>
+                <a:gd name="connsiteX4" fmla="*/ 1616562 w 1861812"/>
+                <a:gd name="connsiteY4" fmla="*/ 780403 h 846971"/>
+                <a:gd name="connsiteX5" fmla="*/ 1549994 w 1861812"/>
+                <a:gd name="connsiteY5" fmla="*/ 846971 h 846971"/>
+                <a:gd name="connsiteX6" fmla="*/ 305455 w 1861812"/>
+                <a:gd name="connsiteY6" fmla="*/ 846971 h 846971"/>
+                <a:gd name="connsiteX7" fmla="*/ 238887 w 1861812"/>
+                <a:gd name="connsiteY7" fmla="*/ 780403 h 846971"/>
+                <a:gd name="connsiteX8" fmla="*/ 238598 w 1861812"/>
+                <a:gd name="connsiteY8" fmla="*/ 233513 h 846971"/>
+                <a:gd name="connsiteX0" fmla="*/ 238598 w 1862214"/>
+                <a:gd name="connsiteY0" fmla="*/ 233513 h 846971"/>
+                <a:gd name="connsiteX1" fmla="*/ 84360 w 1862214"/>
+                <a:gd name="connsiteY1" fmla="*/ 25801 h 846971"/>
+                <a:gd name="connsiteX2" fmla="*/ 1779171 w 1862214"/>
+                <a:gd name="connsiteY2" fmla="*/ 25225 h 846971"/>
+                <a:gd name="connsiteX3" fmla="*/ 1616562 w 1862214"/>
+                <a:gd name="connsiteY3" fmla="*/ 225720 h 846971"/>
+                <a:gd name="connsiteX4" fmla="*/ 1616562 w 1862214"/>
+                <a:gd name="connsiteY4" fmla="*/ 780403 h 846971"/>
+                <a:gd name="connsiteX5" fmla="*/ 1549994 w 1862214"/>
+                <a:gd name="connsiteY5" fmla="*/ 846971 h 846971"/>
+                <a:gd name="connsiteX6" fmla="*/ 305455 w 1862214"/>
+                <a:gd name="connsiteY6" fmla="*/ 846971 h 846971"/>
+                <a:gd name="connsiteX7" fmla="*/ 238887 w 1862214"/>
+                <a:gd name="connsiteY7" fmla="*/ 780403 h 846971"/>
+                <a:gd name="connsiteX8" fmla="*/ 238598 w 1862214"/>
+                <a:gd name="connsiteY8" fmla="*/ 233513 h 846971"/>
+                <a:gd name="connsiteX0" fmla="*/ 238160 w 1856323"/>
+                <a:gd name="connsiteY0" fmla="*/ 248080 h 861538"/>
+                <a:gd name="connsiteX1" fmla="*/ 83922 w 1856323"/>
+                <a:gd name="connsiteY1" fmla="*/ 40368 h 861538"/>
+                <a:gd name="connsiteX2" fmla="*/ 1772383 w 1856323"/>
+                <a:gd name="connsiteY2" fmla="*/ 17567 h 861538"/>
+                <a:gd name="connsiteX3" fmla="*/ 1616124 w 1856323"/>
+                <a:gd name="connsiteY3" fmla="*/ 240287 h 861538"/>
+                <a:gd name="connsiteX4" fmla="*/ 1616124 w 1856323"/>
+                <a:gd name="connsiteY4" fmla="*/ 794970 h 861538"/>
+                <a:gd name="connsiteX5" fmla="*/ 1549556 w 1856323"/>
+                <a:gd name="connsiteY5" fmla="*/ 861538 h 861538"/>
+                <a:gd name="connsiteX6" fmla="*/ 305017 w 1856323"/>
+                <a:gd name="connsiteY6" fmla="*/ 861538 h 861538"/>
+                <a:gd name="connsiteX7" fmla="*/ 238449 w 1856323"/>
+                <a:gd name="connsiteY7" fmla="*/ 794970 h 861538"/>
+                <a:gd name="connsiteX8" fmla="*/ 238160 w 1856323"/>
+                <a:gd name="connsiteY8" fmla="*/ 248080 h 861538"/>
+                <a:gd name="connsiteX0" fmla="*/ 238160 w 1785863"/>
+                <a:gd name="connsiteY0" fmla="*/ 242493 h 855951"/>
+                <a:gd name="connsiteX1" fmla="*/ 83922 w 1785863"/>
+                <a:gd name="connsiteY1" fmla="*/ 34781 h 855951"/>
+                <a:gd name="connsiteX2" fmla="*/ 1772383 w 1785863"/>
+                <a:gd name="connsiteY2" fmla="*/ 11980 h 855951"/>
+                <a:gd name="connsiteX3" fmla="*/ 1616124 w 1785863"/>
+                <a:gd name="connsiteY3" fmla="*/ 234700 h 855951"/>
+                <a:gd name="connsiteX4" fmla="*/ 1616124 w 1785863"/>
+                <a:gd name="connsiteY4" fmla="*/ 789383 h 855951"/>
+                <a:gd name="connsiteX5" fmla="*/ 1549556 w 1785863"/>
+                <a:gd name="connsiteY5" fmla="*/ 855951 h 855951"/>
+                <a:gd name="connsiteX6" fmla="*/ 305017 w 1785863"/>
+                <a:gd name="connsiteY6" fmla="*/ 855951 h 855951"/>
+                <a:gd name="connsiteX7" fmla="*/ 238449 w 1785863"/>
+                <a:gd name="connsiteY7" fmla="*/ 789383 h 855951"/>
+                <a:gd name="connsiteX8" fmla="*/ 238160 w 1785863"/>
+                <a:gd name="connsiteY8" fmla="*/ 242493 h 855951"/>
+                <a:gd name="connsiteX0" fmla="*/ 239914 w 1812854"/>
+                <a:gd name="connsiteY0" fmla="*/ 232326 h 845784"/>
+                <a:gd name="connsiteX1" fmla="*/ 85676 w 1812854"/>
+                <a:gd name="connsiteY1" fmla="*/ 24614 h 845784"/>
+                <a:gd name="connsiteX2" fmla="*/ 1799537 w 1812854"/>
+                <a:gd name="connsiteY2" fmla="*/ 17688 h 845784"/>
+                <a:gd name="connsiteX3" fmla="*/ 1617878 w 1812854"/>
+                <a:gd name="connsiteY3" fmla="*/ 224533 h 845784"/>
+                <a:gd name="connsiteX4" fmla="*/ 1617878 w 1812854"/>
+                <a:gd name="connsiteY4" fmla="*/ 779216 h 845784"/>
+                <a:gd name="connsiteX5" fmla="*/ 1551310 w 1812854"/>
+                <a:gd name="connsiteY5" fmla="*/ 845784 h 845784"/>
+                <a:gd name="connsiteX6" fmla="*/ 306771 w 1812854"/>
+                <a:gd name="connsiteY6" fmla="*/ 845784 h 845784"/>
+                <a:gd name="connsiteX7" fmla="*/ 240203 w 1812854"/>
+                <a:gd name="connsiteY7" fmla="*/ 779216 h 845784"/>
+                <a:gd name="connsiteX8" fmla="*/ 239914 w 1812854"/>
+                <a:gd name="connsiteY8" fmla="*/ 232326 h 845784"/>
+                <a:gd name="connsiteX0" fmla="*/ 241013 w 1829728"/>
+                <a:gd name="connsiteY0" fmla="*/ 230621 h 844079"/>
+                <a:gd name="connsiteX1" fmla="*/ 86775 w 1829728"/>
+                <a:gd name="connsiteY1" fmla="*/ 22909 h 844079"/>
+                <a:gd name="connsiteX2" fmla="*/ 1816511 w 1829728"/>
+                <a:gd name="connsiteY2" fmla="*/ 19158 h 844079"/>
+                <a:gd name="connsiteX3" fmla="*/ 1618977 w 1829728"/>
+                <a:gd name="connsiteY3" fmla="*/ 222828 h 844079"/>
+                <a:gd name="connsiteX4" fmla="*/ 1618977 w 1829728"/>
+                <a:gd name="connsiteY4" fmla="*/ 777511 h 844079"/>
+                <a:gd name="connsiteX5" fmla="*/ 1552409 w 1829728"/>
+                <a:gd name="connsiteY5" fmla="*/ 844079 h 844079"/>
+                <a:gd name="connsiteX6" fmla="*/ 307870 w 1829728"/>
+                <a:gd name="connsiteY6" fmla="*/ 844079 h 844079"/>
+                <a:gd name="connsiteX7" fmla="*/ 241302 w 1829728"/>
+                <a:gd name="connsiteY7" fmla="*/ 777511 h 844079"/>
+                <a:gd name="connsiteX8" fmla="*/ 241013 w 1829728"/>
+                <a:gd name="connsiteY8" fmla="*/ 230621 h 844079"/>
+                <a:gd name="connsiteX0" fmla="*/ 241013 w 1829728"/>
+                <a:gd name="connsiteY0" fmla="*/ 224021 h 837479"/>
+                <a:gd name="connsiteX1" fmla="*/ 86775 w 1829728"/>
+                <a:gd name="connsiteY1" fmla="*/ 16309 h 837479"/>
+                <a:gd name="connsiteX2" fmla="*/ 1816511 w 1829728"/>
+                <a:gd name="connsiteY2" fmla="*/ 12558 h 837479"/>
+                <a:gd name="connsiteX3" fmla="*/ 1618977 w 1829728"/>
+                <a:gd name="connsiteY3" fmla="*/ 216228 h 837479"/>
+                <a:gd name="connsiteX4" fmla="*/ 1618977 w 1829728"/>
+                <a:gd name="connsiteY4" fmla="*/ 770911 h 837479"/>
+                <a:gd name="connsiteX5" fmla="*/ 1552409 w 1829728"/>
+                <a:gd name="connsiteY5" fmla="*/ 837479 h 837479"/>
+                <a:gd name="connsiteX6" fmla="*/ 307870 w 1829728"/>
+                <a:gd name="connsiteY6" fmla="*/ 837479 h 837479"/>
+                <a:gd name="connsiteX7" fmla="*/ 241302 w 1829728"/>
+                <a:gd name="connsiteY7" fmla="*/ 770911 h 837479"/>
+                <a:gd name="connsiteX8" fmla="*/ 241013 w 1829728"/>
+                <a:gd name="connsiteY8" fmla="*/ 224021 h 837479"/>
+                <a:gd name="connsiteX0" fmla="*/ 241013 w 1829728"/>
+                <a:gd name="connsiteY0" fmla="*/ 224021 h 837479"/>
+                <a:gd name="connsiteX1" fmla="*/ 86775 w 1829728"/>
+                <a:gd name="connsiteY1" fmla="*/ 16309 h 837479"/>
+                <a:gd name="connsiteX2" fmla="*/ 1816511 w 1829728"/>
+                <a:gd name="connsiteY2" fmla="*/ 12558 h 837479"/>
+                <a:gd name="connsiteX3" fmla="*/ 1618977 w 1829728"/>
+                <a:gd name="connsiteY3" fmla="*/ 216228 h 837479"/>
+                <a:gd name="connsiteX4" fmla="*/ 1618977 w 1829728"/>
+                <a:gd name="connsiteY4" fmla="*/ 770911 h 837479"/>
+                <a:gd name="connsiteX5" fmla="*/ 1552409 w 1829728"/>
+                <a:gd name="connsiteY5" fmla="*/ 837479 h 837479"/>
+                <a:gd name="connsiteX6" fmla="*/ 307870 w 1829728"/>
+                <a:gd name="connsiteY6" fmla="*/ 837479 h 837479"/>
+                <a:gd name="connsiteX7" fmla="*/ 241302 w 1829728"/>
+                <a:gd name="connsiteY7" fmla="*/ 770911 h 837479"/>
+                <a:gd name="connsiteX8" fmla="*/ 241013 w 1829728"/>
+                <a:gd name="connsiteY8" fmla="*/ 224021 h 837479"/>
+                <a:gd name="connsiteX0" fmla="*/ 216773 w 1868784"/>
+                <a:gd name="connsiteY0" fmla="*/ 251658 h 865116"/>
+                <a:gd name="connsiteX1" fmla="*/ 91110 w 1868784"/>
+                <a:gd name="connsiteY1" fmla="*/ 18546 h 865116"/>
+                <a:gd name="connsiteX2" fmla="*/ 1792271 w 1868784"/>
+                <a:gd name="connsiteY2" fmla="*/ 40195 h 865116"/>
+                <a:gd name="connsiteX3" fmla="*/ 1594737 w 1868784"/>
+                <a:gd name="connsiteY3" fmla="*/ 243865 h 865116"/>
+                <a:gd name="connsiteX4" fmla="*/ 1594737 w 1868784"/>
+                <a:gd name="connsiteY4" fmla="*/ 798548 h 865116"/>
+                <a:gd name="connsiteX5" fmla="*/ 1528169 w 1868784"/>
+                <a:gd name="connsiteY5" fmla="*/ 865116 h 865116"/>
+                <a:gd name="connsiteX6" fmla="*/ 283630 w 1868784"/>
+                <a:gd name="connsiteY6" fmla="*/ 865116 h 865116"/>
+                <a:gd name="connsiteX7" fmla="*/ 217062 w 1868784"/>
+                <a:gd name="connsiteY7" fmla="*/ 798548 h 865116"/>
+                <a:gd name="connsiteX8" fmla="*/ 216773 w 1868784"/>
+                <a:gd name="connsiteY8" fmla="*/ 251658 h 865116"/>
+                <a:gd name="connsiteX0" fmla="*/ 216773 w 1868784"/>
+                <a:gd name="connsiteY0" fmla="*/ 274671 h 888129"/>
+                <a:gd name="connsiteX1" fmla="*/ 91110 w 1868784"/>
+                <a:gd name="connsiteY1" fmla="*/ 12984 h 888129"/>
+                <a:gd name="connsiteX2" fmla="*/ 1792271 w 1868784"/>
+                <a:gd name="connsiteY2" fmla="*/ 63208 h 888129"/>
+                <a:gd name="connsiteX3" fmla="*/ 1594737 w 1868784"/>
+                <a:gd name="connsiteY3" fmla="*/ 266878 h 888129"/>
+                <a:gd name="connsiteX4" fmla="*/ 1594737 w 1868784"/>
+                <a:gd name="connsiteY4" fmla="*/ 821561 h 888129"/>
+                <a:gd name="connsiteX5" fmla="*/ 1528169 w 1868784"/>
+                <a:gd name="connsiteY5" fmla="*/ 888129 h 888129"/>
+                <a:gd name="connsiteX6" fmla="*/ 283630 w 1868784"/>
+                <a:gd name="connsiteY6" fmla="*/ 888129 h 888129"/>
+                <a:gd name="connsiteX7" fmla="*/ 217062 w 1868784"/>
+                <a:gd name="connsiteY7" fmla="*/ 821561 h 888129"/>
+                <a:gd name="connsiteX8" fmla="*/ 216773 w 1868784"/>
+                <a:gd name="connsiteY8" fmla="*/ 274671 h 888129"/>
+                <a:gd name="connsiteX0" fmla="*/ 216325 w 1862778"/>
+                <a:gd name="connsiteY0" fmla="*/ 289222 h 902680"/>
+                <a:gd name="connsiteX1" fmla="*/ 90662 w 1862778"/>
+                <a:gd name="connsiteY1" fmla="*/ 27535 h 902680"/>
+                <a:gd name="connsiteX2" fmla="*/ 1785473 w 1862778"/>
+                <a:gd name="connsiteY2" fmla="*/ 36484 h 902680"/>
+                <a:gd name="connsiteX3" fmla="*/ 1594289 w 1862778"/>
+                <a:gd name="connsiteY3" fmla="*/ 281429 h 902680"/>
+                <a:gd name="connsiteX4" fmla="*/ 1594289 w 1862778"/>
+                <a:gd name="connsiteY4" fmla="*/ 836112 h 902680"/>
+                <a:gd name="connsiteX5" fmla="*/ 1527721 w 1862778"/>
+                <a:gd name="connsiteY5" fmla="*/ 902680 h 902680"/>
+                <a:gd name="connsiteX6" fmla="*/ 283182 w 1862778"/>
+                <a:gd name="connsiteY6" fmla="*/ 902680 h 902680"/>
+                <a:gd name="connsiteX7" fmla="*/ 216614 w 1862778"/>
+                <a:gd name="connsiteY7" fmla="*/ 836112 h 902680"/>
+                <a:gd name="connsiteX8" fmla="*/ 216325 w 1862778"/>
+                <a:gd name="connsiteY8" fmla="*/ 289222 h 902680"/>
+                <a:gd name="connsiteX0" fmla="*/ 216325 w 1862778"/>
+                <a:gd name="connsiteY0" fmla="*/ 289222 h 902680"/>
+                <a:gd name="connsiteX1" fmla="*/ 90662 w 1862778"/>
+                <a:gd name="connsiteY1" fmla="*/ 27535 h 902680"/>
+                <a:gd name="connsiteX2" fmla="*/ 1785473 w 1862778"/>
+                <a:gd name="connsiteY2" fmla="*/ 36484 h 902680"/>
+                <a:gd name="connsiteX3" fmla="*/ 1594289 w 1862778"/>
+                <a:gd name="connsiteY3" fmla="*/ 281429 h 902680"/>
+                <a:gd name="connsiteX4" fmla="*/ 1594289 w 1862778"/>
+                <a:gd name="connsiteY4" fmla="*/ 836112 h 902680"/>
+                <a:gd name="connsiteX5" fmla="*/ 1527721 w 1862778"/>
+                <a:gd name="connsiteY5" fmla="*/ 902680 h 902680"/>
+                <a:gd name="connsiteX6" fmla="*/ 283182 w 1862778"/>
+                <a:gd name="connsiteY6" fmla="*/ 902680 h 902680"/>
+                <a:gd name="connsiteX7" fmla="*/ 216614 w 1862778"/>
+                <a:gd name="connsiteY7" fmla="*/ 836112 h 902680"/>
+                <a:gd name="connsiteX8" fmla="*/ 216325 w 1862778"/>
+                <a:gd name="connsiteY8" fmla="*/ 289222 h 902680"/>
+                <a:gd name="connsiteX0" fmla="*/ 215874 w 1862327"/>
+                <a:gd name="connsiteY0" fmla="*/ 289222 h 902680"/>
+                <a:gd name="connsiteX1" fmla="*/ 90211 w 1862327"/>
+                <a:gd name="connsiteY1" fmla="*/ 27535 h 902680"/>
+                <a:gd name="connsiteX2" fmla="*/ 1785022 w 1862327"/>
+                <a:gd name="connsiteY2" fmla="*/ 36484 h 902680"/>
+                <a:gd name="connsiteX3" fmla="*/ 1593838 w 1862327"/>
+                <a:gd name="connsiteY3" fmla="*/ 281429 h 902680"/>
+                <a:gd name="connsiteX4" fmla="*/ 1593838 w 1862327"/>
+                <a:gd name="connsiteY4" fmla="*/ 836112 h 902680"/>
+                <a:gd name="connsiteX5" fmla="*/ 1527270 w 1862327"/>
+                <a:gd name="connsiteY5" fmla="*/ 902680 h 902680"/>
+                <a:gd name="connsiteX6" fmla="*/ 282731 w 1862327"/>
+                <a:gd name="connsiteY6" fmla="*/ 902680 h 902680"/>
+                <a:gd name="connsiteX7" fmla="*/ 216163 w 1862327"/>
+                <a:gd name="connsiteY7" fmla="*/ 836112 h 902680"/>
+                <a:gd name="connsiteX8" fmla="*/ 215874 w 1862327"/>
+                <a:gd name="connsiteY8" fmla="*/ 289222 h 902680"/>
+                <a:gd name="connsiteX0" fmla="*/ 218551 w 1865217"/>
+                <a:gd name="connsiteY0" fmla="*/ 271689 h 885147"/>
+                <a:gd name="connsiteX1" fmla="*/ 89713 w 1865217"/>
+                <a:gd name="connsiteY1" fmla="*/ 44927 h 885147"/>
+                <a:gd name="connsiteX2" fmla="*/ 1787699 w 1865217"/>
+                <a:gd name="connsiteY2" fmla="*/ 18951 h 885147"/>
+                <a:gd name="connsiteX3" fmla="*/ 1596515 w 1865217"/>
+                <a:gd name="connsiteY3" fmla="*/ 263896 h 885147"/>
+                <a:gd name="connsiteX4" fmla="*/ 1596515 w 1865217"/>
+                <a:gd name="connsiteY4" fmla="*/ 818579 h 885147"/>
+                <a:gd name="connsiteX5" fmla="*/ 1529947 w 1865217"/>
+                <a:gd name="connsiteY5" fmla="*/ 885147 h 885147"/>
+                <a:gd name="connsiteX6" fmla="*/ 285408 w 1865217"/>
+                <a:gd name="connsiteY6" fmla="*/ 885147 h 885147"/>
+                <a:gd name="connsiteX7" fmla="*/ 218840 w 1865217"/>
+                <a:gd name="connsiteY7" fmla="*/ 818579 h 885147"/>
+                <a:gd name="connsiteX8" fmla="*/ 218551 w 1865217"/>
+                <a:gd name="connsiteY8" fmla="*/ 271689 h 885147"/>
+                <a:gd name="connsiteX0" fmla="*/ 217882 w 1856244"/>
+                <a:gd name="connsiteY0" fmla="*/ 253205 h 866663"/>
+                <a:gd name="connsiteX1" fmla="*/ 89044 w 1856244"/>
+                <a:gd name="connsiteY1" fmla="*/ 26443 h 866663"/>
+                <a:gd name="connsiteX2" fmla="*/ 1777505 w 1856244"/>
+                <a:gd name="connsiteY2" fmla="*/ 29042 h 866663"/>
+                <a:gd name="connsiteX3" fmla="*/ 1595846 w 1856244"/>
+                <a:gd name="connsiteY3" fmla="*/ 245412 h 866663"/>
+                <a:gd name="connsiteX4" fmla="*/ 1595846 w 1856244"/>
+                <a:gd name="connsiteY4" fmla="*/ 800095 h 866663"/>
+                <a:gd name="connsiteX5" fmla="*/ 1529278 w 1856244"/>
+                <a:gd name="connsiteY5" fmla="*/ 866663 h 866663"/>
+                <a:gd name="connsiteX6" fmla="*/ 284739 w 1856244"/>
+                <a:gd name="connsiteY6" fmla="*/ 866663 h 866663"/>
+                <a:gd name="connsiteX7" fmla="*/ 218171 w 1856244"/>
+                <a:gd name="connsiteY7" fmla="*/ 800095 h 866663"/>
+                <a:gd name="connsiteX8" fmla="*/ 217882 w 1856244"/>
+                <a:gd name="connsiteY8" fmla="*/ 253205 h 866663"/>
+                <a:gd name="connsiteX0" fmla="*/ 152682 w 1785681"/>
+                <a:gd name="connsiteY0" fmla="*/ 248776 h 862234"/>
+                <a:gd name="connsiteX1" fmla="*/ 103357 w 1785681"/>
+                <a:gd name="connsiteY1" fmla="*/ 29972 h 862234"/>
+                <a:gd name="connsiteX2" fmla="*/ 1712305 w 1785681"/>
+                <a:gd name="connsiteY2" fmla="*/ 24613 h 862234"/>
+                <a:gd name="connsiteX3" fmla="*/ 1530646 w 1785681"/>
+                <a:gd name="connsiteY3" fmla="*/ 240983 h 862234"/>
+                <a:gd name="connsiteX4" fmla="*/ 1530646 w 1785681"/>
+                <a:gd name="connsiteY4" fmla="*/ 795666 h 862234"/>
+                <a:gd name="connsiteX5" fmla="*/ 1464078 w 1785681"/>
+                <a:gd name="connsiteY5" fmla="*/ 862234 h 862234"/>
+                <a:gd name="connsiteX6" fmla="*/ 219539 w 1785681"/>
+                <a:gd name="connsiteY6" fmla="*/ 862234 h 862234"/>
+                <a:gd name="connsiteX7" fmla="*/ 152971 w 1785681"/>
+                <a:gd name="connsiteY7" fmla="*/ 795666 h 862234"/>
+                <a:gd name="connsiteX8" fmla="*/ 152682 w 1785681"/>
+                <a:gd name="connsiteY8" fmla="*/ 248776 h 862234"/>
+                <a:gd name="connsiteX0" fmla="*/ 142268 w 1774377"/>
+                <a:gd name="connsiteY0" fmla="*/ 258162 h 871620"/>
+                <a:gd name="connsiteX1" fmla="*/ 106195 w 1774377"/>
+                <a:gd name="connsiteY1" fmla="*/ 23440 h 871620"/>
+                <a:gd name="connsiteX2" fmla="*/ 1701891 w 1774377"/>
+                <a:gd name="connsiteY2" fmla="*/ 33999 h 871620"/>
+                <a:gd name="connsiteX3" fmla="*/ 1520232 w 1774377"/>
+                <a:gd name="connsiteY3" fmla="*/ 250369 h 871620"/>
+                <a:gd name="connsiteX4" fmla="*/ 1520232 w 1774377"/>
+                <a:gd name="connsiteY4" fmla="*/ 805052 h 871620"/>
+                <a:gd name="connsiteX5" fmla="*/ 1453664 w 1774377"/>
+                <a:gd name="connsiteY5" fmla="*/ 871620 h 871620"/>
+                <a:gd name="connsiteX6" fmla="*/ 209125 w 1774377"/>
+                <a:gd name="connsiteY6" fmla="*/ 871620 h 871620"/>
+                <a:gd name="connsiteX7" fmla="*/ 142557 w 1774377"/>
+                <a:gd name="connsiteY7" fmla="*/ 805052 h 871620"/>
+                <a:gd name="connsiteX8" fmla="*/ 142268 w 1774377"/>
+                <a:gd name="connsiteY8" fmla="*/ 258162 h 871620"/>
+                <a:gd name="connsiteX0" fmla="*/ 137880 w 1718673"/>
+                <a:gd name="connsiteY0" fmla="*/ 262157 h 875615"/>
+                <a:gd name="connsiteX1" fmla="*/ 101807 w 1718673"/>
+                <a:gd name="connsiteY1" fmla="*/ 27435 h 875615"/>
+                <a:gd name="connsiteX2" fmla="*/ 1637868 w 1718673"/>
+                <a:gd name="connsiteY2" fmla="*/ 30034 h 875615"/>
+                <a:gd name="connsiteX3" fmla="*/ 1515844 w 1718673"/>
+                <a:gd name="connsiteY3" fmla="*/ 254364 h 875615"/>
+                <a:gd name="connsiteX4" fmla="*/ 1515844 w 1718673"/>
+                <a:gd name="connsiteY4" fmla="*/ 809047 h 875615"/>
+                <a:gd name="connsiteX5" fmla="*/ 1449276 w 1718673"/>
+                <a:gd name="connsiteY5" fmla="*/ 875615 h 875615"/>
+                <a:gd name="connsiteX6" fmla="*/ 204737 w 1718673"/>
+                <a:gd name="connsiteY6" fmla="*/ 875615 h 875615"/>
+                <a:gd name="connsiteX7" fmla="*/ 138169 w 1718673"/>
+                <a:gd name="connsiteY7" fmla="*/ 809047 h 875615"/>
+                <a:gd name="connsiteX8" fmla="*/ 137880 w 1718673"/>
+                <a:gd name="connsiteY8" fmla="*/ 262157 h 875615"/>
+              </a:gdLst>
+              <a:ahLst/>
+              <a:cxnLst>
+                <a:cxn ang="0">
+                  <a:pos x="connsiteX0" y="connsiteY0"/>
+                </a:cxn>
+                <a:cxn ang="0">
+                  <a:pos x="connsiteX1" y="connsiteY1"/>
+                </a:cxn>
+                <a:cxn ang="0">
+                  <a:pos x="connsiteX2" y="connsiteY2"/>
+                </a:cxn>
+                <a:cxn ang="0">
+                  <a:pos x="connsiteX3" y="connsiteY3"/>
+                </a:cxn>
+                <a:cxn ang="0">
+                  <a:pos x="connsiteX4" y="connsiteY4"/>
+                </a:cxn>
+                <a:cxn ang="0">
+                  <a:pos x="connsiteX5" y="connsiteY5"/>
+                </a:cxn>
+                <a:cxn ang="0">
+                  <a:pos x="connsiteX6" y="connsiteY6"/>
+                </a:cxn>
+                <a:cxn ang="0">
+                  <a:pos x="connsiteX7" y="connsiteY7"/>
+                </a:cxn>
+                <a:cxn ang="0">
+                  <a:pos x="connsiteX8" y="connsiteY8"/>
+                </a:cxn>
+              </a:cxnLst>
+              <a:rect l="l" t="t" r="r" b="b"/>
+              <a:pathLst>
+                <a:path w="1718673" h="875615">
+                  <a:moveTo>
+                    <a:pt x="137880" y="262157"/>
+                  </a:moveTo>
+                  <a:cubicBezTo>
+                    <a:pt x="141343" y="-22834"/>
+                    <a:pt x="-148191" y="66122"/>
+                    <a:pt x="101807" y="27435"/>
+                  </a:cubicBezTo>
+                  <a:cubicBezTo>
+                    <a:pt x="351805" y="-11252"/>
+                    <a:pt x="1402195" y="-7787"/>
+                    <a:pt x="1637868" y="30034"/>
+                  </a:cubicBezTo>
+                  <a:cubicBezTo>
+                    <a:pt x="1873541" y="67855"/>
+                    <a:pt x="1519019" y="-26009"/>
+                    <a:pt x="1515844" y="254364"/>
+                  </a:cubicBezTo>
+                  <a:lnTo>
+                    <a:pt x="1515844" y="809047"/>
+                  </a:lnTo>
+                  <a:cubicBezTo>
+                    <a:pt x="1515844" y="845811"/>
+                    <a:pt x="1486040" y="875615"/>
+                    <a:pt x="1449276" y="875615"/>
+                  </a:cubicBezTo>
+                  <a:lnTo>
+                    <a:pt x="204737" y="875615"/>
+                  </a:lnTo>
+                  <a:cubicBezTo>
+                    <a:pt x="167973" y="875615"/>
+                    <a:pt x="138169" y="845811"/>
+                    <a:pt x="138169" y="809047"/>
+                  </a:cubicBezTo>
+                  <a:cubicBezTo>
+                    <a:pt x="137014" y="599234"/>
+                    <a:pt x="139035" y="471970"/>
+                    <a:pt x="137880" y="262157"/>
+                  </a:cubicBezTo>
+                  <a:close/>
+                </a:path>
+              </a:pathLst>
+            </a:custGeom>
+            <a:gradFill>
+              <a:gsLst>
+                <a:gs pos="8000">
+                  <a:schemeClr val="bg2"/>
+                </a:gs>
+                <a:gs pos="31000">
+                  <a:schemeClr val="tx2"/>
+                </a:gs>
+              </a:gsLst>
+              <a:lin ang="5400000" scaled="0"/>
+            </a:gradFill>
+            <a:ln w="12700">
+              <a:noFill/>
+            </a:ln>
+            <a:effectLst/>
+          </p:spPr>
+          <p:style>
+            <a:lnRef idx="2">
+              <a:schemeClr val="dk1"/>
+            </a:lnRef>
+            <a:fillRef idx="1">
+              <a:schemeClr val="lt1"/>
+            </a:fillRef>
+            <a:effectRef idx="0">
+              <a:schemeClr val="dk1"/>
+            </a:effectRef>
+            <a:fontRef idx="minor">
+              <a:schemeClr val="dk1"/>
+            </a:fontRef>
+          </p:style>
+          <p:txBody>
+            <a:bodyPr rtlCol="0" anchor="ctr"/>
+            <a:lstStyle/>
+            <a:p>
+              <a:pPr algn="ctr"/>
+              <a:endParaRPr lang="en-US" sz="1600" dirty="0">
+                <a:ln w="0">
+                  <a:solidFill>
+                    <a:sysClr val="windowText" lastClr="000000"/>
+                  </a:solidFill>
+                </a:ln>
+                <a:solidFill>
+                  <a:schemeClr val="tx1"/>
+                </a:solidFill>
+              </a:endParaRPr>
+            </a:p>
+          </p:txBody>
+        </p:sp>
+        <p:grpSp>
+          <p:nvGrpSpPr>
+            <p:cNvPr id="9" name="Group 8">
+              <a:extLst>
+                <a:ext uri="{FF2B5EF4-FFF2-40B4-BE49-F238E27FC236}">
+                  <a16:creationId xmlns:a16="http://schemas.microsoft.com/office/drawing/2014/main" id="{6B47D852-FE54-49FE-99D1-C794F77A101F}"/>
+                </a:ext>
+              </a:extLst>
+            </p:cNvPr>
+            <p:cNvGrpSpPr/>
+            <p:nvPr/>
+          </p:nvGrpSpPr>
+          <p:grpSpPr>
+            <a:xfrm>
+              <a:off x="4407250" y="5787721"/>
+              <a:ext cx="1283487" cy="383162"/>
+              <a:chOff x="6421785" y="5373193"/>
+              <a:chExt cx="1283487" cy="383162"/>
+            </a:xfrm>
+          </p:grpSpPr>
+          <p:sp>
+            <p:nvSpPr>
+              <p:cNvPr id="10" name="Rounded Rectangle 10">
+                <a:extLst>
+                  <a:ext uri="{FF2B5EF4-FFF2-40B4-BE49-F238E27FC236}">
+                    <a16:creationId xmlns:a16="http://schemas.microsoft.com/office/drawing/2014/main" id="{AFA4FA6A-DB44-483E-9F5B-850A4DC1AB3C}"/>
+                  </a:ext>
+                </a:extLst>
+              </p:cNvPr>
+              <p:cNvSpPr/>
+              <p:nvPr/>
+            </p:nvSpPr>
+            <p:spPr>
+              <a:xfrm>
+                <a:off x="6421785" y="5373193"/>
+                <a:ext cx="1240161" cy="383162"/>
+              </a:xfrm>
+              <a:prstGeom prst="roundRect">
+                <a:avLst>
+                  <a:gd name="adj" fmla="val 12736"/>
+                </a:avLst>
+              </a:prstGeom>
+              <a:solidFill>
+                <a:schemeClr val="tx1">
+                  <a:lumMod val="50000"/>
+                </a:schemeClr>
+              </a:solidFill>
+              <a:ln w="12700">
+                <a:noFill/>
+              </a:ln>
+              <a:effectLst/>
+            </p:spPr>
+            <p:style>
+              <a:lnRef idx="2">
+                <a:schemeClr val="dk1"/>
+              </a:lnRef>
+              <a:fillRef idx="1">
+                <a:schemeClr val="lt1"/>
+              </a:fillRef>
+              <a:effectRef idx="0">
+                <a:schemeClr val="dk1"/>
+              </a:effectRef>
+              <a:fontRef idx="minor">
+                <a:schemeClr val="dk1"/>
+              </a:fontRef>
+            </p:style>
+            <p:txBody>
+              <a:bodyPr wrap="square" tIns="36000" bIns="36000" rtlCol="0" anchor="ctr">
+                <a:noAutofit/>
+              </a:bodyPr>
+              <a:lstStyle/>
+              <a:p>
+                <a:endParaRPr lang="en-US" sz="1200" dirty="0">
+                  <a:solidFill>
+                    <a:schemeClr val="bg1"/>
+                  </a:solidFill>
+                  <a:latin typeface="Source Sans Pro Light" charset="0"/>
+                  <a:ea typeface="Source Sans Pro Light" charset="0"/>
+                  <a:cs typeface="Source Sans Pro Light" charset="0"/>
+                </a:endParaRPr>
+              </a:p>
+            </p:txBody>
+          </p:sp>
+          <p:sp>
+            <p:nvSpPr>
+              <p:cNvPr id="11" name="Rectangle 10">
+                <a:extLst>
+                  <a:ext uri="{FF2B5EF4-FFF2-40B4-BE49-F238E27FC236}">
+                    <a16:creationId xmlns:a16="http://schemas.microsoft.com/office/drawing/2014/main" id="{05C99AEB-4F10-4A1A-9494-CAC25BBC208E}"/>
+                  </a:ext>
+                </a:extLst>
+              </p:cNvPr>
+              <p:cNvSpPr/>
+              <p:nvPr/>
+            </p:nvSpPr>
+            <p:spPr>
+              <a:xfrm>
+                <a:off x="6756463" y="5425211"/>
+                <a:ext cx="948809" cy="301407"/>
+              </a:xfrm>
+              <a:prstGeom prst="rect">
+                <a:avLst/>
+              </a:prstGeom>
+              <a:effectLst/>
+            </p:spPr>
+            <p:txBody>
+              <a:bodyPr wrap="square" lIns="0" rIns="0">
+                <a:noAutofit/>
+              </a:bodyPr>
+              <a:lstStyle/>
+              <a:p>
+                <a:pPr algn="ctr" defTabSz="914400">
+                  <a:lnSpc>
+                    <a:spcPts val="1000"/>
+                  </a:lnSpc>
+                  <a:defRPr/>
+                </a:pPr>
+                <a:r>
+                  <a:rPr lang="fr-FR" sz="1200" kern="0" dirty="0">
+                    <a:solidFill>
+                      <a:schemeClr val="bg1"/>
+                    </a:solidFill>
+                    <a:latin typeface="Source Sans Pro Light" charset="0"/>
+                  </a:rPr>
+                  <a:t>PROCESSOR </a:t>
+                </a:r>
+                <a:br>
+                  <a:rPr lang="fr-FR" sz="1200" kern="0" dirty="0">
+                    <a:solidFill>
+                      <a:schemeClr val="bg1"/>
+                    </a:solidFill>
+                    <a:latin typeface="Source Sans Pro Light" charset="0"/>
+                  </a:rPr>
+                </a:br>
+                <a:r>
+                  <a:rPr lang="fr-FR" sz="1200" kern="0" dirty="0">
+                    <a:solidFill>
+                      <a:schemeClr val="bg1"/>
+                    </a:solidFill>
+                    <a:latin typeface="Source Sans Pro Light" charset="0"/>
+                  </a:rPr>
+                  <a:t>CORE</a:t>
+                </a:r>
+                <a:endParaRPr lang="en-US" sz="1200" kern="0" dirty="0">
+                  <a:solidFill>
+                    <a:schemeClr val="bg1"/>
+                  </a:solidFill>
+                  <a:latin typeface="Source Sans Pro Light" charset="0"/>
+                </a:endParaRPr>
+              </a:p>
+            </p:txBody>
+          </p:sp>
+          <p:pic>
+            <p:nvPicPr>
+              <p:cNvPr id="12" name="Picture 11">
+                <a:extLst>
+                  <a:ext uri="{FF2B5EF4-FFF2-40B4-BE49-F238E27FC236}">
+                    <a16:creationId xmlns:a16="http://schemas.microsoft.com/office/drawing/2014/main" id="{840D5FF5-A79C-4BC1-9C91-63CFC4A9EE7D}"/>
+                  </a:ext>
+                </a:extLst>
+              </p:cNvPr>
+              <p:cNvPicPr>
+                <a:picLocks noChangeAspect="1"/>
+              </p:cNvPicPr>
+              <p:nvPr/>
+            </p:nvPicPr>
+            <p:blipFill>
+              <a:blip r:embed="rId2" cstate="print">
+                <a:lum bright="10000"/>
+                <a:extLst>
+                  <a:ext uri="{28A0092B-C50C-407E-A947-70E740481C1C}">
+                    <a14:useLocalDpi xmlns:a14="http://schemas.microsoft.com/office/drawing/2010/main" val="0"/>
+                  </a:ext>
+                </a:extLst>
+              </a:blip>
+              <a:stretch>
+                <a:fillRect/>
+              </a:stretch>
+            </p:blipFill>
+            <p:spPr>
+              <a:xfrm>
+                <a:off x="6482924" y="5411413"/>
+                <a:ext cx="307244" cy="309712"/>
+              </a:xfrm>
+              <a:prstGeom prst="rect">
+                <a:avLst/>
+              </a:prstGeom>
+            </p:spPr>
+          </p:pic>
+        </p:grpSp>
+      </p:grpSp>
+      <p:sp>
+        <p:nvSpPr>
+          <p:cNvPr id="13" name="Rounded Rectangle 13">
+            <a:extLst>
+              <a:ext uri="{FF2B5EF4-FFF2-40B4-BE49-F238E27FC236}">
+                <a16:creationId xmlns:a16="http://schemas.microsoft.com/office/drawing/2014/main" id="{51B0D8F8-DDCA-46C6-BC75-BF50B134B4BF}"/>
+              </a:ext>
+            </a:extLst>
+          </p:cNvPr>
+          <p:cNvSpPr/>
+          <p:nvPr/>
+        </p:nvSpPr>
+        <p:spPr>
+          <a:xfrm>
+            <a:off x="3891154" y="2651775"/>
+            <a:ext cx="4445565" cy="2005522"/>
+          </a:xfrm>
+          <a:prstGeom prst="roundRect">
+            <a:avLst>
+              <a:gd name="adj" fmla="val 3675"/>
+            </a:avLst>
+          </a:prstGeom>
+          <a:solidFill>
+            <a:schemeClr val="bg2"/>
+          </a:solidFill>
+          <a:ln w="12700">
+            <a:noFill/>
+          </a:ln>
+          <a:effectLst/>
+        </p:spPr>
+        <p:style>
+          <a:lnRef idx="2">
+            <a:schemeClr val="dk1"/>
+          </a:lnRef>
+          <a:fillRef idx="1">
+            <a:schemeClr val="lt1"/>
+          </a:fillRef>
+          <a:effectRef idx="0">
+            <a:schemeClr val="dk1"/>
+          </a:effectRef>
+          <a:fontRef idx="minor">
+            <a:schemeClr val="dk1"/>
+          </a:fontRef>
+        </p:style>
+        <p:txBody>
+          <a:bodyPr rtlCol="0" anchor="ctr"/>
+          <a:lstStyle/>
+          <a:p>
+            <a:pPr algn="ctr"/>
+            <a:endParaRPr lang="en-US" sz="1600" dirty="0">
+              <a:ln w="0">
+                <a:solidFill>
+                  <a:sysClr val="windowText" lastClr="000000"/>
+                </a:solidFill>
+              </a:ln>
+              <a:solidFill>
+                <a:schemeClr val="tx1"/>
+              </a:solidFill>
+            </a:endParaRPr>
+          </a:p>
+        </p:txBody>
+      </p:sp>
+      <p:sp>
+        <p:nvSpPr>
+          <p:cNvPr id="14" name="Rounded Rectangle 14">
+            <a:extLst>
+              <a:ext uri="{FF2B5EF4-FFF2-40B4-BE49-F238E27FC236}">
+                <a16:creationId xmlns:a16="http://schemas.microsoft.com/office/drawing/2014/main" id="{308EA3FC-C6B1-4464-B546-2FA60CF91B0C}"/>
+              </a:ext>
+            </a:extLst>
+          </p:cNvPr>
+          <p:cNvSpPr/>
+          <p:nvPr/>
+        </p:nvSpPr>
+        <p:spPr>
+          <a:xfrm>
+            <a:off x="3977649" y="3871733"/>
+            <a:ext cx="4236479" cy="306000"/>
+          </a:xfrm>
+          <a:prstGeom prst="roundRect">
+            <a:avLst>
+              <a:gd name="adj" fmla="val 19644"/>
+            </a:avLst>
+          </a:prstGeom>
+          <a:solidFill>
+            <a:schemeClr val="tx2"/>
+          </a:solidFill>
+          <a:ln w="12700">
+            <a:noFill/>
+          </a:ln>
+          <a:effectLst/>
+        </p:spPr>
+        <p:style>
+          <a:lnRef idx="2">
+            <a:schemeClr val="dk1"/>
+          </a:lnRef>
+          <a:fillRef idx="1">
+            <a:schemeClr val="lt1"/>
+          </a:fillRef>
+          <a:effectRef idx="0">
+            <a:schemeClr val="dk1"/>
+          </a:effectRef>
+          <a:fontRef idx="minor">
+            <a:schemeClr val="dk1"/>
+          </a:fontRef>
+        </p:style>
+        <p:txBody>
+          <a:bodyPr wrap="square" lIns="90000" tIns="36000" bIns="36000" rtlCol="0" anchor="ctr">
+            <a:noAutofit/>
+          </a:bodyPr>
+          <a:lstStyle/>
+          <a:p>
+            <a:pPr algn="ctr"/>
+            <a:r>
+              <a:rPr lang="en-US" sz="1600" b="1" dirty="0">
+                <a:solidFill>
+                  <a:schemeClr val="bg1"/>
+                </a:solidFill>
+                <a:effectLst>
+                  <a:outerShdw blurRad="76200" dist="38100" dir="5400000" algn="t" rotWithShape="0">
+                    <a:prstClr val="black">
+                      <a:alpha val="70000"/>
+                    </a:prstClr>
+                  </a:outerShdw>
+                </a:effectLst>
+                <a:latin typeface="Source Sans Pro" charset="0"/>
+                <a:ea typeface="Source Sans Pro" charset="0"/>
+                <a:cs typeface="Source Sans Pro" charset="0"/>
+              </a:rPr>
+              <a:t>RTOS/OS</a:t>
+            </a:r>
+          </a:p>
+        </p:txBody>
+      </p:sp>
+      <p:sp>
+        <p:nvSpPr>
+          <p:cNvPr id="15" name="Rounded Rectangle 15">
+            <a:extLst>
+              <a:ext uri="{FF2B5EF4-FFF2-40B4-BE49-F238E27FC236}">
+                <a16:creationId xmlns:a16="http://schemas.microsoft.com/office/drawing/2014/main" id="{226B5CBF-6915-4FC6-A3FB-19C4E5C6E9B5}"/>
+              </a:ext>
+            </a:extLst>
+          </p:cNvPr>
+          <p:cNvSpPr/>
+          <p:nvPr/>
+        </p:nvSpPr>
+        <p:spPr>
+          <a:xfrm>
+            <a:off x="3977651" y="3496712"/>
+            <a:ext cx="4211011" cy="306000"/>
+          </a:xfrm>
+          <a:prstGeom prst="roundRect">
+            <a:avLst>
+              <a:gd name="adj" fmla="val 18223"/>
+            </a:avLst>
+          </a:prstGeom>
+          <a:solidFill>
+            <a:schemeClr val="tx2"/>
+          </a:solidFill>
+          <a:ln w="12700">
+            <a:noFill/>
+          </a:ln>
+          <a:effectLst/>
+        </p:spPr>
+        <p:style>
+          <a:lnRef idx="2">
+            <a:schemeClr val="dk1"/>
+          </a:lnRef>
+          <a:fillRef idx="1">
+            <a:schemeClr val="lt1"/>
+          </a:fillRef>
+          <a:effectRef idx="0">
+            <a:schemeClr val="dk1"/>
+          </a:effectRef>
+          <a:fontRef idx="minor">
+            <a:schemeClr val="dk1"/>
+          </a:fontRef>
+        </p:style>
+        <p:txBody>
+          <a:bodyPr wrap="square" tIns="36000" bIns="36000" rtlCol="0" anchor="ctr">
+            <a:noAutofit/>
+          </a:bodyPr>
+          <a:lstStyle/>
+          <a:p>
+            <a:r>
+              <a:rPr lang="en-US" sz="1600" b="1">
+                <a:solidFill>
+                  <a:schemeClr val="bg1"/>
+                </a:solidFill>
+                <a:effectLst>
+                  <a:outerShdw blurRad="76200" dist="38100" dir="5400000" algn="t" rotWithShape="0">
+                    <a:prstClr val="black">
+                      <a:alpha val="70000"/>
+                    </a:prstClr>
+                  </a:outerShdw>
+                </a:effectLst>
+                <a:latin typeface="Source Sans Pro" charset="0"/>
+                <a:ea typeface="Source Sans Pro" charset="0"/>
+              </a:rPr>
+              <a:t>BSP</a:t>
+            </a:r>
+            <a:endParaRPr lang="en-US" sz="1600" b="1" dirty="0">
+              <a:solidFill>
+                <a:schemeClr val="bg1"/>
+              </a:solidFill>
+              <a:effectLst>
+                <a:outerShdw blurRad="76200" dist="38100" dir="5400000" algn="t" rotWithShape="0">
+                  <a:prstClr val="black">
+                    <a:alpha val="70000"/>
+                  </a:prstClr>
+                </a:outerShdw>
+              </a:effectLst>
+              <a:latin typeface="Source Sans Pro" charset="0"/>
+              <a:ea typeface="Source Sans Pro" charset="0"/>
+            </a:endParaRPr>
+          </a:p>
+        </p:txBody>
+      </p:sp>
       <p:cxnSp>
         <p:nvCxnSpPr>
-          <p:cNvPr id="47" name="Straight Connector 46">
+          <p:cNvPr id="17" name="Straight Connector 16">
             <a:extLst>
               <a:ext uri="{FF2B5EF4-FFF2-40B4-BE49-F238E27FC236}">
-                <a16:creationId xmlns:a16="http://schemas.microsoft.com/office/drawing/2014/main" id="{21DD825A-1FDB-44BA-A7FC-3BF764EE5015}"/>
+                <a16:creationId xmlns:a16="http://schemas.microsoft.com/office/drawing/2014/main" id="{A99BD250-0876-4D3F-9767-F3176CB57185}"/>
               </a:ext>
             </a:extLst>
           </p:cNvPr>
@@ -17296,8 +15626,8 @@
         </p:nvCxnSpPr>
         <p:spPr>
           <a:xfrm>
-            <a:off x="5937469" y="3405434"/>
-            <a:ext cx="637268" cy="0"/>
+            <a:off x="4020522" y="3374710"/>
+            <a:ext cx="1771705" cy="14307"/>
           </a:xfrm>
           <a:prstGeom prst="line">
             <a:avLst/>
@@ -17326,6 +15656,1973 @@
       </p:cxnSp>
       <p:sp>
         <p:nvSpPr>
+          <p:cNvPr id="18" name="Rectangle 17">
+            <a:extLst>
+              <a:ext uri="{FF2B5EF4-FFF2-40B4-BE49-F238E27FC236}">
+                <a16:creationId xmlns:a16="http://schemas.microsoft.com/office/drawing/2014/main" id="{E9B41740-D60B-42CA-BD37-BF7CBF25DDE2}"/>
+              </a:ext>
+            </a:extLst>
+          </p:cNvPr>
+          <p:cNvSpPr/>
+          <p:nvPr/>
+        </p:nvSpPr>
+        <p:spPr>
+          <a:xfrm>
+            <a:off x="6940474" y="5373239"/>
+            <a:ext cx="1263935" cy="213954"/>
+          </a:xfrm>
+          <a:prstGeom prst="rect">
+            <a:avLst/>
+          </a:prstGeom>
+          <a:noFill/>
+          <a:effectLst/>
+        </p:spPr>
+        <p:txBody>
+          <a:bodyPr wrap="square" lIns="0" rIns="0">
+            <a:noAutofit/>
+          </a:bodyPr>
+          <a:lstStyle/>
+          <a:p>
+            <a:pPr algn="r">
+              <a:lnSpc>
+                <a:spcPts val="1300"/>
+              </a:lnSpc>
+            </a:pPr>
+            <a:r>
+              <a:rPr lang="en-US" sz="1100" b="1" dirty="0">
+                <a:ln w="0"/>
+                <a:solidFill>
+                  <a:schemeClr val="tx1">
+                    <a:lumMod val="75000"/>
+                  </a:schemeClr>
+                </a:solidFill>
+                <a:latin typeface="Source Sans Pro" charset="0"/>
+                <a:ea typeface="Source Sans Pro" charset="0"/>
+                <a:cs typeface="Source Sans Pro" charset="0"/>
+              </a:rPr>
+              <a:t>HARDWARE </a:t>
+            </a:r>
+          </a:p>
+        </p:txBody>
+      </p:sp>
+      <p:sp>
+        <p:nvSpPr>
+          <p:cNvPr id="19" name="Rectangle 18">
+            <a:extLst>
+              <a:ext uri="{FF2B5EF4-FFF2-40B4-BE49-F238E27FC236}">
+                <a16:creationId xmlns:a16="http://schemas.microsoft.com/office/drawing/2014/main" id="{658A9153-19B3-49D9-9A8B-70005ECD09C2}"/>
+              </a:ext>
+            </a:extLst>
+          </p:cNvPr>
+          <p:cNvSpPr/>
+          <p:nvPr/>
+        </p:nvSpPr>
+        <p:spPr>
+          <a:xfrm>
+            <a:off x="7260499" y="4618307"/>
+            <a:ext cx="943910" cy="213954"/>
+          </a:xfrm>
+          <a:prstGeom prst="rect">
+            <a:avLst/>
+          </a:prstGeom>
+          <a:noFill/>
+          <a:effectLst/>
+        </p:spPr>
+        <p:txBody>
+          <a:bodyPr wrap="square" lIns="0" rIns="0">
+            <a:noAutofit/>
+          </a:bodyPr>
+          <a:lstStyle/>
+          <a:p>
+            <a:pPr algn="r">
+              <a:lnSpc>
+                <a:spcPts val="1300"/>
+              </a:lnSpc>
+            </a:pPr>
+            <a:r>
+              <a:rPr lang="en-US" sz="1100" b="1" dirty="0">
+                <a:ln w="0"/>
+                <a:solidFill>
+                  <a:schemeClr val="tx1">
+                    <a:lumMod val="60000"/>
+                    <a:lumOff val="40000"/>
+                  </a:schemeClr>
+                </a:solidFill>
+                <a:latin typeface="Source Sans Pro" charset="0"/>
+                <a:ea typeface="Source Sans Pro" charset="0"/>
+                <a:cs typeface="Source Sans Pro" charset="0"/>
+              </a:rPr>
+              <a:t>PLATFORM</a:t>
+            </a:r>
+          </a:p>
+        </p:txBody>
+      </p:sp>
+      <p:sp>
+        <p:nvSpPr>
+          <p:cNvPr id="20" name="Rounded Rectangle 37">
+            <a:extLst>
+              <a:ext uri="{FF2B5EF4-FFF2-40B4-BE49-F238E27FC236}">
+                <a16:creationId xmlns:a16="http://schemas.microsoft.com/office/drawing/2014/main" id="{4C3C5FAE-707A-4F6D-80EE-51B5A43B317C}"/>
+              </a:ext>
+            </a:extLst>
+          </p:cNvPr>
+          <p:cNvSpPr/>
+          <p:nvPr/>
+        </p:nvSpPr>
+        <p:spPr>
+          <a:xfrm>
+            <a:off x="5563448" y="4998723"/>
+            <a:ext cx="795600" cy="309106"/>
+          </a:xfrm>
+          <a:prstGeom prst="roundRect">
+            <a:avLst>
+              <a:gd name="adj" fmla="val 20457"/>
+            </a:avLst>
+          </a:prstGeom>
+          <a:solidFill>
+            <a:schemeClr val="tx2"/>
+          </a:solidFill>
+          <a:ln w="12700">
+            <a:noFill/>
+          </a:ln>
+          <a:effectLst/>
+        </p:spPr>
+        <p:style>
+          <a:lnRef idx="2">
+            <a:schemeClr val="dk1"/>
+          </a:lnRef>
+          <a:fillRef idx="1">
+            <a:schemeClr val="lt1"/>
+          </a:fillRef>
+          <a:effectRef idx="0">
+            <a:schemeClr val="dk1"/>
+          </a:effectRef>
+          <a:fontRef idx="minor">
+            <a:schemeClr val="dk1"/>
+          </a:fontRef>
+        </p:style>
+        <p:txBody>
+          <a:bodyPr wrap="square" lIns="0" tIns="72000" rIns="0" bIns="46800" rtlCol="0" anchor="ctr">
+            <a:noAutofit/>
+          </a:bodyPr>
+          <a:lstStyle/>
+          <a:p>
+            <a:pPr lvl="0" algn="ctr" defTabSz="914400">
+              <a:lnSpc>
+                <a:spcPts val="1180"/>
+              </a:lnSpc>
+              <a:defRPr/>
+            </a:pPr>
+            <a:r>
+              <a:rPr lang="en-US" sz="1200" kern="0" dirty="0">
+                <a:solidFill>
+                  <a:srgbClr val="FFFFFF"/>
+                </a:solidFill>
+                <a:latin typeface="Source Sans Pro Light" charset="0"/>
+                <a:ea typeface="Source Sans Pro Light" charset="0"/>
+                <a:cs typeface="Source Sans Pro Light" charset="0"/>
+              </a:rPr>
+              <a:t>CPU FPU</a:t>
+            </a:r>
+          </a:p>
+        </p:txBody>
+      </p:sp>
+      <p:sp>
+        <p:nvSpPr>
+          <p:cNvPr id="21" name="Rounded Rectangle 38">
+            <a:extLst>
+              <a:ext uri="{FF2B5EF4-FFF2-40B4-BE49-F238E27FC236}">
+                <a16:creationId xmlns:a16="http://schemas.microsoft.com/office/drawing/2014/main" id="{B8C83289-18BD-40F8-B920-E314FEA4E5A7}"/>
+              </a:ext>
+            </a:extLst>
+          </p:cNvPr>
+          <p:cNvSpPr/>
+          <p:nvPr/>
+        </p:nvSpPr>
+        <p:spPr>
+          <a:xfrm>
+            <a:off x="6437792" y="4998723"/>
+            <a:ext cx="795600" cy="309106"/>
+          </a:xfrm>
+          <a:prstGeom prst="roundRect">
+            <a:avLst>
+              <a:gd name="adj" fmla="val 20457"/>
+            </a:avLst>
+          </a:prstGeom>
+          <a:solidFill>
+            <a:schemeClr val="tx2"/>
+          </a:solidFill>
+          <a:ln w="12700">
+            <a:noFill/>
+          </a:ln>
+          <a:effectLst/>
+        </p:spPr>
+        <p:style>
+          <a:lnRef idx="2">
+            <a:schemeClr val="dk1"/>
+          </a:lnRef>
+          <a:fillRef idx="1">
+            <a:schemeClr val="lt1"/>
+          </a:fillRef>
+          <a:effectRef idx="0">
+            <a:schemeClr val="dk1"/>
+          </a:effectRef>
+          <a:fontRef idx="minor">
+            <a:schemeClr val="dk1"/>
+          </a:fontRef>
+        </p:style>
+        <p:txBody>
+          <a:bodyPr wrap="square" lIns="0" tIns="72000" rIns="0" bIns="46800" rtlCol="0" anchor="ctr">
+            <a:noAutofit/>
+          </a:bodyPr>
+          <a:lstStyle/>
+          <a:p>
+            <a:pPr lvl="0" algn="ctr" defTabSz="914400">
+              <a:lnSpc>
+                <a:spcPts val="1180"/>
+              </a:lnSpc>
+              <a:defRPr/>
+            </a:pPr>
+            <a:r>
+              <a:rPr lang="en-US" sz="1200" kern="0" dirty="0">
+                <a:solidFill>
+                  <a:srgbClr val="FFFFFF"/>
+                </a:solidFill>
+                <a:latin typeface="Source Sans Pro Light" charset="0"/>
+                <a:ea typeface="Source Sans Pro Light" charset="0"/>
+                <a:cs typeface="Source Sans Pro Light" charset="0"/>
+              </a:rPr>
+              <a:t>Memory</a:t>
+            </a:r>
+          </a:p>
+        </p:txBody>
+      </p:sp>
+      <p:sp>
+        <p:nvSpPr>
+          <p:cNvPr id="22" name="Rounded Rectangle 39">
+            <a:extLst>
+              <a:ext uri="{FF2B5EF4-FFF2-40B4-BE49-F238E27FC236}">
+                <a16:creationId xmlns:a16="http://schemas.microsoft.com/office/drawing/2014/main" id="{D67BC221-8363-4C11-B54C-C65BA52A2EC6}"/>
+              </a:ext>
+            </a:extLst>
+          </p:cNvPr>
+          <p:cNvSpPr/>
+          <p:nvPr/>
+        </p:nvSpPr>
+        <p:spPr>
+          <a:xfrm>
+            <a:off x="7312136" y="4998723"/>
+            <a:ext cx="795600" cy="309106"/>
+          </a:xfrm>
+          <a:prstGeom prst="roundRect">
+            <a:avLst>
+              <a:gd name="adj" fmla="val 20457"/>
+            </a:avLst>
+          </a:prstGeom>
+          <a:solidFill>
+            <a:schemeClr val="tx2"/>
+          </a:solidFill>
+          <a:ln w="12700">
+            <a:noFill/>
+          </a:ln>
+          <a:effectLst/>
+        </p:spPr>
+        <p:style>
+          <a:lnRef idx="2">
+            <a:schemeClr val="dk1"/>
+          </a:lnRef>
+          <a:fillRef idx="1">
+            <a:schemeClr val="lt1"/>
+          </a:fillRef>
+          <a:effectRef idx="0">
+            <a:schemeClr val="dk1"/>
+          </a:effectRef>
+          <a:fontRef idx="minor">
+            <a:schemeClr val="dk1"/>
+          </a:fontRef>
+        </p:style>
+        <p:txBody>
+          <a:bodyPr wrap="square" lIns="0" tIns="72000" rIns="0" bIns="46800" rtlCol="0" anchor="ctr">
+            <a:noAutofit/>
+          </a:bodyPr>
+          <a:lstStyle/>
+          <a:p>
+            <a:pPr lvl="0" algn="ctr" defTabSz="914400">
+              <a:lnSpc>
+                <a:spcPts val="1180"/>
+              </a:lnSpc>
+              <a:defRPr/>
+            </a:pPr>
+            <a:r>
+              <a:rPr lang="en-US" sz="1200" kern="0" dirty="0">
+                <a:solidFill>
+                  <a:srgbClr val="FFFFFF"/>
+                </a:solidFill>
+                <a:latin typeface="Source Sans Pro Light" charset="0"/>
+                <a:ea typeface="Source Sans Pro Light" charset="0"/>
+                <a:cs typeface="Source Sans Pro Light" charset="0"/>
+              </a:rPr>
+              <a:t>Peripherals</a:t>
+            </a:r>
+            <a:endParaRPr lang="en-US" sz="1200" i="1" kern="0" dirty="0">
+              <a:solidFill>
+                <a:srgbClr val="FFFFFF"/>
+              </a:solidFill>
+              <a:latin typeface="Source Sans Pro Light" charset="0"/>
+              <a:ea typeface="Source Sans Pro Light" charset="0"/>
+              <a:cs typeface="Source Sans Pro Light" charset="0"/>
+            </a:endParaRPr>
+          </a:p>
+        </p:txBody>
+      </p:sp>
+      <p:sp>
+        <p:nvSpPr>
+          <p:cNvPr id="23" name="Rectangle 22">
+            <a:extLst>
+              <a:ext uri="{FF2B5EF4-FFF2-40B4-BE49-F238E27FC236}">
+                <a16:creationId xmlns:a16="http://schemas.microsoft.com/office/drawing/2014/main" id="{FA1724FF-C758-4D53-87CC-5B6B48EF4954}"/>
+              </a:ext>
+            </a:extLst>
+          </p:cNvPr>
+          <p:cNvSpPr/>
+          <p:nvPr/>
+        </p:nvSpPr>
+        <p:spPr>
+          <a:xfrm>
+            <a:off x="4121172" y="3279933"/>
+            <a:ext cx="1661808" cy="136256"/>
+          </a:xfrm>
+          <a:prstGeom prst="rect">
+            <a:avLst/>
+          </a:prstGeom>
+          <a:gradFill flip="none" rotWithShape="1">
+            <a:gsLst>
+              <a:gs pos="100000">
+                <a:srgbClr val="CBD3D7">
+                  <a:alpha val="0"/>
+                </a:srgbClr>
+              </a:gs>
+              <a:gs pos="0">
+                <a:schemeClr val="bg2">
+                  <a:alpha val="0"/>
+                </a:schemeClr>
+              </a:gs>
+              <a:gs pos="80000">
+                <a:srgbClr val="CBD3D7">
+                  <a:alpha val="90000"/>
+                </a:srgbClr>
+              </a:gs>
+              <a:gs pos="20000">
+                <a:schemeClr val="bg2">
+                  <a:alpha val="90000"/>
+                </a:schemeClr>
+              </a:gs>
+            </a:gsLst>
+            <a:lin ang="0" scaled="1"/>
+            <a:tileRect/>
+          </a:gradFill>
+          <a:ln w="31750">
+            <a:noFill/>
+          </a:ln>
+          <a:effectLst/>
+        </p:spPr>
+        <p:txBody>
+          <a:bodyPr wrap="square" lIns="0" tIns="0" rIns="0" bIns="0">
+            <a:spAutoFit/>
+          </a:bodyPr>
+          <a:lstStyle/>
+          <a:p>
+            <a:pPr algn="ctr">
+              <a:lnSpc>
+                <a:spcPts val="1000"/>
+              </a:lnSpc>
+            </a:pPr>
+            <a:r>
+              <a:rPr lang="en-US" sz="1200" b="1" dirty="0">
+                <a:ln w="0"/>
+                <a:solidFill>
+                  <a:srgbClr val="00B050"/>
+                </a:solidFill>
+                <a:latin typeface="Source Sans Pro" panose="020B0503030403020204" pitchFamily="34" charset="0"/>
+                <a:ea typeface="Source Sans Pro" panose="020B0503030403020204" pitchFamily="34" charset="0"/>
+              </a:rPr>
+              <a:t>ABSTRACTION LAYERS</a:t>
+            </a:r>
+          </a:p>
+        </p:txBody>
+      </p:sp>
+      <p:sp>
+        <p:nvSpPr>
+          <p:cNvPr id="25" name="Rounded Rectangle 88">
+            <a:extLst>
+              <a:ext uri="{FF2B5EF4-FFF2-40B4-BE49-F238E27FC236}">
+                <a16:creationId xmlns:a16="http://schemas.microsoft.com/office/drawing/2014/main" id="{5DAB12C6-3539-4306-95B6-318E56D43107}"/>
+              </a:ext>
+            </a:extLst>
+          </p:cNvPr>
+          <p:cNvSpPr/>
+          <p:nvPr/>
+        </p:nvSpPr>
+        <p:spPr>
+          <a:xfrm>
+            <a:off x="3977649" y="4242282"/>
+            <a:ext cx="4236479" cy="306000"/>
+          </a:xfrm>
+          <a:prstGeom prst="roundRect">
+            <a:avLst>
+              <a:gd name="adj" fmla="val 19644"/>
+            </a:avLst>
+          </a:prstGeom>
+          <a:solidFill>
+            <a:schemeClr val="tx2"/>
+          </a:solidFill>
+          <a:ln w="12700">
+            <a:noFill/>
+          </a:ln>
+          <a:effectLst/>
+        </p:spPr>
+        <p:style>
+          <a:lnRef idx="2">
+            <a:schemeClr val="dk1"/>
+          </a:lnRef>
+          <a:fillRef idx="1">
+            <a:schemeClr val="lt1"/>
+          </a:fillRef>
+          <a:effectRef idx="0">
+            <a:schemeClr val="dk1"/>
+          </a:effectRef>
+          <a:fontRef idx="minor">
+            <a:schemeClr val="dk1"/>
+          </a:fontRef>
+        </p:style>
+        <p:txBody>
+          <a:bodyPr wrap="square" lIns="90000" tIns="36000" bIns="36000" rtlCol="0" anchor="ctr">
+            <a:noAutofit/>
+          </a:bodyPr>
+          <a:lstStyle/>
+          <a:p>
+            <a:pPr lvl="0" algn="ctr">
+              <a:defRPr/>
+            </a:pPr>
+            <a:r>
+              <a:rPr lang="en-US" sz="1600" b="1" kern="0" dirty="0">
+                <a:solidFill>
+                  <a:srgbClr val="FFFFFF"/>
+                </a:solidFill>
+                <a:effectLst>
+                  <a:outerShdw blurRad="76200" dist="38100" dir="5400000" algn="t" rotWithShape="0">
+                    <a:prstClr val="black">
+                      <a:alpha val="70000"/>
+                    </a:prstClr>
+                  </a:outerShdw>
+                </a:effectLst>
+                <a:latin typeface="Source Sans Pro" charset="0"/>
+                <a:ea typeface="Source Sans Pro" charset="0"/>
+                <a:cs typeface="Source Sans Pro" charset="0"/>
+              </a:rPr>
+              <a:t>C Runtime</a:t>
+            </a:r>
+          </a:p>
+        </p:txBody>
+      </p:sp>
+      <p:grpSp>
+        <p:nvGrpSpPr>
+          <p:cNvPr id="26" name="Group 25">
+            <a:extLst>
+              <a:ext uri="{FF2B5EF4-FFF2-40B4-BE49-F238E27FC236}">
+                <a16:creationId xmlns:a16="http://schemas.microsoft.com/office/drawing/2014/main" id="{B854D58B-77E5-4726-BD78-C16BB7C962FF}"/>
+              </a:ext>
+            </a:extLst>
+          </p:cNvPr>
+          <p:cNvGrpSpPr/>
+          <p:nvPr/>
+        </p:nvGrpSpPr>
+        <p:grpSpPr>
+          <a:xfrm>
+            <a:off x="3965611" y="2433267"/>
+            <a:ext cx="1684403" cy="725924"/>
+            <a:chOff x="3235766" y="3459308"/>
+            <a:chExt cx="1684403" cy="725924"/>
+          </a:xfrm>
+        </p:grpSpPr>
+        <p:sp>
+          <p:nvSpPr>
+            <p:cNvPr id="27" name="Rounded Rectangle 370">
+              <a:extLst>
+                <a:ext uri="{FF2B5EF4-FFF2-40B4-BE49-F238E27FC236}">
+                  <a16:creationId xmlns:a16="http://schemas.microsoft.com/office/drawing/2014/main" id="{C179FB8F-C175-4783-90D6-7A8EC1D45A9A}"/>
+                </a:ext>
+              </a:extLst>
+            </p:cNvPr>
+            <p:cNvSpPr/>
+            <p:nvPr/>
+          </p:nvSpPr>
+          <p:spPr>
+            <a:xfrm>
+              <a:off x="3235766" y="3459308"/>
+              <a:ext cx="1684403" cy="725924"/>
+            </a:xfrm>
+            <a:custGeom>
+              <a:avLst/>
+              <a:gdLst>
+                <a:gd name="connsiteX0" fmla="*/ 0 w 1377675"/>
+                <a:gd name="connsiteY0" fmla="*/ 66568 h 1084694"/>
+                <a:gd name="connsiteX1" fmla="*/ 66568 w 1377675"/>
+                <a:gd name="connsiteY1" fmla="*/ 0 h 1084694"/>
+                <a:gd name="connsiteX2" fmla="*/ 1311107 w 1377675"/>
+                <a:gd name="connsiteY2" fmla="*/ 0 h 1084694"/>
+                <a:gd name="connsiteX3" fmla="*/ 1377675 w 1377675"/>
+                <a:gd name="connsiteY3" fmla="*/ 66568 h 1084694"/>
+                <a:gd name="connsiteX4" fmla="*/ 1377675 w 1377675"/>
+                <a:gd name="connsiteY4" fmla="*/ 1018126 h 1084694"/>
+                <a:gd name="connsiteX5" fmla="*/ 1311107 w 1377675"/>
+                <a:gd name="connsiteY5" fmla="*/ 1084694 h 1084694"/>
+                <a:gd name="connsiteX6" fmla="*/ 66568 w 1377675"/>
+                <a:gd name="connsiteY6" fmla="*/ 1084694 h 1084694"/>
+                <a:gd name="connsiteX7" fmla="*/ 0 w 1377675"/>
+                <a:gd name="connsiteY7" fmla="*/ 1018126 h 1084694"/>
+                <a:gd name="connsiteX8" fmla="*/ 0 w 1377675"/>
+                <a:gd name="connsiteY8" fmla="*/ 66568 h 1084694"/>
+                <a:gd name="connsiteX0" fmla="*/ 0 w 1377675"/>
+                <a:gd name="connsiteY0" fmla="*/ 66568 h 1084694"/>
+                <a:gd name="connsiteX1" fmla="*/ 66568 w 1377675"/>
+                <a:gd name="connsiteY1" fmla="*/ 0 h 1084694"/>
+                <a:gd name="connsiteX2" fmla="*/ 1311107 w 1377675"/>
+                <a:gd name="connsiteY2" fmla="*/ 0 h 1084694"/>
+                <a:gd name="connsiteX3" fmla="*/ 1377675 w 1377675"/>
+                <a:gd name="connsiteY3" fmla="*/ 409468 h 1084694"/>
+                <a:gd name="connsiteX4" fmla="*/ 1377675 w 1377675"/>
+                <a:gd name="connsiteY4" fmla="*/ 1018126 h 1084694"/>
+                <a:gd name="connsiteX5" fmla="*/ 1311107 w 1377675"/>
+                <a:gd name="connsiteY5" fmla="*/ 1084694 h 1084694"/>
+                <a:gd name="connsiteX6" fmla="*/ 66568 w 1377675"/>
+                <a:gd name="connsiteY6" fmla="*/ 1084694 h 1084694"/>
+                <a:gd name="connsiteX7" fmla="*/ 0 w 1377675"/>
+                <a:gd name="connsiteY7" fmla="*/ 1018126 h 1084694"/>
+                <a:gd name="connsiteX8" fmla="*/ 0 w 1377675"/>
+                <a:gd name="connsiteY8" fmla="*/ 66568 h 1084694"/>
+                <a:gd name="connsiteX0" fmla="*/ 0 w 1381139"/>
+                <a:gd name="connsiteY0" fmla="*/ 388686 h 1084694"/>
+                <a:gd name="connsiteX1" fmla="*/ 70032 w 1381139"/>
+                <a:gd name="connsiteY1" fmla="*/ 0 h 1084694"/>
+                <a:gd name="connsiteX2" fmla="*/ 1314571 w 1381139"/>
+                <a:gd name="connsiteY2" fmla="*/ 0 h 1084694"/>
+                <a:gd name="connsiteX3" fmla="*/ 1381139 w 1381139"/>
+                <a:gd name="connsiteY3" fmla="*/ 409468 h 1084694"/>
+                <a:gd name="connsiteX4" fmla="*/ 1381139 w 1381139"/>
+                <a:gd name="connsiteY4" fmla="*/ 1018126 h 1084694"/>
+                <a:gd name="connsiteX5" fmla="*/ 1314571 w 1381139"/>
+                <a:gd name="connsiteY5" fmla="*/ 1084694 h 1084694"/>
+                <a:gd name="connsiteX6" fmla="*/ 70032 w 1381139"/>
+                <a:gd name="connsiteY6" fmla="*/ 1084694 h 1084694"/>
+                <a:gd name="connsiteX7" fmla="*/ 3464 w 1381139"/>
+                <a:gd name="connsiteY7" fmla="*/ 1018126 h 1084694"/>
+                <a:gd name="connsiteX8" fmla="*/ 0 w 1381139"/>
+                <a:gd name="connsiteY8" fmla="*/ 388686 h 1084694"/>
+                <a:gd name="connsiteX0" fmla="*/ 0 w 3085063"/>
+                <a:gd name="connsiteY0" fmla="*/ 388686 h 1084694"/>
+                <a:gd name="connsiteX1" fmla="*/ 70032 w 3085063"/>
+                <a:gd name="connsiteY1" fmla="*/ 0 h 1084694"/>
+                <a:gd name="connsiteX2" fmla="*/ 3084489 w 3085063"/>
+                <a:gd name="connsiteY2" fmla="*/ 256309 h 1084694"/>
+                <a:gd name="connsiteX3" fmla="*/ 1381139 w 3085063"/>
+                <a:gd name="connsiteY3" fmla="*/ 409468 h 1084694"/>
+                <a:gd name="connsiteX4" fmla="*/ 1381139 w 3085063"/>
+                <a:gd name="connsiteY4" fmla="*/ 1018126 h 1084694"/>
+                <a:gd name="connsiteX5" fmla="*/ 1314571 w 3085063"/>
+                <a:gd name="connsiteY5" fmla="*/ 1084694 h 1084694"/>
+                <a:gd name="connsiteX6" fmla="*/ 70032 w 3085063"/>
+                <a:gd name="connsiteY6" fmla="*/ 1084694 h 1084694"/>
+                <a:gd name="connsiteX7" fmla="*/ 3464 w 3085063"/>
+                <a:gd name="connsiteY7" fmla="*/ 1018126 h 1084694"/>
+                <a:gd name="connsiteX8" fmla="*/ 0 w 3085063"/>
+                <a:gd name="connsiteY8" fmla="*/ 388686 h 1084694"/>
+                <a:gd name="connsiteX0" fmla="*/ 1150005 w 4235068"/>
+                <a:gd name="connsiteY0" fmla="*/ 132377 h 828385"/>
+                <a:gd name="connsiteX1" fmla="*/ 837 w 4235068"/>
+                <a:gd name="connsiteY1" fmla="*/ 3463 h 828385"/>
+                <a:gd name="connsiteX2" fmla="*/ 4234494 w 4235068"/>
+                <a:gd name="connsiteY2" fmla="*/ 0 h 828385"/>
+                <a:gd name="connsiteX3" fmla="*/ 2531144 w 4235068"/>
+                <a:gd name="connsiteY3" fmla="*/ 153159 h 828385"/>
+                <a:gd name="connsiteX4" fmla="*/ 2531144 w 4235068"/>
+                <a:gd name="connsiteY4" fmla="*/ 761817 h 828385"/>
+                <a:gd name="connsiteX5" fmla="*/ 2464576 w 4235068"/>
+                <a:gd name="connsiteY5" fmla="*/ 828385 h 828385"/>
+                <a:gd name="connsiteX6" fmla="*/ 1220037 w 4235068"/>
+                <a:gd name="connsiteY6" fmla="*/ 828385 h 828385"/>
+                <a:gd name="connsiteX7" fmla="*/ 1153469 w 4235068"/>
+                <a:gd name="connsiteY7" fmla="*/ 761817 h 828385"/>
+                <a:gd name="connsiteX8" fmla="*/ 1150005 w 4235068"/>
+                <a:gd name="connsiteY8" fmla="*/ 132377 h 828385"/>
+                <a:gd name="connsiteX0" fmla="*/ 1150005 w 2930911"/>
+                <a:gd name="connsiteY0" fmla="*/ 128914 h 824922"/>
+                <a:gd name="connsiteX1" fmla="*/ 837 w 2930911"/>
+                <a:gd name="connsiteY1" fmla="*/ 0 h 824922"/>
+                <a:gd name="connsiteX2" fmla="*/ 2928703 w 2930911"/>
+                <a:gd name="connsiteY2" fmla="*/ 1 h 824922"/>
+                <a:gd name="connsiteX3" fmla="*/ 2531144 w 2930911"/>
+                <a:gd name="connsiteY3" fmla="*/ 149696 h 824922"/>
+                <a:gd name="connsiteX4" fmla="*/ 2531144 w 2930911"/>
+                <a:gd name="connsiteY4" fmla="*/ 758354 h 824922"/>
+                <a:gd name="connsiteX5" fmla="*/ 2464576 w 2930911"/>
+                <a:gd name="connsiteY5" fmla="*/ 824922 h 824922"/>
+                <a:gd name="connsiteX6" fmla="*/ 1220037 w 2930911"/>
+                <a:gd name="connsiteY6" fmla="*/ 824922 h 824922"/>
+                <a:gd name="connsiteX7" fmla="*/ 1153469 w 2930911"/>
+                <a:gd name="connsiteY7" fmla="*/ 758354 h 824922"/>
+                <a:gd name="connsiteX8" fmla="*/ 1150005 w 2930911"/>
+                <a:gd name="connsiteY8" fmla="*/ 128914 h 824922"/>
+                <a:gd name="connsiteX0" fmla="*/ 1150005 w 2930911"/>
+                <a:gd name="connsiteY0" fmla="*/ 128914 h 824922"/>
+                <a:gd name="connsiteX1" fmla="*/ 837 w 2930911"/>
+                <a:gd name="connsiteY1" fmla="*/ 0 h 824922"/>
+                <a:gd name="connsiteX2" fmla="*/ 2928703 w 2930911"/>
+                <a:gd name="connsiteY2" fmla="*/ 1 h 824922"/>
+                <a:gd name="connsiteX3" fmla="*/ 2531144 w 2930911"/>
+                <a:gd name="connsiteY3" fmla="*/ 149696 h 824922"/>
+                <a:gd name="connsiteX4" fmla="*/ 2531144 w 2930911"/>
+                <a:gd name="connsiteY4" fmla="*/ 758354 h 824922"/>
+                <a:gd name="connsiteX5" fmla="*/ 2464576 w 2930911"/>
+                <a:gd name="connsiteY5" fmla="*/ 824922 h 824922"/>
+                <a:gd name="connsiteX6" fmla="*/ 1220037 w 2930911"/>
+                <a:gd name="connsiteY6" fmla="*/ 824922 h 824922"/>
+                <a:gd name="connsiteX7" fmla="*/ 1153469 w 2930911"/>
+                <a:gd name="connsiteY7" fmla="*/ 758354 h 824922"/>
+                <a:gd name="connsiteX8" fmla="*/ 1150005 w 2930911"/>
+                <a:gd name="connsiteY8" fmla="*/ 128914 h 824922"/>
+                <a:gd name="connsiteX0" fmla="*/ 1150004 w 2930910"/>
+                <a:gd name="connsiteY0" fmla="*/ 128914 h 824922"/>
+                <a:gd name="connsiteX1" fmla="*/ 836 w 2930910"/>
+                <a:gd name="connsiteY1" fmla="*/ 0 h 824922"/>
+                <a:gd name="connsiteX2" fmla="*/ 2928702 w 2930910"/>
+                <a:gd name="connsiteY2" fmla="*/ 1 h 824922"/>
+                <a:gd name="connsiteX3" fmla="*/ 2531143 w 2930910"/>
+                <a:gd name="connsiteY3" fmla="*/ 149696 h 824922"/>
+                <a:gd name="connsiteX4" fmla="*/ 2531143 w 2930910"/>
+                <a:gd name="connsiteY4" fmla="*/ 758354 h 824922"/>
+                <a:gd name="connsiteX5" fmla="*/ 2464575 w 2930910"/>
+                <a:gd name="connsiteY5" fmla="*/ 824922 h 824922"/>
+                <a:gd name="connsiteX6" fmla="*/ 1220036 w 2930910"/>
+                <a:gd name="connsiteY6" fmla="*/ 824922 h 824922"/>
+                <a:gd name="connsiteX7" fmla="*/ 1153468 w 2930910"/>
+                <a:gd name="connsiteY7" fmla="*/ 758354 h 824922"/>
+                <a:gd name="connsiteX8" fmla="*/ 1150004 w 2930910"/>
+                <a:gd name="connsiteY8" fmla="*/ 128914 h 824922"/>
+                <a:gd name="connsiteX0" fmla="*/ 375627 w 2156533"/>
+                <a:gd name="connsiteY0" fmla="*/ 128913 h 824921"/>
+                <a:gd name="connsiteX1" fmla="*/ 2314 w 2156533"/>
+                <a:gd name="connsiteY1" fmla="*/ 6926 h 824921"/>
+                <a:gd name="connsiteX2" fmla="*/ 2154325 w 2156533"/>
+                <a:gd name="connsiteY2" fmla="*/ 0 h 824921"/>
+                <a:gd name="connsiteX3" fmla="*/ 1756766 w 2156533"/>
+                <a:gd name="connsiteY3" fmla="*/ 149695 h 824921"/>
+                <a:gd name="connsiteX4" fmla="*/ 1756766 w 2156533"/>
+                <a:gd name="connsiteY4" fmla="*/ 758353 h 824921"/>
+                <a:gd name="connsiteX5" fmla="*/ 1690198 w 2156533"/>
+                <a:gd name="connsiteY5" fmla="*/ 824921 h 824921"/>
+                <a:gd name="connsiteX6" fmla="*/ 445659 w 2156533"/>
+                <a:gd name="connsiteY6" fmla="*/ 824921 h 824921"/>
+                <a:gd name="connsiteX7" fmla="*/ 379091 w 2156533"/>
+                <a:gd name="connsiteY7" fmla="*/ 758353 h 824921"/>
+                <a:gd name="connsiteX8" fmla="*/ 375627 w 2156533"/>
+                <a:gd name="connsiteY8" fmla="*/ 128913 h 824921"/>
+                <a:gd name="connsiteX0" fmla="*/ 418185 w 2199091"/>
+                <a:gd name="connsiteY0" fmla="*/ 128913 h 824921"/>
+                <a:gd name="connsiteX1" fmla="*/ 44872 w 2199091"/>
+                <a:gd name="connsiteY1" fmla="*/ 6926 h 824921"/>
+                <a:gd name="connsiteX2" fmla="*/ 2196883 w 2199091"/>
+                <a:gd name="connsiteY2" fmla="*/ 0 h 824921"/>
+                <a:gd name="connsiteX3" fmla="*/ 1799324 w 2199091"/>
+                <a:gd name="connsiteY3" fmla="*/ 149695 h 824921"/>
+                <a:gd name="connsiteX4" fmla="*/ 1799324 w 2199091"/>
+                <a:gd name="connsiteY4" fmla="*/ 758353 h 824921"/>
+                <a:gd name="connsiteX5" fmla="*/ 1732756 w 2199091"/>
+                <a:gd name="connsiteY5" fmla="*/ 824921 h 824921"/>
+                <a:gd name="connsiteX6" fmla="*/ 488217 w 2199091"/>
+                <a:gd name="connsiteY6" fmla="*/ 824921 h 824921"/>
+                <a:gd name="connsiteX7" fmla="*/ 421649 w 2199091"/>
+                <a:gd name="connsiteY7" fmla="*/ 758353 h 824921"/>
+                <a:gd name="connsiteX8" fmla="*/ 418185 w 2199091"/>
+                <a:gd name="connsiteY8" fmla="*/ 128913 h 824921"/>
+                <a:gd name="connsiteX0" fmla="*/ 404178 w 2197426"/>
+                <a:gd name="connsiteY0" fmla="*/ 129381 h 825389"/>
+                <a:gd name="connsiteX1" fmla="*/ 30865 w 2197426"/>
+                <a:gd name="connsiteY1" fmla="*/ 7394 h 825389"/>
+                <a:gd name="connsiteX2" fmla="*/ 2182876 w 2197426"/>
+                <a:gd name="connsiteY2" fmla="*/ 468 h 825389"/>
+                <a:gd name="connsiteX3" fmla="*/ 1785317 w 2197426"/>
+                <a:gd name="connsiteY3" fmla="*/ 150163 h 825389"/>
+                <a:gd name="connsiteX4" fmla="*/ 1785317 w 2197426"/>
+                <a:gd name="connsiteY4" fmla="*/ 758821 h 825389"/>
+                <a:gd name="connsiteX5" fmla="*/ 1718749 w 2197426"/>
+                <a:gd name="connsiteY5" fmla="*/ 825389 h 825389"/>
+                <a:gd name="connsiteX6" fmla="*/ 474210 w 2197426"/>
+                <a:gd name="connsiteY6" fmla="*/ 825389 h 825389"/>
+                <a:gd name="connsiteX7" fmla="*/ 407642 w 2197426"/>
+                <a:gd name="connsiteY7" fmla="*/ 758821 h 825389"/>
+                <a:gd name="connsiteX8" fmla="*/ 404178 w 2197426"/>
+                <a:gd name="connsiteY8" fmla="*/ 129381 h 825389"/>
+                <a:gd name="connsiteX0" fmla="*/ 373313 w 2152011"/>
+                <a:gd name="connsiteY0" fmla="*/ 129381 h 825389"/>
+                <a:gd name="connsiteX1" fmla="*/ 0 w 2152011"/>
+                <a:gd name="connsiteY1" fmla="*/ 7394 h 825389"/>
+                <a:gd name="connsiteX2" fmla="*/ 2152011 w 2152011"/>
+                <a:gd name="connsiteY2" fmla="*/ 468 h 825389"/>
+                <a:gd name="connsiteX3" fmla="*/ 1754452 w 2152011"/>
+                <a:gd name="connsiteY3" fmla="*/ 150163 h 825389"/>
+                <a:gd name="connsiteX4" fmla="*/ 1754452 w 2152011"/>
+                <a:gd name="connsiteY4" fmla="*/ 758821 h 825389"/>
+                <a:gd name="connsiteX5" fmla="*/ 1687884 w 2152011"/>
+                <a:gd name="connsiteY5" fmla="*/ 825389 h 825389"/>
+                <a:gd name="connsiteX6" fmla="*/ 443345 w 2152011"/>
+                <a:gd name="connsiteY6" fmla="*/ 825389 h 825389"/>
+                <a:gd name="connsiteX7" fmla="*/ 376777 w 2152011"/>
+                <a:gd name="connsiteY7" fmla="*/ 758821 h 825389"/>
+                <a:gd name="connsiteX8" fmla="*/ 373313 w 2152011"/>
+                <a:gd name="connsiteY8" fmla="*/ 129381 h 825389"/>
+                <a:gd name="connsiteX0" fmla="*/ 436994 w 2018842"/>
+                <a:gd name="connsiteY0" fmla="*/ 132057 h 828065"/>
+                <a:gd name="connsiteX1" fmla="*/ 63681 w 2018842"/>
+                <a:gd name="connsiteY1" fmla="*/ 10070 h 828065"/>
+                <a:gd name="connsiteX2" fmla="*/ 2018842 w 2018842"/>
+                <a:gd name="connsiteY2" fmla="*/ 6319 h 828065"/>
+                <a:gd name="connsiteX3" fmla="*/ 1818133 w 2018842"/>
+                <a:gd name="connsiteY3" fmla="*/ 152839 h 828065"/>
+                <a:gd name="connsiteX4" fmla="*/ 1818133 w 2018842"/>
+                <a:gd name="connsiteY4" fmla="*/ 761497 h 828065"/>
+                <a:gd name="connsiteX5" fmla="*/ 1751565 w 2018842"/>
+                <a:gd name="connsiteY5" fmla="*/ 828065 h 828065"/>
+                <a:gd name="connsiteX6" fmla="*/ 507026 w 2018842"/>
+                <a:gd name="connsiteY6" fmla="*/ 828065 h 828065"/>
+                <a:gd name="connsiteX7" fmla="*/ 440458 w 2018842"/>
+                <a:gd name="connsiteY7" fmla="*/ 761497 h 828065"/>
+                <a:gd name="connsiteX8" fmla="*/ 436994 w 2018842"/>
+                <a:gd name="connsiteY8" fmla="*/ 132057 h 828065"/>
+                <a:gd name="connsiteX0" fmla="*/ 436994 w 2023402"/>
+                <a:gd name="connsiteY0" fmla="*/ 131514 h 827522"/>
+                <a:gd name="connsiteX1" fmla="*/ 63681 w 2023402"/>
+                <a:gd name="connsiteY1" fmla="*/ 9527 h 827522"/>
+                <a:gd name="connsiteX2" fmla="*/ 2018842 w 2023402"/>
+                <a:gd name="connsiteY2" fmla="*/ 5776 h 827522"/>
+                <a:gd name="connsiteX3" fmla="*/ 1818133 w 2023402"/>
+                <a:gd name="connsiteY3" fmla="*/ 152296 h 827522"/>
+                <a:gd name="connsiteX4" fmla="*/ 1818133 w 2023402"/>
+                <a:gd name="connsiteY4" fmla="*/ 760954 h 827522"/>
+                <a:gd name="connsiteX5" fmla="*/ 1751565 w 2023402"/>
+                <a:gd name="connsiteY5" fmla="*/ 827522 h 827522"/>
+                <a:gd name="connsiteX6" fmla="*/ 507026 w 2023402"/>
+                <a:gd name="connsiteY6" fmla="*/ 827522 h 827522"/>
+                <a:gd name="connsiteX7" fmla="*/ 440458 w 2023402"/>
+                <a:gd name="connsiteY7" fmla="*/ 760954 h 827522"/>
+                <a:gd name="connsiteX8" fmla="*/ 436994 w 2023402"/>
+                <a:gd name="connsiteY8" fmla="*/ 131514 h 827522"/>
+                <a:gd name="connsiteX0" fmla="*/ 260186 w 1921406"/>
+                <a:gd name="connsiteY0" fmla="*/ 144219 h 840227"/>
+                <a:gd name="connsiteX1" fmla="*/ 83723 w 1921406"/>
+                <a:gd name="connsiteY1" fmla="*/ 15882 h 840227"/>
+                <a:gd name="connsiteX2" fmla="*/ 1842034 w 1921406"/>
+                <a:gd name="connsiteY2" fmla="*/ 18481 h 840227"/>
+                <a:gd name="connsiteX3" fmla="*/ 1641325 w 1921406"/>
+                <a:gd name="connsiteY3" fmla="*/ 165001 h 840227"/>
+                <a:gd name="connsiteX4" fmla="*/ 1641325 w 1921406"/>
+                <a:gd name="connsiteY4" fmla="*/ 773659 h 840227"/>
+                <a:gd name="connsiteX5" fmla="*/ 1574757 w 1921406"/>
+                <a:gd name="connsiteY5" fmla="*/ 840227 h 840227"/>
+                <a:gd name="connsiteX6" fmla="*/ 330218 w 1921406"/>
+                <a:gd name="connsiteY6" fmla="*/ 840227 h 840227"/>
+                <a:gd name="connsiteX7" fmla="*/ 263650 w 1921406"/>
+                <a:gd name="connsiteY7" fmla="*/ 773659 h 840227"/>
+                <a:gd name="connsiteX8" fmla="*/ 260186 w 1921406"/>
+                <a:gd name="connsiteY8" fmla="*/ 144219 h 840227"/>
+                <a:gd name="connsiteX0" fmla="*/ 184184 w 1845404"/>
+                <a:gd name="connsiteY0" fmla="*/ 137193 h 833201"/>
+                <a:gd name="connsiteX1" fmla="*/ 7721 w 1845404"/>
+                <a:gd name="connsiteY1" fmla="*/ 8856 h 833201"/>
+                <a:gd name="connsiteX2" fmla="*/ 1766032 w 1845404"/>
+                <a:gd name="connsiteY2" fmla="*/ 11455 h 833201"/>
+                <a:gd name="connsiteX3" fmla="*/ 1565323 w 1845404"/>
+                <a:gd name="connsiteY3" fmla="*/ 157975 h 833201"/>
+                <a:gd name="connsiteX4" fmla="*/ 1565323 w 1845404"/>
+                <a:gd name="connsiteY4" fmla="*/ 766633 h 833201"/>
+                <a:gd name="connsiteX5" fmla="*/ 1498755 w 1845404"/>
+                <a:gd name="connsiteY5" fmla="*/ 833201 h 833201"/>
+                <a:gd name="connsiteX6" fmla="*/ 254216 w 1845404"/>
+                <a:gd name="connsiteY6" fmla="*/ 833201 h 833201"/>
+                <a:gd name="connsiteX7" fmla="*/ 187648 w 1845404"/>
+                <a:gd name="connsiteY7" fmla="*/ 766633 h 833201"/>
+                <a:gd name="connsiteX8" fmla="*/ 184184 w 1845404"/>
+                <a:gd name="connsiteY8" fmla="*/ 137193 h 833201"/>
+                <a:gd name="connsiteX0" fmla="*/ 254154 w 1839241"/>
+                <a:gd name="connsiteY0" fmla="*/ 147999 h 844007"/>
+                <a:gd name="connsiteX1" fmla="*/ 77691 w 1839241"/>
+                <a:gd name="connsiteY1" fmla="*/ 19662 h 844007"/>
+                <a:gd name="connsiteX2" fmla="*/ 1747102 w 1839241"/>
+                <a:gd name="connsiteY2" fmla="*/ 15911 h 844007"/>
+                <a:gd name="connsiteX3" fmla="*/ 1635293 w 1839241"/>
+                <a:gd name="connsiteY3" fmla="*/ 168781 h 844007"/>
+                <a:gd name="connsiteX4" fmla="*/ 1635293 w 1839241"/>
+                <a:gd name="connsiteY4" fmla="*/ 777439 h 844007"/>
+                <a:gd name="connsiteX5" fmla="*/ 1568725 w 1839241"/>
+                <a:gd name="connsiteY5" fmla="*/ 844007 h 844007"/>
+                <a:gd name="connsiteX6" fmla="*/ 324186 w 1839241"/>
+                <a:gd name="connsiteY6" fmla="*/ 844007 h 844007"/>
+                <a:gd name="connsiteX7" fmla="*/ 257618 w 1839241"/>
+                <a:gd name="connsiteY7" fmla="*/ 777439 h 844007"/>
+                <a:gd name="connsiteX8" fmla="*/ 254154 w 1839241"/>
+                <a:gd name="connsiteY8" fmla="*/ 147999 h 844007"/>
+                <a:gd name="connsiteX0" fmla="*/ 254154 w 1752323"/>
+                <a:gd name="connsiteY0" fmla="*/ 139925 h 835933"/>
+                <a:gd name="connsiteX1" fmla="*/ 77691 w 1752323"/>
+                <a:gd name="connsiteY1" fmla="*/ 11588 h 835933"/>
+                <a:gd name="connsiteX2" fmla="*/ 1747102 w 1752323"/>
+                <a:gd name="connsiteY2" fmla="*/ 7837 h 835933"/>
+                <a:gd name="connsiteX3" fmla="*/ 1635293 w 1752323"/>
+                <a:gd name="connsiteY3" fmla="*/ 160707 h 835933"/>
+                <a:gd name="connsiteX4" fmla="*/ 1635293 w 1752323"/>
+                <a:gd name="connsiteY4" fmla="*/ 769365 h 835933"/>
+                <a:gd name="connsiteX5" fmla="*/ 1568725 w 1752323"/>
+                <a:gd name="connsiteY5" fmla="*/ 835933 h 835933"/>
+                <a:gd name="connsiteX6" fmla="*/ 324186 w 1752323"/>
+                <a:gd name="connsiteY6" fmla="*/ 835933 h 835933"/>
+                <a:gd name="connsiteX7" fmla="*/ 257618 w 1752323"/>
+                <a:gd name="connsiteY7" fmla="*/ 769365 h 835933"/>
+                <a:gd name="connsiteX8" fmla="*/ 254154 w 1752323"/>
+                <a:gd name="connsiteY8" fmla="*/ 139925 h 835933"/>
+                <a:gd name="connsiteX0" fmla="*/ 256302 w 1786136"/>
+                <a:gd name="connsiteY0" fmla="*/ 138666 h 834674"/>
+                <a:gd name="connsiteX1" fmla="*/ 79839 w 1786136"/>
+                <a:gd name="connsiteY1" fmla="*/ 10329 h 834674"/>
+                <a:gd name="connsiteX2" fmla="*/ 1781000 w 1786136"/>
+                <a:gd name="connsiteY2" fmla="*/ 9753 h 834674"/>
+                <a:gd name="connsiteX3" fmla="*/ 1637441 w 1786136"/>
+                <a:gd name="connsiteY3" fmla="*/ 159448 h 834674"/>
+                <a:gd name="connsiteX4" fmla="*/ 1637441 w 1786136"/>
+                <a:gd name="connsiteY4" fmla="*/ 768106 h 834674"/>
+                <a:gd name="connsiteX5" fmla="*/ 1570873 w 1786136"/>
+                <a:gd name="connsiteY5" fmla="*/ 834674 h 834674"/>
+                <a:gd name="connsiteX6" fmla="*/ 326334 w 1786136"/>
+                <a:gd name="connsiteY6" fmla="*/ 834674 h 834674"/>
+                <a:gd name="connsiteX7" fmla="*/ 259766 w 1786136"/>
+                <a:gd name="connsiteY7" fmla="*/ 768106 h 834674"/>
+                <a:gd name="connsiteX8" fmla="*/ 256302 w 1786136"/>
+                <a:gd name="connsiteY8" fmla="*/ 138666 h 834674"/>
+                <a:gd name="connsiteX0" fmla="*/ 181625 w 1710512"/>
+                <a:gd name="connsiteY0" fmla="*/ 130557 h 826565"/>
+                <a:gd name="connsiteX1" fmla="*/ 5162 w 1710512"/>
+                <a:gd name="connsiteY1" fmla="*/ 2220 h 826565"/>
+                <a:gd name="connsiteX2" fmla="*/ 1706323 w 1710512"/>
+                <a:gd name="connsiteY2" fmla="*/ 1644 h 826565"/>
+                <a:gd name="connsiteX3" fmla="*/ 1562764 w 1710512"/>
+                <a:gd name="connsiteY3" fmla="*/ 151339 h 826565"/>
+                <a:gd name="connsiteX4" fmla="*/ 1562764 w 1710512"/>
+                <a:gd name="connsiteY4" fmla="*/ 759997 h 826565"/>
+                <a:gd name="connsiteX5" fmla="*/ 1496196 w 1710512"/>
+                <a:gd name="connsiteY5" fmla="*/ 826565 h 826565"/>
+                <a:gd name="connsiteX6" fmla="*/ 251657 w 1710512"/>
+                <a:gd name="connsiteY6" fmla="*/ 826565 h 826565"/>
+                <a:gd name="connsiteX7" fmla="*/ 185089 w 1710512"/>
+                <a:gd name="connsiteY7" fmla="*/ 759997 h 826565"/>
+                <a:gd name="connsiteX8" fmla="*/ 181625 w 1710512"/>
+                <a:gd name="connsiteY8" fmla="*/ 130557 h 826565"/>
+                <a:gd name="connsiteX0" fmla="*/ 157442 w 1767509"/>
+                <a:gd name="connsiteY0" fmla="*/ 139313 h 835321"/>
+                <a:gd name="connsiteX1" fmla="*/ 6379 w 1767509"/>
+                <a:gd name="connsiteY1" fmla="*/ 14151 h 835321"/>
+                <a:gd name="connsiteX2" fmla="*/ 1682140 w 1767509"/>
+                <a:gd name="connsiteY2" fmla="*/ 10400 h 835321"/>
+                <a:gd name="connsiteX3" fmla="*/ 1538581 w 1767509"/>
+                <a:gd name="connsiteY3" fmla="*/ 160095 h 835321"/>
+                <a:gd name="connsiteX4" fmla="*/ 1538581 w 1767509"/>
+                <a:gd name="connsiteY4" fmla="*/ 768753 h 835321"/>
+                <a:gd name="connsiteX5" fmla="*/ 1472013 w 1767509"/>
+                <a:gd name="connsiteY5" fmla="*/ 835321 h 835321"/>
+                <a:gd name="connsiteX6" fmla="*/ 227474 w 1767509"/>
+                <a:gd name="connsiteY6" fmla="*/ 835321 h 835321"/>
+                <a:gd name="connsiteX7" fmla="*/ 160906 w 1767509"/>
+                <a:gd name="connsiteY7" fmla="*/ 768753 h 835321"/>
+                <a:gd name="connsiteX8" fmla="*/ 157442 w 1767509"/>
+                <a:gd name="connsiteY8" fmla="*/ 139313 h 835321"/>
+                <a:gd name="connsiteX0" fmla="*/ 155631 w 1765698"/>
+                <a:gd name="connsiteY0" fmla="*/ 139999 h 836007"/>
+                <a:gd name="connsiteX1" fmla="*/ 4568 w 1765698"/>
+                <a:gd name="connsiteY1" fmla="*/ 14837 h 836007"/>
+                <a:gd name="connsiteX2" fmla="*/ 1680329 w 1765698"/>
+                <a:gd name="connsiteY2" fmla="*/ 11086 h 836007"/>
+                <a:gd name="connsiteX3" fmla="*/ 1536770 w 1765698"/>
+                <a:gd name="connsiteY3" fmla="*/ 160781 h 836007"/>
+                <a:gd name="connsiteX4" fmla="*/ 1536770 w 1765698"/>
+                <a:gd name="connsiteY4" fmla="*/ 769439 h 836007"/>
+                <a:gd name="connsiteX5" fmla="*/ 1470202 w 1765698"/>
+                <a:gd name="connsiteY5" fmla="*/ 836007 h 836007"/>
+                <a:gd name="connsiteX6" fmla="*/ 225663 w 1765698"/>
+                <a:gd name="connsiteY6" fmla="*/ 836007 h 836007"/>
+                <a:gd name="connsiteX7" fmla="*/ 159095 w 1765698"/>
+                <a:gd name="connsiteY7" fmla="*/ 769439 h 836007"/>
+                <a:gd name="connsiteX8" fmla="*/ 155631 w 1765698"/>
+                <a:gd name="connsiteY8" fmla="*/ 139999 h 836007"/>
+                <a:gd name="connsiteX0" fmla="*/ 155631 w 1765698"/>
+                <a:gd name="connsiteY0" fmla="*/ 139999 h 836007"/>
+                <a:gd name="connsiteX1" fmla="*/ 4568 w 1765698"/>
+                <a:gd name="connsiteY1" fmla="*/ 14837 h 836007"/>
+                <a:gd name="connsiteX2" fmla="*/ 1680329 w 1765698"/>
+                <a:gd name="connsiteY2" fmla="*/ 11086 h 836007"/>
+                <a:gd name="connsiteX3" fmla="*/ 1536770 w 1765698"/>
+                <a:gd name="connsiteY3" fmla="*/ 160781 h 836007"/>
+                <a:gd name="connsiteX4" fmla="*/ 1536770 w 1765698"/>
+                <a:gd name="connsiteY4" fmla="*/ 769439 h 836007"/>
+                <a:gd name="connsiteX5" fmla="*/ 1470202 w 1765698"/>
+                <a:gd name="connsiteY5" fmla="*/ 836007 h 836007"/>
+                <a:gd name="connsiteX6" fmla="*/ 225663 w 1765698"/>
+                <a:gd name="connsiteY6" fmla="*/ 836007 h 836007"/>
+                <a:gd name="connsiteX7" fmla="*/ 159095 w 1765698"/>
+                <a:gd name="connsiteY7" fmla="*/ 769439 h 836007"/>
+                <a:gd name="connsiteX8" fmla="*/ 155631 w 1765698"/>
+                <a:gd name="connsiteY8" fmla="*/ 139999 h 836007"/>
+                <a:gd name="connsiteX0" fmla="*/ 154777 w 1684351"/>
+                <a:gd name="connsiteY0" fmla="*/ 131536 h 827544"/>
+                <a:gd name="connsiteX1" fmla="*/ 3714 w 1684351"/>
+                <a:gd name="connsiteY1" fmla="*/ 6374 h 827544"/>
+                <a:gd name="connsiteX2" fmla="*/ 1679475 w 1684351"/>
+                <a:gd name="connsiteY2" fmla="*/ 2623 h 827544"/>
+                <a:gd name="connsiteX3" fmla="*/ 1535916 w 1684351"/>
+                <a:gd name="connsiteY3" fmla="*/ 152318 h 827544"/>
+                <a:gd name="connsiteX4" fmla="*/ 1535916 w 1684351"/>
+                <a:gd name="connsiteY4" fmla="*/ 760976 h 827544"/>
+                <a:gd name="connsiteX5" fmla="*/ 1469348 w 1684351"/>
+                <a:gd name="connsiteY5" fmla="*/ 827544 h 827544"/>
+                <a:gd name="connsiteX6" fmla="*/ 224809 w 1684351"/>
+                <a:gd name="connsiteY6" fmla="*/ 827544 h 827544"/>
+                <a:gd name="connsiteX7" fmla="*/ 158241 w 1684351"/>
+                <a:gd name="connsiteY7" fmla="*/ 760976 h 827544"/>
+                <a:gd name="connsiteX8" fmla="*/ 154777 w 1684351"/>
+                <a:gd name="connsiteY8" fmla="*/ 131536 h 827544"/>
+                <a:gd name="connsiteX0" fmla="*/ 236936 w 1786555"/>
+                <a:gd name="connsiteY0" fmla="*/ 135949 h 831957"/>
+                <a:gd name="connsiteX1" fmla="*/ 85873 w 1786555"/>
+                <a:gd name="connsiteY1" fmla="*/ 10787 h 831957"/>
+                <a:gd name="connsiteX2" fmla="*/ 1780684 w 1786555"/>
+                <a:gd name="connsiteY2" fmla="*/ 10211 h 831957"/>
+                <a:gd name="connsiteX3" fmla="*/ 1618075 w 1786555"/>
+                <a:gd name="connsiteY3" fmla="*/ 156731 h 831957"/>
+                <a:gd name="connsiteX4" fmla="*/ 1618075 w 1786555"/>
+                <a:gd name="connsiteY4" fmla="*/ 765389 h 831957"/>
+                <a:gd name="connsiteX5" fmla="*/ 1551507 w 1786555"/>
+                <a:gd name="connsiteY5" fmla="*/ 831957 h 831957"/>
+                <a:gd name="connsiteX6" fmla="*/ 306968 w 1786555"/>
+                <a:gd name="connsiteY6" fmla="*/ 831957 h 831957"/>
+                <a:gd name="connsiteX7" fmla="*/ 240400 w 1786555"/>
+                <a:gd name="connsiteY7" fmla="*/ 765389 h 831957"/>
+                <a:gd name="connsiteX8" fmla="*/ 236936 w 1786555"/>
+                <a:gd name="connsiteY8" fmla="*/ 135949 h 831957"/>
+                <a:gd name="connsiteX0" fmla="*/ 157046 w 1705555"/>
+                <a:gd name="connsiteY0" fmla="*/ 128377 h 824385"/>
+                <a:gd name="connsiteX1" fmla="*/ 5983 w 1705555"/>
+                <a:gd name="connsiteY1" fmla="*/ 3215 h 824385"/>
+                <a:gd name="connsiteX2" fmla="*/ 1700794 w 1705555"/>
+                <a:gd name="connsiteY2" fmla="*/ 2639 h 824385"/>
+                <a:gd name="connsiteX3" fmla="*/ 1538185 w 1705555"/>
+                <a:gd name="connsiteY3" fmla="*/ 149159 h 824385"/>
+                <a:gd name="connsiteX4" fmla="*/ 1538185 w 1705555"/>
+                <a:gd name="connsiteY4" fmla="*/ 757817 h 824385"/>
+                <a:gd name="connsiteX5" fmla="*/ 1471617 w 1705555"/>
+                <a:gd name="connsiteY5" fmla="*/ 824385 h 824385"/>
+                <a:gd name="connsiteX6" fmla="*/ 227078 w 1705555"/>
+                <a:gd name="connsiteY6" fmla="*/ 824385 h 824385"/>
+                <a:gd name="connsiteX7" fmla="*/ 160510 w 1705555"/>
+                <a:gd name="connsiteY7" fmla="*/ 757817 h 824385"/>
+                <a:gd name="connsiteX8" fmla="*/ 157046 w 1705555"/>
+                <a:gd name="connsiteY8" fmla="*/ 128377 h 824385"/>
+                <a:gd name="connsiteX0" fmla="*/ 158360 w 1784749"/>
+                <a:gd name="connsiteY0" fmla="*/ 140824 h 836832"/>
+                <a:gd name="connsiteX1" fmla="*/ 7297 w 1784749"/>
+                <a:gd name="connsiteY1" fmla="*/ 15662 h 836832"/>
+                <a:gd name="connsiteX2" fmla="*/ 1702108 w 1784749"/>
+                <a:gd name="connsiteY2" fmla="*/ 15086 h 836832"/>
+                <a:gd name="connsiteX3" fmla="*/ 1539499 w 1784749"/>
+                <a:gd name="connsiteY3" fmla="*/ 215581 h 836832"/>
+                <a:gd name="connsiteX4" fmla="*/ 1539499 w 1784749"/>
+                <a:gd name="connsiteY4" fmla="*/ 770264 h 836832"/>
+                <a:gd name="connsiteX5" fmla="*/ 1472931 w 1784749"/>
+                <a:gd name="connsiteY5" fmla="*/ 836832 h 836832"/>
+                <a:gd name="connsiteX6" fmla="*/ 228392 w 1784749"/>
+                <a:gd name="connsiteY6" fmla="*/ 836832 h 836832"/>
+                <a:gd name="connsiteX7" fmla="*/ 161824 w 1784749"/>
+                <a:gd name="connsiteY7" fmla="*/ 770264 h 836832"/>
+                <a:gd name="connsiteX8" fmla="*/ 158360 w 1784749"/>
+                <a:gd name="connsiteY8" fmla="*/ 140824 h 836832"/>
+                <a:gd name="connsiteX0" fmla="*/ 239426 w 1862640"/>
+                <a:gd name="connsiteY0" fmla="*/ 233513 h 846971"/>
+                <a:gd name="connsiteX1" fmla="*/ 85188 w 1862640"/>
+                <a:gd name="connsiteY1" fmla="*/ 25801 h 846971"/>
+                <a:gd name="connsiteX2" fmla="*/ 1779999 w 1862640"/>
+                <a:gd name="connsiteY2" fmla="*/ 25225 h 846971"/>
+                <a:gd name="connsiteX3" fmla="*/ 1617390 w 1862640"/>
+                <a:gd name="connsiteY3" fmla="*/ 225720 h 846971"/>
+                <a:gd name="connsiteX4" fmla="*/ 1617390 w 1862640"/>
+                <a:gd name="connsiteY4" fmla="*/ 780403 h 846971"/>
+                <a:gd name="connsiteX5" fmla="*/ 1550822 w 1862640"/>
+                <a:gd name="connsiteY5" fmla="*/ 846971 h 846971"/>
+                <a:gd name="connsiteX6" fmla="*/ 306283 w 1862640"/>
+                <a:gd name="connsiteY6" fmla="*/ 846971 h 846971"/>
+                <a:gd name="connsiteX7" fmla="*/ 239715 w 1862640"/>
+                <a:gd name="connsiteY7" fmla="*/ 780403 h 846971"/>
+                <a:gd name="connsiteX8" fmla="*/ 239426 w 1862640"/>
+                <a:gd name="connsiteY8" fmla="*/ 233513 h 846971"/>
+                <a:gd name="connsiteX0" fmla="*/ 238598 w 1861812"/>
+                <a:gd name="connsiteY0" fmla="*/ 233513 h 846971"/>
+                <a:gd name="connsiteX1" fmla="*/ 84360 w 1861812"/>
+                <a:gd name="connsiteY1" fmla="*/ 25801 h 846971"/>
+                <a:gd name="connsiteX2" fmla="*/ 1779171 w 1861812"/>
+                <a:gd name="connsiteY2" fmla="*/ 25225 h 846971"/>
+                <a:gd name="connsiteX3" fmla="*/ 1616562 w 1861812"/>
+                <a:gd name="connsiteY3" fmla="*/ 225720 h 846971"/>
+                <a:gd name="connsiteX4" fmla="*/ 1616562 w 1861812"/>
+                <a:gd name="connsiteY4" fmla="*/ 780403 h 846971"/>
+                <a:gd name="connsiteX5" fmla="*/ 1549994 w 1861812"/>
+                <a:gd name="connsiteY5" fmla="*/ 846971 h 846971"/>
+                <a:gd name="connsiteX6" fmla="*/ 305455 w 1861812"/>
+                <a:gd name="connsiteY6" fmla="*/ 846971 h 846971"/>
+                <a:gd name="connsiteX7" fmla="*/ 238887 w 1861812"/>
+                <a:gd name="connsiteY7" fmla="*/ 780403 h 846971"/>
+                <a:gd name="connsiteX8" fmla="*/ 238598 w 1861812"/>
+                <a:gd name="connsiteY8" fmla="*/ 233513 h 846971"/>
+                <a:gd name="connsiteX0" fmla="*/ 238598 w 1862214"/>
+                <a:gd name="connsiteY0" fmla="*/ 233513 h 846971"/>
+                <a:gd name="connsiteX1" fmla="*/ 84360 w 1862214"/>
+                <a:gd name="connsiteY1" fmla="*/ 25801 h 846971"/>
+                <a:gd name="connsiteX2" fmla="*/ 1779171 w 1862214"/>
+                <a:gd name="connsiteY2" fmla="*/ 25225 h 846971"/>
+                <a:gd name="connsiteX3" fmla="*/ 1616562 w 1862214"/>
+                <a:gd name="connsiteY3" fmla="*/ 225720 h 846971"/>
+                <a:gd name="connsiteX4" fmla="*/ 1616562 w 1862214"/>
+                <a:gd name="connsiteY4" fmla="*/ 780403 h 846971"/>
+                <a:gd name="connsiteX5" fmla="*/ 1549994 w 1862214"/>
+                <a:gd name="connsiteY5" fmla="*/ 846971 h 846971"/>
+                <a:gd name="connsiteX6" fmla="*/ 305455 w 1862214"/>
+                <a:gd name="connsiteY6" fmla="*/ 846971 h 846971"/>
+                <a:gd name="connsiteX7" fmla="*/ 238887 w 1862214"/>
+                <a:gd name="connsiteY7" fmla="*/ 780403 h 846971"/>
+                <a:gd name="connsiteX8" fmla="*/ 238598 w 1862214"/>
+                <a:gd name="connsiteY8" fmla="*/ 233513 h 846971"/>
+                <a:gd name="connsiteX0" fmla="*/ 238160 w 1856323"/>
+                <a:gd name="connsiteY0" fmla="*/ 248080 h 861538"/>
+                <a:gd name="connsiteX1" fmla="*/ 83922 w 1856323"/>
+                <a:gd name="connsiteY1" fmla="*/ 40368 h 861538"/>
+                <a:gd name="connsiteX2" fmla="*/ 1772383 w 1856323"/>
+                <a:gd name="connsiteY2" fmla="*/ 17567 h 861538"/>
+                <a:gd name="connsiteX3" fmla="*/ 1616124 w 1856323"/>
+                <a:gd name="connsiteY3" fmla="*/ 240287 h 861538"/>
+                <a:gd name="connsiteX4" fmla="*/ 1616124 w 1856323"/>
+                <a:gd name="connsiteY4" fmla="*/ 794970 h 861538"/>
+                <a:gd name="connsiteX5" fmla="*/ 1549556 w 1856323"/>
+                <a:gd name="connsiteY5" fmla="*/ 861538 h 861538"/>
+                <a:gd name="connsiteX6" fmla="*/ 305017 w 1856323"/>
+                <a:gd name="connsiteY6" fmla="*/ 861538 h 861538"/>
+                <a:gd name="connsiteX7" fmla="*/ 238449 w 1856323"/>
+                <a:gd name="connsiteY7" fmla="*/ 794970 h 861538"/>
+                <a:gd name="connsiteX8" fmla="*/ 238160 w 1856323"/>
+                <a:gd name="connsiteY8" fmla="*/ 248080 h 861538"/>
+                <a:gd name="connsiteX0" fmla="*/ 238160 w 1785863"/>
+                <a:gd name="connsiteY0" fmla="*/ 242493 h 855951"/>
+                <a:gd name="connsiteX1" fmla="*/ 83922 w 1785863"/>
+                <a:gd name="connsiteY1" fmla="*/ 34781 h 855951"/>
+                <a:gd name="connsiteX2" fmla="*/ 1772383 w 1785863"/>
+                <a:gd name="connsiteY2" fmla="*/ 11980 h 855951"/>
+                <a:gd name="connsiteX3" fmla="*/ 1616124 w 1785863"/>
+                <a:gd name="connsiteY3" fmla="*/ 234700 h 855951"/>
+                <a:gd name="connsiteX4" fmla="*/ 1616124 w 1785863"/>
+                <a:gd name="connsiteY4" fmla="*/ 789383 h 855951"/>
+                <a:gd name="connsiteX5" fmla="*/ 1549556 w 1785863"/>
+                <a:gd name="connsiteY5" fmla="*/ 855951 h 855951"/>
+                <a:gd name="connsiteX6" fmla="*/ 305017 w 1785863"/>
+                <a:gd name="connsiteY6" fmla="*/ 855951 h 855951"/>
+                <a:gd name="connsiteX7" fmla="*/ 238449 w 1785863"/>
+                <a:gd name="connsiteY7" fmla="*/ 789383 h 855951"/>
+                <a:gd name="connsiteX8" fmla="*/ 238160 w 1785863"/>
+                <a:gd name="connsiteY8" fmla="*/ 242493 h 855951"/>
+                <a:gd name="connsiteX0" fmla="*/ 239914 w 1812854"/>
+                <a:gd name="connsiteY0" fmla="*/ 232326 h 845784"/>
+                <a:gd name="connsiteX1" fmla="*/ 85676 w 1812854"/>
+                <a:gd name="connsiteY1" fmla="*/ 24614 h 845784"/>
+                <a:gd name="connsiteX2" fmla="*/ 1799537 w 1812854"/>
+                <a:gd name="connsiteY2" fmla="*/ 17688 h 845784"/>
+                <a:gd name="connsiteX3" fmla="*/ 1617878 w 1812854"/>
+                <a:gd name="connsiteY3" fmla="*/ 224533 h 845784"/>
+                <a:gd name="connsiteX4" fmla="*/ 1617878 w 1812854"/>
+                <a:gd name="connsiteY4" fmla="*/ 779216 h 845784"/>
+                <a:gd name="connsiteX5" fmla="*/ 1551310 w 1812854"/>
+                <a:gd name="connsiteY5" fmla="*/ 845784 h 845784"/>
+                <a:gd name="connsiteX6" fmla="*/ 306771 w 1812854"/>
+                <a:gd name="connsiteY6" fmla="*/ 845784 h 845784"/>
+                <a:gd name="connsiteX7" fmla="*/ 240203 w 1812854"/>
+                <a:gd name="connsiteY7" fmla="*/ 779216 h 845784"/>
+                <a:gd name="connsiteX8" fmla="*/ 239914 w 1812854"/>
+                <a:gd name="connsiteY8" fmla="*/ 232326 h 845784"/>
+                <a:gd name="connsiteX0" fmla="*/ 241013 w 1829728"/>
+                <a:gd name="connsiteY0" fmla="*/ 230621 h 844079"/>
+                <a:gd name="connsiteX1" fmla="*/ 86775 w 1829728"/>
+                <a:gd name="connsiteY1" fmla="*/ 22909 h 844079"/>
+                <a:gd name="connsiteX2" fmla="*/ 1816511 w 1829728"/>
+                <a:gd name="connsiteY2" fmla="*/ 19158 h 844079"/>
+                <a:gd name="connsiteX3" fmla="*/ 1618977 w 1829728"/>
+                <a:gd name="connsiteY3" fmla="*/ 222828 h 844079"/>
+                <a:gd name="connsiteX4" fmla="*/ 1618977 w 1829728"/>
+                <a:gd name="connsiteY4" fmla="*/ 777511 h 844079"/>
+                <a:gd name="connsiteX5" fmla="*/ 1552409 w 1829728"/>
+                <a:gd name="connsiteY5" fmla="*/ 844079 h 844079"/>
+                <a:gd name="connsiteX6" fmla="*/ 307870 w 1829728"/>
+                <a:gd name="connsiteY6" fmla="*/ 844079 h 844079"/>
+                <a:gd name="connsiteX7" fmla="*/ 241302 w 1829728"/>
+                <a:gd name="connsiteY7" fmla="*/ 777511 h 844079"/>
+                <a:gd name="connsiteX8" fmla="*/ 241013 w 1829728"/>
+                <a:gd name="connsiteY8" fmla="*/ 230621 h 844079"/>
+                <a:gd name="connsiteX0" fmla="*/ 241013 w 1829728"/>
+                <a:gd name="connsiteY0" fmla="*/ 224021 h 837479"/>
+                <a:gd name="connsiteX1" fmla="*/ 86775 w 1829728"/>
+                <a:gd name="connsiteY1" fmla="*/ 16309 h 837479"/>
+                <a:gd name="connsiteX2" fmla="*/ 1816511 w 1829728"/>
+                <a:gd name="connsiteY2" fmla="*/ 12558 h 837479"/>
+                <a:gd name="connsiteX3" fmla="*/ 1618977 w 1829728"/>
+                <a:gd name="connsiteY3" fmla="*/ 216228 h 837479"/>
+                <a:gd name="connsiteX4" fmla="*/ 1618977 w 1829728"/>
+                <a:gd name="connsiteY4" fmla="*/ 770911 h 837479"/>
+                <a:gd name="connsiteX5" fmla="*/ 1552409 w 1829728"/>
+                <a:gd name="connsiteY5" fmla="*/ 837479 h 837479"/>
+                <a:gd name="connsiteX6" fmla="*/ 307870 w 1829728"/>
+                <a:gd name="connsiteY6" fmla="*/ 837479 h 837479"/>
+                <a:gd name="connsiteX7" fmla="*/ 241302 w 1829728"/>
+                <a:gd name="connsiteY7" fmla="*/ 770911 h 837479"/>
+                <a:gd name="connsiteX8" fmla="*/ 241013 w 1829728"/>
+                <a:gd name="connsiteY8" fmla="*/ 224021 h 837479"/>
+                <a:gd name="connsiteX0" fmla="*/ 241013 w 1829728"/>
+                <a:gd name="connsiteY0" fmla="*/ 224021 h 837479"/>
+                <a:gd name="connsiteX1" fmla="*/ 86775 w 1829728"/>
+                <a:gd name="connsiteY1" fmla="*/ 16309 h 837479"/>
+                <a:gd name="connsiteX2" fmla="*/ 1816511 w 1829728"/>
+                <a:gd name="connsiteY2" fmla="*/ 12558 h 837479"/>
+                <a:gd name="connsiteX3" fmla="*/ 1618977 w 1829728"/>
+                <a:gd name="connsiteY3" fmla="*/ 216228 h 837479"/>
+                <a:gd name="connsiteX4" fmla="*/ 1618977 w 1829728"/>
+                <a:gd name="connsiteY4" fmla="*/ 770911 h 837479"/>
+                <a:gd name="connsiteX5" fmla="*/ 1552409 w 1829728"/>
+                <a:gd name="connsiteY5" fmla="*/ 837479 h 837479"/>
+                <a:gd name="connsiteX6" fmla="*/ 307870 w 1829728"/>
+                <a:gd name="connsiteY6" fmla="*/ 837479 h 837479"/>
+                <a:gd name="connsiteX7" fmla="*/ 241302 w 1829728"/>
+                <a:gd name="connsiteY7" fmla="*/ 770911 h 837479"/>
+                <a:gd name="connsiteX8" fmla="*/ 241013 w 1829728"/>
+                <a:gd name="connsiteY8" fmla="*/ 224021 h 837479"/>
+                <a:gd name="connsiteX0" fmla="*/ 216773 w 1868784"/>
+                <a:gd name="connsiteY0" fmla="*/ 251658 h 865116"/>
+                <a:gd name="connsiteX1" fmla="*/ 91110 w 1868784"/>
+                <a:gd name="connsiteY1" fmla="*/ 18546 h 865116"/>
+                <a:gd name="connsiteX2" fmla="*/ 1792271 w 1868784"/>
+                <a:gd name="connsiteY2" fmla="*/ 40195 h 865116"/>
+                <a:gd name="connsiteX3" fmla="*/ 1594737 w 1868784"/>
+                <a:gd name="connsiteY3" fmla="*/ 243865 h 865116"/>
+                <a:gd name="connsiteX4" fmla="*/ 1594737 w 1868784"/>
+                <a:gd name="connsiteY4" fmla="*/ 798548 h 865116"/>
+                <a:gd name="connsiteX5" fmla="*/ 1528169 w 1868784"/>
+                <a:gd name="connsiteY5" fmla="*/ 865116 h 865116"/>
+                <a:gd name="connsiteX6" fmla="*/ 283630 w 1868784"/>
+                <a:gd name="connsiteY6" fmla="*/ 865116 h 865116"/>
+                <a:gd name="connsiteX7" fmla="*/ 217062 w 1868784"/>
+                <a:gd name="connsiteY7" fmla="*/ 798548 h 865116"/>
+                <a:gd name="connsiteX8" fmla="*/ 216773 w 1868784"/>
+                <a:gd name="connsiteY8" fmla="*/ 251658 h 865116"/>
+                <a:gd name="connsiteX0" fmla="*/ 216773 w 1868784"/>
+                <a:gd name="connsiteY0" fmla="*/ 274671 h 888129"/>
+                <a:gd name="connsiteX1" fmla="*/ 91110 w 1868784"/>
+                <a:gd name="connsiteY1" fmla="*/ 12984 h 888129"/>
+                <a:gd name="connsiteX2" fmla="*/ 1792271 w 1868784"/>
+                <a:gd name="connsiteY2" fmla="*/ 63208 h 888129"/>
+                <a:gd name="connsiteX3" fmla="*/ 1594737 w 1868784"/>
+                <a:gd name="connsiteY3" fmla="*/ 266878 h 888129"/>
+                <a:gd name="connsiteX4" fmla="*/ 1594737 w 1868784"/>
+                <a:gd name="connsiteY4" fmla="*/ 821561 h 888129"/>
+                <a:gd name="connsiteX5" fmla="*/ 1528169 w 1868784"/>
+                <a:gd name="connsiteY5" fmla="*/ 888129 h 888129"/>
+                <a:gd name="connsiteX6" fmla="*/ 283630 w 1868784"/>
+                <a:gd name="connsiteY6" fmla="*/ 888129 h 888129"/>
+                <a:gd name="connsiteX7" fmla="*/ 217062 w 1868784"/>
+                <a:gd name="connsiteY7" fmla="*/ 821561 h 888129"/>
+                <a:gd name="connsiteX8" fmla="*/ 216773 w 1868784"/>
+                <a:gd name="connsiteY8" fmla="*/ 274671 h 888129"/>
+                <a:gd name="connsiteX0" fmla="*/ 216325 w 1862778"/>
+                <a:gd name="connsiteY0" fmla="*/ 289222 h 902680"/>
+                <a:gd name="connsiteX1" fmla="*/ 90662 w 1862778"/>
+                <a:gd name="connsiteY1" fmla="*/ 27535 h 902680"/>
+                <a:gd name="connsiteX2" fmla="*/ 1785473 w 1862778"/>
+                <a:gd name="connsiteY2" fmla="*/ 36484 h 902680"/>
+                <a:gd name="connsiteX3" fmla="*/ 1594289 w 1862778"/>
+                <a:gd name="connsiteY3" fmla="*/ 281429 h 902680"/>
+                <a:gd name="connsiteX4" fmla="*/ 1594289 w 1862778"/>
+                <a:gd name="connsiteY4" fmla="*/ 836112 h 902680"/>
+                <a:gd name="connsiteX5" fmla="*/ 1527721 w 1862778"/>
+                <a:gd name="connsiteY5" fmla="*/ 902680 h 902680"/>
+                <a:gd name="connsiteX6" fmla="*/ 283182 w 1862778"/>
+                <a:gd name="connsiteY6" fmla="*/ 902680 h 902680"/>
+                <a:gd name="connsiteX7" fmla="*/ 216614 w 1862778"/>
+                <a:gd name="connsiteY7" fmla="*/ 836112 h 902680"/>
+                <a:gd name="connsiteX8" fmla="*/ 216325 w 1862778"/>
+                <a:gd name="connsiteY8" fmla="*/ 289222 h 902680"/>
+                <a:gd name="connsiteX0" fmla="*/ 216325 w 1862778"/>
+                <a:gd name="connsiteY0" fmla="*/ 289222 h 902680"/>
+                <a:gd name="connsiteX1" fmla="*/ 90662 w 1862778"/>
+                <a:gd name="connsiteY1" fmla="*/ 27535 h 902680"/>
+                <a:gd name="connsiteX2" fmla="*/ 1785473 w 1862778"/>
+                <a:gd name="connsiteY2" fmla="*/ 36484 h 902680"/>
+                <a:gd name="connsiteX3" fmla="*/ 1594289 w 1862778"/>
+                <a:gd name="connsiteY3" fmla="*/ 281429 h 902680"/>
+                <a:gd name="connsiteX4" fmla="*/ 1594289 w 1862778"/>
+                <a:gd name="connsiteY4" fmla="*/ 836112 h 902680"/>
+                <a:gd name="connsiteX5" fmla="*/ 1527721 w 1862778"/>
+                <a:gd name="connsiteY5" fmla="*/ 902680 h 902680"/>
+                <a:gd name="connsiteX6" fmla="*/ 283182 w 1862778"/>
+                <a:gd name="connsiteY6" fmla="*/ 902680 h 902680"/>
+                <a:gd name="connsiteX7" fmla="*/ 216614 w 1862778"/>
+                <a:gd name="connsiteY7" fmla="*/ 836112 h 902680"/>
+                <a:gd name="connsiteX8" fmla="*/ 216325 w 1862778"/>
+                <a:gd name="connsiteY8" fmla="*/ 289222 h 902680"/>
+                <a:gd name="connsiteX0" fmla="*/ 215874 w 1862327"/>
+                <a:gd name="connsiteY0" fmla="*/ 289222 h 902680"/>
+                <a:gd name="connsiteX1" fmla="*/ 90211 w 1862327"/>
+                <a:gd name="connsiteY1" fmla="*/ 27535 h 902680"/>
+                <a:gd name="connsiteX2" fmla="*/ 1785022 w 1862327"/>
+                <a:gd name="connsiteY2" fmla="*/ 36484 h 902680"/>
+                <a:gd name="connsiteX3" fmla="*/ 1593838 w 1862327"/>
+                <a:gd name="connsiteY3" fmla="*/ 281429 h 902680"/>
+                <a:gd name="connsiteX4" fmla="*/ 1593838 w 1862327"/>
+                <a:gd name="connsiteY4" fmla="*/ 836112 h 902680"/>
+                <a:gd name="connsiteX5" fmla="*/ 1527270 w 1862327"/>
+                <a:gd name="connsiteY5" fmla="*/ 902680 h 902680"/>
+                <a:gd name="connsiteX6" fmla="*/ 282731 w 1862327"/>
+                <a:gd name="connsiteY6" fmla="*/ 902680 h 902680"/>
+                <a:gd name="connsiteX7" fmla="*/ 216163 w 1862327"/>
+                <a:gd name="connsiteY7" fmla="*/ 836112 h 902680"/>
+                <a:gd name="connsiteX8" fmla="*/ 215874 w 1862327"/>
+                <a:gd name="connsiteY8" fmla="*/ 289222 h 902680"/>
+                <a:gd name="connsiteX0" fmla="*/ 218551 w 1865217"/>
+                <a:gd name="connsiteY0" fmla="*/ 271689 h 885147"/>
+                <a:gd name="connsiteX1" fmla="*/ 89713 w 1865217"/>
+                <a:gd name="connsiteY1" fmla="*/ 44927 h 885147"/>
+                <a:gd name="connsiteX2" fmla="*/ 1787699 w 1865217"/>
+                <a:gd name="connsiteY2" fmla="*/ 18951 h 885147"/>
+                <a:gd name="connsiteX3" fmla="*/ 1596515 w 1865217"/>
+                <a:gd name="connsiteY3" fmla="*/ 263896 h 885147"/>
+                <a:gd name="connsiteX4" fmla="*/ 1596515 w 1865217"/>
+                <a:gd name="connsiteY4" fmla="*/ 818579 h 885147"/>
+                <a:gd name="connsiteX5" fmla="*/ 1529947 w 1865217"/>
+                <a:gd name="connsiteY5" fmla="*/ 885147 h 885147"/>
+                <a:gd name="connsiteX6" fmla="*/ 285408 w 1865217"/>
+                <a:gd name="connsiteY6" fmla="*/ 885147 h 885147"/>
+                <a:gd name="connsiteX7" fmla="*/ 218840 w 1865217"/>
+                <a:gd name="connsiteY7" fmla="*/ 818579 h 885147"/>
+                <a:gd name="connsiteX8" fmla="*/ 218551 w 1865217"/>
+                <a:gd name="connsiteY8" fmla="*/ 271689 h 885147"/>
+                <a:gd name="connsiteX0" fmla="*/ 217882 w 1856244"/>
+                <a:gd name="connsiteY0" fmla="*/ 253205 h 866663"/>
+                <a:gd name="connsiteX1" fmla="*/ 89044 w 1856244"/>
+                <a:gd name="connsiteY1" fmla="*/ 26443 h 866663"/>
+                <a:gd name="connsiteX2" fmla="*/ 1777505 w 1856244"/>
+                <a:gd name="connsiteY2" fmla="*/ 29042 h 866663"/>
+                <a:gd name="connsiteX3" fmla="*/ 1595846 w 1856244"/>
+                <a:gd name="connsiteY3" fmla="*/ 245412 h 866663"/>
+                <a:gd name="connsiteX4" fmla="*/ 1595846 w 1856244"/>
+                <a:gd name="connsiteY4" fmla="*/ 800095 h 866663"/>
+                <a:gd name="connsiteX5" fmla="*/ 1529278 w 1856244"/>
+                <a:gd name="connsiteY5" fmla="*/ 866663 h 866663"/>
+                <a:gd name="connsiteX6" fmla="*/ 284739 w 1856244"/>
+                <a:gd name="connsiteY6" fmla="*/ 866663 h 866663"/>
+                <a:gd name="connsiteX7" fmla="*/ 218171 w 1856244"/>
+                <a:gd name="connsiteY7" fmla="*/ 800095 h 866663"/>
+                <a:gd name="connsiteX8" fmla="*/ 217882 w 1856244"/>
+                <a:gd name="connsiteY8" fmla="*/ 253205 h 866663"/>
+                <a:gd name="connsiteX0" fmla="*/ 147782 w 1780363"/>
+                <a:gd name="connsiteY0" fmla="*/ 253205 h 866663"/>
+                <a:gd name="connsiteX1" fmla="*/ 104669 w 1780363"/>
+                <a:gd name="connsiteY1" fmla="*/ 26443 h 866663"/>
+                <a:gd name="connsiteX2" fmla="*/ 1707405 w 1780363"/>
+                <a:gd name="connsiteY2" fmla="*/ 29042 h 866663"/>
+                <a:gd name="connsiteX3" fmla="*/ 1525746 w 1780363"/>
+                <a:gd name="connsiteY3" fmla="*/ 245412 h 866663"/>
+                <a:gd name="connsiteX4" fmla="*/ 1525746 w 1780363"/>
+                <a:gd name="connsiteY4" fmla="*/ 800095 h 866663"/>
+                <a:gd name="connsiteX5" fmla="*/ 1459178 w 1780363"/>
+                <a:gd name="connsiteY5" fmla="*/ 866663 h 866663"/>
+                <a:gd name="connsiteX6" fmla="*/ 214639 w 1780363"/>
+                <a:gd name="connsiteY6" fmla="*/ 866663 h 866663"/>
+                <a:gd name="connsiteX7" fmla="*/ 148071 w 1780363"/>
+                <a:gd name="connsiteY7" fmla="*/ 800095 h 866663"/>
+                <a:gd name="connsiteX8" fmla="*/ 147782 w 1780363"/>
+                <a:gd name="connsiteY8" fmla="*/ 253205 h 866663"/>
+                <a:gd name="connsiteX0" fmla="*/ 142912 w 1718560"/>
+                <a:gd name="connsiteY0" fmla="*/ 250562 h 864020"/>
+                <a:gd name="connsiteX1" fmla="*/ 99799 w 1718560"/>
+                <a:gd name="connsiteY1" fmla="*/ 23800 h 864020"/>
+                <a:gd name="connsiteX2" fmla="*/ 1636205 w 1718560"/>
+                <a:gd name="connsiteY2" fmla="*/ 31562 h 864020"/>
+                <a:gd name="connsiteX3" fmla="*/ 1520876 w 1718560"/>
+                <a:gd name="connsiteY3" fmla="*/ 242769 h 864020"/>
+                <a:gd name="connsiteX4" fmla="*/ 1520876 w 1718560"/>
+                <a:gd name="connsiteY4" fmla="*/ 797452 h 864020"/>
+                <a:gd name="connsiteX5" fmla="*/ 1454308 w 1718560"/>
+                <a:gd name="connsiteY5" fmla="*/ 864020 h 864020"/>
+                <a:gd name="connsiteX6" fmla="*/ 209769 w 1718560"/>
+                <a:gd name="connsiteY6" fmla="*/ 864020 h 864020"/>
+                <a:gd name="connsiteX7" fmla="*/ 143201 w 1718560"/>
+                <a:gd name="connsiteY7" fmla="*/ 797452 h 864020"/>
+                <a:gd name="connsiteX8" fmla="*/ 142912 w 1718560"/>
+                <a:gd name="connsiteY8" fmla="*/ 250562 h 864020"/>
+                <a:gd name="connsiteX0" fmla="*/ 140131 w 1684403"/>
+                <a:gd name="connsiteY0" fmla="*/ 248148 h 861606"/>
+                <a:gd name="connsiteX1" fmla="*/ 97018 w 1684403"/>
+                <a:gd name="connsiteY1" fmla="*/ 21386 h 861606"/>
+                <a:gd name="connsiteX2" fmla="*/ 1595521 w 1684403"/>
+                <a:gd name="connsiteY2" fmla="*/ 34311 h 861606"/>
+                <a:gd name="connsiteX3" fmla="*/ 1518095 w 1684403"/>
+                <a:gd name="connsiteY3" fmla="*/ 240355 h 861606"/>
+                <a:gd name="connsiteX4" fmla="*/ 1518095 w 1684403"/>
+                <a:gd name="connsiteY4" fmla="*/ 795038 h 861606"/>
+                <a:gd name="connsiteX5" fmla="*/ 1451527 w 1684403"/>
+                <a:gd name="connsiteY5" fmla="*/ 861606 h 861606"/>
+                <a:gd name="connsiteX6" fmla="*/ 206988 w 1684403"/>
+                <a:gd name="connsiteY6" fmla="*/ 861606 h 861606"/>
+                <a:gd name="connsiteX7" fmla="*/ 140420 w 1684403"/>
+                <a:gd name="connsiteY7" fmla="*/ 795038 h 861606"/>
+                <a:gd name="connsiteX8" fmla="*/ 140131 w 1684403"/>
+                <a:gd name="connsiteY8" fmla="*/ 248148 h 861606"/>
+                <a:gd name="connsiteX0" fmla="*/ 140131 w 1684403"/>
+                <a:gd name="connsiteY0" fmla="*/ 262476 h 875934"/>
+                <a:gd name="connsiteX1" fmla="*/ 97018 w 1684403"/>
+                <a:gd name="connsiteY1" fmla="*/ 35714 h 875934"/>
+                <a:gd name="connsiteX2" fmla="*/ 1595521 w 1684403"/>
+                <a:gd name="connsiteY2" fmla="*/ 22825 h 875934"/>
+                <a:gd name="connsiteX3" fmla="*/ 1518095 w 1684403"/>
+                <a:gd name="connsiteY3" fmla="*/ 254683 h 875934"/>
+                <a:gd name="connsiteX4" fmla="*/ 1518095 w 1684403"/>
+                <a:gd name="connsiteY4" fmla="*/ 809366 h 875934"/>
+                <a:gd name="connsiteX5" fmla="*/ 1451527 w 1684403"/>
+                <a:gd name="connsiteY5" fmla="*/ 875934 h 875934"/>
+                <a:gd name="connsiteX6" fmla="*/ 206988 w 1684403"/>
+                <a:gd name="connsiteY6" fmla="*/ 875934 h 875934"/>
+                <a:gd name="connsiteX7" fmla="*/ 140420 w 1684403"/>
+                <a:gd name="connsiteY7" fmla="*/ 809366 h 875934"/>
+                <a:gd name="connsiteX8" fmla="*/ 140131 w 1684403"/>
+                <a:gd name="connsiteY8" fmla="*/ 262476 h 875934"/>
+              </a:gdLst>
+              <a:ahLst/>
+              <a:cxnLst>
+                <a:cxn ang="0">
+                  <a:pos x="connsiteX0" y="connsiteY0"/>
+                </a:cxn>
+                <a:cxn ang="0">
+                  <a:pos x="connsiteX1" y="connsiteY1"/>
+                </a:cxn>
+                <a:cxn ang="0">
+                  <a:pos x="connsiteX2" y="connsiteY2"/>
+                </a:cxn>
+                <a:cxn ang="0">
+                  <a:pos x="connsiteX3" y="connsiteY3"/>
+                </a:cxn>
+                <a:cxn ang="0">
+                  <a:pos x="connsiteX4" y="connsiteY4"/>
+                </a:cxn>
+                <a:cxn ang="0">
+                  <a:pos x="connsiteX5" y="connsiteY5"/>
+                </a:cxn>
+                <a:cxn ang="0">
+                  <a:pos x="connsiteX6" y="connsiteY6"/>
+                </a:cxn>
+                <a:cxn ang="0">
+                  <a:pos x="connsiteX7" y="connsiteY7"/>
+                </a:cxn>
+                <a:cxn ang="0">
+                  <a:pos x="connsiteX8" y="connsiteY8"/>
+                </a:cxn>
+              </a:cxnLst>
+              <a:rect l="l" t="t" r="r" b="b"/>
+              <a:pathLst>
+                <a:path w="1684403" h="875934">
+                  <a:moveTo>
+                    <a:pt x="140131" y="262476"/>
+                  </a:moveTo>
+                  <a:cubicBezTo>
+                    <a:pt x="143594" y="-22515"/>
+                    <a:pt x="-145547" y="75656"/>
+                    <a:pt x="97018" y="35714"/>
+                  </a:cubicBezTo>
+                  <a:cubicBezTo>
+                    <a:pt x="339583" y="-4228"/>
+                    <a:pt x="1358675" y="-13670"/>
+                    <a:pt x="1595521" y="22825"/>
+                  </a:cubicBezTo>
+                  <a:cubicBezTo>
+                    <a:pt x="1832367" y="59320"/>
+                    <a:pt x="1521270" y="-25690"/>
+                    <a:pt x="1518095" y="254683"/>
+                  </a:cubicBezTo>
+                  <a:lnTo>
+                    <a:pt x="1518095" y="809366"/>
+                  </a:lnTo>
+                  <a:cubicBezTo>
+                    <a:pt x="1518095" y="846130"/>
+                    <a:pt x="1488291" y="875934"/>
+                    <a:pt x="1451527" y="875934"/>
+                  </a:cubicBezTo>
+                  <a:lnTo>
+                    <a:pt x="206988" y="875934"/>
+                  </a:lnTo>
+                  <a:cubicBezTo>
+                    <a:pt x="170224" y="875934"/>
+                    <a:pt x="140420" y="846130"/>
+                    <a:pt x="140420" y="809366"/>
+                  </a:cubicBezTo>
+                  <a:cubicBezTo>
+                    <a:pt x="139265" y="599553"/>
+                    <a:pt x="141286" y="472289"/>
+                    <a:pt x="140131" y="262476"/>
+                  </a:cubicBezTo>
+                  <a:close/>
+                </a:path>
+              </a:pathLst>
+            </a:custGeom>
+            <a:gradFill>
+              <a:gsLst>
+                <a:gs pos="0">
+                  <a:schemeClr val="accent1"/>
+                </a:gs>
+                <a:gs pos="96000">
+                  <a:schemeClr val="tx2"/>
+                </a:gs>
+              </a:gsLst>
+              <a:lin ang="5400000" scaled="0"/>
+            </a:gradFill>
+            <a:ln w="12700">
+              <a:noFill/>
+            </a:ln>
+            <a:effectLst/>
+          </p:spPr>
+          <p:style>
+            <a:lnRef idx="2">
+              <a:schemeClr val="dk1"/>
+            </a:lnRef>
+            <a:fillRef idx="1">
+              <a:schemeClr val="lt1"/>
+            </a:fillRef>
+            <a:effectRef idx="0">
+              <a:schemeClr val="dk1"/>
+            </a:effectRef>
+            <a:fontRef idx="minor">
+              <a:schemeClr val="dk1"/>
+            </a:fontRef>
+          </p:style>
+          <p:txBody>
+            <a:bodyPr rtlCol="0" anchor="ctr"/>
+            <a:lstStyle/>
+            <a:p>
+              <a:pPr algn="ctr"/>
+              <a:endParaRPr lang="en-US" sz="1600" dirty="0">
+                <a:ln w="0">
+                  <a:solidFill>
+                    <a:sysClr val="windowText" lastClr="000000"/>
+                  </a:solidFill>
+                </a:ln>
+                <a:solidFill>
+                  <a:schemeClr val="tx1"/>
+                </a:solidFill>
+              </a:endParaRPr>
+            </a:p>
+          </p:txBody>
+        </p:sp>
+        <p:grpSp>
+          <p:nvGrpSpPr>
+            <p:cNvPr id="28" name="Group 27">
+              <a:extLst>
+                <a:ext uri="{FF2B5EF4-FFF2-40B4-BE49-F238E27FC236}">
+                  <a16:creationId xmlns:a16="http://schemas.microsoft.com/office/drawing/2014/main" id="{5EB1A0F8-371A-46EE-86EA-944C20844499}"/>
+                </a:ext>
+              </a:extLst>
+            </p:cNvPr>
+            <p:cNvGrpSpPr/>
+            <p:nvPr/>
+          </p:nvGrpSpPr>
+          <p:grpSpPr>
+            <a:xfrm>
+              <a:off x="3457782" y="3761592"/>
+              <a:ext cx="1222852" cy="359571"/>
+              <a:chOff x="3671478" y="3950247"/>
+              <a:chExt cx="1376425" cy="404729"/>
+            </a:xfrm>
+          </p:grpSpPr>
+          <p:sp>
+            <p:nvSpPr>
+              <p:cNvPr id="29" name="Rounded Rectangle 19">
+                <a:extLst>
+                  <a:ext uri="{FF2B5EF4-FFF2-40B4-BE49-F238E27FC236}">
+                    <a16:creationId xmlns:a16="http://schemas.microsoft.com/office/drawing/2014/main" id="{7933DB65-5706-47B5-928F-803B422F2634}"/>
+                  </a:ext>
+                </a:extLst>
+              </p:cNvPr>
+              <p:cNvSpPr/>
+              <p:nvPr/>
+            </p:nvSpPr>
+            <p:spPr>
+              <a:xfrm>
+                <a:off x="3671478" y="3950247"/>
+                <a:ext cx="1376425" cy="404729"/>
+              </a:xfrm>
+              <a:prstGeom prst="roundRect">
+                <a:avLst>
+                  <a:gd name="adj" fmla="val 12736"/>
+                </a:avLst>
+              </a:prstGeom>
+              <a:solidFill>
+                <a:schemeClr val="bg1"/>
+              </a:solidFill>
+              <a:ln w="12700">
+                <a:noFill/>
+              </a:ln>
+              <a:effectLst/>
+            </p:spPr>
+            <p:style>
+              <a:lnRef idx="2">
+                <a:schemeClr val="dk1"/>
+              </a:lnRef>
+              <a:fillRef idx="1">
+                <a:schemeClr val="lt1"/>
+              </a:fillRef>
+              <a:effectRef idx="0">
+                <a:schemeClr val="dk1"/>
+              </a:effectRef>
+              <a:fontRef idx="minor">
+                <a:schemeClr val="dk1"/>
+              </a:fontRef>
+            </p:style>
+            <p:txBody>
+              <a:bodyPr wrap="square" tIns="36000" bIns="36000" rtlCol="0" anchor="ctr">
+                <a:noAutofit/>
+              </a:bodyPr>
+              <a:lstStyle/>
+              <a:p>
+                <a:pPr algn="ctr"/>
+                <a:endParaRPr lang="en-US" sz="1200" dirty="0">
+                  <a:solidFill>
+                    <a:schemeClr val="bg1"/>
+                  </a:solidFill>
+                  <a:latin typeface="Source Sans Pro Light" charset="0"/>
+                  <a:ea typeface="Source Sans Pro Light" charset="0"/>
+                  <a:cs typeface="Source Sans Pro Light" charset="0"/>
+                </a:endParaRPr>
+              </a:p>
+            </p:txBody>
+          </p:sp>
+          <p:grpSp>
+            <p:nvGrpSpPr>
+              <p:cNvPr id="30" name="Group 29">
+                <a:extLst>
+                  <a:ext uri="{FF2B5EF4-FFF2-40B4-BE49-F238E27FC236}">
+                    <a16:creationId xmlns:a16="http://schemas.microsoft.com/office/drawing/2014/main" id="{66C07B9B-DB47-456B-AC7D-FDFAD9CDB5DC}"/>
+                  </a:ext>
+                </a:extLst>
+              </p:cNvPr>
+              <p:cNvGrpSpPr/>
+              <p:nvPr/>
+            </p:nvGrpSpPr>
+            <p:grpSpPr>
+              <a:xfrm>
+                <a:off x="3783349" y="3990167"/>
+                <a:ext cx="1230087" cy="352081"/>
+                <a:chOff x="3783349" y="3990167"/>
+                <a:chExt cx="1230087" cy="352081"/>
+              </a:xfrm>
+            </p:grpSpPr>
+            <p:pic>
+              <p:nvPicPr>
+                <p:cNvPr id="31" name="Picture 30">
+                  <a:extLst>
+                    <a:ext uri="{FF2B5EF4-FFF2-40B4-BE49-F238E27FC236}">
+                      <a16:creationId xmlns:a16="http://schemas.microsoft.com/office/drawing/2014/main" id="{35E7ECEC-E17D-46F4-9206-EB6F5B36FEB8}"/>
+                    </a:ext>
+                  </a:extLst>
+                </p:cNvPr>
+                <p:cNvPicPr>
+                  <a:picLocks noChangeAspect="1"/>
+                </p:cNvPicPr>
+                <p:nvPr/>
+              </p:nvPicPr>
+              <p:blipFill>
+                <a:blip r:embed="rId3" cstate="print">
+                  <a:extLst>
+                    <a:ext uri="{28A0092B-C50C-407E-A947-70E740481C1C}">
+                      <a14:useLocalDpi xmlns:a14="http://schemas.microsoft.com/office/drawing/2010/main" val="0"/>
+                    </a:ext>
+                  </a:extLst>
+                </a:blip>
+                <a:stretch>
+                  <a:fillRect/>
+                </a:stretch>
+              </p:blipFill>
+              <p:spPr>
+                <a:xfrm>
+                  <a:off x="4112963" y="3992064"/>
+                  <a:ext cx="900473" cy="350184"/>
+                </a:xfrm>
+                <a:prstGeom prst="rect">
+                  <a:avLst/>
+                </a:prstGeom>
+              </p:spPr>
+            </p:pic>
+            <p:pic>
+              <p:nvPicPr>
+                <p:cNvPr id="32" name="Picture 31">
+                  <a:extLst>
+                    <a:ext uri="{FF2B5EF4-FFF2-40B4-BE49-F238E27FC236}">
+                      <a16:creationId xmlns:a16="http://schemas.microsoft.com/office/drawing/2014/main" id="{74774654-DC0F-49E1-9109-5E9D3E62BB0F}"/>
+                    </a:ext>
+                  </a:extLst>
+                </p:cNvPr>
+                <p:cNvPicPr>
+                  <a:picLocks noChangeAspect="1"/>
+                </p:cNvPicPr>
+                <p:nvPr/>
+              </p:nvPicPr>
+              <p:blipFill>
+                <a:blip r:embed="rId4" cstate="print">
+                  <a:extLst>
+                    <a:ext uri="{28A0092B-C50C-407E-A947-70E740481C1C}">
+                      <a14:useLocalDpi xmlns:a14="http://schemas.microsoft.com/office/drawing/2010/main" val="0"/>
+                    </a:ext>
+                  </a:extLst>
+                </a:blip>
+                <a:stretch>
+                  <a:fillRect/>
+                </a:stretch>
+              </p:blipFill>
+              <p:spPr>
+                <a:xfrm>
+                  <a:off x="3783349" y="3990167"/>
+                  <a:ext cx="322073" cy="324658"/>
+                </a:xfrm>
+                <a:prstGeom prst="rect">
+                  <a:avLst/>
+                </a:prstGeom>
+              </p:spPr>
+            </p:pic>
+          </p:grpSp>
+        </p:grpSp>
+      </p:grpSp>
+      <p:sp>
+        <p:nvSpPr>
+          <p:cNvPr id="33" name="Rounded Rectangle 23">
+            <a:extLst>
+              <a:ext uri="{FF2B5EF4-FFF2-40B4-BE49-F238E27FC236}">
+                <a16:creationId xmlns:a16="http://schemas.microsoft.com/office/drawing/2014/main" id="{777B3D97-13BA-4C73-92A6-676FED56CE49}"/>
+              </a:ext>
+            </a:extLst>
+          </p:cNvPr>
+          <p:cNvSpPr/>
+          <p:nvPr/>
+        </p:nvSpPr>
+        <p:spPr>
+          <a:xfrm>
+            <a:off x="3891154" y="1279642"/>
+            <a:ext cx="4434230" cy="1184468"/>
+          </a:xfrm>
+          <a:prstGeom prst="roundRect">
+            <a:avLst>
+              <a:gd name="adj" fmla="val 5238"/>
+            </a:avLst>
+          </a:prstGeom>
+          <a:solidFill>
+            <a:schemeClr val="accent1"/>
+          </a:solidFill>
+          <a:ln w="12700">
+            <a:solidFill>
+              <a:schemeClr val="accent1"/>
+            </a:solidFill>
+          </a:ln>
+          <a:effectLst/>
+        </p:spPr>
+        <p:style>
+          <a:lnRef idx="2">
+            <a:schemeClr val="dk1"/>
+          </a:lnRef>
+          <a:fillRef idx="1">
+            <a:schemeClr val="lt1"/>
+          </a:fillRef>
+          <a:effectRef idx="0">
+            <a:schemeClr val="dk1"/>
+          </a:effectRef>
+          <a:fontRef idx="minor">
+            <a:schemeClr val="dk1"/>
+          </a:fontRef>
+        </p:style>
+        <p:txBody>
+          <a:bodyPr rtlCol="0" anchor="ctr"/>
+          <a:lstStyle/>
+          <a:p>
+            <a:pPr algn="ctr">
+              <a:lnSpc>
+                <a:spcPts val="1600"/>
+              </a:lnSpc>
+              <a:spcBef>
+                <a:spcPts val="100"/>
+              </a:spcBef>
+              <a:spcAft>
+                <a:spcPts val="100"/>
+              </a:spcAft>
+            </a:pPr>
+            <a:endParaRPr lang="en-US" sz="1600" dirty="0">
+              <a:solidFill>
+                <a:schemeClr val="bg1"/>
+              </a:solidFill>
+              <a:effectLst>
+                <a:outerShdw blurRad="50800" dist="38100" dir="5400000" algn="t" rotWithShape="0">
+                  <a:prstClr val="black">
+                    <a:alpha val="40000"/>
+                  </a:prstClr>
+                </a:outerShdw>
+              </a:effectLst>
+              <a:latin typeface="Source Sans Pro" charset="0"/>
+              <a:ea typeface="Source Sans Pro" charset="0"/>
+            </a:endParaRPr>
+          </a:p>
+        </p:txBody>
+      </p:sp>
+      <p:sp>
+        <p:nvSpPr>
+          <p:cNvPr id="34" name="Rounded Rectangle 24">
+            <a:extLst>
+              <a:ext uri="{FF2B5EF4-FFF2-40B4-BE49-F238E27FC236}">
+                <a16:creationId xmlns:a16="http://schemas.microsoft.com/office/drawing/2014/main" id="{EF1FFEF2-8208-4589-BE63-CA947E0F7205}"/>
+              </a:ext>
+            </a:extLst>
+          </p:cNvPr>
+          <p:cNvSpPr/>
+          <p:nvPr/>
+        </p:nvSpPr>
+        <p:spPr>
+          <a:xfrm>
+            <a:off x="3998331" y="1903830"/>
+            <a:ext cx="4236261" cy="457569"/>
+          </a:xfrm>
+          <a:prstGeom prst="roundRect">
+            <a:avLst>
+              <a:gd name="adj" fmla="val 10443"/>
+            </a:avLst>
+          </a:prstGeom>
+          <a:solidFill>
+            <a:schemeClr val="accent1">
+              <a:lumMod val="75000"/>
+            </a:schemeClr>
+          </a:solidFill>
+          <a:ln w="12700">
+            <a:noFill/>
+          </a:ln>
+          <a:effectLst>
+            <a:innerShdw blurRad="114300">
+              <a:prstClr val="black">
+                <a:alpha val="49000"/>
+              </a:prstClr>
+            </a:innerShdw>
+          </a:effectLst>
+        </p:spPr>
+        <p:style>
+          <a:lnRef idx="2">
+            <a:schemeClr val="dk1"/>
+          </a:lnRef>
+          <a:fillRef idx="1">
+            <a:schemeClr val="lt1"/>
+          </a:fillRef>
+          <a:effectRef idx="0">
+            <a:schemeClr val="dk1"/>
+          </a:effectRef>
+          <a:fontRef idx="minor">
+            <a:schemeClr val="dk1"/>
+          </a:fontRef>
+        </p:style>
+        <p:txBody>
+          <a:bodyPr wrap="square" lIns="108000" tIns="36000" bIns="0" rtlCol="0" anchor="ctr">
+            <a:noAutofit/>
+          </a:bodyPr>
+          <a:lstStyle/>
+          <a:p>
+            <a:pPr lvl="0">
+              <a:lnSpc>
+                <a:spcPts val="1400"/>
+              </a:lnSpc>
+            </a:pPr>
+            <a:r>
+              <a:rPr lang="en-US" sz="1600" b="1" dirty="0">
+                <a:solidFill>
+                  <a:schemeClr val="bg1"/>
+                </a:solidFill>
+                <a:latin typeface="Source Sans Pro" charset="0"/>
+                <a:ea typeface="Source Sans Pro" charset="0"/>
+                <a:cs typeface="Source Sans Pro" charset="0"/>
+              </a:rPr>
+              <a:t>FOUNDATION </a:t>
+            </a:r>
+            <a:br>
+              <a:rPr lang="en-US" sz="1600" b="1" dirty="0">
+                <a:solidFill>
+                  <a:schemeClr val="bg1"/>
+                </a:solidFill>
+                <a:latin typeface="Source Sans Pro" charset="0"/>
+                <a:ea typeface="Source Sans Pro" charset="0"/>
+                <a:cs typeface="Source Sans Pro" charset="0"/>
+              </a:rPr>
+            </a:br>
+            <a:r>
+              <a:rPr lang="en-US" sz="1600" b="1" dirty="0">
+                <a:solidFill>
+                  <a:schemeClr val="bg1"/>
+                </a:solidFill>
+                <a:latin typeface="Source Sans Pro" charset="0"/>
+                <a:ea typeface="Source Sans Pro" charset="0"/>
+                <a:cs typeface="Source Sans Pro" charset="0"/>
+              </a:rPr>
+              <a:t>LIBRARIES </a:t>
+            </a:r>
+          </a:p>
+        </p:txBody>
+      </p:sp>
+      <p:sp>
+        <p:nvSpPr>
+          <p:cNvPr id="39" name="Rounded Rectangle 36">
+            <a:extLst>
+              <a:ext uri="{FF2B5EF4-FFF2-40B4-BE49-F238E27FC236}">
+                <a16:creationId xmlns:a16="http://schemas.microsoft.com/office/drawing/2014/main" id="{752A5F1E-E188-41A1-9B50-B7C4DB4DF54D}"/>
+              </a:ext>
+            </a:extLst>
+          </p:cNvPr>
+          <p:cNvSpPr/>
+          <p:nvPr/>
+        </p:nvSpPr>
+        <p:spPr>
+          <a:xfrm>
+            <a:off x="5977326" y="1996689"/>
+            <a:ext cx="1054778" cy="289727"/>
+          </a:xfrm>
+          <a:prstGeom prst="roundRect">
+            <a:avLst>
+              <a:gd name="adj" fmla="val 19644"/>
+            </a:avLst>
+          </a:prstGeom>
+          <a:solidFill>
+            <a:schemeClr val="bg1"/>
+          </a:solidFill>
+          <a:ln w="12700">
+            <a:noFill/>
+          </a:ln>
+          <a:effectLst/>
+        </p:spPr>
+        <p:style>
+          <a:lnRef idx="2">
+            <a:schemeClr val="dk1"/>
+          </a:lnRef>
+          <a:fillRef idx="1">
+            <a:schemeClr val="lt1"/>
+          </a:fillRef>
+          <a:effectRef idx="0">
+            <a:schemeClr val="dk1"/>
+          </a:effectRef>
+          <a:fontRef idx="minor">
+            <a:schemeClr val="dk1"/>
+          </a:fontRef>
+        </p:style>
+        <p:txBody>
+          <a:bodyPr wrap="square" lIns="36000" tIns="36000" rIns="36000" bIns="36000" rtlCol="0" anchor="ctr">
+            <a:noAutofit/>
+          </a:bodyPr>
+          <a:lstStyle/>
+          <a:p>
+            <a:pPr algn="ctr"/>
+            <a:r>
+              <a:rPr lang="en-US" sz="1200">
+                <a:solidFill>
+                  <a:schemeClr val="accent1"/>
+                </a:solidFill>
+                <a:latin typeface="Source Sans Pro Light" charset="0"/>
+                <a:ea typeface="Source Sans Pro Light" charset="0"/>
+                <a:cs typeface="Source Sans Pro Light" charset="0"/>
+              </a:rPr>
+              <a:t>FS</a:t>
+            </a:r>
+            <a:endParaRPr lang="en-US" sz="1200" dirty="0">
+              <a:solidFill>
+                <a:schemeClr val="accent1"/>
+              </a:solidFill>
+              <a:latin typeface="Source Sans Pro Light" charset="0"/>
+              <a:ea typeface="Source Sans Pro Light" charset="0"/>
+              <a:cs typeface="Source Sans Pro Light" charset="0"/>
+            </a:endParaRPr>
+          </a:p>
+        </p:txBody>
+      </p:sp>
+      <p:sp>
+        <p:nvSpPr>
+          <p:cNvPr id="40" name="Round Same Side Corner Rectangle 44">
+            <a:extLst>
+              <a:ext uri="{FF2B5EF4-FFF2-40B4-BE49-F238E27FC236}">
+                <a16:creationId xmlns:a16="http://schemas.microsoft.com/office/drawing/2014/main" id="{B7889216-5E49-4C9D-9B47-DB50612CE947}"/>
+              </a:ext>
+            </a:extLst>
+          </p:cNvPr>
+          <p:cNvSpPr/>
+          <p:nvPr/>
+        </p:nvSpPr>
+        <p:spPr>
+          <a:xfrm rot="10800000">
+            <a:off x="4073205" y="1274149"/>
+            <a:ext cx="4117979" cy="539430"/>
+          </a:xfrm>
+          <a:prstGeom prst="round2SameRect">
+            <a:avLst>
+              <a:gd name="adj1" fmla="val 24382"/>
+              <a:gd name="adj2" fmla="val 0"/>
+            </a:avLst>
+          </a:prstGeom>
+          <a:solidFill>
+            <a:schemeClr val="tx2">
+              <a:lumMod val="20000"/>
+              <a:lumOff val="80000"/>
+            </a:schemeClr>
+          </a:solidFill>
+          <a:ln w="12700">
+            <a:noFill/>
+            <a:round/>
+          </a:ln>
+        </p:spPr>
+        <p:style>
+          <a:lnRef idx="2">
+            <a:schemeClr val="accent1">
+              <a:shade val="50000"/>
+            </a:schemeClr>
+          </a:lnRef>
+          <a:fillRef idx="1">
+            <a:schemeClr val="accent1"/>
+          </a:fillRef>
+          <a:effectRef idx="0">
+            <a:schemeClr val="accent1"/>
+          </a:effectRef>
+          <a:fontRef idx="minor">
+            <a:schemeClr val="lt1"/>
+          </a:fontRef>
+        </p:style>
+        <p:txBody>
+          <a:bodyPr rtlCol="0" anchor="ctr"/>
+          <a:lstStyle/>
+          <a:p>
+            <a:pPr algn="ctr"/>
+            <a:endParaRPr lang="en-US" dirty="0"/>
+          </a:p>
+        </p:txBody>
+      </p:sp>
+      <p:sp>
+        <p:nvSpPr>
           <p:cNvPr id="49" name="Rounded Rectangle 106">
             <a:extLst>
               <a:ext uri="{FF2B5EF4-FFF2-40B4-BE49-F238E27FC236}">
@@ -17338,8 +17635,8 @@
         </p:nvSpPr>
         <p:spPr>
           <a:xfrm>
-            <a:off x="4512120" y="829724"/>
-            <a:ext cx="3080118" cy="306000"/>
+            <a:off x="5977326" y="1233378"/>
+            <a:ext cx="1054778" cy="499785"/>
           </a:xfrm>
           <a:prstGeom prst="roundRect">
             <a:avLst>
@@ -17385,7 +17682,7 @@
               </a:spcAft>
             </a:pPr>
             <a:r>
-              <a:rPr lang="en-US" sz="1600" b="1" dirty="0">
+              <a:rPr lang="en-US" sz="1600" b="1">
                 <a:solidFill>
                   <a:schemeClr val="tx1"/>
                 </a:solidFill>
@@ -17393,7 +17690,7 @@
                 <a:ea typeface="Source Sans Pro" charset="0"/>
                 <a:cs typeface="Source Sans Pro" charset="0"/>
               </a:rPr>
-              <a:t>YOUR APPLICATIONS</a:t>
+              <a:t>TEST SUITE FS</a:t>
             </a:r>
             <a:endParaRPr lang="en-US" sz="1200" dirty="0">
               <a:solidFill>
@@ -17406,203 +17703,12 @@
           </a:p>
         </p:txBody>
       </p:sp>
-      <p:grpSp>
-        <p:nvGrpSpPr>
-          <p:cNvPr id="56" name="Group 55">
+      <p:sp>
+        <p:nvSpPr>
+          <p:cNvPr id="51" name="Rounded Rectangle 36">
             <a:extLst>
               <a:ext uri="{FF2B5EF4-FFF2-40B4-BE49-F238E27FC236}">
-                <a16:creationId xmlns:a16="http://schemas.microsoft.com/office/drawing/2014/main" id="{F7E66A6F-5BE5-4342-9B4F-DF3E22F31533}"/>
-              </a:ext>
-            </a:extLst>
-          </p:cNvPr>
-          <p:cNvGrpSpPr/>
-          <p:nvPr/>
-        </p:nvGrpSpPr>
-        <p:grpSpPr>
-          <a:xfrm>
-            <a:off x="3995887" y="3072196"/>
-            <a:ext cx="1771705" cy="142924"/>
-            <a:chOff x="1100700" y="2549855"/>
-            <a:chExt cx="1859628" cy="142924"/>
-          </a:xfrm>
-        </p:grpSpPr>
-        <p:cxnSp>
-          <p:nvCxnSpPr>
-            <p:cNvPr id="53" name="Straight Connector 52">
-              <a:extLst>
-                <a:ext uri="{FF2B5EF4-FFF2-40B4-BE49-F238E27FC236}">
-                  <a16:creationId xmlns:a16="http://schemas.microsoft.com/office/drawing/2014/main" id="{D76A9ABD-8369-4A38-A967-D460F3FC7ABA}"/>
-                </a:ext>
-              </a:extLst>
-            </p:cNvPr>
-            <p:cNvCxnSpPr>
-              <a:cxnSpLocks/>
-            </p:cNvCxnSpPr>
-            <p:nvPr/>
-          </p:nvCxnSpPr>
-          <p:spPr>
-            <a:xfrm>
-              <a:off x="2096328" y="2632790"/>
-              <a:ext cx="864000" cy="0"/>
-            </a:xfrm>
-            <a:prstGeom prst="line">
-              <a:avLst/>
-            </a:prstGeom>
-            <a:ln w="38100" cap="rnd">
-              <a:solidFill>
-                <a:schemeClr val="accent1">
-                  <a:lumMod val="60000"/>
-                  <a:lumOff val="40000"/>
-                </a:schemeClr>
-              </a:solidFill>
-              <a:miter lim="800000"/>
-            </a:ln>
-          </p:spPr>
-          <p:style>
-            <a:lnRef idx="1">
-              <a:schemeClr val="accent1"/>
-            </a:lnRef>
-            <a:fillRef idx="0">
-              <a:schemeClr val="accent1"/>
-            </a:fillRef>
-            <a:effectRef idx="0">
-              <a:schemeClr val="accent1"/>
-            </a:effectRef>
-            <a:fontRef idx="minor">
-              <a:schemeClr val="tx1"/>
-            </a:fontRef>
-          </p:style>
-        </p:cxnSp>
-        <p:cxnSp>
-          <p:nvCxnSpPr>
-            <p:cNvPr id="54" name="Straight Connector 53">
-              <a:extLst>
-                <a:ext uri="{FF2B5EF4-FFF2-40B4-BE49-F238E27FC236}">
-                  <a16:creationId xmlns:a16="http://schemas.microsoft.com/office/drawing/2014/main" id="{0E06F514-496B-4C2C-8776-A1BC8561A000}"/>
-                </a:ext>
-              </a:extLst>
-            </p:cNvPr>
-            <p:cNvCxnSpPr>
-              <a:cxnSpLocks/>
-            </p:cNvCxnSpPr>
-            <p:nvPr/>
-          </p:nvCxnSpPr>
-          <p:spPr>
-            <a:xfrm>
-              <a:off x="1100700" y="2632790"/>
-              <a:ext cx="864000" cy="0"/>
-            </a:xfrm>
-            <a:prstGeom prst="line">
-              <a:avLst/>
-            </a:prstGeom>
-            <a:ln w="38100" cap="rnd">
-              <a:solidFill>
-                <a:schemeClr val="accent1">
-                  <a:lumMod val="60000"/>
-                  <a:lumOff val="40000"/>
-                </a:schemeClr>
-              </a:solidFill>
-              <a:miter lim="800000"/>
-            </a:ln>
-          </p:spPr>
-          <p:style>
-            <a:lnRef idx="1">
-              <a:schemeClr val="accent1"/>
-            </a:lnRef>
-            <a:fillRef idx="0">
-              <a:schemeClr val="accent1"/>
-            </a:fillRef>
-            <a:effectRef idx="0">
-              <a:schemeClr val="accent1"/>
-            </a:effectRef>
-            <a:fontRef idx="minor">
-              <a:schemeClr val="tx1"/>
-            </a:fontRef>
-          </p:style>
-        </p:cxnSp>
-        <p:sp>
-          <p:nvSpPr>
-            <p:cNvPr id="55" name="Rectangle 54">
-              <a:extLst>
-                <a:ext uri="{FF2B5EF4-FFF2-40B4-BE49-F238E27FC236}">
-                  <a16:creationId xmlns:a16="http://schemas.microsoft.com/office/drawing/2014/main" id="{4E728D8B-2D11-4CCA-8431-3EC2C2E9192B}"/>
-                </a:ext>
-              </a:extLst>
-            </p:cNvPr>
-            <p:cNvSpPr/>
-            <p:nvPr/>
-          </p:nvSpPr>
-          <p:spPr>
-            <a:xfrm>
-              <a:off x="1439444" y="2549855"/>
-              <a:ext cx="1198662" cy="142924"/>
-            </a:xfrm>
-            <a:prstGeom prst="rect">
-              <a:avLst/>
-            </a:prstGeom>
-            <a:gradFill flip="none" rotWithShape="1">
-              <a:gsLst>
-                <a:gs pos="100000">
-                  <a:srgbClr val="CBD3D7">
-                    <a:alpha val="0"/>
-                  </a:srgbClr>
-                </a:gs>
-                <a:gs pos="0">
-                  <a:schemeClr val="bg2">
-                    <a:alpha val="0"/>
-                  </a:schemeClr>
-                </a:gs>
-                <a:gs pos="89000">
-                  <a:srgbClr val="CBD3D7">
-                    <a:alpha val="30000"/>
-                  </a:srgbClr>
-                </a:gs>
-                <a:gs pos="11000">
-                  <a:schemeClr val="bg2">
-                    <a:alpha val="30000"/>
-                  </a:schemeClr>
-                </a:gs>
-              </a:gsLst>
-              <a:lin ang="0" scaled="1"/>
-              <a:tileRect/>
-            </a:gradFill>
-            <a:ln w="31750">
-              <a:noFill/>
-            </a:ln>
-            <a:effectLst/>
-          </p:spPr>
-          <p:txBody>
-            <a:bodyPr wrap="square" lIns="0" tIns="0" rIns="0" bIns="0">
-              <a:spAutoFit/>
-            </a:bodyPr>
-            <a:lstStyle/>
-            <a:p>
-              <a:pPr algn="ctr">
-                <a:lnSpc>
-                  <a:spcPts val="1000"/>
-                </a:lnSpc>
-              </a:pPr>
-              <a:r>
-                <a:rPr lang="en-US" sz="1400" dirty="0">
-                  <a:ln w="0"/>
-                  <a:solidFill>
-                    <a:schemeClr val="accent1"/>
-                  </a:solidFill>
-                  <a:latin typeface="Source Sans Pro" panose="020B0503030403020204" pitchFamily="34" charset="0"/>
-                  <a:ea typeface="Source Sans Pro" panose="020B0503030403020204" pitchFamily="34" charset="0"/>
-                </a:rPr>
-                <a:t>LOW LEVEL API</a:t>
-              </a:r>
-            </a:p>
-          </p:txBody>
-        </p:sp>
-      </p:grpSp>
-      <p:sp>
-        <p:nvSpPr>
-          <p:cNvPr id="60" name="Rounded Rectangle 72">
-            <a:extLst>
-              <a:ext uri="{FF2B5EF4-FFF2-40B4-BE49-F238E27FC236}">
-                <a16:creationId xmlns:a16="http://schemas.microsoft.com/office/drawing/2014/main" id="{862E39EC-050A-400F-8B72-95874D4E684C}"/>
+                <a16:creationId xmlns:a16="http://schemas.microsoft.com/office/drawing/2014/main" id="{2928CAAD-6EB8-4570-A8F8-7E2ED329E8AE}"/>
               </a:ext>
             </a:extLst>
           </p:cNvPr>
@@ -17611,46 +17717,57 @@
         </p:nvSpPr>
         <p:spPr>
           <a:xfrm>
-            <a:off x="6661532" y="3067238"/>
-            <a:ext cx="761996" cy="152839"/>
+            <a:off x="5977326" y="3160722"/>
+            <a:ext cx="1054778" cy="289727"/>
           </a:xfrm>
           <a:prstGeom prst="roundRect">
             <a:avLst>
-              <a:gd name="adj" fmla="val 50000"/>
+              <a:gd name="adj" fmla="val 19644"/>
             </a:avLst>
           </a:prstGeom>
           <a:solidFill>
             <a:schemeClr val="bg1"/>
           </a:solidFill>
-          <a:ln w="28575" cap="flat" cmpd="sng" algn="ctr">
+          <a:ln w="12700">
             <a:noFill/>
-            <a:prstDash val="solid"/>
           </a:ln>
           <a:effectLst/>
         </p:spPr>
+        <p:style>
+          <a:lnRef idx="2">
+            <a:schemeClr val="dk1"/>
+          </a:lnRef>
+          <a:fillRef idx="1">
+            <a:schemeClr val="lt1"/>
+          </a:fillRef>
+          <a:effectRef idx="0">
+            <a:schemeClr val="dk1"/>
+          </a:effectRef>
+          <a:fontRef idx="minor">
+            <a:schemeClr val="dk1"/>
+          </a:fontRef>
+        </p:style>
         <p:txBody>
-          <a:bodyPr lIns="36000" rIns="36000" rtlCol="0" anchor="ctr"/>
+          <a:bodyPr wrap="square" lIns="36000" tIns="36000" rIns="36000" bIns="36000" rtlCol="0" anchor="ctr">
+            <a:noAutofit/>
+          </a:bodyPr>
           <a:lstStyle/>
           <a:p>
-            <a:pPr algn="ctr">
-              <a:defRPr/>
-            </a:pPr>
+            <a:pPr algn="ctr"/>
             <a:r>
               <a:rPr lang="en-US" sz="1200">
                 <a:solidFill>
-                  <a:schemeClr val="accent1"/>
+                  <a:srgbClr val="00B050"/>
                 </a:solidFill>
                 <a:latin typeface="Source Sans Pro Light" charset="0"/>
                 <a:ea typeface="Source Sans Pro Light" charset="0"/>
                 <a:cs typeface="Source Sans Pro Light" charset="0"/>
               </a:rPr>
-              <a:t>LLKERNEL</a:t>
+              <a:t>LLFS</a:t>
             </a:r>
             <a:endParaRPr lang="en-US" sz="1200" dirty="0">
               <a:solidFill>
-                <a:srgbClr val="4B5357">
-                  <a:lumMod val="75000"/>
-                </a:srgbClr>
+                <a:schemeClr val="accent1"/>
               </a:solidFill>
               <a:latin typeface="Source Sans Pro Light" charset="0"/>
               <a:ea typeface="Source Sans Pro Light" charset="0"/>
@@ -17659,56 +17776,12 @@
           </a:p>
         </p:txBody>
       </p:sp>
-      <p:cxnSp>
-        <p:nvCxnSpPr>
-          <p:cNvPr id="61" name="Straight Connector 60">
+      <p:sp>
+        <p:nvSpPr>
+          <p:cNvPr id="53" name="Rounded Rectangle 36">
             <a:extLst>
               <a:ext uri="{FF2B5EF4-FFF2-40B4-BE49-F238E27FC236}">
-                <a16:creationId xmlns:a16="http://schemas.microsoft.com/office/drawing/2014/main" id="{CB1636E4-F313-4366-9B7E-E9EFB292B7F9}"/>
-              </a:ext>
-            </a:extLst>
-          </p:cNvPr>
-          <p:cNvCxnSpPr>
-            <a:cxnSpLocks/>
-          </p:cNvCxnSpPr>
-          <p:nvPr/>
-        </p:nvCxnSpPr>
-        <p:spPr>
-          <a:xfrm>
-            <a:off x="6721541" y="3402961"/>
-            <a:ext cx="670603" cy="0"/>
-          </a:xfrm>
-          <a:prstGeom prst="line">
-            <a:avLst/>
-          </a:prstGeom>
-          <a:ln w="38100" cap="rnd">
-            <a:solidFill>
-              <a:schemeClr val="accent5"/>
-            </a:solidFill>
-            <a:miter lim="800000"/>
-          </a:ln>
-        </p:spPr>
-        <p:style>
-          <a:lnRef idx="1">
-            <a:schemeClr val="accent1"/>
-          </a:lnRef>
-          <a:fillRef idx="0">
-            <a:schemeClr val="accent1"/>
-          </a:fillRef>
-          <a:effectRef idx="0">
-            <a:schemeClr val="accent1"/>
-          </a:effectRef>
-          <a:fontRef idx="minor">
-            <a:schemeClr val="tx1"/>
-          </a:fontRef>
-        </p:style>
-      </p:cxnSp>
-      <p:sp>
-        <p:nvSpPr>
-          <p:cNvPr id="62" name="Rounded Rectangle 72">
-            <a:extLst>
-              <a:ext uri="{FF2B5EF4-FFF2-40B4-BE49-F238E27FC236}">
-                <a16:creationId xmlns:a16="http://schemas.microsoft.com/office/drawing/2014/main" id="{0612A886-A63A-4035-ABDB-D7F9C1C6013C}"/>
+                <a16:creationId xmlns:a16="http://schemas.microsoft.com/office/drawing/2014/main" id="{3196DF72-1420-4AB0-AB97-F24AF41E3EB9}"/>
               </a:ext>
             </a:extLst>
           </p:cNvPr>
@@ -17717,46 +17790,57 @@
         </p:nvSpPr>
         <p:spPr>
           <a:xfrm>
-            <a:off x="7509613" y="3072238"/>
-            <a:ext cx="654874" cy="152839"/>
+            <a:off x="5977326" y="3545977"/>
+            <a:ext cx="1054778" cy="222958"/>
           </a:xfrm>
           <a:prstGeom prst="roundRect">
             <a:avLst>
-              <a:gd name="adj" fmla="val 50000"/>
+              <a:gd name="adj" fmla="val 19644"/>
             </a:avLst>
           </a:prstGeom>
           <a:solidFill>
             <a:schemeClr val="bg1"/>
           </a:solidFill>
-          <a:ln w="28575" cap="flat" cmpd="sng" algn="ctr">
+          <a:ln w="12700">
             <a:noFill/>
-            <a:prstDash val="solid"/>
           </a:ln>
           <a:effectLst/>
         </p:spPr>
+        <p:style>
+          <a:lnRef idx="2">
+            <a:schemeClr val="dk1"/>
+          </a:lnRef>
+          <a:fillRef idx="1">
+            <a:schemeClr val="lt1"/>
+          </a:fillRef>
+          <a:effectRef idx="0">
+            <a:schemeClr val="dk1"/>
+          </a:effectRef>
+          <a:fontRef idx="minor">
+            <a:schemeClr val="dk1"/>
+          </a:fontRef>
+        </p:style>
         <p:txBody>
-          <a:bodyPr lIns="36000" rIns="36000" rtlCol="0" anchor="ctr"/>
+          <a:bodyPr wrap="square" lIns="36000" tIns="36000" rIns="36000" bIns="36000" rtlCol="0" anchor="ctr">
+            <a:noAutofit/>
+          </a:bodyPr>
           <a:lstStyle/>
           <a:p>
-            <a:pPr algn="ctr">
-              <a:defRPr/>
-            </a:pPr>
+            <a:pPr algn="ctr"/>
             <a:r>
               <a:rPr lang="en-US" sz="1200">
                 <a:solidFill>
-                  <a:schemeClr val="accent1"/>
+                  <a:schemeClr val="tx1"/>
                 </a:solidFill>
                 <a:latin typeface="Source Sans Pro Light" charset="0"/>
                 <a:ea typeface="Source Sans Pro Light" charset="0"/>
                 <a:cs typeface="Source Sans Pro Light" charset="0"/>
               </a:rPr>
-              <a:t>LLFS</a:t>
+              <a:t>fatfs</a:t>
             </a:r>
             <a:endParaRPr lang="en-US" sz="1200" dirty="0">
               <a:solidFill>
-                <a:srgbClr val="4B5357">
-                  <a:lumMod val="75000"/>
-                </a:srgbClr>
+                <a:schemeClr val="tx1"/>
               </a:solidFill>
               <a:latin typeface="Source Sans Pro Light" charset="0"/>
               <a:ea typeface="Source Sans Pro Light" charset="0"/>
@@ -17765,54 +17849,59 @@
           </a:p>
         </p:txBody>
       </p:sp>
-      <p:cxnSp>
-        <p:nvCxnSpPr>
-          <p:cNvPr id="63" name="Straight Connector 62">
+      <p:sp>
+        <p:nvSpPr>
+          <p:cNvPr id="36" name="Rectangle 35">
             <a:extLst>
               <a:ext uri="{FF2B5EF4-FFF2-40B4-BE49-F238E27FC236}">
-                <a16:creationId xmlns:a16="http://schemas.microsoft.com/office/drawing/2014/main" id="{EA5E9159-DB2A-46B1-BA81-4A7F1BCFE58D}"/>
+                <a16:creationId xmlns:a16="http://schemas.microsoft.com/office/drawing/2014/main" id="{8D604CD3-9B5B-4F00-901B-4F1046723D74}"/>
               </a:ext>
             </a:extLst>
           </p:cNvPr>
-          <p:cNvCxnSpPr>
-            <a:cxnSpLocks/>
-          </p:cNvCxnSpPr>
+          <p:cNvSpPr/>
           <p:nvPr/>
-        </p:nvCxnSpPr>
+        </p:nvSpPr>
         <p:spPr>
           <a:xfrm>
-            <a:off x="7526509" y="3402961"/>
-            <a:ext cx="637268" cy="0"/>
-          </a:xfrm>
-          <a:prstGeom prst="line">
+            <a:off x="6780148" y="2449992"/>
+            <a:ext cx="1424261" cy="213954"/>
+          </a:xfrm>
+          <a:prstGeom prst="rect">
             <a:avLst/>
           </a:prstGeom>
-          <a:ln w="38100" cap="rnd">
-            <a:solidFill>
-              <a:schemeClr val="accent5"/>
-            </a:solidFill>
-            <a:miter lim="800000"/>
-          </a:ln>
-        </p:spPr>
-        <p:style>
-          <a:lnRef idx="1">
-            <a:schemeClr val="accent1"/>
-          </a:lnRef>
-          <a:fillRef idx="0">
-            <a:schemeClr val="accent1"/>
-          </a:fillRef>
-          <a:effectRef idx="0">
-            <a:schemeClr val="accent1"/>
-          </a:effectRef>
-          <a:fontRef idx="minor">
-            <a:schemeClr val="tx1"/>
-          </a:fontRef>
-        </p:style>
-      </p:cxnSp>
+          <a:noFill/>
+          <a:effectLst/>
+        </p:spPr>
+        <p:txBody>
+          <a:bodyPr wrap="square" lIns="0" rIns="0">
+            <a:noAutofit/>
+          </a:bodyPr>
+          <a:lstStyle/>
+          <a:p>
+            <a:pPr algn="r">
+              <a:lnSpc>
+                <a:spcPts val="1300"/>
+              </a:lnSpc>
+            </a:pPr>
+            <a:r>
+              <a:rPr lang="en-US" sz="1100" b="1" dirty="0">
+                <a:ln w="0"/>
+                <a:solidFill>
+                  <a:schemeClr val="accent1"/>
+                </a:solidFill>
+                <a:latin typeface="Source Sans Pro" charset="0"/>
+                <a:ea typeface="Source Sans Pro" charset="0"/>
+                <a:cs typeface="Source Sans Pro" charset="0"/>
+              </a:rPr>
+              <a:t>VIRTUALIZATION</a:t>
+            </a:r>
+          </a:p>
+        </p:txBody>
+      </p:sp>
     </p:spTree>
     <p:extLst>
       <p:ext uri="{BB962C8B-B14F-4D97-AF65-F5344CB8AC3E}">
-        <p14:creationId xmlns:p14="http://schemas.microsoft.com/office/powerpoint/2010/main" val="74784356"/>
+        <p14:creationId xmlns:p14="http://schemas.microsoft.com/office/powerpoint/2010/main" val="1439204699"/>
       </p:ext>
     </p:extLst>
   </p:cSld>
